--- a/doc/algorithm.pptx
+++ b/doc/algorithm.pptx
@@ -13,18 +13,18 @@
     <p:sldId id="288" r:id="rId4"/>
     <p:sldId id="276" r:id="rId5"/>
     <p:sldId id="285" r:id="rId6"/>
-    <p:sldId id="289" r:id="rId7"/>
-    <p:sldId id="277" r:id="rId8"/>
-    <p:sldId id="278" r:id="rId9"/>
+    <p:sldId id="278" r:id="rId7"/>
+    <p:sldId id="289" r:id="rId8"/>
+    <p:sldId id="277" r:id="rId9"/>
     <p:sldId id="279" r:id="rId10"/>
     <p:sldId id="280" r:id="rId11"/>
     <p:sldId id="290" r:id="rId12"/>
     <p:sldId id="283" r:id="rId13"/>
     <p:sldId id="284" r:id="rId14"/>
-    <p:sldId id="281" r:id="rId15"/>
-    <p:sldId id="282" r:id="rId16"/>
-    <p:sldId id="275" r:id="rId17"/>
-    <p:sldId id="291" r:id="rId18"/>
+    <p:sldId id="275" r:id="rId15"/>
+    <p:sldId id="291" r:id="rId16"/>
+    <p:sldId id="281" r:id="rId17"/>
+    <p:sldId id="282" r:id="rId18"/>
   </p:sldIdLst>
   <p:sldSz cx="10693400" cy="7562850"/>
   <p:notesSz cx="6858000" cy="9144000"/>
@@ -275,14 +275,14 @@
           <a:effectLst/>
           <a:extLst>
             <a:ext uri="{909E8E84-426E-40dd-AFC4-6F175D3DCCD1}">
-              <a14:hiddenFill xmlns="" xmlns:a14="http://schemas.microsoft.com/office/drawing/2010/main">
+              <a14:hiddenFill xmlns:a14="http://schemas.microsoft.com/office/drawing/2010/main" xmlns="">
                 <a:solidFill>
                   <a:schemeClr val="accent1"/>
                 </a:solidFill>
               </a14:hiddenFill>
             </a:ext>
             <a:ext uri="{91240B29-F687-4f45-9708-019B960494DF}">
-              <a14:hiddenLine xmlns="" xmlns:a14="http://schemas.microsoft.com/office/drawing/2010/main" w="9525">
+              <a14:hiddenLine xmlns:a14="http://schemas.microsoft.com/office/drawing/2010/main" xmlns="" w="9525">
                 <a:solidFill>
                   <a:schemeClr val="tx1"/>
                 </a:solidFill>
@@ -292,7 +292,7 @@
               </a14:hiddenLine>
             </a:ext>
             <a:ext uri="{AF507438-7753-43e0-B8FC-AC1667EBCBE1}">
-              <a14:hiddenEffects xmlns="" xmlns:a14="http://schemas.microsoft.com/office/drawing/2010/main">
+              <a14:hiddenEffects xmlns:a14="http://schemas.microsoft.com/office/drawing/2010/main" xmlns="">
                 <a:effectLst>
                   <a:outerShdw dist="35921" dir="2700000" algn="ctr" rotWithShape="0">
                     <a:schemeClr val="bg2"/>
@@ -343,14 +343,14 @@
           <a:effectLst/>
           <a:extLst>
             <a:ext uri="{909E8E84-426E-40dd-AFC4-6F175D3DCCD1}">
-              <a14:hiddenFill xmlns="" xmlns:a14="http://schemas.microsoft.com/office/drawing/2010/main">
+              <a14:hiddenFill xmlns:a14="http://schemas.microsoft.com/office/drawing/2010/main" xmlns="">
                 <a:solidFill>
                   <a:schemeClr val="accent1"/>
                 </a:solidFill>
               </a14:hiddenFill>
             </a:ext>
             <a:ext uri="{91240B29-F687-4f45-9708-019B960494DF}">
-              <a14:hiddenLine xmlns="" xmlns:a14="http://schemas.microsoft.com/office/drawing/2010/main" w="9525">
+              <a14:hiddenLine xmlns:a14="http://schemas.microsoft.com/office/drawing/2010/main" xmlns="" w="9525">
                 <a:solidFill>
                   <a:schemeClr val="tx1"/>
                 </a:solidFill>
@@ -360,7 +360,7 @@
               </a14:hiddenLine>
             </a:ext>
             <a:ext uri="{AF507438-7753-43e0-B8FC-AC1667EBCBE1}">
-              <a14:hiddenEffects xmlns="" xmlns:a14="http://schemas.microsoft.com/office/drawing/2010/main">
+              <a14:hiddenEffects xmlns:a14="http://schemas.microsoft.com/office/drawing/2010/main" xmlns="">
                 <a:effectLst>
                   <a:outerShdw dist="35921" dir="2700000" algn="ctr" rotWithShape="0">
                     <a:schemeClr val="bg2"/>
@@ -416,7 +416,7 @@
           <a:effectLst/>
           <a:extLst>
             <a:ext uri="{AF507438-7753-43e0-B8FC-AC1667EBCBE1}">
-              <a14:hiddenEffects xmlns="" xmlns:a14="http://schemas.microsoft.com/office/drawing/2010/main">
+              <a14:hiddenEffects xmlns:a14="http://schemas.microsoft.com/office/drawing/2010/main" xmlns="">
                 <a:effectLst>
                   <a:outerShdw dist="35921" dir="2700000" algn="ctr" rotWithShape="0">
                     <a:srgbClr val="808080"/>
@@ -425,7 +425,7 @@
               </a14:hiddenEffects>
             </a:ext>
             <a:ext uri="{53640926-AAD7-44d8-BBD7-CCE9431645EC}">
-              <a14:shadowObscured xmlns="" xmlns:a14="http://schemas.microsoft.com/office/drawing/2010/main" val="1"/>
+              <a14:shadowObscured xmlns:a14="http://schemas.microsoft.com/office/drawing/2010/main" xmlns="" val="1"/>
             </a:ext>
           </a:extLst>
         </p:spPr>
@@ -455,14 +455,14 @@
           <a:effectLst/>
           <a:extLst>
             <a:ext uri="{909E8E84-426E-40dd-AFC4-6F175D3DCCD1}">
-              <a14:hiddenFill xmlns="" xmlns:a14="http://schemas.microsoft.com/office/drawing/2010/main">
+              <a14:hiddenFill xmlns:a14="http://schemas.microsoft.com/office/drawing/2010/main" xmlns="">
                 <a:solidFill>
                   <a:schemeClr val="accent1"/>
                 </a:solidFill>
               </a14:hiddenFill>
             </a:ext>
             <a:ext uri="{91240B29-F687-4f45-9708-019B960494DF}">
-              <a14:hiddenLine xmlns="" xmlns:a14="http://schemas.microsoft.com/office/drawing/2010/main" w="9525">
+              <a14:hiddenLine xmlns:a14="http://schemas.microsoft.com/office/drawing/2010/main" xmlns="" w="9525">
                 <a:solidFill>
                   <a:schemeClr val="tx1"/>
                 </a:solidFill>
@@ -472,7 +472,7 @@
               </a14:hiddenLine>
             </a:ext>
             <a:ext uri="{AF507438-7753-43e0-B8FC-AC1667EBCBE1}">
-              <a14:hiddenEffects xmlns="" xmlns:a14="http://schemas.microsoft.com/office/drawing/2010/main">
+              <a14:hiddenEffects xmlns:a14="http://schemas.microsoft.com/office/drawing/2010/main" xmlns="">
                 <a:effectLst>
                   <a:outerShdw dist="35921" dir="2700000" algn="ctr" rotWithShape="0">
                     <a:schemeClr val="bg2"/>
@@ -551,14 +551,14 @@
           <a:effectLst/>
           <a:extLst>
             <a:ext uri="{909E8E84-426E-40dd-AFC4-6F175D3DCCD1}">
-              <a14:hiddenFill xmlns="" xmlns:a14="http://schemas.microsoft.com/office/drawing/2010/main">
+              <a14:hiddenFill xmlns:a14="http://schemas.microsoft.com/office/drawing/2010/main" xmlns="">
                 <a:solidFill>
                   <a:schemeClr val="accent1"/>
                 </a:solidFill>
               </a14:hiddenFill>
             </a:ext>
             <a:ext uri="{91240B29-F687-4f45-9708-019B960494DF}">
-              <a14:hiddenLine xmlns="" xmlns:a14="http://schemas.microsoft.com/office/drawing/2010/main" w="9525">
+              <a14:hiddenLine xmlns:a14="http://schemas.microsoft.com/office/drawing/2010/main" xmlns="" w="9525">
                 <a:solidFill>
                   <a:schemeClr val="tx1"/>
                 </a:solidFill>
@@ -568,7 +568,7 @@
               </a14:hiddenLine>
             </a:ext>
             <a:ext uri="{AF507438-7753-43e0-B8FC-AC1667EBCBE1}">
-              <a14:hiddenEffects xmlns="" xmlns:a14="http://schemas.microsoft.com/office/drawing/2010/main">
+              <a14:hiddenEffects xmlns:a14="http://schemas.microsoft.com/office/drawing/2010/main" xmlns="">
                 <a:effectLst>
                   <a:outerShdw dist="35921" dir="2700000" algn="ctr" rotWithShape="0">
                     <a:schemeClr val="bg2"/>
@@ -619,14 +619,14 @@
           <a:effectLst/>
           <a:extLst>
             <a:ext uri="{909E8E84-426E-40dd-AFC4-6F175D3DCCD1}">
-              <a14:hiddenFill xmlns="" xmlns:a14="http://schemas.microsoft.com/office/drawing/2010/main">
+              <a14:hiddenFill xmlns:a14="http://schemas.microsoft.com/office/drawing/2010/main" xmlns="">
                 <a:solidFill>
                   <a:schemeClr val="accent1"/>
                 </a:solidFill>
               </a14:hiddenFill>
             </a:ext>
             <a:ext uri="{91240B29-F687-4f45-9708-019B960494DF}">
-              <a14:hiddenLine xmlns="" xmlns:a14="http://schemas.microsoft.com/office/drawing/2010/main" w="9525">
+              <a14:hiddenLine xmlns:a14="http://schemas.microsoft.com/office/drawing/2010/main" xmlns="" w="9525">
                 <a:solidFill>
                   <a:schemeClr val="tx1"/>
                 </a:solidFill>
@@ -636,7 +636,7 @@
               </a14:hiddenLine>
             </a:ext>
             <a:ext uri="{AF507438-7753-43e0-B8FC-AC1667EBCBE1}">
-              <a14:hiddenEffects xmlns="" xmlns:a14="http://schemas.microsoft.com/office/drawing/2010/main">
+              <a14:hiddenEffects xmlns:a14="http://schemas.microsoft.com/office/drawing/2010/main" xmlns="">
                 <a:effectLst>
                   <a:outerShdw dist="35921" dir="2700000" algn="ctr" rotWithShape="0">
                     <a:schemeClr val="bg2"/>
@@ -954,7 +954,7 @@
             <a:fld id="{932B0C62-07EA-4146-9798-A0A17F7FEF9F}" type="slidenum">
               <a:rPr lang="de-DE" smtClean="0"/>
               <a:pPr/>
-              <a:t>15</a:t>
+              <a:t>16</a:t>
             </a:fld>
             <a:endParaRPr lang="de-DE"/>
           </a:p>
@@ -963,7 +963,7 @@
     </p:spTree>
     <p:extLst>
       <p:ext uri="{BB962C8B-B14F-4D97-AF65-F5344CB8AC3E}">
-        <p14:creationId xmlns:p14="http://schemas.microsoft.com/office/powerpoint/2010/main" val="2109492732"/>
+        <p14:creationId xmlns:p14="http://schemas.microsoft.com/office/powerpoint/2010/main" val="1060192949"/>
       </p:ext>
     </p:extLst>
   </p:cSld>
@@ -1048,7 +1048,7 @@
     </p:spTree>
     <p:extLst>
       <p:ext uri="{BB962C8B-B14F-4D97-AF65-F5344CB8AC3E}">
-        <p14:creationId xmlns:p14="http://schemas.microsoft.com/office/powerpoint/2010/main" val="2443683169"/>
+        <p14:creationId xmlns:p14="http://schemas.microsoft.com/office/powerpoint/2010/main" val="2109492732"/>
       </p:ext>
     </p:extLst>
   </p:cSld>
@@ -1209,7 +1209,7 @@
             <a:fld id="{932B0C62-07EA-4146-9798-A0A17F7FEF9F}" type="slidenum">
               <a:rPr lang="de-DE" smtClean="0"/>
               <a:pPr/>
-              <a:t>7</a:t>
+              <a:t>6</a:t>
             </a:fld>
             <a:endParaRPr lang="de-DE"/>
           </a:p>
@@ -1218,7 +1218,7 @@
     </p:spTree>
     <p:extLst>
       <p:ext uri="{BB962C8B-B14F-4D97-AF65-F5344CB8AC3E}">
-        <p14:creationId xmlns:p14="http://schemas.microsoft.com/office/powerpoint/2010/main" val="1617805977"/>
+        <p14:creationId xmlns:p14="http://schemas.microsoft.com/office/powerpoint/2010/main" val="3453191760"/>
       </p:ext>
     </p:extLst>
   </p:cSld>
@@ -1303,7 +1303,7 @@
     </p:spTree>
     <p:extLst>
       <p:ext uri="{BB962C8B-B14F-4D97-AF65-F5344CB8AC3E}">
-        <p14:creationId xmlns:p14="http://schemas.microsoft.com/office/powerpoint/2010/main" val="3453191760"/>
+        <p14:creationId xmlns:p14="http://schemas.microsoft.com/office/powerpoint/2010/main" val="1617805977"/>
       </p:ext>
     </p:extLst>
   </p:cSld>
@@ -1728,7 +1728,7 @@
             <a:fld id="{932B0C62-07EA-4146-9798-A0A17F7FEF9F}" type="slidenum">
               <a:rPr lang="de-DE" smtClean="0"/>
               <a:pPr/>
-              <a:t>14</a:t>
+              <a:t>15</a:t>
             </a:fld>
             <a:endParaRPr lang="de-DE"/>
           </a:p>
@@ -1737,7 +1737,7 @@
     </p:spTree>
     <p:extLst>
       <p:ext uri="{BB962C8B-B14F-4D97-AF65-F5344CB8AC3E}">
-        <p14:creationId xmlns:p14="http://schemas.microsoft.com/office/powerpoint/2010/main" val="1060192949"/>
+        <p14:creationId xmlns:p14="http://schemas.microsoft.com/office/powerpoint/2010/main" val="2443683169"/>
       </p:ext>
     </p:extLst>
   </p:cSld>
@@ -3433,14 +3433,14 @@
           <a:effectLst/>
           <a:extLst>
             <a:ext uri="{909E8E84-426E-40dd-AFC4-6F175D3DCCD1}">
-              <a14:hiddenFill xmlns="" xmlns:a14="http://schemas.microsoft.com/office/drawing/2010/main">
+              <a14:hiddenFill xmlns:a14="http://schemas.microsoft.com/office/drawing/2010/main" xmlns="">
                 <a:solidFill>
                   <a:schemeClr val="accent1"/>
                 </a:solidFill>
               </a14:hiddenFill>
             </a:ext>
             <a:ext uri="{91240B29-F687-4f45-9708-019B960494DF}">
-              <a14:hiddenLine xmlns="" xmlns:a14="http://schemas.microsoft.com/office/drawing/2010/main" w="9525">
+              <a14:hiddenLine xmlns:a14="http://schemas.microsoft.com/office/drawing/2010/main" xmlns="" w="9525">
                 <a:solidFill>
                   <a:schemeClr val="tx1"/>
                 </a:solidFill>
@@ -3450,7 +3450,7 @@
               </a14:hiddenLine>
             </a:ext>
             <a:ext uri="{AF507438-7753-43e0-B8FC-AC1667EBCBE1}">
-              <a14:hiddenEffects xmlns="" xmlns:a14="http://schemas.microsoft.com/office/drawing/2010/main">
+              <a14:hiddenEffects xmlns:a14="http://schemas.microsoft.com/office/drawing/2010/main" xmlns="">
                 <a:effectLst>
                   <a:outerShdw dist="35921" dir="2700000" algn="ctr" rotWithShape="0">
                     <a:schemeClr val="bg2"/>
@@ -3501,14 +3501,14 @@
           <a:effectLst/>
           <a:extLst>
             <a:ext uri="{909E8E84-426E-40dd-AFC4-6F175D3DCCD1}">
-              <a14:hiddenFill xmlns="" xmlns:a14="http://schemas.microsoft.com/office/drawing/2010/main">
+              <a14:hiddenFill xmlns:a14="http://schemas.microsoft.com/office/drawing/2010/main" xmlns="">
                 <a:solidFill>
                   <a:schemeClr val="accent1"/>
                 </a:solidFill>
               </a14:hiddenFill>
             </a:ext>
             <a:ext uri="{91240B29-F687-4f45-9708-019B960494DF}">
-              <a14:hiddenLine xmlns="" xmlns:a14="http://schemas.microsoft.com/office/drawing/2010/main" w="9525">
+              <a14:hiddenLine xmlns:a14="http://schemas.microsoft.com/office/drawing/2010/main" xmlns="" w="9525">
                 <a:solidFill>
                   <a:schemeClr val="tx1"/>
                 </a:solidFill>
@@ -3518,7 +3518,7 @@
               </a14:hiddenLine>
             </a:ext>
             <a:ext uri="{AF507438-7753-43e0-B8FC-AC1667EBCBE1}">
-              <a14:hiddenEffects xmlns="" xmlns:a14="http://schemas.microsoft.com/office/drawing/2010/main">
+              <a14:hiddenEffects xmlns:a14="http://schemas.microsoft.com/office/drawing/2010/main" xmlns="">
                 <a:effectLst>
                   <a:outerShdw dist="35921" dir="2700000" algn="ctr" rotWithShape="0">
                     <a:schemeClr val="bg2"/>
@@ -3597,14 +3597,14 @@
           <a:effectLst/>
           <a:extLst>
             <a:ext uri="{909E8E84-426E-40dd-AFC4-6F175D3DCCD1}">
-              <a14:hiddenFill xmlns="" xmlns:a14="http://schemas.microsoft.com/office/drawing/2010/main">
+              <a14:hiddenFill xmlns:a14="http://schemas.microsoft.com/office/drawing/2010/main" xmlns="">
                 <a:solidFill>
                   <a:schemeClr val="accent1"/>
                 </a:solidFill>
               </a14:hiddenFill>
             </a:ext>
             <a:ext uri="{91240B29-F687-4f45-9708-019B960494DF}">
-              <a14:hiddenLine xmlns="" xmlns:a14="http://schemas.microsoft.com/office/drawing/2010/main" w="9525">
+              <a14:hiddenLine xmlns:a14="http://schemas.microsoft.com/office/drawing/2010/main" xmlns="" w="9525">
                 <a:solidFill>
                   <a:schemeClr val="tx1"/>
                 </a:solidFill>
@@ -3614,7 +3614,7 @@
               </a14:hiddenLine>
             </a:ext>
             <a:ext uri="{AF507438-7753-43e0-B8FC-AC1667EBCBE1}">
-              <a14:hiddenEffects xmlns="" xmlns:a14="http://schemas.microsoft.com/office/drawing/2010/main">
+              <a14:hiddenEffects xmlns:a14="http://schemas.microsoft.com/office/drawing/2010/main" xmlns="">
                 <a:effectLst>
                   <a:outerShdw dist="35921" dir="2700000" algn="ctr" rotWithShape="0">
                     <a:schemeClr val="bg2"/>
@@ -3676,14 +3676,14 @@
           <a:effectLst/>
           <a:extLst>
             <a:ext uri="{909E8E84-426E-40dd-AFC4-6F175D3DCCD1}">
-              <a14:hiddenFill xmlns="" xmlns:a14="http://schemas.microsoft.com/office/drawing/2010/main">
+              <a14:hiddenFill xmlns:a14="http://schemas.microsoft.com/office/drawing/2010/main" xmlns="">
                 <a:solidFill>
                   <a:schemeClr val="accent1"/>
                 </a:solidFill>
               </a14:hiddenFill>
             </a:ext>
             <a:ext uri="{91240B29-F687-4f45-9708-019B960494DF}">
-              <a14:hiddenLine xmlns="" xmlns:a14="http://schemas.microsoft.com/office/drawing/2010/main" w="9525" algn="ctr">
+              <a14:hiddenLine xmlns:a14="http://schemas.microsoft.com/office/drawing/2010/main" xmlns="" w="9525" algn="ctr">
                 <a:solidFill>
                   <a:schemeClr val="tx1"/>
                 </a:solidFill>
@@ -3693,7 +3693,7 @@
               </a14:hiddenLine>
             </a:ext>
             <a:ext uri="{AF507438-7753-43e0-B8FC-AC1667EBCBE1}">
-              <a14:hiddenEffects xmlns="" xmlns:a14="http://schemas.microsoft.com/office/drawing/2010/main">
+              <a14:hiddenEffects xmlns:a14="http://schemas.microsoft.com/office/drawing/2010/main" xmlns="">
                 <a:effectLst>
                   <a:outerShdw dist="35921" dir="2700000" algn="ctr" rotWithShape="0">
                     <a:schemeClr val="bg2"/>
@@ -3871,12 +3871,12 @@
           <a:effectLst/>
           <a:extLst>
             <a:ext uri="{909E8E84-426E-40dd-AFC4-6F175D3DCCD1}">
-              <a14:hiddenFill xmlns="" xmlns:a14="http://schemas.microsoft.com/office/drawing/2010/main">
+              <a14:hiddenFill xmlns:a14="http://schemas.microsoft.com/office/drawing/2010/main" xmlns="">
                 <a:noFill/>
               </a14:hiddenFill>
             </a:ext>
             <a:ext uri="{AF507438-7753-43e0-B8FC-AC1667EBCBE1}">
-              <a14:hiddenEffects xmlns="" xmlns:a14="http://schemas.microsoft.com/office/drawing/2010/main">
+              <a14:hiddenEffects xmlns:a14="http://schemas.microsoft.com/office/drawing/2010/main" xmlns="">
                 <a:effectLst>
                   <a:outerShdw dist="35921" dir="2700000" algn="ctr" rotWithShape="0">
                     <a:schemeClr val="bg2"/>
@@ -4436,14 +4436,14 @@
           <a:effectLst/>
           <a:extLst>
             <a:ext uri="{909E8E84-426E-40dd-AFC4-6F175D3DCCD1}">
-              <a14:hiddenFill xmlns="" xmlns:a14="http://schemas.microsoft.com/office/drawing/2010/main">
+              <a14:hiddenFill xmlns:a14="http://schemas.microsoft.com/office/drawing/2010/main" xmlns="">
                 <a:solidFill>
                   <a:schemeClr val="accent1"/>
                 </a:solidFill>
               </a14:hiddenFill>
             </a:ext>
             <a:ext uri="{91240B29-F687-4f45-9708-019B960494DF}">
-              <a14:hiddenLine xmlns="" xmlns:a14="http://schemas.microsoft.com/office/drawing/2010/main" w="9525" algn="ctr">
+              <a14:hiddenLine xmlns:a14="http://schemas.microsoft.com/office/drawing/2010/main" xmlns="" w="9525" algn="ctr">
                 <a:solidFill>
                   <a:schemeClr val="tx1"/>
                 </a:solidFill>
@@ -4453,7 +4453,7 @@
               </a14:hiddenLine>
             </a:ext>
             <a:ext uri="{AF507438-7753-43e0-B8FC-AC1667EBCBE1}">
-              <a14:hiddenEffects xmlns="" xmlns:a14="http://schemas.microsoft.com/office/drawing/2010/main">
+              <a14:hiddenEffects xmlns:a14="http://schemas.microsoft.com/office/drawing/2010/main" xmlns="">
                 <a:effectLst>
                   <a:outerShdw dist="35921" dir="2700000" algn="ctr" rotWithShape="0">
                     <a:schemeClr val="bg2"/>
@@ -4716,7 +4716,7 @@
           </a:ln>
           <a:extLst>
             <a:ext uri="{AF507438-7753-43e0-B8FC-AC1667EBCBE1}">
-              <a14:hiddenEffects xmlns="" xmlns:a14="http://schemas.microsoft.com/office/drawing/2010/main">
+              <a14:hiddenEffects xmlns:a14="http://schemas.microsoft.com/office/drawing/2010/main" xmlns="">
                 <a:effectLst>
                   <a:outerShdw dist="35921" dir="2700000" algn="ctr" rotWithShape="0">
                     <a:schemeClr val="bg2"/>
@@ -4812,7 +4812,7 @@
           <a:effectLst/>
           <a:extLst>
             <a:ext uri="{AF507438-7753-43e0-B8FC-AC1667EBCBE1}">
-              <a14:hiddenEffects xmlns="" xmlns:a14="http://schemas.microsoft.com/office/drawing/2010/main">
+              <a14:hiddenEffects xmlns:a14="http://schemas.microsoft.com/office/drawing/2010/main" xmlns="">
                 <a:effectLst>
                   <a:outerShdw dist="35921" dir="2700000" algn="ctr" rotWithShape="0">
                     <a:schemeClr val="bg2"/>
@@ -4894,7 +4894,7 @@
           <a:effectLst/>
           <a:extLst>
             <a:ext uri="{AF507438-7753-43e0-B8FC-AC1667EBCBE1}">
-              <a14:hiddenEffects xmlns="" xmlns:a14="http://schemas.microsoft.com/office/drawing/2010/main">
+              <a14:hiddenEffects xmlns:a14="http://schemas.microsoft.com/office/drawing/2010/main" xmlns="">
                 <a:effectLst>
                   <a:outerShdw dist="35921" dir="2700000" algn="ctr" rotWithShape="0">
                     <a:schemeClr val="bg2"/>
@@ -4976,7 +4976,7 @@
           <a:effectLst/>
           <a:extLst>
             <a:ext uri="{AF507438-7753-43e0-B8FC-AC1667EBCBE1}">
-              <a14:hiddenEffects xmlns="" xmlns:a14="http://schemas.microsoft.com/office/drawing/2010/main">
+              <a14:hiddenEffects xmlns:a14="http://schemas.microsoft.com/office/drawing/2010/main" xmlns="">
                 <a:effectLst>
                   <a:outerShdw dist="35921" dir="2700000" algn="ctr" rotWithShape="0">
                     <a:schemeClr val="bg2"/>
@@ -5058,7 +5058,7 @@
           <a:effectLst/>
           <a:extLst>
             <a:ext uri="{AF507438-7753-43e0-B8FC-AC1667EBCBE1}">
-              <a14:hiddenEffects xmlns="" xmlns:a14="http://schemas.microsoft.com/office/drawing/2010/main">
+              <a14:hiddenEffects xmlns:a14="http://schemas.microsoft.com/office/drawing/2010/main" xmlns="">
                 <a:effectLst>
                   <a:outerShdw dist="35921" dir="2700000" algn="ctr" rotWithShape="0">
                     <a:schemeClr val="bg2"/>
@@ -5140,7 +5140,7 @@
           <a:effectLst/>
           <a:extLst>
             <a:ext uri="{AF507438-7753-43e0-B8FC-AC1667EBCBE1}">
-              <a14:hiddenEffects xmlns="" xmlns:a14="http://schemas.microsoft.com/office/drawing/2010/main">
+              <a14:hiddenEffects xmlns:a14="http://schemas.microsoft.com/office/drawing/2010/main" xmlns="">
                 <a:effectLst>
                   <a:outerShdw dist="35921" dir="2700000" algn="ctr" rotWithShape="0">
                     <a:schemeClr val="bg2"/>
@@ -5222,7 +5222,7 @@
           <a:effectLst/>
           <a:extLst>
             <a:ext uri="{AF507438-7753-43e0-B8FC-AC1667EBCBE1}">
-              <a14:hiddenEffects xmlns="" xmlns:a14="http://schemas.microsoft.com/office/drawing/2010/main">
+              <a14:hiddenEffects xmlns:a14="http://schemas.microsoft.com/office/drawing/2010/main" xmlns="">
                 <a:effectLst>
                   <a:outerShdw dist="35921" dir="2700000" algn="ctr" rotWithShape="0">
                     <a:schemeClr val="bg2"/>
@@ -5299,7 +5299,7 @@
           </a:ln>
           <a:extLst>
             <a:ext uri="{AF507438-7753-43e0-B8FC-AC1667EBCBE1}">
-              <a14:hiddenEffects xmlns="" xmlns:a14="http://schemas.microsoft.com/office/drawing/2010/main">
+              <a14:hiddenEffects xmlns:a14="http://schemas.microsoft.com/office/drawing/2010/main" xmlns="">
                 <a:effectLst>
                   <a:outerShdw dist="35921" dir="2700000" algn="ctr" rotWithShape="0">
                     <a:schemeClr val="bg2"/>
@@ -5354,7 +5354,7 @@
           </a:ln>
           <a:extLst>
             <a:ext uri="{AF507438-7753-43e0-B8FC-AC1667EBCBE1}">
-              <a14:hiddenEffects xmlns="" xmlns:a14="http://schemas.microsoft.com/office/drawing/2010/main">
+              <a14:hiddenEffects xmlns:a14="http://schemas.microsoft.com/office/drawing/2010/main" xmlns="">
                 <a:effectLst>
                   <a:outerShdw dist="35921" dir="2700000" algn="ctr" rotWithShape="0">
                     <a:schemeClr val="bg2"/>
@@ -5409,7 +5409,7 @@
           </a:ln>
           <a:extLst>
             <a:ext uri="{AF507438-7753-43e0-B8FC-AC1667EBCBE1}">
-              <a14:hiddenEffects xmlns="" xmlns:a14="http://schemas.microsoft.com/office/drawing/2010/main">
+              <a14:hiddenEffects xmlns:a14="http://schemas.microsoft.com/office/drawing/2010/main" xmlns="">
                 <a:effectLst>
                   <a:outerShdw dist="35921" dir="2700000" algn="ctr" rotWithShape="0">
                     <a:schemeClr val="bg2"/>
@@ -5464,7 +5464,7 @@
           </a:ln>
           <a:extLst>
             <a:ext uri="{AF507438-7753-43e0-B8FC-AC1667EBCBE1}">
-              <a14:hiddenEffects xmlns="" xmlns:a14="http://schemas.microsoft.com/office/drawing/2010/main">
+              <a14:hiddenEffects xmlns:a14="http://schemas.microsoft.com/office/drawing/2010/main" xmlns="">
                 <a:effectLst>
                   <a:outerShdw dist="35921" dir="2700000" algn="ctr" rotWithShape="0">
                     <a:schemeClr val="bg2"/>
@@ -5519,7 +5519,7 @@
           </a:ln>
           <a:extLst>
             <a:ext uri="{AF507438-7753-43e0-B8FC-AC1667EBCBE1}">
-              <a14:hiddenEffects xmlns="" xmlns:a14="http://schemas.microsoft.com/office/drawing/2010/main">
+              <a14:hiddenEffects xmlns:a14="http://schemas.microsoft.com/office/drawing/2010/main" xmlns="">
                 <a:effectLst>
                   <a:outerShdw dist="35921" dir="2700000" algn="ctr" rotWithShape="0">
                     <a:schemeClr val="bg2"/>
@@ -5574,7 +5574,7 @@
           </a:ln>
           <a:extLst>
             <a:ext uri="{AF507438-7753-43e0-B8FC-AC1667EBCBE1}">
-              <a14:hiddenEffects xmlns="" xmlns:a14="http://schemas.microsoft.com/office/drawing/2010/main">
+              <a14:hiddenEffects xmlns:a14="http://schemas.microsoft.com/office/drawing/2010/main" xmlns="">
                 <a:effectLst>
                   <a:outerShdw dist="35921" dir="2700000" algn="ctr" rotWithShape="0">
                     <a:schemeClr val="bg2"/>
@@ -5634,7 +5634,7 @@
           <a:effectLst/>
           <a:extLst>
             <a:ext uri="{AF507438-7753-43e0-B8FC-AC1667EBCBE1}">
-              <a14:hiddenEffects xmlns="" xmlns:a14="http://schemas.microsoft.com/office/drawing/2010/main">
+              <a14:hiddenEffects xmlns:a14="http://schemas.microsoft.com/office/drawing/2010/main" xmlns="">
                 <a:effectLst>
                   <a:outerShdw dist="35921" dir="2700000" algn="ctr" rotWithShape="0">
                     <a:schemeClr val="bg2"/>
@@ -5716,7 +5716,7 @@
           <a:effectLst/>
           <a:extLst>
             <a:ext uri="{AF507438-7753-43e0-B8FC-AC1667EBCBE1}">
-              <a14:hiddenEffects xmlns="" xmlns:a14="http://schemas.microsoft.com/office/drawing/2010/main">
+              <a14:hiddenEffects xmlns:a14="http://schemas.microsoft.com/office/drawing/2010/main" xmlns="">
                 <a:effectLst>
                   <a:outerShdw dist="35921" dir="2700000" algn="ctr" rotWithShape="0">
                     <a:schemeClr val="bg2"/>
@@ -5798,7 +5798,7 @@
           <a:effectLst/>
           <a:extLst>
             <a:ext uri="{AF507438-7753-43e0-B8FC-AC1667EBCBE1}">
-              <a14:hiddenEffects xmlns="" xmlns:a14="http://schemas.microsoft.com/office/drawing/2010/main">
+              <a14:hiddenEffects xmlns:a14="http://schemas.microsoft.com/office/drawing/2010/main" xmlns="">
                 <a:effectLst>
                   <a:outerShdw dist="35921" dir="2700000" algn="ctr" rotWithShape="0">
                     <a:schemeClr val="bg2"/>
@@ -5880,7 +5880,7 @@
           <a:effectLst/>
           <a:extLst>
             <a:ext uri="{AF507438-7753-43e0-B8FC-AC1667EBCBE1}">
-              <a14:hiddenEffects xmlns="" xmlns:a14="http://schemas.microsoft.com/office/drawing/2010/main">
+              <a14:hiddenEffects xmlns:a14="http://schemas.microsoft.com/office/drawing/2010/main" xmlns="">
                 <a:effectLst>
                   <a:outerShdw dist="35921" dir="2700000" algn="ctr" rotWithShape="0">
                     <a:schemeClr val="bg2"/>
@@ -5962,7 +5962,7 @@
           <a:effectLst/>
           <a:extLst>
             <a:ext uri="{AF507438-7753-43e0-B8FC-AC1667EBCBE1}">
-              <a14:hiddenEffects xmlns="" xmlns:a14="http://schemas.microsoft.com/office/drawing/2010/main">
+              <a14:hiddenEffects xmlns:a14="http://schemas.microsoft.com/office/drawing/2010/main" xmlns="">
                 <a:effectLst>
                   <a:outerShdw dist="35921" dir="2700000" algn="ctr" rotWithShape="0">
                     <a:schemeClr val="bg2"/>
@@ -6044,7 +6044,7 @@
           <a:effectLst/>
           <a:extLst>
             <a:ext uri="{AF507438-7753-43e0-B8FC-AC1667EBCBE1}">
-              <a14:hiddenEffects xmlns="" xmlns:a14="http://schemas.microsoft.com/office/drawing/2010/main">
+              <a14:hiddenEffects xmlns:a14="http://schemas.microsoft.com/office/drawing/2010/main" xmlns="">
                 <a:effectLst>
                   <a:outerShdw dist="35921" dir="2700000" algn="ctr" rotWithShape="0">
                     <a:schemeClr val="bg2"/>
@@ -6121,7 +6121,7 @@
           </a:ln>
           <a:extLst>
             <a:ext uri="{AF507438-7753-43e0-B8FC-AC1667EBCBE1}">
-              <a14:hiddenEffects xmlns="" xmlns:a14="http://schemas.microsoft.com/office/drawing/2010/main">
+              <a14:hiddenEffects xmlns:a14="http://schemas.microsoft.com/office/drawing/2010/main" xmlns="">
                 <a:effectLst>
                   <a:outerShdw dist="35921" dir="2700000" algn="ctr" rotWithShape="0">
                     <a:schemeClr val="bg2"/>
@@ -6176,7 +6176,7 @@
           </a:ln>
           <a:extLst>
             <a:ext uri="{AF507438-7753-43e0-B8FC-AC1667EBCBE1}">
-              <a14:hiddenEffects xmlns="" xmlns:a14="http://schemas.microsoft.com/office/drawing/2010/main">
+              <a14:hiddenEffects xmlns:a14="http://schemas.microsoft.com/office/drawing/2010/main" xmlns="">
                 <a:effectLst>
                   <a:outerShdw dist="35921" dir="2700000" algn="ctr" rotWithShape="0">
                     <a:schemeClr val="bg2"/>
@@ -6230,7 +6230,7 @@
           </a:ln>
           <a:extLst>
             <a:ext uri="{AF507438-7753-43e0-B8FC-AC1667EBCBE1}">
-              <a14:hiddenEffects xmlns="" xmlns:a14="http://schemas.microsoft.com/office/drawing/2010/main">
+              <a14:hiddenEffects xmlns:a14="http://schemas.microsoft.com/office/drawing/2010/main" xmlns="">
                 <a:effectLst>
                   <a:outerShdw dist="35921" dir="2700000" algn="ctr" rotWithShape="0">
                     <a:schemeClr val="bg2"/>
@@ -6285,7 +6285,7 @@
           </a:ln>
           <a:extLst>
             <a:ext uri="{AF507438-7753-43e0-B8FC-AC1667EBCBE1}">
-              <a14:hiddenEffects xmlns="" xmlns:a14="http://schemas.microsoft.com/office/drawing/2010/main">
+              <a14:hiddenEffects xmlns:a14="http://schemas.microsoft.com/office/drawing/2010/main" xmlns="">
                 <a:effectLst>
                   <a:outerShdw dist="35921" dir="2700000" algn="ctr" rotWithShape="0">
                     <a:schemeClr val="bg2"/>
@@ -6340,7 +6340,7 @@
           </a:ln>
           <a:extLst>
             <a:ext uri="{AF507438-7753-43e0-B8FC-AC1667EBCBE1}">
-              <a14:hiddenEffects xmlns="" xmlns:a14="http://schemas.microsoft.com/office/drawing/2010/main">
+              <a14:hiddenEffects xmlns:a14="http://schemas.microsoft.com/office/drawing/2010/main" xmlns="">
                 <a:effectLst>
                   <a:outerShdw dist="35921" dir="2700000" algn="ctr" rotWithShape="0">
                     <a:schemeClr val="bg2"/>
@@ -6395,7 +6395,7 @@
           </a:ln>
           <a:extLst>
             <a:ext uri="{AF507438-7753-43e0-B8FC-AC1667EBCBE1}">
-              <a14:hiddenEffects xmlns="" xmlns:a14="http://schemas.microsoft.com/office/drawing/2010/main">
+              <a14:hiddenEffects xmlns:a14="http://schemas.microsoft.com/office/drawing/2010/main" xmlns="">
                 <a:effectLst>
                   <a:outerShdw dist="35921" dir="2700000" algn="ctr" rotWithShape="0">
                     <a:schemeClr val="bg2"/>
@@ -6446,7 +6446,7 @@
           </a:ln>
           <a:extLst>
             <a:ext uri="{AF507438-7753-43e0-B8FC-AC1667EBCBE1}">
-              <a14:hiddenEffects xmlns="" xmlns:a14="http://schemas.microsoft.com/office/drawing/2010/main">
+              <a14:hiddenEffects xmlns:a14="http://schemas.microsoft.com/office/drawing/2010/main" xmlns="">
                 <a:effectLst>
                   <a:outerShdw dist="35921" dir="2700000" algn="ctr" rotWithShape="0">
                     <a:schemeClr val="bg2"/>
@@ -6506,7 +6506,7 @@
           <a:effectLst/>
           <a:extLst>
             <a:ext uri="{AF507438-7753-43e0-B8FC-AC1667EBCBE1}">
-              <a14:hiddenEffects xmlns="" xmlns:a14="http://schemas.microsoft.com/office/drawing/2010/main">
+              <a14:hiddenEffects xmlns:a14="http://schemas.microsoft.com/office/drawing/2010/main" xmlns="">
                 <a:effectLst>
                   <a:outerShdw dist="35921" dir="2700000" algn="ctr" rotWithShape="0">
                     <a:schemeClr val="bg2"/>
@@ -6588,7 +6588,7 @@
           <a:effectLst/>
           <a:extLst>
             <a:ext uri="{AF507438-7753-43e0-B8FC-AC1667EBCBE1}">
-              <a14:hiddenEffects xmlns="" xmlns:a14="http://schemas.microsoft.com/office/drawing/2010/main">
+              <a14:hiddenEffects xmlns:a14="http://schemas.microsoft.com/office/drawing/2010/main" xmlns="">
                 <a:effectLst>
                   <a:outerShdw dist="35921" dir="2700000" algn="ctr" rotWithShape="0">
                     <a:schemeClr val="bg2"/>
@@ -6670,7 +6670,7 @@
           <a:effectLst/>
           <a:extLst>
             <a:ext uri="{AF507438-7753-43e0-B8FC-AC1667EBCBE1}">
-              <a14:hiddenEffects xmlns="" xmlns:a14="http://schemas.microsoft.com/office/drawing/2010/main">
+              <a14:hiddenEffects xmlns:a14="http://schemas.microsoft.com/office/drawing/2010/main" xmlns="">
                 <a:effectLst>
                   <a:outerShdw dist="35921" dir="2700000" algn="ctr" rotWithShape="0">
                     <a:schemeClr val="bg2"/>
@@ -6752,7 +6752,7 @@
           <a:effectLst/>
           <a:extLst>
             <a:ext uri="{AF507438-7753-43e0-B8FC-AC1667EBCBE1}">
-              <a14:hiddenEffects xmlns="" xmlns:a14="http://schemas.microsoft.com/office/drawing/2010/main">
+              <a14:hiddenEffects xmlns:a14="http://schemas.microsoft.com/office/drawing/2010/main" xmlns="">
                 <a:effectLst>
                   <a:outerShdw dist="35921" dir="2700000" algn="ctr" rotWithShape="0">
                     <a:schemeClr val="bg2"/>
@@ -6834,7 +6834,7 @@
           <a:effectLst/>
           <a:extLst>
             <a:ext uri="{AF507438-7753-43e0-B8FC-AC1667EBCBE1}">
-              <a14:hiddenEffects xmlns="" xmlns:a14="http://schemas.microsoft.com/office/drawing/2010/main">
+              <a14:hiddenEffects xmlns:a14="http://schemas.microsoft.com/office/drawing/2010/main" xmlns="">
                 <a:effectLst>
                   <a:outerShdw dist="35921" dir="2700000" algn="ctr" rotWithShape="0">
                     <a:schemeClr val="bg2"/>
@@ -6916,7 +6916,7 @@
           <a:effectLst/>
           <a:extLst>
             <a:ext uri="{AF507438-7753-43e0-B8FC-AC1667EBCBE1}">
-              <a14:hiddenEffects xmlns="" xmlns:a14="http://schemas.microsoft.com/office/drawing/2010/main">
+              <a14:hiddenEffects xmlns:a14="http://schemas.microsoft.com/office/drawing/2010/main" xmlns="">
                 <a:effectLst>
                   <a:outerShdw dist="35921" dir="2700000" algn="ctr" rotWithShape="0">
                     <a:schemeClr val="bg2"/>
@@ -6993,7 +6993,7 @@
           </a:ln>
           <a:extLst>
             <a:ext uri="{AF507438-7753-43e0-B8FC-AC1667EBCBE1}">
-              <a14:hiddenEffects xmlns="" xmlns:a14="http://schemas.microsoft.com/office/drawing/2010/main">
+              <a14:hiddenEffects xmlns:a14="http://schemas.microsoft.com/office/drawing/2010/main" xmlns="">
                 <a:effectLst>
                   <a:outerShdw dist="35921" dir="2700000" algn="ctr" rotWithShape="0">
                     <a:schemeClr val="bg2"/>
@@ -7048,7 +7048,7 @@
           </a:ln>
           <a:extLst>
             <a:ext uri="{AF507438-7753-43e0-B8FC-AC1667EBCBE1}">
-              <a14:hiddenEffects xmlns="" xmlns:a14="http://schemas.microsoft.com/office/drawing/2010/main">
+              <a14:hiddenEffects xmlns:a14="http://schemas.microsoft.com/office/drawing/2010/main" xmlns="">
                 <a:effectLst>
                   <a:outerShdw dist="35921" dir="2700000" algn="ctr" rotWithShape="0">
                     <a:schemeClr val="bg2"/>
@@ -7103,7 +7103,7 @@
           </a:ln>
           <a:extLst>
             <a:ext uri="{AF507438-7753-43e0-B8FC-AC1667EBCBE1}">
-              <a14:hiddenEffects xmlns="" xmlns:a14="http://schemas.microsoft.com/office/drawing/2010/main">
+              <a14:hiddenEffects xmlns:a14="http://schemas.microsoft.com/office/drawing/2010/main" xmlns="">
                 <a:effectLst>
                   <a:outerShdw dist="35921" dir="2700000" algn="ctr" rotWithShape="0">
                     <a:schemeClr val="bg2"/>
@@ -7158,7 +7158,7 @@
           </a:ln>
           <a:extLst>
             <a:ext uri="{AF507438-7753-43e0-B8FC-AC1667EBCBE1}">
-              <a14:hiddenEffects xmlns="" xmlns:a14="http://schemas.microsoft.com/office/drawing/2010/main">
+              <a14:hiddenEffects xmlns:a14="http://schemas.microsoft.com/office/drawing/2010/main" xmlns="">
                 <a:effectLst>
                   <a:outerShdw dist="35921" dir="2700000" algn="ctr" rotWithShape="0">
                     <a:schemeClr val="bg2"/>
@@ -7213,7 +7213,7 @@
           </a:ln>
           <a:extLst>
             <a:ext uri="{AF507438-7753-43e0-B8FC-AC1667EBCBE1}">
-              <a14:hiddenEffects xmlns="" xmlns:a14="http://schemas.microsoft.com/office/drawing/2010/main">
+              <a14:hiddenEffects xmlns:a14="http://schemas.microsoft.com/office/drawing/2010/main" xmlns="">
                 <a:effectLst>
                   <a:outerShdw dist="35921" dir="2700000" algn="ctr" rotWithShape="0">
                     <a:schemeClr val="bg2"/>
@@ -7268,7 +7268,7 @@
           </a:ln>
           <a:extLst>
             <a:ext uri="{AF507438-7753-43e0-B8FC-AC1667EBCBE1}">
-              <a14:hiddenEffects xmlns="" xmlns:a14="http://schemas.microsoft.com/office/drawing/2010/main">
+              <a14:hiddenEffects xmlns:a14="http://schemas.microsoft.com/office/drawing/2010/main" xmlns="">
                 <a:effectLst>
                   <a:outerShdw dist="35921" dir="2700000" algn="ctr" rotWithShape="0">
                     <a:schemeClr val="bg2"/>
@@ -7319,7 +7319,7 @@
           </a:ln>
           <a:extLst>
             <a:ext uri="{AF507438-7753-43e0-B8FC-AC1667EBCBE1}">
-              <a14:hiddenEffects xmlns="" xmlns:a14="http://schemas.microsoft.com/office/drawing/2010/main">
+              <a14:hiddenEffects xmlns:a14="http://schemas.microsoft.com/office/drawing/2010/main" xmlns="">
                 <a:effectLst>
                   <a:outerShdw dist="35921" dir="2700000" algn="ctr" rotWithShape="0">
                     <a:schemeClr val="bg2"/>
@@ -7370,7 +7370,7 @@
           </a:ln>
           <a:extLst>
             <a:ext uri="{AF507438-7753-43e0-B8FC-AC1667EBCBE1}">
-              <a14:hiddenEffects xmlns="" xmlns:a14="http://schemas.microsoft.com/office/drawing/2010/main">
+              <a14:hiddenEffects xmlns:a14="http://schemas.microsoft.com/office/drawing/2010/main" xmlns="">
                 <a:effectLst>
                   <a:outerShdw dist="35921" dir="2700000" algn="ctr" rotWithShape="0">
                     <a:schemeClr val="bg2"/>
@@ -7466,7 +7466,7 @@
           <a:effectLst/>
           <a:extLst>
             <a:ext uri="{AF507438-7753-43e0-B8FC-AC1667EBCBE1}">
-              <a14:hiddenEffects xmlns="" xmlns:a14="http://schemas.microsoft.com/office/drawing/2010/main">
+              <a14:hiddenEffects xmlns:a14="http://schemas.microsoft.com/office/drawing/2010/main" xmlns="">
                 <a:effectLst>
                   <a:outerShdw dist="35921" dir="2700000" algn="ctr" rotWithShape="0">
                     <a:schemeClr val="bg2"/>
@@ -7548,7 +7548,7 @@
           <a:effectLst/>
           <a:extLst>
             <a:ext uri="{AF507438-7753-43e0-B8FC-AC1667EBCBE1}">
-              <a14:hiddenEffects xmlns="" xmlns:a14="http://schemas.microsoft.com/office/drawing/2010/main">
+              <a14:hiddenEffects xmlns:a14="http://schemas.microsoft.com/office/drawing/2010/main" xmlns="">
                 <a:effectLst>
                   <a:outerShdw dist="35921" dir="2700000" algn="ctr" rotWithShape="0">
                     <a:schemeClr val="bg2"/>
@@ -7630,7 +7630,7 @@
           <a:effectLst/>
           <a:extLst>
             <a:ext uri="{AF507438-7753-43e0-B8FC-AC1667EBCBE1}">
-              <a14:hiddenEffects xmlns="" xmlns:a14="http://schemas.microsoft.com/office/drawing/2010/main">
+              <a14:hiddenEffects xmlns:a14="http://schemas.microsoft.com/office/drawing/2010/main" xmlns="">
                 <a:effectLst>
                   <a:outerShdw dist="35921" dir="2700000" algn="ctr" rotWithShape="0">
                     <a:schemeClr val="bg2"/>
@@ -7712,7 +7712,7 @@
           <a:effectLst/>
           <a:extLst>
             <a:ext uri="{AF507438-7753-43e0-B8FC-AC1667EBCBE1}">
-              <a14:hiddenEffects xmlns="" xmlns:a14="http://schemas.microsoft.com/office/drawing/2010/main">
+              <a14:hiddenEffects xmlns:a14="http://schemas.microsoft.com/office/drawing/2010/main" xmlns="">
                 <a:effectLst>
                   <a:outerShdw dist="35921" dir="2700000" algn="ctr" rotWithShape="0">
                     <a:schemeClr val="bg2"/>
@@ -7794,7 +7794,7 @@
           <a:effectLst/>
           <a:extLst>
             <a:ext uri="{AF507438-7753-43e0-B8FC-AC1667EBCBE1}">
-              <a14:hiddenEffects xmlns="" xmlns:a14="http://schemas.microsoft.com/office/drawing/2010/main">
+              <a14:hiddenEffects xmlns:a14="http://schemas.microsoft.com/office/drawing/2010/main" xmlns="">
                 <a:effectLst>
                   <a:outerShdw dist="35921" dir="2700000" algn="ctr" rotWithShape="0">
                     <a:schemeClr val="bg2"/>
@@ -7876,7 +7876,7 @@
           <a:effectLst/>
           <a:extLst>
             <a:ext uri="{AF507438-7753-43e0-B8FC-AC1667EBCBE1}">
-              <a14:hiddenEffects xmlns="" xmlns:a14="http://schemas.microsoft.com/office/drawing/2010/main">
+              <a14:hiddenEffects xmlns:a14="http://schemas.microsoft.com/office/drawing/2010/main" xmlns="">
                 <a:effectLst>
                   <a:outerShdw dist="35921" dir="2700000" algn="ctr" rotWithShape="0">
                     <a:schemeClr val="bg2"/>
@@ -7953,7 +7953,7 @@
           </a:ln>
           <a:extLst>
             <a:ext uri="{AF507438-7753-43e0-B8FC-AC1667EBCBE1}">
-              <a14:hiddenEffects xmlns="" xmlns:a14="http://schemas.microsoft.com/office/drawing/2010/main">
+              <a14:hiddenEffects xmlns:a14="http://schemas.microsoft.com/office/drawing/2010/main" xmlns="">
                 <a:effectLst>
                   <a:outerShdw dist="35921" dir="2700000" algn="ctr" rotWithShape="0">
                     <a:schemeClr val="bg2"/>
@@ -8008,7 +8008,7 @@
           </a:ln>
           <a:extLst>
             <a:ext uri="{AF507438-7753-43e0-B8FC-AC1667EBCBE1}">
-              <a14:hiddenEffects xmlns="" xmlns:a14="http://schemas.microsoft.com/office/drawing/2010/main">
+              <a14:hiddenEffects xmlns:a14="http://schemas.microsoft.com/office/drawing/2010/main" xmlns="">
                 <a:effectLst>
                   <a:outerShdw dist="35921" dir="2700000" algn="ctr" rotWithShape="0">
                     <a:schemeClr val="bg2"/>
@@ -8063,7 +8063,7 @@
           </a:ln>
           <a:extLst>
             <a:ext uri="{AF507438-7753-43e0-B8FC-AC1667EBCBE1}">
-              <a14:hiddenEffects xmlns="" xmlns:a14="http://schemas.microsoft.com/office/drawing/2010/main">
+              <a14:hiddenEffects xmlns:a14="http://schemas.microsoft.com/office/drawing/2010/main" xmlns="">
                 <a:effectLst>
                   <a:outerShdw dist="35921" dir="2700000" algn="ctr" rotWithShape="0">
                     <a:schemeClr val="bg2"/>
@@ -8118,7 +8118,7 @@
           </a:ln>
           <a:extLst>
             <a:ext uri="{AF507438-7753-43e0-B8FC-AC1667EBCBE1}">
-              <a14:hiddenEffects xmlns="" xmlns:a14="http://schemas.microsoft.com/office/drawing/2010/main">
+              <a14:hiddenEffects xmlns:a14="http://schemas.microsoft.com/office/drawing/2010/main" xmlns="">
                 <a:effectLst>
                   <a:outerShdw dist="35921" dir="2700000" algn="ctr" rotWithShape="0">
                     <a:schemeClr val="bg2"/>
@@ -8173,7 +8173,7 @@
           </a:ln>
           <a:extLst>
             <a:ext uri="{AF507438-7753-43e0-B8FC-AC1667EBCBE1}">
-              <a14:hiddenEffects xmlns="" xmlns:a14="http://schemas.microsoft.com/office/drawing/2010/main">
+              <a14:hiddenEffects xmlns:a14="http://schemas.microsoft.com/office/drawing/2010/main" xmlns="">
                 <a:effectLst>
                   <a:outerShdw dist="35921" dir="2700000" algn="ctr" rotWithShape="0">
                     <a:schemeClr val="bg2"/>
@@ -8228,7 +8228,7 @@
           </a:ln>
           <a:extLst>
             <a:ext uri="{AF507438-7753-43e0-B8FC-AC1667EBCBE1}">
-              <a14:hiddenEffects xmlns="" xmlns:a14="http://schemas.microsoft.com/office/drawing/2010/main">
+              <a14:hiddenEffects xmlns:a14="http://schemas.microsoft.com/office/drawing/2010/main" xmlns="">
                 <a:effectLst>
                   <a:outerShdw dist="35921" dir="2700000" algn="ctr" rotWithShape="0">
                     <a:schemeClr val="bg2"/>
@@ -8281,7 +8281,7 @@
           </a:ln>
           <a:extLst>
             <a:ext uri="{AF507438-7753-43e0-B8FC-AC1667EBCBE1}">
-              <a14:hiddenEffects xmlns="" xmlns:a14="http://schemas.microsoft.com/office/drawing/2010/main">
+              <a14:hiddenEffects xmlns:a14="http://schemas.microsoft.com/office/drawing/2010/main" xmlns="">
                 <a:effectLst>
                   <a:outerShdw dist="35921" dir="2700000" algn="ctr" rotWithShape="0">
                     <a:schemeClr val="bg2"/>
@@ -8458,7 +8458,7 @@
           <a:effectLst/>
           <a:extLst>
             <a:ext uri="{AF507438-7753-43e0-B8FC-AC1667EBCBE1}">
-              <a14:hiddenEffects xmlns="" xmlns:a14="http://schemas.microsoft.com/office/drawing/2010/main">
+              <a14:hiddenEffects xmlns:a14="http://schemas.microsoft.com/office/drawing/2010/main" xmlns="">
                 <a:effectLst>
                   <a:outerShdw dist="35921" dir="2700000" algn="ctr" rotWithShape="0">
                     <a:schemeClr val="bg2"/>
@@ -8540,7 +8540,7 @@
           <a:effectLst/>
           <a:extLst>
             <a:ext uri="{AF507438-7753-43e0-B8FC-AC1667EBCBE1}">
-              <a14:hiddenEffects xmlns="" xmlns:a14="http://schemas.microsoft.com/office/drawing/2010/main">
+              <a14:hiddenEffects xmlns:a14="http://schemas.microsoft.com/office/drawing/2010/main" xmlns="">
                 <a:effectLst>
                   <a:outerShdw dist="35921" dir="2700000" algn="ctr" rotWithShape="0">
                     <a:schemeClr val="bg2"/>
@@ -8622,7 +8622,7 @@
           <a:effectLst/>
           <a:extLst>
             <a:ext uri="{AF507438-7753-43e0-B8FC-AC1667EBCBE1}">
-              <a14:hiddenEffects xmlns="" xmlns:a14="http://schemas.microsoft.com/office/drawing/2010/main">
+              <a14:hiddenEffects xmlns:a14="http://schemas.microsoft.com/office/drawing/2010/main" xmlns="">
                 <a:effectLst>
                   <a:outerShdw dist="35921" dir="2700000" algn="ctr" rotWithShape="0">
                     <a:schemeClr val="bg2"/>
@@ -8704,7 +8704,7 @@
           <a:effectLst/>
           <a:extLst>
             <a:ext uri="{AF507438-7753-43e0-B8FC-AC1667EBCBE1}">
-              <a14:hiddenEffects xmlns="" xmlns:a14="http://schemas.microsoft.com/office/drawing/2010/main">
+              <a14:hiddenEffects xmlns:a14="http://schemas.microsoft.com/office/drawing/2010/main" xmlns="">
                 <a:effectLst>
                   <a:outerShdw dist="35921" dir="2700000" algn="ctr" rotWithShape="0">
                     <a:schemeClr val="bg2"/>
@@ -8786,7 +8786,7 @@
           <a:effectLst/>
           <a:extLst>
             <a:ext uri="{AF507438-7753-43e0-B8FC-AC1667EBCBE1}">
-              <a14:hiddenEffects xmlns="" xmlns:a14="http://schemas.microsoft.com/office/drawing/2010/main">
+              <a14:hiddenEffects xmlns:a14="http://schemas.microsoft.com/office/drawing/2010/main" xmlns="">
                 <a:effectLst>
                   <a:outerShdw dist="35921" dir="2700000" algn="ctr" rotWithShape="0">
                     <a:schemeClr val="bg2"/>
@@ -8868,7 +8868,7 @@
           <a:effectLst/>
           <a:extLst>
             <a:ext uri="{AF507438-7753-43e0-B8FC-AC1667EBCBE1}">
-              <a14:hiddenEffects xmlns="" xmlns:a14="http://schemas.microsoft.com/office/drawing/2010/main">
+              <a14:hiddenEffects xmlns:a14="http://schemas.microsoft.com/office/drawing/2010/main" xmlns="">
                 <a:effectLst>
                   <a:outerShdw dist="35921" dir="2700000" algn="ctr" rotWithShape="0">
                     <a:schemeClr val="bg2"/>
@@ -8945,7 +8945,7 @@
           </a:ln>
           <a:extLst>
             <a:ext uri="{AF507438-7753-43e0-B8FC-AC1667EBCBE1}">
-              <a14:hiddenEffects xmlns="" xmlns:a14="http://schemas.microsoft.com/office/drawing/2010/main">
+              <a14:hiddenEffects xmlns:a14="http://schemas.microsoft.com/office/drawing/2010/main" xmlns="">
                 <a:effectLst>
                   <a:outerShdw dist="35921" dir="2700000" algn="ctr" rotWithShape="0">
                     <a:schemeClr val="bg2"/>
@@ -9000,7 +9000,7 @@
           </a:ln>
           <a:extLst>
             <a:ext uri="{AF507438-7753-43e0-B8FC-AC1667EBCBE1}">
-              <a14:hiddenEffects xmlns="" xmlns:a14="http://schemas.microsoft.com/office/drawing/2010/main">
+              <a14:hiddenEffects xmlns:a14="http://schemas.microsoft.com/office/drawing/2010/main" xmlns="">
                 <a:effectLst>
                   <a:outerShdw dist="35921" dir="2700000" algn="ctr" rotWithShape="0">
                     <a:schemeClr val="bg2"/>
@@ -9054,7 +9054,7 @@
           </a:ln>
           <a:extLst>
             <a:ext uri="{AF507438-7753-43e0-B8FC-AC1667EBCBE1}">
-              <a14:hiddenEffects xmlns="" xmlns:a14="http://schemas.microsoft.com/office/drawing/2010/main">
+              <a14:hiddenEffects xmlns:a14="http://schemas.microsoft.com/office/drawing/2010/main" xmlns="">
                 <a:effectLst>
                   <a:outerShdw dist="35921" dir="2700000" algn="ctr" rotWithShape="0">
                     <a:schemeClr val="bg2"/>
@@ -9109,7 +9109,7 @@
           </a:ln>
           <a:extLst>
             <a:ext uri="{AF507438-7753-43e0-B8FC-AC1667EBCBE1}">
-              <a14:hiddenEffects xmlns="" xmlns:a14="http://schemas.microsoft.com/office/drawing/2010/main">
+              <a14:hiddenEffects xmlns:a14="http://schemas.microsoft.com/office/drawing/2010/main" xmlns="">
                 <a:effectLst>
                   <a:outerShdw dist="35921" dir="2700000" algn="ctr" rotWithShape="0">
                     <a:schemeClr val="bg2"/>
@@ -9164,7 +9164,7 @@
           </a:ln>
           <a:extLst>
             <a:ext uri="{AF507438-7753-43e0-B8FC-AC1667EBCBE1}">
-              <a14:hiddenEffects xmlns="" xmlns:a14="http://schemas.microsoft.com/office/drawing/2010/main">
+              <a14:hiddenEffects xmlns:a14="http://schemas.microsoft.com/office/drawing/2010/main" xmlns="">
                 <a:effectLst>
                   <a:outerShdw dist="35921" dir="2700000" algn="ctr" rotWithShape="0">
                     <a:schemeClr val="bg2"/>
@@ -9219,7 +9219,7 @@
           </a:ln>
           <a:extLst>
             <a:ext uri="{AF507438-7753-43e0-B8FC-AC1667EBCBE1}">
-              <a14:hiddenEffects xmlns="" xmlns:a14="http://schemas.microsoft.com/office/drawing/2010/main">
+              <a14:hiddenEffects xmlns:a14="http://schemas.microsoft.com/office/drawing/2010/main" xmlns="">
                 <a:effectLst>
                   <a:outerShdw dist="35921" dir="2700000" algn="ctr" rotWithShape="0">
                     <a:schemeClr val="bg2"/>
@@ -9279,7 +9279,7 @@
           <a:effectLst/>
           <a:extLst>
             <a:ext uri="{AF507438-7753-43e0-B8FC-AC1667EBCBE1}">
-              <a14:hiddenEffects xmlns="" xmlns:a14="http://schemas.microsoft.com/office/drawing/2010/main">
+              <a14:hiddenEffects xmlns:a14="http://schemas.microsoft.com/office/drawing/2010/main" xmlns="">
                 <a:effectLst>
                   <a:outerShdw dist="35921" dir="2700000" algn="ctr" rotWithShape="0">
                     <a:schemeClr val="bg2"/>
@@ -9361,7 +9361,7 @@
           <a:effectLst/>
           <a:extLst>
             <a:ext uri="{AF507438-7753-43e0-B8FC-AC1667EBCBE1}">
-              <a14:hiddenEffects xmlns="" xmlns:a14="http://schemas.microsoft.com/office/drawing/2010/main">
+              <a14:hiddenEffects xmlns:a14="http://schemas.microsoft.com/office/drawing/2010/main" xmlns="">
                 <a:effectLst>
                   <a:outerShdw dist="35921" dir="2700000" algn="ctr" rotWithShape="0">
                     <a:schemeClr val="bg2"/>
@@ -9443,7 +9443,7 @@
           <a:effectLst/>
           <a:extLst>
             <a:ext uri="{AF507438-7753-43e0-B8FC-AC1667EBCBE1}">
-              <a14:hiddenEffects xmlns="" xmlns:a14="http://schemas.microsoft.com/office/drawing/2010/main">
+              <a14:hiddenEffects xmlns:a14="http://schemas.microsoft.com/office/drawing/2010/main" xmlns="">
                 <a:effectLst>
                   <a:outerShdw dist="35921" dir="2700000" algn="ctr" rotWithShape="0">
                     <a:schemeClr val="bg2"/>
@@ -9525,7 +9525,7 @@
           <a:effectLst/>
           <a:extLst>
             <a:ext uri="{AF507438-7753-43e0-B8FC-AC1667EBCBE1}">
-              <a14:hiddenEffects xmlns="" xmlns:a14="http://schemas.microsoft.com/office/drawing/2010/main">
+              <a14:hiddenEffects xmlns:a14="http://schemas.microsoft.com/office/drawing/2010/main" xmlns="">
                 <a:effectLst>
                   <a:outerShdw dist="35921" dir="2700000" algn="ctr" rotWithShape="0">
                     <a:schemeClr val="bg2"/>
@@ -9607,7 +9607,7 @@
           <a:effectLst/>
           <a:extLst>
             <a:ext uri="{AF507438-7753-43e0-B8FC-AC1667EBCBE1}">
-              <a14:hiddenEffects xmlns="" xmlns:a14="http://schemas.microsoft.com/office/drawing/2010/main">
+              <a14:hiddenEffects xmlns:a14="http://schemas.microsoft.com/office/drawing/2010/main" xmlns="">
                 <a:effectLst>
                   <a:outerShdw dist="35921" dir="2700000" algn="ctr" rotWithShape="0">
                     <a:schemeClr val="bg2"/>
@@ -9689,7 +9689,7 @@
           <a:effectLst/>
           <a:extLst>
             <a:ext uri="{AF507438-7753-43e0-B8FC-AC1667EBCBE1}">
-              <a14:hiddenEffects xmlns="" xmlns:a14="http://schemas.microsoft.com/office/drawing/2010/main">
+              <a14:hiddenEffects xmlns:a14="http://schemas.microsoft.com/office/drawing/2010/main" xmlns="">
                 <a:effectLst>
                   <a:outerShdw dist="35921" dir="2700000" algn="ctr" rotWithShape="0">
                     <a:schemeClr val="bg2"/>
@@ -9766,7 +9766,7 @@
           </a:ln>
           <a:extLst>
             <a:ext uri="{AF507438-7753-43e0-B8FC-AC1667EBCBE1}">
-              <a14:hiddenEffects xmlns="" xmlns:a14="http://schemas.microsoft.com/office/drawing/2010/main">
+              <a14:hiddenEffects xmlns:a14="http://schemas.microsoft.com/office/drawing/2010/main" xmlns="">
                 <a:effectLst>
                   <a:outerShdw dist="35921" dir="2700000" algn="ctr" rotWithShape="0">
                     <a:schemeClr val="bg2"/>
@@ -9821,7 +9821,7 @@
           </a:ln>
           <a:extLst>
             <a:ext uri="{AF507438-7753-43e0-B8FC-AC1667EBCBE1}">
-              <a14:hiddenEffects xmlns="" xmlns:a14="http://schemas.microsoft.com/office/drawing/2010/main">
+              <a14:hiddenEffects xmlns:a14="http://schemas.microsoft.com/office/drawing/2010/main" xmlns="">
                 <a:effectLst>
                   <a:outerShdw dist="35921" dir="2700000" algn="ctr" rotWithShape="0">
                     <a:schemeClr val="bg2"/>
@@ -9875,7 +9875,7 @@
           </a:ln>
           <a:extLst>
             <a:ext uri="{AF507438-7753-43e0-B8FC-AC1667EBCBE1}">
-              <a14:hiddenEffects xmlns="" xmlns:a14="http://schemas.microsoft.com/office/drawing/2010/main">
+              <a14:hiddenEffects xmlns:a14="http://schemas.microsoft.com/office/drawing/2010/main" xmlns="">
                 <a:effectLst>
                   <a:outerShdw dist="35921" dir="2700000" algn="ctr" rotWithShape="0">
                     <a:schemeClr val="bg2"/>
@@ -9930,7 +9930,7 @@
           </a:ln>
           <a:extLst>
             <a:ext uri="{AF507438-7753-43e0-B8FC-AC1667EBCBE1}">
-              <a14:hiddenEffects xmlns="" xmlns:a14="http://schemas.microsoft.com/office/drawing/2010/main">
+              <a14:hiddenEffects xmlns:a14="http://schemas.microsoft.com/office/drawing/2010/main" xmlns="">
                 <a:effectLst>
                   <a:outerShdw dist="35921" dir="2700000" algn="ctr" rotWithShape="0">
                     <a:schemeClr val="bg2"/>
@@ -9985,7 +9985,7 @@
           </a:ln>
           <a:extLst>
             <a:ext uri="{AF507438-7753-43e0-B8FC-AC1667EBCBE1}">
-              <a14:hiddenEffects xmlns="" xmlns:a14="http://schemas.microsoft.com/office/drawing/2010/main">
+              <a14:hiddenEffects xmlns:a14="http://schemas.microsoft.com/office/drawing/2010/main" xmlns="">
                 <a:effectLst>
                   <a:outerShdw dist="35921" dir="2700000" algn="ctr" rotWithShape="0">
                     <a:schemeClr val="bg2"/>
@@ -10040,7 +10040,7 @@
           </a:ln>
           <a:extLst>
             <a:ext uri="{AF507438-7753-43e0-B8FC-AC1667EBCBE1}">
-              <a14:hiddenEffects xmlns="" xmlns:a14="http://schemas.microsoft.com/office/drawing/2010/main">
+              <a14:hiddenEffects xmlns:a14="http://schemas.microsoft.com/office/drawing/2010/main" xmlns="">
                 <a:effectLst>
                   <a:outerShdw dist="35921" dir="2700000" algn="ctr" rotWithShape="0">
                     <a:schemeClr val="bg2"/>
@@ -10096,7 +10096,7 @@
           </a:ln>
           <a:extLst>
             <a:ext uri="{AF507438-7753-43e0-B8FC-AC1667EBCBE1}">
-              <a14:hiddenEffects xmlns:a14="http://schemas.microsoft.com/office/drawing/2010/main" xmlns="">
+              <a14:hiddenEffects xmlns="" xmlns:a14="http://schemas.microsoft.com/office/drawing/2010/main">
                 <a:effectLst>
                   <a:outerShdw dist="35921" dir="2700000" algn="ctr" rotWithShape="0">
                     <a:schemeClr val="bg2"/>
@@ -10149,7 +10149,7 @@
           </a:ln>
           <a:extLst>
             <a:ext uri="{AF507438-7753-43e0-B8FC-AC1667EBCBE1}">
-              <a14:hiddenEffects xmlns="" xmlns:a14="http://schemas.microsoft.com/office/drawing/2010/main">
+              <a14:hiddenEffects xmlns:a14="http://schemas.microsoft.com/office/drawing/2010/main" xmlns="">
                 <a:effectLst>
                   <a:outerShdw dist="35921" dir="2700000" algn="ctr" rotWithShape="0">
                     <a:schemeClr val="bg2"/>
@@ -11319,7 +11319,7 @@
             </a:ln>
             <a:extLst>
               <a:ext uri="{AF507438-7753-43e0-B8FC-AC1667EBCBE1}">
-                <a14:hiddenEffects xmlns:a14="http://schemas.microsoft.com/office/drawing/2010/main" xmlns="">
+                <a14:hiddenEffects xmlns="" xmlns:a14="http://schemas.microsoft.com/office/drawing/2010/main">
                   <a:effectLst>
                     <a:outerShdw dist="35921" dir="2700000" algn="ctr" rotWithShape="0">
                       <a:schemeClr val="bg2"/>
@@ -11467,7 +11467,7 @@
               </a:ln>
               <a:extLst>
                 <a:ext uri="{AF507438-7753-43e0-B8FC-AC1667EBCBE1}">
-                  <a14:hiddenEffects xmlns:a14="http://schemas.microsoft.com/office/drawing/2010/main" xmlns="">
+                  <a14:hiddenEffects xmlns="" xmlns:a14="http://schemas.microsoft.com/office/drawing/2010/main">
                     <a:effectLst>
                       <a:outerShdw dist="35921" dir="2700000" algn="ctr" rotWithShape="0">
                         <a:schemeClr val="bg2"/>
@@ -11563,7 +11563,7 @@
               <a:effectLst/>
               <a:extLst>
                 <a:ext uri="{AF507438-7753-43e0-B8FC-AC1667EBCBE1}">
-                  <a14:hiddenEffects xmlns="" xmlns:a14="http://schemas.microsoft.com/office/drawing/2010/main">
+                  <a14:hiddenEffects xmlns:a14="http://schemas.microsoft.com/office/drawing/2010/main" xmlns="">
                     <a:effectLst>
                       <a:outerShdw dist="35921" dir="2700000" algn="ctr" rotWithShape="0">
                         <a:schemeClr val="bg2"/>
@@ -11730,7 +11730,21 @@
             <a:pPr lvl="1"/>
             <a:r>
               <a:rPr lang="en-US" dirty="0"/>
-              <a:t>If a bird hasn’t walked in the previous iteration, he walks!</a:t>
+              <a:t>A bird walks, if </a:t>
+            </a:r>
+          </a:p>
+          <a:p>
+            <a:pPr lvl="2"/>
+            <a:r>
+              <a:rPr lang="en-US" dirty="0"/>
+              <a:t>He currently resides at his best solution</a:t>
+            </a:r>
+          </a:p>
+          <a:p>
+            <a:pPr lvl="2"/>
+            <a:r>
+              <a:rPr lang="en-US" dirty="0"/>
+              <a:t>If he hasn’t walked beforehand</a:t>
             </a:r>
           </a:p>
         </p:txBody>
@@ -11925,7 +11939,7 @@
           <a:effectLst/>
           <a:extLst>
             <a:ext uri="{AF507438-7753-43e0-B8FC-AC1667EBCBE1}">
-              <a14:hiddenEffects xmlns="" xmlns:a14="http://schemas.microsoft.com/office/drawing/2010/main">
+              <a14:hiddenEffects xmlns:a14="http://schemas.microsoft.com/office/drawing/2010/main" xmlns="">
                 <a:effectLst>
                   <a:outerShdw dist="35921" dir="2700000" algn="ctr" rotWithShape="0">
                     <a:schemeClr val="bg2"/>
@@ -12007,7 +12021,7 @@
           <a:effectLst/>
           <a:extLst>
             <a:ext uri="{AF507438-7753-43e0-B8FC-AC1667EBCBE1}">
-              <a14:hiddenEffects xmlns="" xmlns:a14="http://schemas.microsoft.com/office/drawing/2010/main">
+              <a14:hiddenEffects xmlns:a14="http://schemas.microsoft.com/office/drawing/2010/main" xmlns="">
                 <a:effectLst>
                   <a:outerShdw dist="35921" dir="2700000" algn="ctr" rotWithShape="0">
                     <a:schemeClr val="bg2"/>
@@ -12125,7 +12139,7 @@
           <a:effectLst/>
           <a:extLst>
             <a:ext uri="{AF507438-7753-43e0-B8FC-AC1667EBCBE1}">
-              <a14:hiddenEffects xmlns="" xmlns:a14="http://schemas.microsoft.com/office/drawing/2010/main">
+              <a14:hiddenEffects xmlns:a14="http://schemas.microsoft.com/office/drawing/2010/main" xmlns="">
                 <a:effectLst>
                   <a:outerShdw dist="35921" dir="2700000" algn="ctr" rotWithShape="0">
                     <a:schemeClr val="bg2"/>
@@ -12207,7 +12221,7 @@
           <a:effectLst/>
           <a:extLst>
             <a:ext uri="{AF507438-7753-43e0-B8FC-AC1667EBCBE1}">
-              <a14:hiddenEffects xmlns="" xmlns:a14="http://schemas.microsoft.com/office/drawing/2010/main">
+              <a14:hiddenEffects xmlns:a14="http://schemas.microsoft.com/office/drawing/2010/main" xmlns="">
                 <a:effectLst>
                   <a:outerShdw dist="35921" dir="2700000" algn="ctr" rotWithShape="0">
                     <a:schemeClr val="bg2"/>
@@ -12268,7 +12282,7 @@
         </p:nvSpPr>
         <p:spPr bwMode="auto">
           <a:xfrm>
-            <a:off x="5041920" y="5396879"/>
+            <a:off x="5660675" y="5396879"/>
             <a:ext cx="144000" cy="144000"/>
           </a:xfrm>
           <a:prstGeom prst="ellipse">
@@ -12289,7 +12303,7 @@
           <a:effectLst/>
           <a:extLst>
             <a:ext uri="{AF507438-7753-43e0-B8FC-AC1667EBCBE1}">
-              <a14:hiddenEffects xmlns="" xmlns:a14="http://schemas.microsoft.com/office/drawing/2010/main">
+              <a14:hiddenEffects xmlns:a14="http://schemas.microsoft.com/office/drawing/2010/main" xmlns="">
                 <a:effectLst>
                   <a:outerShdw dist="35921" dir="2700000" algn="ctr" rotWithShape="0">
                     <a:schemeClr val="bg2"/>
@@ -12350,7 +12364,7 @@
         </p:nvSpPr>
         <p:spPr bwMode="auto">
           <a:xfrm>
-            <a:off x="5274720" y="5756117"/>
+            <a:off x="5893475" y="5756117"/>
             <a:ext cx="144000" cy="144000"/>
           </a:xfrm>
           <a:prstGeom prst="ellipse">
@@ -12371,7 +12385,7 @@
           <a:effectLst/>
           <a:extLst>
             <a:ext uri="{AF507438-7753-43e0-B8FC-AC1667EBCBE1}">
-              <a14:hiddenEffects xmlns="" xmlns:a14="http://schemas.microsoft.com/office/drawing/2010/main">
+              <a14:hiddenEffects xmlns:a14="http://schemas.microsoft.com/office/drawing/2010/main" xmlns="">
                 <a:effectLst>
                   <a:outerShdw dist="35921" dir="2700000" algn="ctr" rotWithShape="0">
                     <a:schemeClr val="bg2"/>
@@ -12432,7 +12446,7 @@
         </p:nvSpPr>
         <p:spPr bwMode="auto">
           <a:xfrm>
-            <a:off x="5562720" y="5396879"/>
+            <a:off x="6181475" y="5396879"/>
             <a:ext cx="144000" cy="144000"/>
           </a:xfrm>
           <a:prstGeom prst="ellipse">
@@ -12453,7 +12467,7 @@
           <a:effectLst/>
           <a:extLst>
             <a:ext uri="{AF507438-7753-43e0-B8FC-AC1667EBCBE1}">
-              <a14:hiddenEffects xmlns="" xmlns:a14="http://schemas.microsoft.com/office/drawing/2010/main">
+              <a14:hiddenEffects xmlns:a14="http://schemas.microsoft.com/office/drawing/2010/main" xmlns="">
                 <a:effectLst>
                   <a:outerShdw dist="35921" dir="2700000" algn="ctr" rotWithShape="0">
                     <a:schemeClr val="bg2"/>
@@ -12514,7 +12528,7 @@
         </p:nvSpPr>
         <p:spPr bwMode="auto">
           <a:xfrm>
-            <a:off x="4694415" y="5975998"/>
+            <a:off x="5313170" y="5975998"/>
             <a:ext cx="144000" cy="144000"/>
           </a:xfrm>
           <a:prstGeom prst="ellipse">
@@ -12535,7 +12549,7 @@
           <a:effectLst/>
           <a:extLst>
             <a:ext uri="{AF507438-7753-43e0-B8FC-AC1667EBCBE1}">
-              <a14:hiddenEffects xmlns="" xmlns:a14="http://schemas.microsoft.com/office/drawing/2010/main">
+              <a14:hiddenEffects xmlns:a14="http://schemas.microsoft.com/office/drawing/2010/main" xmlns="">
                 <a:effectLst>
                   <a:outerShdw dist="35921" dir="2700000" algn="ctr" rotWithShape="0">
                     <a:schemeClr val="bg2"/>
@@ -12596,7 +12610,7 @@
         </p:nvSpPr>
         <p:spPr bwMode="auto">
           <a:xfrm>
-            <a:off x="5803920" y="5684117"/>
+            <a:off x="6422675" y="5684117"/>
             <a:ext cx="144000" cy="144000"/>
           </a:xfrm>
           <a:prstGeom prst="ellipse">
@@ -12617,7 +12631,7 @@
           <a:effectLst/>
           <a:extLst>
             <a:ext uri="{AF507438-7753-43e0-B8FC-AC1667EBCBE1}">
-              <a14:hiddenEffects xmlns="" xmlns:a14="http://schemas.microsoft.com/office/drawing/2010/main">
+              <a14:hiddenEffects xmlns:a14="http://schemas.microsoft.com/office/drawing/2010/main" xmlns="">
                 <a:effectLst>
                   <a:outerShdw dist="35921" dir="2700000" algn="ctr" rotWithShape="0">
                     <a:schemeClr val="bg2"/>
@@ -12678,7 +12692,7 @@
         </p:nvSpPr>
         <p:spPr bwMode="auto">
           <a:xfrm>
-            <a:off x="5418720" y="6219204"/>
+            <a:off x="6037475" y="6219204"/>
             <a:ext cx="144000" cy="144000"/>
           </a:xfrm>
           <a:prstGeom prst="ellipse">
@@ -12699,7 +12713,7 @@
           <a:effectLst/>
           <a:extLst>
             <a:ext uri="{AF507438-7753-43e0-B8FC-AC1667EBCBE1}">
-              <a14:hiddenEffects xmlns="" xmlns:a14="http://schemas.microsoft.com/office/drawing/2010/main">
+              <a14:hiddenEffects xmlns:a14="http://schemas.microsoft.com/office/drawing/2010/main" xmlns="">
                 <a:effectLst>
                   <a:outerShdw dist="35921" dir="2700000" algn="ctr" rotWithShape="0">
                     <a:schemeClr val="bg2"/>
@@ -12764,7 +12778,7 @@
         </p:nvCxnSpPr>
         <p:spPr bwMode="auto">
           <a:xfrm flipV="1">
-            <a:off x="4817327" y="5519791"/>
+            <a:off x="5436082" y="5519791"/>
             <a:ext cx="245681" cy="477295"/>
           </a:xfrm>
           <a:prstGeom prst="line">
@@ -12776,7 +12790,7 @@
           </a:ln>
           <a:extLst>
             <a:ext uri="{AF507438-7753-43e0-B8FC-AC1667EBCBE1}">
-              <a14:hiddenEffects xmlns="" xmlns:a14="http://schemas.microsoft.com/office/drawing/2010/main">
+              <a14:hiddenEffects xmlns:a14="http://schemas.microsoft.com/office/drawing/2010/main" xmlns="">
                 <a:effectLst>
                   <a:outerShdw dist="35921" dir="2700000" algn="ctr" rotWithShape="0">
                     <a:schemeClr val="bg2"/>
@@ -12819,7 +12833,7 @@
         </p:nvCxnSpPr>
         <p:spPr bwMode="auto">
           <a:xfrm>
-            <a:off x="5185920" y="5468879"/>
+            <a:off x="5804675" y="5468879"/>
             <a:ext cx="109888" cy="308326"/>
           </a:xfrm>
           <a:prstGeom prst="line">
@@ -12831,7 +12845,7 @@
           </a:ln>
           <a:extLst>
             <a:ext uri="{AF507438-7753-43e0-B8FC-AC1667EBCBE1}">
-              <a14:hiddenEffects xmlns="" xmlns:a14="http://schemas.microsoft.com/office/drawing/2010/main">
+              <a14:hiddenEffects xmlns:a14="http://schemas.microsoft.com/office/drawing/2010/main" xmlns="">
                 <a:effectLst>
                   <a:outerShdw dist="35921" dir="2700000" algn="ctr" rotWithShape="0">
                     <a:schemeClr val="bg2"/>
@@ -12874,7 +12888,7 @@
         </p:nvCxnSpPr>
         <p:spPr bwMode="auto">
           <a:xfrm flipV="1">
-            <a:off x="5418720" y="5807029"/>
+            <a:off x="6037475" y="5807029"/>
             <a:ext cx="406288" cy="21088"/>
           </a:xfrm>
           <a:prstGeom prst="line">
@@ -12886,7 +12900,7 @@
           </a:ln>
           <a:extLst>
             <a:ext uri="{AF507438-7753-43e0-B8FC-AC1667EBCBE1}">
-              <a14:hiddenEffects xmlns="" xmlns:a14="http://schemas.microsoft.com/office/drawing/2010/main">
+              <a14:hiddenEffects xmlns:a14="http://schemas.microsoft.com/office/drawing/2010/main" xmlns="">
                 <a:effectLst>
                   <a:outerShdw dist="35921" dir="2700000" algn="ctr" rotWithShape="0">
                     <a:schemeClr val="bg2"/>
@@ -12929,7 +12943,7 @@
         </p:nvCxnSpPr>
         <p:spPr bwMode="auto">
           <a:xfrm>
-            <a:off x="5685632" y="5519791"/>
+            <a:off x="6304387" y="5519791"/>
             <a:ext cx="190288" cy="164326"/>
           </a:xfrm>
           <a:prstGeom prst="line">
@@ -12941,7 +12955,7 @@
           </a:ln>
           <a:extLst>
             <a:ext uri="{AF507438-7753-43e0-B8FC-AC1667EBCBE1}">
-              <a14:hiddenEffects xmlns="" xmlns:a14="http://schemas.microsoft.com/office/drawing/2010/main">
+              <a14:hiddenEffects xmlns:a14="http://schemas.microsoft.com/office/drawing/2010/main" xmlns="">
                 <a:effectLst>
                   <a:outerShdw dist="35921" dir="2700000" algn="ctr" rotWithShape="0">
                     <a:schemeClr val="bg2"/>
@@ -12984,7 +12998,7 @@
         </p:nvCxnSpPr>
         <p:spPr bwMode="auto">
           <a:xfrm flipH="1">
-            <a:off x="5490720" y="5540879"/>
+            <a:off x="6109475" y="5540879"/>
             <a:ext cx="144000" cy="678325"/>
           </a:xfrm>
           <a:prstGeom prst="line">
@@ -12996,7 +13010,7 @@
           </a:ln>
           <a:extLst>
             <a:ext uri="{AF507438-7753-43e0-B8FC-AC1667EBCBE1}">
-              <a14:hiddenEffects xmlns="" xmlns:a14="http://schemas.microsoft.com/office/drawing/2010/main">
+              <a14:hiddenEffects xmlns:a14="http://schemas.microsoft.com/office/drawing/2010/main" xmlns="">
                 <a:effectLst>
                   <a:outerShdw dist="35921" dir="2700000" algn="ctr" rotWithShape="0">
                     <a:schemeClr val="bg2"/>
@@ -13039,7 +13053,7 @@
         </p:nvCxnSpPr>
         <p:spPr bwMode="auto">
           <a:xfrm flipH="1" flipV="1">
-            <a:off x="4817327" y="6098910"/>
+            <a:off x="5436082" y="6098910"/>
             <a:ext cx="601393" cy="192294"/>
           </a:xfrm>
           <a:prstGeom prst="line">
@@ -13051,7 +13065,7 @@
           </a:ln>
           <a:extLst>
             <a:ext uri="{AF507438-7753-43e0-B8FC-AC1667EBCBE1}">
-              <a14:hiddenEffects xmlns="" xmlns:a14="http://schemas.microsoft.com/office/drawing/2010/main">
+              <a14:hiddenEffects xmlns:a14="http://schemas.microsoft.com/office/drawing/2010/main" xmlns="">
                 <a:effectLst>
                   <a:outerShdw dist="35921" dir="2700000" algn="ctr" rotWithShape="0">
                     <a:schemeClr val="bg2"/>
@@ -13090,7 +13104,7 @@
         </p:nvCxnSpPr>
         <p:spPr bwMode="auto">
           <a:xfrm>
-            <a:off x="6210820" y="5828117"/>
+            <a:off x="6829575" y="5828117"/>
             <a:ext cx="792110" cy="0"/>
           </a:xfrm>
           <a:prstGeom prst="straightConnector1">
@@ -13102,7 +13116,7 @@
           </a:ln>
           <a:extLst>
             <a:ext uri="{AF507438-7753-43e0-B8FC-AC1667EBCBE1}">
-              <a14:hiddenEffects xmlns="" xmlns:a14="http://schemas.microsoft.com/office/drawing/2010/main">
+              <a14:hiddenEffects xmlns:a14="http://schemas.microsoft.com/office/drawing/2010/main" xmlns="">
                 <a:effectLst>
                   <a:outerShdw dist="35921" dir="2700000" algn="ctr" rotWithShape="0">
                     <a:schemeClr val="bg2"/>
@@ -13141,7 +13155,7 @@
         </p:nvSpPr>
         <p:spPr bwMode="auto">
           <a:xfrm>
-            <a:off x="7494455" y="5445320"/>
+            <a:off x="8113210" y="5445320"/>
             <a:ext cx="144000" cy="144000"/>
           </a:xfrm>
           <a:prstGeom prst="ellipse">
@@ -13162,7 +13176,7 @@
           <a:effectLst/>
           <a:extLst>
             <a:ext uri="{AF507438-7753-43e0-B8FC-AC1667EBCBE1}">
-              <a14:hiddenEffects xmlns="" xmlns:a14="http://schemas.microsoft.com/office/drawing/2010/main">
+              <a14:hiddenEffects xmlns:a14="http://schemas.microsoft.com/office/drawing/2010/main" xmlns="">
                 <a:effectLst>
                   <a:outerShdw dist="35921" dir="2700000" algn="ctr" rotWithShape="0">
                     <a:schemeClr val="bg2"/>
@@ -13223,7 +13237,7 @@
         </p:nvSpPr>
         <p:spPr bwMode="auto">
           <a:xfrm>
-            <a:off x="7727255" y="5804558"/>
+            <a:off x="8346010" y="5804558"/>
             <a:ext cx="144000" cy="144000"/>
           </a:xfrm>
           <a:prstGeom prst="ellipse">
@@ -13244,7 +13258,7 @@
           <a:effectLst/>
           <a:extLst>
             <a:ext uri="{AF507438-7753-43e0-B8FC-AC1667EBCBE1}">
-              <a14:hiddenEffects xmlns="" xmlns:a14="http://schemas.microsoft.com/office/drawing/2010/main">
+              <a14:hiddenEffects xmlns:a14="http://schemas.microsoft.com/office/drawing/2010/main" xmlns="">
                 <a:effectLst>
                   <a:outerShdw dist="35921" dir="2700000" algn="ctr" rotWithShape="0">
                     <a:schemeClr val="bg2"/>
@@ -13305,7 +13319,7 @@
         </p:nvSpPr>
         <p:spPr bwMode="auto">
           <a:xfrm>
-            <a:off x="8015255" y="5445320"/>
+            <a:off x="8634010" y="5445320"/>
             <a:ext cx="144000" cy="144000"/>
           </a:xfrm>
           <a:prstGeom prst="ellipse">
@@ -13326,7 +13340,7 @@
           <a:effectLst/>
           <a:extLst>
             <a:ext uri="{AF507438-7753-43e0-B8FC-AC1667EBCBE1}">
-              <a14:hiddenEffects xmlns="" xmlns:a14="http://schemas.microsoft.com/office/drawing/2010/main">
+              <a14:hiddenEffects xmlns:a14="http://schemas.microsoft.com/office/drawing/2010/main" xmlns="">
                 <a:effectLst>
                   <a:outerShdw dist="35921" dir="2700000" algn="ctr" rotWithShape="0">
                     <a:schemeClr val="bg2"/>
@@ -13387,7 +13401,7 @@
         </p:nvSpPr>
         <p:spPr bwMode="auto">
           <a:xfrm>
-            <a:off x="7146950" y="6024439"/>
+            <a:off x="7765705" y="6024439"/>
             <a:ext cx="144000" cy="144000"/>
           </a:xfrm>
           <a:prstGeom prst="ellipse">
@@ -13408,7 +13422,7 @@
           <a:effectLst/>
           <a:extLst>
             <a:ext uri="{AF507438-7753-43e0-B8FC-AC1667EBCBE1}">
-              <a14:hiddenEffects xmlns="" xmlns:a14="http://schemas.microsoft.com/office/drawing/2010/main">
+              <a14:hiddenEffects xmlns:a14="http://schemas.microsoft.com/office/drawing/2010/main" xmlns="">
                 <a:effectLst>
                   <a:outerShdw dist="35921" dir="2700000" algn="ctr" rotWithShape="0">
                     <a:schemeClr val="bg2"/>
@@ -13469,7 +13483,7 @@
         </p:nvSpPr>
         <p:spPr bwMode="auto">
           <a:xfrm>
-            <a:off x="8256455" y="5732558"/>
+            <a:off x="8875210" y="5732558"/>
             <a:ext cx="144000" cy="144000"/>
           </a:xfrm>
           <a:prstGeom prst="ellipse">
@@ -13490,7 +13504,7 @@
           <a:effectLst/>
           <a:extLst>
             <a:ext uri="{AF507438-7753-43e0-B8FC-AC1667EBCBE1}">
-              <a14:hiddenEffects xmlns="" xmlns:a14="http://schemas.microsoft.com/office/drawing/2010/main">
+              <a14:hiddenEffects xmlns:a14="http://schemas.microsoft.com/office/drawing/2010/main" xmlns="">
                 <a:effectLst>
                   <a:outerShdw dist="35921" dir="2700000" algn="ctr" rotWithShape="0">
                     <a:schemeClr val="bg2"/>
@@ -13551,7 +13565,7 @@
         </p:nvSpPr>
         <p:spPr bwMode="auto">
           <a:xfrm>
-            <a:off x="7871255" y="6267645"/>
+            <a:off x="8490010" y="6267645"/>
             <a:ext cx="144000" cy="144000"/>
           </a:xfrm>
           <a:prstGeom prst="ellipse">
@@ -13572,7 +13586,7 @@
           <a:effectLst/>
           <a:extLst>
             <a:ext uri="{AF507438-7753-43e0-B8FC-AC1667EBCBE1}">
-              <a14:hiddenEffects xmlns="" xmlns:a14="http://schemas.microsoft.com/office/drawing/2010/main">
+              <a14:hiddenEffects xmlns:a14="http://schemas.microsoft.com/office/drawing/2010/main" xmlns="">
                 <a:effectLst>
                   <a:outerShdw dist="35921" dir="2700000" algn="ctr" rotWithShape="0">
                     <a:schemeClr val="bg2"/>
@@ -13637,7 +13651,7 @@
         </p:nvCxnSpPr>
         <p:spPr bwMode="auto">
           <a:xfrm flipV="1">
-            <a:off x="7269862" y="5568232"/>
+            <a:off x="7888617" y="5568232"/>
             <a:ext cx="245681" cy="477295"/>
           </a:xfrm>
           <a:prstGeom prst="line">
@@ -13649,7 +13663,7 @@
           </a:ln>
           <a:extLst>
             <a:ext uri="{AF507438-7753-43e0-B8FC-AC1667EBCBE1}">
-              <a14:hiddenEffects xmlns="" xmlns:a14="http://schemas.microsoft.com/office/drawing/2010/main">
+              <a14:hiddenEffects xmlns:a14="http://schemas.microsoft.com/office/drawing/2010/main" xmlns="">
                 <a:effectLst>
                   <a:outerShdw dist="35921" dir="2700000" algn="ctr" rotWithShape="0">
                     <a:schemeClr val="bg2"/>
@@ -13692,7 +13706,7 @@
         </p:nvCxnSpPr>
         <p:spPr bwMode="auto">
           <a:xfrm>
-            <a:off x="7638455" y="5517320"/>
+            <a:off x="8257210" y="5517320"/>
             <a:ext cx="109888" cy="308326"/>
           </a:xfrm>
           <a:prstGeom prst="line">
@@ -13704,7 +13718,7 @@
           </a:ln>
           <a:extLst>
             <a:ext uri="{AF507438-7753-43e0-B8FC-AC1667EBCBE1}">
-              <a14:hiddenEffects xmlns="" xmlns:a14="http://schemas.microsoft.com/office/drawing/2010/main">
+              <a14:hiddenEffects xmlns:a14="http://schemas.microsoft.com/office/drawing/2010/main" xmlns="">
                 <a:effectLst>
                   <a:outerShdw dist="35921" dir="2700000" algn="ctr" rotWithShape="0">
                     <a:schemeClr val="bg2"/>
@@ -13747,7 +13761,7 @@
         </p:nvCxnSpPr>
         <p:spPr bwMode="auto">
           <a:xfrm flipV="1">
-            <a:off x="7871255" y="5568232"/>
+            <a:off x="8490010" y="5568232"/>
             <a:ext cx="165088" cy="308326"/>
           </a:xfrm>
           <a:prstGeom prst="line">
@@ -13762,7 +13776,7 @@
           </a:ln>
           <a:extLst>
             <a:ext uri="{AF507438-7753-43e0-B8FC-AC1667EBCBE1}">
-              <a14:hiddenEffects xmlns="" xmlns:a14="http://schemas.microsoft.com/office/drawing/2010/main">
+              <a14:hiddenEffects xmlns:a14="http://schemas.microsoft.com/office/drawing/2010/main" xmlns="">
                 <a:effectLst>
                   <a:outerShdw dist="35921" dir="2700000" algn="ctr" rotWithShape="0">
                     <a:schemeClr val="bg2"/>
@@ -13805,7 +13819,7 @@
         </p:nvCxnSpPr>
         <p:spPr bwMode="auto">
           <a:xfrm>
-            <a:off x="8138167" y="5568232"/>
+            <a:off x="8756922" y="5568232"/>
             <a:ext cx="190288" cy="164326"/>
           </a:xfrm>
           <a:prstGeom prst="line">
@@ -13817,7 +13831,7 @@
           </a:ln>
           <a:extLst>
             <a:ext uri="{AF507438-7753-43e0-B8FC-AC1667EBCBE1}">
-              <a14:hiddenEffects xmlns="" xmlns:a14="http://schemas.microsoft.com/office/drawing/2010/main">
+              <a14:hiddenEffects xmlns:a14="http://schemas.microsoft.com/office/drawing/2010/main" xmlns="">
                 <a:effectLst>
                   <a:outerShdw dist="35921" dir="2700000" algn="ctr" rotWithShape="0">
                     <a:schemeClr val="bg2"/>
@@ -13860,7 +13874,7 @@
         </p:nvCxnSpPr>
         <p:spPr bwMode="auto">
           <a:xfrm flipH="1" flipV="1">
-            <a:off x="7269862" y="6147351"/>
+            <a:off x="7888617" y="6147351"/>
             <a:ext cx="601393" cy="192294"/>
           </a:xfrm>
           <a:prstGeom prst="line">
@@ -13872,7 +13886,7 @@
           </a:ln>
           <a:extLst>
             <a:ext uri="{AF507438-7753-43e0-B8FC-AC1667EBCBE1}">
-              <a14:hiddenEffects xmlns="" xmlns:a14="http://schemas.microsoft.com/office/drawing/2010/main">
+              <a14:hiddenEffects xmlns:a14="http://schemas.microsoft.com/office/drawing/2010/main" xmlns="">
                 <a:effectLst>
                   <a:outerShdw dist="35921" dir="2700000" algn="ctr" rotWithShape="0">
                     <a:schemeClr val="bg2"/>
@@ -13915,7 +13929,7 @@
         </p:nvCxnSpPr>
         <p:spPr bwMode="auto">
           <a:xfrm flipH="1">
-            <a:off x="7994167" y="5876558"/>
+            <a:off x="8612922" y="5876558"/>
             <a:ext cx="334288" cy="412175"/>
           </a:xfrm>
           <a:prstGeom prst="line">
@@ -13930,7 +13944,7 @@
           </a:ln>
           <a:extLst>
             <a:ext uri="{AF507438-7753-43e0-B8FC-AC1667EBCBE1}">
-              <a14:hiddenEffects xmlns="" xmlns:a14="http://schemas.microsoft.com/office/drawing/2010/main">
+              <a14:hiddenEffects xmlns:a14="http://schemas.microsoft.com/office/drawing/2010/main" xmlns="">
                 <a:effectLst>
                   <a:outerShdw dist="35921" dir="2700000" algn="ctr" rotWithShape="0">
                     <a:schemeClr val="bg2"/>
@@ -13969,6 +13983,225 @@
 </file>
 
 <file path=ppt/slides/slide14.xml><?xml version="1.0" encoding="utf-8"?>
+<p:sld xmlns:a="http://schemas.openxmlformats.org/drawingml/2006/main" xmlns:r="http://schemas.openxmlformats.org/officeDocument/2006/relationships" xmlns:p="http://schemas.openxmlformats.org/presentationml/2006/main">
+  <p:cSld>
+    <p:spTree>
+      <p:nvGrpSpPr>
+        <p:cNvPr id="1" name=""/>
+        <p:cNvGrpSpPr/>
+        <p:nvPr/>
+      </p:nvGrpSpPr>
+      <p:grpSpPr>
+        <a:xfrm>
+          <a:off x="0" y="0"/>
+          <a:ext cx="0" cy="0"/>
+          <a:chOff x="0" y="0"/>
+          <a:chExt cx="0" cy="0"/>
+        </a:xfrm>
+      </p:grpSpPr>
+      <p:sp>
+        <p:nvSpPr>
+          <p:cNvPr id="3" name="Foliennummernplatzhalter 2"/>
+          <p:cNvSpPr>
+            <a:spLocks noGrp="1"/>
+          </p:cNvSpPr>
+          <p:nvPr>
+            <p:ph type="sldNum" sz="quarter" idx="10"/>
+          </p:nvPr>
+        </p:nvSpPr>
+        <p:spPr/>
+        <p:txBody>
+          <a:bodyPr/>
+          <a:lstStyle/>
+          <a:p>
+            <a:r>
+              <a:rPr lang="de-DE"/>
+              <a:t>Seite </a:t>
+            </a:r>
+            <a:fld id="{7C825A45-7494-4182-9A4A-AB4F72FEBB3C}" type="slidenum">
+              <a:rPr lang="de-DE"/>
+              <a:pPr/>
+              <a:t>14</a:t>
+            </a:fld>
+            <a:endParaRPr lang="de-DE"/>
+          </a:p>
+        </p:txBody>
+      </p:sp>
+      <p:sp>
+        <p:nvSpPr>
+          <p:cNvPr id="33796" name="Rectangle 4"/>
+          <p:cNvSpPr>
+            <a:spLocks noGrp="1" noChangeArrowheads="1"/>
+          </p:cNvSpPr>
+          <p:nvPr>
+            <p:ph type="title"/>
+          </p:nvPr>
+        </p:nvSpPr>
+        <p:spPr>
+          <a:xfrm>
+            <a:off x="522288" y="2111375"/>
+            <a:ext cx="9648825" cy="949325"/>
+          </a:xfrm>
+        </p:spPr>
+        <p:txBody>
+          <a:bodyPr/>
+          <a:lstStyle/>
+          <a:p>
+            <a:r>
+              <a:rPr lang="en-US"/>
+              <a:t>Vielen Dank für Ihre Aufmerksamkeit!</a:t>
+            </a:r>
+          </a:p>
+        </p:txBody>
+      </p:sp>
+    </p:spTree>
+  </p:cSld>
+  <p:clrMapOvr>
+    <a:masterClrMapping/>
+  </p:clrMapOvr>
+</p:sld>
+</file>
+
+<file path=ppt/slides/slide15.xml><?xml version="1.0" encoding="utf-8"?>
+<p:sld xmlns:a="http://schemas.openxmlformats.org/drawingml/2006/main" xmlns:r="http://schemas.openxmlformats.org/officeDocument/2006/relationships" xmlns:p="http://schemas.openxmlformats.org/presentationml/2006/main">
+  <p:cSld>
+    <p:spTree>
+      <p:nvGrpSpPr>
+        <p:cNvPr id="1" name=""/>
+        <p:cNvGrpSpPr/>
+        <p:nvPr/>
+      </p:nvGrpSpPr>
+      <p:grpSpPr>
+        <a:xfrm>
+          <a:off x="0" y="0"/>
+          <a:ext cx="0" cy="0"/>
+          <a:chOff x="0" y="0"/>
+          <a:chExt cx="0" cy="0"/>
+        </a:xfrm>
+      </p:grpSpPr>
+      <p:sp>
+        <p:nvSpPr>
+          <p:cNvPr id="4" name="Foliennummernplatzhalter 3"/>
+          <p:cNvSpPr>
+            <a:spLocks noGrp="1"/>
+          </p:cNvSpPr>
+          <p:nvPr>
+            <p:ph type="sldNum" sz="quarter" idx="10"/>
+          </p:nvPr>
+        </p:nvSpPr>
+        <p:spPr/>
+        <p:txBody>
+          <a:bodyPr/>
+          <a:lstStyle/>
+          <a:p>
+            <a:r>
+              <a:rPr lang="de-DE"/>
+              <a:t>Seite </a:t>
+            </a:r>
+            <a:fld id="{4CDCE16C-BB8B-41B6-BC70-61DAD202005A}" type="slidenum">
+              <a:rPr lang="de-DE"/>
+              <a:pPr/>
+              <a:t>15</a:t>
+            </a:fld>
+            <a:endParaRPr lang="de-DE"/>
+          </a:p>
+        </p:txBody>
+      </p:sp>
+      <p:sp>
+        <p:nvSpPr>
+          <p:cNvPr id="9219" name="Rectangle 3"/>
+          <p:cNvSpPr>
+            <a:spLocks noGrp="1" noChangeArrowheads="1"/>
+          </p:cNvSpPr>
+          <p:nvPr>
+            <p:ph type="body" idx="1"/>
+          </p:nvPr>
+        </p:nvSpPr>
+        <p:spPr>
+          <a:noFill/>
+        </p:spPr>
+        <p:txBody>
+          <a:bodyPr/>
+          <a:lstStyle/>
+          <a:p>
+            <a:pPr lvl="1"/>
+            <a:r>
+              <a:rPr lang="en-GB" sz="1800" dirty="0">
+                <a:effectLst/>
+                <a:latin typeface="LMRoman10-Regular-Identity-H"/>
+              </a:rPr>
+              <a:t>Jean-Baptiste Lamy. Artificial Feeding Birds (AFB): a new metaheuristic inspired by the </a:t>
+            </a:r>
+            <a:r>
+              <a:rPr lang="en-GB" sz="1800" dirty="0" err="1">
+                <a:effectLst/>
+                <a:latin typeface="LMRoman10-Regular-Identity-H"/>
+              </a:rPr>
+              <a:t>behavior</a:t>
+            </a:r>
+            <a:r>
+              <a:rPr lang="en-GB" sz="1800" dirty="0">
+                <a:effectLst/>
+                <a:latin typeface="LMRoman10-Regular-Identity-H"/>
+              </a:rPr>
+              <a:t> of pigeons. Advances in nature-inspired computing and applications, 2019, 10.1007/978-3-319-96451- 5_3 . hal-02264232 </a:t>
+            </a:r>
+            <a:endParaRPr lang="en-GB" dirty="0"/>
+          </a:p>
+          <a:p>
+            <a:pPr lvl="1"/>
+            <a:endParaRPr lang="en-US" dirty="0"/>
+          </a:p>
+        </p:txBody>
+      </p:sp>
+      <p:sp>
+        <p:nvSpPr>
+          <p:cNvPr id="8" name="Rectangle 2">
+            <a:extLst>
+              <a:ext uri="{FF2B5EF4-FFF2-40B4-BE49-F238E27FC236}">
+                <a16:creationId xmlns:a16="http://schemas.microsoft.com/office/drawing/2014/main" id="{DBDFC6D1-7E84-3D53-0A59-2EB978CEE275}"/>
+              </a:ext>
+            </a:extLst>
+          </p:cNvPr>
+          <p:cNvSpPr>
+            <a:spLocks noGrp="1" noChangeArrowheads="1"/>
+          </p:cNvSpPr>
+          <p:nvPr>
+            <p:ph type="title"/>
+          </p:nvPr>
+        </p:nvSpPr>
+        <p:spPr>
+          <a:xfrm>
+            <a:off x="522288" y="671513"/>
+            <a:ext cx="9648825" cy="949325"/>
+          </a:xfrm>
+        </p:spPr>
+        <p:txBody>
+          <a:bodyPr/>
+          <a:lstStyle/>
+          <a:p>
+            <a:r>
+              <a:rPr lang="de-DE" dirty="0" err="1"/>
+              <a:t>Literature</a:t>
+            </a:r>
+            <a:endParaRPr lang="de-DE" sz="2400" b="0" i="1" dirty="0"/>
+          </a:p>
+        </p:txBody>
+      </p:sp>
+    </p:spTree>
+    <p:extLst>
+      <p:ext uri="{BB962C8B-B14F-4D97-AF65-F5344CB8AC3E}">
+        <p14:creationId xmlns:p14="http://schemas.microsoft.com/office/powerpoint/2010/main" val="1907325627"/>
+      </p:ext>
+    </p:extLst>
+  </p:cSld>
+  <p:clrMapOvr>
+    <a:masterClrMapping/>
+  </p:clrMapOvr>
+</p:sld>
+</file>
+
+<file path=ppt/slides/slide16.xml><?xml version="1.0" encoding="utf-8"?>
 <p:sld xmlns:a="http://schemas.openxmlformats.org/drawingml/2006/main" xmlns:r="http://schemas.openxmlformats.org/officeDocument/2006/relationships" xmlns:p="http://schemas.openxmlformats.org/presentationml/2006/main">
   <p:cSld>
     <p:spTree>
@@ -14380,7 +14613,7 @@
                   <a:spcPts val="600"/>
                 </a:spcAft>
               </a:pPr>
-              <a:t>14</a:t>
+              <a:t>16</a:t>
             </a:fld>
             <a:endParaRPr lang="de-DE"/>
           </a:p>
@@ -14399,7 +14632,7 @@
 </p:sld>
 </file>
 
-<file path=ppt/slides/slide15.xml><?xml version="1.0" encoding="utf-8"?>
+<file path=ppt/slides/slide17.xml><?xml version="1.0" encoding="utf-8"?>
 <p:sld xmlns:a="http://schemas.openxmlformats.org/drawingml/2006/main" xmlns:r="http://schemas.openxmlformats.org/officeDocument/2006/relationships" xmlns:p="http://schemas.openxmlformats.org/presentationml/2006/main">
   <p:cSld>
     <p:spTree>
@@ -14468,7 +14701,7 @@
         <p:spPr>
           <a:xfrm>
             <a:off x="5058660" y="1957230"/>
-            <a:ext cx="4135437" cy="4885052"/>
+            <a:ext cx="4132515" cy="4881600"/>
           </a:xfrm>
           <a:prstGeom prst="rect">
             <a:avLst/>
@@ -14514,7 +14747,7 @@
                   <a:spcPts val="600"/>
                 </a:spcAft>
               </a:pPr>
-              <a:t>15</a:t>
+              <a:t>17</a:t>
             </a:fld>
             <a:endParaRPr lang="de-DE"/>
           </a:p>
@@ -14821,225 +15054,6 @@
     <p:extLst>
       <p:ext uri="{BB962C8B-B14F-4D97-AF65-F5344CB8AC3E}">
         <p14:creationId xmlns:p14="http://schemas.microsoft.com/office/powerpoint/2010/main" val="1594055422"/>
-      </p:ext>
-    </p:extLst>
-  </p:cSld>
-  <p:clrMapOvr>
-    <a:masterClrMapping/>
-  </p:clrMapOvr>
-</p:sld>
-</file>
-
-<file path=ppt/slides/slide16.xml><?xml version="1.0" encoding="utf-8"?>
-<p:sld xmlns:a="http://schemas.openxmlformats.org/drawingml/2006/main" xmlns:r="http://schemas.openxmlformats.org/officeDocument/2006/relationships" xmlns:p="http://schemas.openxmlformats.org/presentationml/2006/main">
-  <p:cSld>
-    <p:spTree>
-      <p:nvGrpSpPr>
-        <p:cNvPr id="1" name=""/>
-        <p:cNvGrpSpPr/>
-        <p:nvPr/>
-      </p:nvGrpSpPr>
-      <p:grpSpPr>
-        <a:xfrm>
-          <a:off x="0" y="0"/>
-          <a:ext cx="0" cy="0"/>
-          <a:chOff x="0" y="0"/>
-          <a:chExt cx="0" cy="0"/>
-        </a:xfrm>
-      </p:grpSpPr>
-      <p:sp>
-        <p:nvSpPr>
-          <p:cNvPr id="3" name="Foliennummernplatzhalter 2"/>
-          <p:cNvSpPr>
-            <a:spLocks noGrp="1"/>
-          </p:cNvSpPr>
-          <p:nvPr>
-            <p:ph type="sldNum" sz="quarter" idx="10"/>
-          </p:nvPr>
-        </p:nvSpPr>
-        <p:spPr/>
-        <p:txBody>
-          <a:bodyPr/>
-          <a:lstStyle/>
-          <a:p>
-            <a:r>
-              <a:rPr lang="de-DE"/>
-              <a:t>Seite </a:t>
-            </a:r>
-            <a:fld id="{7C825A45-7494-4182-9A4A-AB4F72FEBB3C}" type="slidenum">
-              <a:rPr lang="de-DE"/>
-              <a:pPr/>
-              <a:t>16</a:t>
-            </a:fld>
-            <a:endParaRPr lang="de-DE"/>
-          </a:p>
-        </p:txBody>
-      </p:sp>
-      <p:sp>
-        <p:nvSpPr>
-          <p:cNvPr id="33796" name="Rectangle 4"/>
-          <p:cNvSpPr>
-            <a:spLocks noGrp="1" noChangeArrowheads="1"/>
-          </p:cNvSpPr>
-          <p:nvPr>
-            <p:ph type="title"/>
-          </p:nvPr>
-        </p:nvSpPr>
-        <p:spPr>
-          <a:xfrm>
-            <a:off x="522288" y="2111375"/>
-            <a:ext cx="9648825" cy="949325"/>
-          </a:xfrm>
-        </p:spPr>
-        <p:txBody>
-          <a:bodyPr/>
-          <a:lstStyle/>
-          <a:p>
-            <a:r>
-              <a:rPr lang="en-US"/>
-              <a:t>Vielen Dank für Ihre Aufmerksamkeit!</a:t>
-            </a:r>
-          </a:p>
-        </p:txBody>
-      </p:sp>
-    </p:spTree>
-  </p:cSld>
-  <p:clrMapOvr>
-    <a:masterClrMapping/>
-  </p:clrMapOvr>
-</p:sld>
-</file>
-
-<file path=ppt/slides/slide17.xml><?xml version="1.0" encoding="utf-8"?>
-<p:sld xmlns:a="http://schemas.openxmlformats.org/drawingml/2006/main" xmlns:r="http://schemas.openxmlformats.org/officeDocument/2006/relationships" xmlns:p="http://schemas.openxmlformats.org/presentationml/2006/main">
-  <p:cSld>
-    <p:spTree>
-      <p:nvGrpSpPr>
-        <p:cNvPr id="1" name=""/>
-        <p:cNvGrpSpPr/>
-        <p:nvPr/>
-      </p:nvGrpSpPr>
-      <p:grpSpPr>
-        <a:xfrm>
-          <a:off x="0" y="0"/>
-          <a:ext cx="0" cy="0"/>
-          <a:chOff x="0" y="0"/>
-          <a:chExt cx="0" cy="0"/>
-        </a:xfrm>
-      </p:grpSpPr>
-      <p:sp>
-        <p:nvSpPr>
-          <p:cNvPr id="4" name="Foliennummernplatzhalter 3"/>
-          <p:cNvSpPr>
-            <a:spLocks noGrp="1"/>
-          </p:cNvSpPr>
-          <p:nvPr>
-            <p:ph type="sldNum" sz="quarter" idx="10"/>
-          </p:nvPr>
-        </p:nvSpPr>
-        <p:spPr/>
-        <p:txBody>
-          <a:bodyPr/>
-          <a:lstStyle/>
-          <a:p>
-            <a:r>
-              <a:rPr lang="de-DE"/>
-              <a:t>Seite </a:t>
-            </a:r>
-            <a:fld id="{4CDCE16C-BB8B-41B6-BC70-61DAD202005A}" type="slidenum">
-              <a:rPr lang="de-DE"/>
-              <a:pPr/>
-              <a:t>17</a:t>
-            </a:fld>
-            <a:endParaRPr lang="de-DE"/>
-          </a:p>
-        </p:txBody>
-      </p:sp>
-      <p:sp>
-        <p:nvSpPr>
-          <p:cNvPr id="9219" name="Rectangle 3"/>
-          <p:cNvSpPr>
-            <a:spLocks noGrp="1" noChangeArrowheads="1"/>
-          </p:cNvSpPr>
-          <p:nvPr>
-            <p:ph type="body" idx="1"/>
-          </p:nvPr>
-        </p:nvSpPr>
-        <p:spPr>
-          <a:noFill/>
-        </p:spPr>
-        <p:txBody>
-          <a:bodyPr/>
-          <a:lstStyle/>
-          <a:p>
-            <a:pPr lvl="1"/>
-            <a:r>
-              <a:rPr lang="en-GB" sz="1800" dirty="0">
-                <a:effectLst/>
-                <a:latin typeface="LMRoman10-Regular-Identity-H"/>
-              </a:rPr>
-              <a:t>Jean-Baptiste Lamy. Artificial Feeding Birds (AFB): a new metaheuristic inspired by the </a:t>
-            </a:r>
-            <a:r>
-              <a:rPr lang="en-GB" sz="1800" dirty="0" err="1">
-                <a:effectLst/>
-                <a:latin typeface="LMRoman10-Regular-Identity-H"/>
-              </a:rPr>
-              <a:t>behavior</a:t>
-            </a:r>
-            <a:r>
-              <a:rPr lang="en-GB" sz="1800" dirty="0">
-                <a:effectLst/>
-                <a:latin typeface="LMRoman10-Regular-Identity-H"/>
-              </a:rPr>
-              <a:t> of pigeons. Advances in nature-inspired computing and applications, 2019, 10.1007/978-3-319-96451- 5_3 . hal-02264232 </a:t>
-            </a:r>
-            <a:endParaRPr lang="en-GB" dirty="0"/>
-          </a:p>
-          <a:p>
-            <a:pPr lvl="1"/>
-            <a:endParaRPr lang="en-US" dirty="0"/>
-          </a:p>
-        </p:txBody>
-      </p:sp>
-      <p:sp>
-        <p:nvSpPr>
-          <p:cNvPr id="8" name="Rectangle 2">
-            <a:extLst>
-              <a:ext uri="{FF2B5EF4-FFF2-40B4-BE49-F238E27FC236}">
-                <a16:creationId xmlns:a16="http://schemas.microsoft.com/office/drawing/2014/main" id="{DBDFC6D1-7E84-3D53-0A59-2EB978CEE275}"/>
-              </a:ext>
-            </a:extLst>
-          </p:cNvPr>
-          <p:cNvSpPr>
-            <a:spLocks noGrp="1" noChangeArrowheads="1"/>
-          </p:cNvSpPr>
-          <p:nvPr>
-            <p:ph type="title"/>
-          </p:nvPr>
-        </p:nvSpPr>
-        <p:spPr>
-          <a:xfrm>
-            <a:off x="522288" y="671513"/>
-            <a:ext cx="9648825" cy="949325"/>
-          </a:xfrm>
-        </p:spPr>
-        <p:txBody>
-          <a:bodyPr/>
-          <a:lstStyle/>
-          <a:p>
-            <a:r>
-              <a:rPr lang="de-DE" dirty="0" err="1"/>
-              <a:t>Literature</a:t>
-            </a:r>
-            <a:endParaRPr lang="de-DE" sz="2400" b="0" i="1" dirty="0"/>
-          </a:p>
-        </p:txBody>
-      </p:sp>
-    </p:spTree>
-    <p:extLst>
-      <p:ext uri="{BB962C8B-B14F-4D97-AF65-F5344CB8AC3E}">
-        <p14:creationId xmlns:p14="http://schemas.microsoft.com/office/powerpoint/2010/main" val="1907325627"/>
       </p:ext>
     </p:extLst>
   </p:cSld>
@@ -16384,14 +16398,14 @@
           <a:effectLst/>
           <a:extLst>
             <a:ext uri="{909E8E84-426E-40dd-AFC4-6F175D3DCCD1}">
-              <a14:hiddenFill xmlns="" xmlns:a14="http://schemas.microsoft.com/office/drawing/2010/main">
+              <a14:hiddenFill xmlns:a14="http://schemas.microsoft.com/office/drawing/2010/main" xmlns="">
                 <a:solidFill>
                   <a:schemeClr val="accent1"/>
                 </a:solidFill>
               </a14:hiddenFill>
             </a:ext>
             <a:ext uri="{91240B29-F687-4f45-9708-019B960494DF}">
-              <a14:hiddenLine xmlns="" xmlns:a14="http://schemas.microsoft.com/office/drawing/2010/main" w="9525">
+              <a14:hiddenLine xmlns:a14="http://schemas.microsoft.com/office/drawing/2010/main" xmlns="" w="9525">
                 <a:solidFill>
                   <a:schemeClr val="tx1"/>
                 </a:solidFill>
@@ -16401,7 +16415,7 @@
               </a14:hiddenLine>
             </a:ext>
             <a:ext uri="{AF507438-7753-43e0-B8FC-AC1667EBCBE1}">
-              <a14:hiddenEffects xmlns="" xmlns:a14="http://schemas.microsoft.com/office/drawing/2010/main">
+              <a14:hiddenEffects xmlns:a14="http://schemas.microsoft.com/office/drawing/2010/main" xmlns="">
                 <a:effectLst>
                   <a:outerShdw dist="35921" dir="2700000" algn="ctr" rotWithShape="0">
                     <a:schemeClr val="bg2"/>
@@ -16753,7 +16767,7 @@
             <a:pPr lvl="1"/>
             <a:r>
               <a:rPr lang="en-US" dirty="0"/>
-              <a:t>Swarm intelligence is particular interesting</a:t>
+              <a:t>Swarm intelligence is particularly interesting</a:t>
             </a:r>
           </a:p>
           <a:p>
@@ -17174,6 +17188,141 @@
       </p:grpSpPr>
       <p:sp>
         <p:nvSpPr>
+          <p:cNvPr id="9218" name="Rectangle 2"/>
+          <p:cNvSpPr>
+            <a:spLocks noGrp="1" noChangeArrowheads="1"/>
+          </p:cNvSpPr>
+          <p:nvPr>
+            <p:ph type="title"/>
+          </p:nvPr>
+        </p:nvSpPr>
+        <p:spPr>
+          <a:xfrm>
+            <a:off x="522288" y="671513"/>
+            <a:ext cx="9648825" cy="949325"/>
+          </a:xfrm>
+        </p:spPr>
+        <p:txBody>
+          <a:bodyPr wrap="square" anchor="t">
+            <a:normAutofit/>
+          </a:bodyPr>
+          <a:lstStyle/>
+          <a:p>
+            <a:r>
+              <a:rPr lang="de-DE" dirty="0"/>
+              <a:t>Motivation</a:t>
+            </a:r>
+            <a:endParaRPr lang="de-DE" b="0" i="1" dirty="0"/>
+          </a:p>
+        </p:txBody>
+      </p:sp>
+      <p:pic>
+        <p:nvPicPr>
+          <p:cNvPr id="2" name="Picture 1" descr="A diagram of a bird&#10;&#10;Description automatically generated">
+            <a:extLst>
+              <a:ext uri="{FF2B5EF4-FFF2-40B4-BE49-F238E27FC236}">
+                <a16:creationId xmlns:a16="http://schemas.microsoft.com/office/drawing/2014/main" id="{63E67704-36F1-4DF8-D545-6EDF1C4794B7}"/>
+              </a:ext>
+            </a:extLst>
+          </p:cNvPr>
+          <p:cNvPicPr>
+            <a:picLocks noChangeAspect="1"/>
+          </p:cNvPicPr>
+          <p:nvPr/>
+        </p:nvPicPr>
+        <p:blipFill>
+          <a:blip r:embed="rId3"/>
+          <a:stretch>
+            <a:fillRect/>
+          </a:stretch>
+        </p:blipFill>
+        <p:spPr>
+          <a:xfrm>
+            <a:off x="522288" y="2883282"/>
+            <a:ext cx="8424862" cy="3032949"/>
+          </a:xfrm>
+          <a:prstGeom prst="rect">
+            <a:avLst/>
+          </a:prstGeom>
+          <a:noFill/>
+        </p:spPr>
+      </p:pic>
+      <p:sp>
+        <p:nvSpPr>
+          <p:cNvPr id="4" name="Foliennummernplatzhalter 3"/>
+          <p:cNvSpPr>
+            <a:spLocks noGrp="1"/>
+          </p:cNvSpPr>
+          <p:nvPr>
+            <p:ph type="sldNum" sz="quarter" idx="10"/>
+          </p:nvPr>
+        </p:nvSpPr>
+        <p:spPr>
+          <a:xfrm>
+            <a:off x="8947150" y="7165975"/>
+            <a:ext cx="1223963" cy="228600"/>
+          </a:xfrm>
+        </p:spPr>
+        <p:txBody>
+          <a:bodyPr wrap="square" anchor="t">
+            <a:normAutofit/>
+          </a:bodyPr>
+          <a:lstStyle/>
+          <a:p>
+            <a:pPr>
+              <a:spcAft>
+                <a:spcPts val="600"/>
+              </a:spcAft>
+            </a:pPr>
+            <a:r>
+              <a:rPr lang="de-DE"/>
+              <a:t>Seite </a:t>
+            </a:r>
+            <a:fld id="{4CDCE16C-BB8B-41B6-BC70-61DAD202005A}" type="slidenum">
+              <a:rPr lang="de-DE"/>
+              <a:pPr>
+                <a:spcAft>
+                  <a:spcPts val="600"/>
+                </a:spcAft>
+              </a:pPr>
+              <a:t>6</a:t>
+            </a:fld>
+            <a:endParaRPr lang="de-DE"/>
+          </a:p>
+        </p:txBody>
+      </p:sp>
+    </p:spTree>
+    <p:extLst>
+      <p:ext uri="{BB962C8B-B14F-4D97-AF65-F5344CB8AC3E}">
+        <p14:creationId xmlns:p14="http://schemas.microsoft.com/office/powerpoint/2010/main" val="3996605519"/>
+      </p:ext>
+    </p:extLst>
+  </p:cSld>
+  <p:clrMapOvr>
+    <a:masterClrMapping/>
+  </p:clrMapOvr>
+</p:sld>
+</file>
+
+<file path=ppt/slides/slide7.xml><?xml version="1.0" encoding="utf-8"?>
+<p:sld xmlns:a="http://schemas.openxmlformats.org/drawingml/2006/main" xmlns:r="http://schemas.openxmlformats.org/officeDocument/2006/relationships" xmlns:p="http://schemas.openxmlformats.org/presentationml/2006/main">
+  <p:cSld>
+    <p:spTree>
+      <p:nvGrpSpPr>
+        <p:cNvPr id="1" name=""/>
+        <p:cNvGrpSpPr/>
+        <p:nvPr/>
+      </p:nvGrpSpPr>
+      <p:grpSpPr>
+        <a:xfrm>
+          <a:off x="0" y="0"/>
+          <a:ext cx="0" cy="0"/>
+          <a:chOff x="0" y="0"/>
+          <a:chExt cx="0" cy="0"/>
+        </a:xfrm>
+      </p:grpSpPr>
+      <p:sp>
+        <p:nvSpPr>
           <p:cNvPr id="2" name="Rectangle 17">
             <a:extLst>
               <a:ext uri="{FF2B5EF4-FFF2-40B4-BE49-F238E27FC236}">
@@ -17232,7 +17381,7 @@
             <a:fld id="{39BC1543-AAC8-420D-BBBB-BCE8A35A375E}" type="slidenum">
               <a:rPr lang="de-DE"/>
               <a:pPr/>
-              <a:t>6</a:t>
+              <a:t>7</a:t>
             </a:fld>
             <a:endParaRPr lang="de-DE"/>
           </a:p>
@@ -17741,7 +17890,7 @@
 </p:sld>
 </file>
 
-<file path=ppt/slides/slide7.xml><?xml version="1.0" encoding="utf-8"?>
+<file path=ppt/slides/slide8.xml><?xml version="1.0" encoding="utf-8"?>
 <p:sld xmlns:a="http://schemas.openxmlformats.org/drawingml/2006/main" xmlns:r="http://schemas.openxmlformats.org/officeDocument/2006/relationships" xmlns:p="http://schemas.openxmlformats.org/presentationml/2006/main">
   <p:cSld>
     <p:spTree>
@@ -17780,7 +17929,7 @@
             <a:fld id="{4CDCE16C-BB8B-41B6-BC70-61DAD202005A}" type="slidenum">
               <a:rPr lang="de-DE"/>
               <a:pPr/>
-              <a:t>7</a:t>
+              <a:t>8</a:t>
             </a:fld>
             <a:endParaRPr lang="de-DE"/>
           </a:p>
@@ -18005,7 +18154,7 @@
           <a:effectLst/>
           <a:extLst>
             <a:ext uri="{AF507438-7753-43e0-B8FC-AC1667EBCBE1}">
-              <a14:hiddenEffects xmlns:a14="http://schemas.microsoft.com/office/drawing/2010/main" xmlns="">
+              <a14:hiddenEffects xmlns="" xmlns:a14="http://schemas.microsoft.com/office/drawing/2010/main">
                 <a:effectLst>
                   <a:outerShdw dist="35921" dir="2700000" algn="ctr" rotWithShape="0">
                     <a:schemeClr val="bg2"/>
@@ -18087,7 +18236,7 @@
           <a:effectLst/>
           <a:extLst>
             <a:ext uri="{AF507438-7753-43e0-B8FC-AC1667EBCBE1}">
-              <a14:hiddenEffects xmlns:a14="http://schemas.microsoft.com/office/drawing/2010/main" xmlns="">
+              <a14:hiddenEffects xmlns="" xmlns:a14="http://schemas.microsoft.com/office/drawing/2010/main">
                 <a:effectLst>
                   <a:outerShdw dist="35921" dir="2700000" algn="ctr" rotWithShape="0">
                     <a:schemeClr val="bg2"/>
@@ -18169,7 +18318,7 @@
           <a:effectLst/>
           <a:extLst>
             <a:ext uri="{AF507438-7753-43e0-B8FC-AC1667EBCBE1}">
-              <a14:hiddenEffects xmlns:a14="http://schemas.microsoft.com/office/drawing/2010/main" xmlns="">
+              <a14:hiddenEffects xmlns="" xmlns:a14="http://schemas.microsoft.com/office/drawing/2010/main">
                 <a:effectLst>
                   <a:outerShdw dist="35921" dir="2700000" algn="ctr" rotWithShape="0">
                     <a:schemeClr val="bg2"/>
@@ -18251,7 +18400,7 @@
           <a:effectLst/>
           <a:extLst>
             <a:ext uri="{AF507438-7753-43e0-B8FC-AC1667EBCBE1}">
-              <a14:hiddenEffects xmlns:a14="http://schemas.microsoft.com/office/drawing/2010/main" xmlns="">
+              <a14:hiddenEffects xmlns="" xmlns:a14="http://schemas.microsoft.com/office/drawing/2010/main">
                 <a:effectLst>
                   <a:outerShdw dist="35921" dir="2700000" algn="ctr" rotWithShape="0">
                     <a:schemeClr val="bg2"/>
@@ -18333,7 +18482,7 @@
           <a:effectLst/>
           <a:extLst>
             <a:ext uri="{AF507438-7753-43e0-B8FC-AC1667EBCBE1}">
-              <a14:hiddenEffects xmlns:a14="http://schemas.microsoft.com/office/drawing/2010/main" xmlns="">
+              <a14:hiddenEffects xmlns="" xmlns:a14="http://schemas.microsoft.com/office/drawing/2010/main">
                 <a:effectLst>
                   <a:outerShdw dist="35921" dir="2700000" algn="ctr" rotWithShape="0">
                     <a:schemeClr val="bg2"/>
@@ -18415,7 +18564,7 @@
           <a:effectLst/>
           <a:extLst>
             <a:ext uri="{AF507438-7753-43e0-B8FC-AC1667EBCBE1}">
-              <a14:hiddenEffects xmlns:a14="http://schemas.microsoft.com/office/drawing/2010/main" xmlns="">
+              <a14:hiddenEffects xmlns="" xmlns:a14="http://schemas.microsoft.com/office/drawing/2010/main">
                 <a:effectLst>
                   <a:outerShdw dist="35921" dir="2700000" algn="ctr" rotWithShape="0">
                     <a:schemeClr val="bg2"/>
@@ -18492,7 +18641,7 @@
           </a:ln>
           <a:extLst>
             <a:ext uri="{AF507438-7753-43e0-B8FC-AC1667EBCBE1}">
-              <a14:hiddenEffects xmlns:a14="http://schemas.microsoft.com/office/drawing/2010/main" xmlns="">
+              <a14:hiddenEffects xmlns="" xmlns:a14="http://schemas.microsoft.com/office/drawing/2010/main">
                 <a:effectLst>
                   <a:outerShdw dist="35921" dir="2700000" algn="ctr" rotWithShape="0">
                     <a:schemeClr val="bg2"/>
@@ -18547,7 +18696,7 @@
           </a:ln>
           <a:extLst>
             <a:ext uri="{AF507438-7753-43e0-B8FC-AC1667EBCBE1}">
-              <a14:hiddenEffects xmlns:a14="http://schemas.microsoft.com/office/drawing/2010/main" xmlns="">
+              <a14:hiddenEffects xmlns="" xmlns:a14="http://schemas.microsoft.com/office/drawing/2010/main">
                 <a:effectLst>
                   <a:outerShdw dist="35921" dir="2700000" algn="ctr" rotWithShape="0">
                     <a:schemeClr val="bg2"/>
@@ -18602,7 +18751,7 @@
           </a:ln>
           <a:extLst>
             <a:ext uri="{AF507438-7753-43e0-B8FC-AC1667EBCBE1}">
-              <a14:hiddenEffects xmlns:a14="http://schemas.microsoft.com/office/drawing/2010/main" xmlns="">
+              <a14:hiddenEffects xmlns="" xmlns:a14="http://schemas.microsoft.com/office/drawing/2010/main">
                 <a:effectLst>
                   <a:outerShdw dist="35921" dir="2700000" algn="ctr" rotWithShape="0">
                     <a:schemeClr val="bg2"/>
@@ -18657,7 +18806,7 @@
           </a:ln>
           <a:extLst>
             <a:ext uri="{AF507438-7753-43e0-B8FC-AC1667EBCBE1}">
-              <a14:hiddenEffects xmlns:a14="http://schemas.microsoft.com/office/drawing/2010/main" xmlns="">
+              <a14:hiddenEffects xmlns="" xmlns:a14="http://schemas.microsoft.com/office/drawing/2010/main">
                 <a:effectLst>
                   <a:outerShdw dist="35921" dir="2700000" algn="ctr" rotWithShape="0">
                     <a:schemeClr val="bg2"/>
@@ -18712,7 +18861,7 @@
           </a:ln>
           <a:extLst>
             <a:ext uri="{AF507438-7753-43e0-B8FC-AC1667EBCBE1}">
-              <a14:hiddenEffects xmlns:a14="http://schemas.microsoft.com/office/drawing/2010/main" xmlns="">
+              <a14:hiddenEffects xmlns="" xmlns:a14="http://schemas.microsoft.com/office/drawing/2010/main">
                 <a:effectLst>
                   <a:outerShdw dist="35921" dir="2700000" algn="ctr" rotWithShape="0">
                     <a:schemeClr val="bg2"/>
@@ -18767,7 +18916,7 @@
           </a:ln>
           <a:extLst>
             <a:ext uri="{AF507438-7753-43e0-B8FC-AC1667EBCBE1}">
-              <a14:hiddenEffects xmlns:a14="http://schemas.microsoft.com/office/drawing/2010/main" xmlns="">
+              <a14:hiddenEffects xmlns="" xmlns:a14="http://schemas.microsoft.com/office/drawing/2010/main">
                 <a:effectLst>
                   <a:outerShdw dist="35921" dir="2700000" algn="ctr" rotWithShape="0">
                     <a:schemeClr val="bg2"/>
@@ -18827,7 +18976,7 @@
           <a:effectLst/>
           <a:extLst>
             <a:ext uri="{AF507438-7753-43e0-B8FC-AC1667EBCBE1}">
-              <a14:hiddenEffects xmlns:a14="http://schemas.microsoft.com/office/drawing/2010/main" xmlns="">
+              <a14:hiddenEffects xmlns="" xmlns:a14="http://schemas.microsoft.com/office/drawing/2010/main">
                 <a:effectLst>
                   <a:outerShdw dist="35921" dir="2700000" algn="ctr" rotWithShape="0">
                     <a:schemeClr val="bg2"/>
@@ -18909,7 +19058,7 @@
           <a:effectLst/>
           <a:extLst>
             <a:ext uri="{AF507438-7753-43e0-B8FC-AC1667EBCBE1}">
-              <a14:hiddenEffects xmlns:a14="http://schemas.microsoft.com/office/drawing/2010/main" xmlns="">
+              <a14:hiddenEffects xmlns="" xmlns:a14="http://schemas.microsoft.com/office/drawing/2010/main">
                 <a:effectLst>
                   <a:outerShdw dist="35921" dir="2700000" algn="ctr" rotWithShape="0">
                     <a:schemeClr val="bg2"/>
@@ -18991,7 +19140,7 @@
           <a:effectLst/>
           <a:extLst>
             <a:ext uri="{AF507438-7753-43e0-B8FC-AC1667EBCBE1}">
-              <a14:hiddenEffects xmlns:a14="http://schemas.microsoft.com/office/drawing/2010/main" xmlns="">
+              <a14:hiddenEffects xmlns="" xmlns:a14="http://schemas.microsoft.com/office/drawing/2010/main">
                 <a:effectLst>
                   <a:outerShdw dist="35921" dir="2700000" algn="ctr" rotWithShape="0">
                     <a:schemeClr val="bg2"/>
@@ -19073,7 +19222,7 @@
           <a:effectLst/>
           <a:extLst>
             <a:ext uri="{AF507438-7753-43e0-B8FC-AC1667EBCBE1}">
-              <a14:hiddenEffects xmlns:a14="http://schemas.microsoft.com/office/drawing/2010/main" xmlns="">
+              <a14:hiddenEffects xmlns="" xmlns:a14="http://schemas.microsoft.com/office/drawing/2010/main">
                 <a:effectLst>
                   <a:outerShdw dist="35921" dir="2700000" algn="ctr" rotWithShape="0">
                     <a:schemeClr val="bg2"/>
@@ -19155,7 +19304,7 @@
           <a:effectLst/>
           <a:extLst>
             <a:ext uri="{AF507438-7753-43e0-B8FC-AC1667EBCBE1}">
-              <a14:hiddenEffects xmlns:a14="http://schemas.microsoft.com/office/drawing/2010/main" xmlns="">
+              <a14:hiddenEffects xmlns="" xmlns:a14="http://schemas.microsoft.com/office/drawing/2010/main">
                 <a:effectLst>
                   <a:outerShdw dist="35921" dir="2700000" algn="ctr" rotWithShape="0">
                     <a:schemeClr val="bg2"/>
@@ -19237,7 +19386,7 @@
           <a:effectLst/>
           <a:extLst>
             <a:ext uri="{AF507438-7753-43e0-B8FC-AC1667EBCBE1}">
-              <a14:hiddenEffects xmlns:a14="http://schemas.microsoft.com/office/drawing/2010/main" xmlns="">
+              <a14:hiddenEffects xmlns="" xmlns:a14="http://schemas.microsoft.com/office/drawing/2010/main">
                 <a:effectLst>
                   <a:outerShdw dist="35921" dir="2700000" algn="ctr" rotWithShape="0">
                     <a:schemeClr val="bg2"/>
@@ -19314,7 +19463,7 @@
           </a:ln>
           <a:extLst>
             <a:ext uri="{AF507438-7753-43e0-B8FC-AC1667EBCBE1}">
-              <a14:hiddenEffects xmlns:a14="http://schemas.microsoft.com/office/drawing/2010/main" xmlns="">
+              <a14:hiddenEffects xmlns="" xmlns:a14="http://schemas.microsoft.com/office/drawing/2010/main">
                 <a:effectLst>
                   <a:outerShdw dist="35921" dir="2700000" algn="ctr" rotWithShape="0">
                     <a:schemeClr val="bg2"/>
@@ -19369,7 +19518,7 @@
           </a:ln>
           <a:extLst>
             <a:ext uri="{AF507438-7753-43e0-B8FC-AC1667EBCBE1}">
-              <a14:hiddenEffects xmlns:a14="http://schemas.microsoft.com/office/drawing/2010/main" xmlns="">
+              <a14:hiddenEffects xmlns="" xmlns:a14="http://schemas.microsoft.com/office/drawing/2010/main">
                 <a:effectLst>
                   <a:outerShdw dist="35921" dir="2700000" algn="ctr" rotWithShape="0">
                     <a:schemeClr val="bg2"/>
@@ -19424,7 +19573,7 @@
           </a:ln>
           <a:extLst>
             <a:ext uri="{AF507438-7753-43e0-B8FC-AC1667EBCBE1}">
-              <a14:hiddenEffects xmlns:a14="http://schemas.microsoft.com/office/drawing/2010/main" xmlns="">
+              <a14:hiddenEffects xmlns="" xmlns:a14="http://schemas.microsoft.com/office/drawing/2010/main">
                 <a:effectLst>
                   <a:outerShdw dist="35921" dir="2700000" algn="ctr" rotWithShape="0">
                     <a:schemeClr val="bg2"/>
@@ -19479,7 +19628,7 @@
           </a:ln>
           <a:extLst>
             <a:ext uri="{AF507438-7753-43e0-B8FC-AC1667EBCBE1}">
-              <a14:hiddenEffects xmlns:a14="http://schemas.microsoft.com/office/drawing/2010/main" xmlns="">
+              <a14:hiddenEffects xmlns="" xmlns:a14="http://schemas.microsoft.com/office/drawing/2010/main">
                 <a:effectLst>
                   <a:outerShdw dist="35921" dir="2700000" algn="ctr" rotWithShape="0">
                     <a:schemeClr val="bg2"/>
@@ -19534,7 +19683,7 @@
           </a:ln>
           <a:extLst>
             <a:ext uri="{AF507438-7753-43e0-B8FC-AC1667EBCBE1}">
-              <a14:hiddenEffects xmlns:a14="http://schemas.microsoft.com/office/drawing/2010/main" xmlns="">
+              <a14:hiddenEffects xmlns="" xmlns:a14="http://schemas.microsoft.com/office/drawing/2010/main">
                 <a:effectLst>
                   <a:outerShdw dist="35921" dir="2700000" algn="ctr" rotWithShape="0">
                     <a:schemeClr val="bg2"/>
@@ -19589,7 +19738,7 @@
           </a:ln>
           <a:extLst>
             <a:ext uri="{AF507438-7753-43e0-B8FC-AC1667EBCBE1}">
-              <a14:hiddenEffects xmlns:a14="http://schemas.microsoft.com/office/drawing/2010/main" xmlns="">
+              <a14:hiddenEffects xmlns="" xmlns:a14="http://schemas.microsoft.com/office/drawing/2010/main">
                 <a:effectLst>
                   <a:outerShdw dist="35921" dir="2700000" algn="ctr" rotWithShape="0">
                     <a:schemeClr val="bg2"/>
@@ -19649,7 +19798,7 @@
           <a:effectLst/>
           <a:extLst>
             <a:ext uri="{AF507438-7753-43e0-B8FC-AC1667EBCBE1}">
-              <a14:hiddenEffects xmlns:a14="http://schemas.microsoft.com/office/drawing/2010/main" xmlns="">
+              <a14:hiddenEffects xmlns="" xmlns:a14="http://schemas.microsoft.com/office/drawing/2010/main">
                 <a:effectLst>
                   <a:outerShdw dist="35921" dir="2700000" algn="ctr" rotWithShape="0">
                     <a:schemeClr val="bg2"/>
@@ -19731,7 +19880,7 @@
           <a:effectLst/>
           <a:extLst>
             <a:ext uri="{AF507438-7753-43e0-B8FC-AC1667EBCBE1}">
-              <a14:hiddenEffects xmlns:a14="http://schemas.microsoft.com/office/drawing/2010/main" xmlns="">
+              <a14:hiddenEffects xmlns="" xmlns:a14="http://schemas.microsoft.com/office/drawing/2010/main">
                 <a:effectLst>
                   <a:outerShdw dist="35921" dir="2700000" algn="ctr" rotWithShape="0">
                     <a:schemeClr val="bg2"/>
@@ -19813,7 +19962,7 @@
           <a:effectLst/>
           <a:extLst>
             <a:ext uri="{AF507438-7753-43e0-B8FC-AC1667EBCBE1}">
-              <a14:hiddenEffects xmlns:a14="http://schemas.microsoft.com/office/drawing/2010/main" xmlns="">
+              <a14:hiddenEffects xmlns="" xmlns:a14="http://schemas.microsoft.com/office/drawing/2010/main">
                 <a:effectLst>
                   <a:outerShdw dist="35921" dir="2700000" algn="ctr" rotWithShape="0">
                     <a:schemeClr val="bg2"/>
@@ -19895,7 +20044,7 @@
           <a:effectLst/>
           <a:extLst>
             <a:ext uri="{AF507438-7753-43e0-B8FC-AC1667EBCBE1}">
-              <a14:hiddenEffects xmlns:a14="http://schemas.microsoft.com/office/drawing/2010/main" xmlns="">
+              <a14:hiddenEffects xmlns="" xmlns:a14="http://schemas.microsoft.com/office/drawing/2010/main">
                 <a:effectLst>
                   <a:outerShdw dist="35921" dir="2700000" algn="ctr" rotWithShape="0">
                     <a:schemeClr val="bg2"/>
@@ -19977,7 +20126,7 @@
           <a:effectLst/>
           <a:extLst>
             <a:ext uri="{AF507438-7753-43e0-B8FC-AC1667EBCBE1}">
-              <a14:hiddenEffects xmlns:a14="http://schemas.microsoft.com/office/drawing/2010/main" xmlns="">
+              <a14:hiddenEffects xmlns="" xmlns:a14="http://schemas.microsoft.com/office/drawing/2010/main">
                 <a:effectLst>
                   <a:outerShdw dist="35921" dir="2700000" algn="ctr" rotWithShape="0">
                     <a:schemeClr val="bg2"/>
@@ -20059,7 +20208,7 @@
           <a:effectLst/>
           <a:extLst>
             <a:ext uri="{AF507438-7753-43e0-B8FC-AC1667EBCBE1}">
-              <a14:hiddenEffects xmlns:a14="http://schemas.microsoft.com/office/drawing/2010/main" xmlns="">
+              <a14:hiddenEffects xmlns="" xmlns:a14="http://schemas.microsoft.com/office/drawing/2010/main">
                 <a:effectLst>
                   <a:outerShdw dist="35921" dir="2700000" algn="ctr" rotWithShape="0">
                     <a:schemeClr val="bg2"/>
@@ -20136,7 +20285,7 @@
           </a:ln>
           <a:extLst>
             <a:ext uri="{AF507438-7753-43e0-B8FC-AC1667EBCBE1}">
-              <a14:hiddenEffects xmlns:a14="http://schemas.microsoft.com/office/drawing/2010/main" xmlns="">
+              <a14:hiddenEffects xmlns="" xmlns:a14="http://schemas.microsoft.com/office/drawing/2010/main">
                 <a:effectLst>
                   <a:outerShdw dist="35921" dir="2700000" algn="ctr" rotWithShape="0">
                     <a:schemeClr val="bg2"/>
@@ -20191,7 +20340,7 @@
           </a:ln>
           <a:extLst>
             <a:ext uri="{AF507438-7753-43e0-B8FC-AC1667EBCBE1}">
-              <a14:hiddenEffects xmlns:a14="http://schemas.microsoft.com/office/drawing/2010/main" xmlns="">
+              <a14:hiddenEffects xmlns="" xmlns:a14="http://schemas.microsoft.com/office/drawing/2010/main">
                 <a:effectLst>
                   <a:outerShdw dist="35921" dir="2700000" algn="ctr" rotWithShape="0">
                     <a:schemeClr val="bg2"/>
@@ -20246,7 +20395,7 @@
           </a:ln>
           <a:extLst>
             <a:ext uri="{AF507438-7753-43e0-B8FC-AC1667EBCBE1}">
-              <a14:hiddenEffects xmlns:a14="http://schemas.microsoft.com/office/drawing/2010/main" xmlns="">
+              <a14:hiddenEffects xmlns="" xmlns:a14="http://schemas.microsoft.com/office/drawing/2010/main">
                 <a:effectLst>
                   <a:outerShdw dist="35921" dir="2700000" algn="ctr" rotWithShape="0">
                     <a:schemeClr val="bg2"/>
@@ -20301,7 +20450,7 @@
           </a:ln>
           <a:extLst>
             <a:ext uri="{AF507438-7753-43e0-B8FC-AC1667EBCBE1}">
-              <a14:hiddenEffects xmlns:a14="http://schemas.microsoft.com/office/drawing/2010/main" xmlns="">
+              <a14:hiddenEffects xmlns="" xmlns:a14="http://schemas.microsoft.com/office/drawing/2010/main">
                 <a:effectLst>
                   <a:outerShdw dist="35921" dir="2700000" algn="ctr" rotWithShape="0">
                     <a:schemeClr val="bg2"/>
@@ -20356,7 +20505,7 @@
           </a:ln>
           <a:extLst>
             <a:ext uri="{AF507438-7753-43e0-B8FC-AC1667EBCBE1}">
-              <a14:hiddenEffects xmlns:a14="http://schemas.microsoft.com/office/drawing/2010/main" xmlns="">
+              <a14:hiddenEffects xmlns="" xmlns:a14="http://schemas.microsoft.com/office/drawing/2010/main">
                 <a:effectLst>
                   <a:outerShdw dist="35921" dir="2700000" algn="ctr" rotWithShape="0">
                     <a:schemeClr val="bg2"/>
@@ -20411,7 +20560,7 @@
           </a:ln>
           <a:extLst>
             <a:ext uri="{AF507438-7753-43e0-B8FC-AC1667EBCBE1}">
-              <a14:hiddenEffects xmlns:a14="http://schemas.microsoft.com/office/drawing/2010/main" xmlns="">
+              <a14:hiddenEffects xmlns="" xmlns:a14="http://schemas.microsoft.com/office/drawing/2010/main">
                 <a:effectLst>
                   <a:outerShdw dist="35921" dir="2700000" algn="ctr" rotWithShape="0">
                     <a:schemeClr val="bg2"/>
@@ -20471,7 +20620,7 @@
           <a:effectLst/>
           <a:extLst>
             <a:ext uri="{AF507438-7753-43e0-B8FC-AC1667EBCBE1}">
-              <a14:hiddenEffects xmlns:a14="http://schemas.microsoft.com/office/drawing/2010/main" xmlns="">
+              <a14:hiddenEffects xmlns="" xmlns:a14="http://schemas.microsoft.com/office/drawing/2010/main">
                 <a:effectLst>
                   <a:outerShdw dist="35921" dir="2700000" algn="ctr" rotWithShape="0">
                     <a:schemeClr val="bg2"/>
@@ -20553,7 +20702,7 @@
           <a:effectLst/>
           <a:extLst>
             <a:ext uri="{AF507438-7753-43e0-B8FC-AC1667EBCBE1}">
-              <a14:hiddenEffects xmlns:a14="http://schemas.microsoft.com/office/drawing/2010/main" xmlns="">
+              <a14:hiddenEffects xmlns="" xmlns:a14="http://schemas.microsoft.com/office/drawing/2010/main">
                 <a:effectLst>
                   <a:outerShdw dist="35921" dir="2700000" algn="ctr" rotWithShape="0">
                     <a:schemeClr val="bg2"/>
@@ -20635,7 +20784,7 @@
           <a:effectLst/>
           <a:extLst>
             <a:ext uri="{AF507438-7753-43e0-B8FC-AC1667EBCBE1}">
-              <a14:hiddenEffects xmlns:a14="http://schemas.microsoft.com/office/drawing/2010/main" xmlns="">
+              <a14:hiddenEffects xmlns="" xmlns:a14="http://schemas.microsoft.com/office/drawing/2010/main">
                 <a:effectLst>
                   <a:outerShdw dist="35921" dir="2700000" algn="ctr" rotWithShape="0">
                     <a:schemeClr val="bg2"/>
@@ -20717,7 +20866,7 @@
           <a:effectLst/>
           <a:extLst>
             <a:ext uri="{AF507438-7753-43e0-B8FC-AC1667EBCBE1}">
-              <a14:hiddenEffects xmlns:a14="http://schemas.microsoft.com/office/drawing/2010/main" xmlns="">
+              <a14:hiddenEffects xmlns="" xmlns:a14="http://schemas.microsoft.com/office/drawing/2010/main">
                 <a:effectLst>
                   <a:outerShdw dist="35921" dir="2700000" algn="ctr" rotWithShape="0">
                     <a:schemeClr val="bg2"/>
@@ -20799,7 +20948,7 @@
           <a:effectLst/>
           <a:extLst>
             <a:ext uri="{AF507438-7753-43e0-B8FC-AC1667EBCBE1}">
-              <a14:hiddenEffects xmlns:a14="http://schemas.microsoft.com/office/drawing/2010/main" xmlns="">
+              <a14:hiddenEffects xmlns="" xmlns:a14="http://schemas.microsoft.com/office/drawing/2010/main">
                 <a:effectLst>
                   <a:outerShdw dist="35921" dir="2700000" algn="ctr" rotWithShape="0">
                     <a:schemeClr val="bg2"/>
@@ -20881,7 +21030,7 @@
           <a:effectLst/>
           <a:extLst>
             <a:ext uri="{AF507438-7753-43e0-B8FC-AC1667EBCBE1}">
-              <a14:hiddenEffects xmlns:a14="http://schemas.microsoft.com/office/drawing/2010/main" xmlns="">
+              <a14:hiddenEffects xmlns="" xmlns:a14="http://schemas.microsoft.com/office/drawing/2010/main">
                 <a:effectLst>
                   <a:outerShdw dist="35921" dir="2700000" algn="ctr" rotWithShape="0">
                     <a:schemeClr val="bg2"/>
@@ -20958,7 +21107,7 @@
           </a:ln>
           <a:extLst>
             <a:ext uri="{AF507438-7753-43e0-B8FC-AC1667EBCBE1}">
-              <a14:hiddenEffects xmlns:a14="http://schemas.microsoft.com/office/drawing/2010/main" xmlns="">
+              <a14:hiddenEffects xmlns="" xmlns:a14="http://schemas.microsoft.com/office/drawing/2010/main">
                 <a:effectLst>
                   <a:outerShdw dist="35921" dir="2700000" algn="ctr" rotWithShape="0">
                     <a:schemeClr val="bg2"/>
@@ -21013,7 +21162,7 @@
           </a:ln>
           <a:extLst>
             <a:ext uri="{AF507438-7753-43e0-B8FC-AC1667EBCBE1}">
-              <a14:hiddenEffects xmlns:a14="http://schemas.microsoft.com/office/drawing/2010/main" xmlns="">
+              <a14:hiddenEffects xmlns="" xmlns:a14="http://schemas.microsoft.com/office/drawing/2010/main">
                 <a:effectLst>
                   <a:outerShdw dist="35921" dir="2700000" algn="ctr" rotWithShape="0">
                     <a:schemeClr val="bg2"/>
@@ -21068,7 +21217,7 @@
           </a:ln>
           <a:extLst>
             <a:ext uri="{AF507438-7753-43e0-B8FC-AC1667EBCBE1}">
-              <a14:hiddenEffects xmlns:a14="http://schemas.microsoft.com/office/drawing/2010/main" xmlns="">
+              <a14:hiddenEffects xmlns="" xmlns:a14="http://schemas.microsoft.com/office/drawing/2010/main">
                 <a:effectLst>
                   <a:outerShdw dist="35921" dir="2700000" algn="ctr" rotWithShape="0">
                     <a:schemeClr val="bg2"/>
@@ -21123,7 +21272,7 @@
           </a:ln>
           <a:extLst>
             <a:ext uri="{AF507438-7753-43e0-B8FC-AC1667EBCBE1}">
-              <a14:hiddenEffects xmlns:a14="http://schemas.microsoft.com/office/drawing/2010/main" xmlns="">
+              <a14:hiddenEffects xmlns="" xmlns:a14="http://schemas.microsoft.com/office/drawing/2010/main">
                 <a:effectLst>
                   <a:outerShdw dist="35921" dir="2700000" algn="ctr" rotWithShape="0">
                     <a:schemeClr val="bg2"/>
@@ -21178,7 +21327,7 @@
           </a:ln>
           <a:extLst>
             <a:ext uri="{AF507438-7753-43e0-B8FC-AC1667EBCBE1}">
-              <a14:hiddenEffects xmlns:a14="http://schemas.microsoft.com/office/drawing/2010/main" xmlns="">
+              <a14:hiddenEffects xmlns="" xmlns:a14="http://schemas.microsoft.com/office/drawing/2010/main">
                 <a:effectLst>
                   <a:outerShdw dist="35921" dir="2700000" algn="ctr" rotWithShape="0">
                     <a:schemeClr val="bg2"/>
@@ -21233,7 +21382,7 @@
           </a:ln>
           <a:extLst>
             <a:ext uri="{AF507438-7753-43e0-B8FC-AC1667EBCBE1}">
-              <a14:hiddenEffects xmlns:a14="http://schemas.microsoft.com/office/drawing/2010/main" xmlns="">
+              <a14:hiddenEffects xmlns="" xmlns:a14="http://schemas.microsoft.com/office/drawing/2010/main">
                 <a:effectLst>
                   <a:outerShdw dist="35921" dir="2700000" algn="ctr" rotWithShape="0">
                     <a:schemeClr val="bg2"/>
@@ -21288,7 +21437,7 @@
           </a:ln>
           <a:extLst>
             <a:ext uri="{AF507438-7753-43e0-B8FC-AC1667EBCBE1}">
-              <a14:hiddenEffects xmlns:a14="http://schemas.microsoft.com/office/drawing/2010/main" xmlns="">
+              <a14:hiddenEffects xmlns="" xmlns:a14="http://schemas.microsoft.com/office/drawing/2010/main">
                 <a:effectLst>
                   <a:outerShdw dist="35921" dir="2700000" algn="ctr" rotWithShape="0">
                     <a:schemeClr val="bg2"/>
@@ -21343,7 +21492,7 @@
           </a:ln>
           <a:extLst>
             <a:ext uri="{AF507438-7753-43e0-B8FC-AC1667EBCBE1}">
-              <a14:hiddenEffects xmlns:a14="http://schemas.microsoft.com/office/drawing/2010/main" xmlns="">
+              <a14:hiddenEffects xmlns="" xmlns:a14="http://schemas.microsoft.com/office/drawing/2010/main">
                 <a:effectLst>
                   <a:outerShdw dist="35921" dir="2700000" algn="ctr" rotWithShape="0">
                     <a:schemeClr val="bg2"/>
@@ -21398,7 +21547,7 @@
           </a:ln>
           <a:extLst>
             <a:ext uri="{AF507438-7753-43e0-B8FC-AC1667EBCBE1}">
-              <a14:hiddenEffects xmlns:a14="http://schemas.microsoft.com/office/drawing/2010/main" xmlns="">
+              <a14:hiddenEffects xmlns="" xmlns:a14="http://schemas.microsoft.com/office/drawing/2010/main">
                 <a:effectLst>
                   <a:outerShdw dist="35921" dir="2700000" algn="ctr" rotWithShape="0">
                     <a:schemeClr val="bg2"/>
@@ -21453,7 +21602,7 @@
           </a:ln>
           <a:extLst>
             <a:ext uri="{AF507438-7753-43e0-B8FC-AC1667EBCBE1}">
-              <a14:hiddenEffects xmlns:a14="http://schemas.microsoft.com/office/drawing/2010/main" xmlns="">
+              <a14:hiddenEffects xmlns="" xmlns:a14="http://schemas.microsoft.com/office/drawing/2010/main">
                 <a:effectLst>
                   <a:outerShdw dist="35921" dir="2700000" algn="ctr" rotWithShape="0">
                     <a:schemeClr val="bg2"/>
@@ -21508,7 +21657,7 @@
           </a:ln>
           <a:extLst>
             <a:ext uri="{AF507438-7753-43e0-B8FC-AC1667EBCBE1}">
-              <a14:hiddenEffects xmlns:a14="http://schemas.microsoft.com/office/drawing/2010/main" xmlns="">
+              <a14:hiddenEffects xmlns="" xmlns:a14="http://schemas.microsoft.com/office/drawing/2010/main">
                 <a:effectLst>
                   <a:outerShdw dist="35921" dir="2700000" algn="ctr" rotWithShape="0">
                     <a:schemeClr val="bg2"/>
@@ -21563,7 +21712,7 @@
           </a:ln>
           <a:extLst>
             <a:ext uri="{AF507438-7753-43e0-B8FC-AC1667EBCBE1}">
-              <a14:hiddenEffects xmlns:a14="http://schemas.microsoft.com/office/drawing/2010/main" xmlns="">
+              <a14:hiddenEffects xmlns="" xmlns:a14="http://schemas.microsoft.com/office/drawing/2010/main">
                 <a:effectLst>
                   <a:outerShdw dist="35921" dir="2700000" algn="ctr" rotWithShape="0">
                     <a:schemeClr val="bg2"/>
@@ -21652,7 +21801,7 @@
           </a:ln>
           <a:extLst>
             <a:ext uri="{AF507438-7753-43e0-B8FC-AC1667EBCBE1}">
-              <a14:hiddenEffects xmlns:a14="http://schemas.microsoft.com/office/drawing/2010/main" xmlns="">
+              <a14:hiddenEffects xmlns="" xmlns:a14="http://schemas.microsoft.com/office/drawing/2010/main">
                 <a:effectLst>
                   <a:outerShdw dist="35921" dir="2700000" algn="ctr" rotWithShape="0">
                     <a:schemeClr val="bg2"/>
@@ -21777,7 +21926,7 @@
           </a:ln>
           <a:extLst>
             <a:ext uri="{AF507438-7753-43e0-B8FC-AC1667EBCBE1}">
-              <a14:hiddenEffects xmlns:a14="http://schemas.microsoft.com/office/drawing/2010/main" xmlns="">
+              <a14:hiddenEffects xmlns="" xmlns:a14="http://schemas.microsoft.com/office/drawing/2010/main">
                 <a:effectLst>
                   <a:outerShdw dist="35921" dir="2700000" algn="ctr" rotWithShape="0">
                     <a:schemeClr val="bg2"/>
@@ -21902,7 +22051,7 @@
           </a:ln>
           <a:extLst>
             <a:ext uri="{AF507438-7753-43e0-B8FC-AC1667EBCBE1}">
-              <a14:hiddenEffects xmlns:a14="http://schemas.microsoft.com/office/drawing/2010/main" xmlns="">
+              <a14:hiddenEffects xmlns="" xmlns:a14="http://schemas.microsoft.com/office/drawing/2010/main">
                 <a:effectLst>
                   <a:outerShdw dist="35921" dir="2700000" algn="ctr" rotWithShape="0">
                     <a:schemeClr val="bg2"/>
@@ -21991,7 +22140,7 @@
           </a:ln>
           <a:extLst>
             <a:ext uri="{AF507438-7753-43e0-B8FC-AC1667EBCBE1}">
-              <a14:hiddenEffects xmlns:a14="http://schemas.microsoft.com/office/drawing/2010/main" xmlns="">
+              <a14:hiddenEffects xmlns="" xmlns:a14="http://schemas.microsoft.com/office/drawing/2010/main">
                 <a:effectLst>
                   <a:outerShdw dist="35921" dir="2700000" algn="ctr" rotWithShape="0">
                     <a:schemeClr val="bg2"/>
@@ -22044,7 +22193,7 @@
           </a:ln>
           <a:extLst>
             <a:ext uri="{AF507438-7753-43e0-B8FC-AC1667EBCBE1}">
-              <a14:hiddenEffects xmlns:a14="http://schemas.microsoft.com/office/drawing/2010/main" xmlns="">
+              <a14:hiddenEffects xmlns="" xmlns:a14="http://schemas.microsoft.com/office/drawing/2010/main">
                 <a:effectLst>
                   <a:outerShdw dist="35921" dir="2700000" algn="ctr" rotWithShape="0">
                     <a:schemeClr val="bg2"/>
@@ -22097,7 +22246,7 @@
           </a:ln>
           <a:extLst>
             <a:ext uri="{AF507438-7753-43e0-B8FC-AC1667EBCBE1}">
-              <a14:hiddenEffects xmlns:a14="http://schemas.microsoft.com/office/drawing/2010/main" xmlns="">
+              <a14:hiddenEffects xmlns="" xmlns:a14="http://schemas.microsoft.com/office/drawing/2010/main">
                 <a:effectLst>
                   <a:outerShdw dist="35921" dir="2700000" algn="ctr" rotWithShape="0">
                     <a:schemeClr val="bg2"/>
@@ -22148,7 +22297,7 @@
           </a:ln>
           <a:extLst>
             <a:ext uri="{AF507438-7753-43e0-B8FC-AC1667EBCBE1}">
-              <a14:hiddenEffects xmlns:a14="http://schemas.microsoft.com/office/drawing/2010/main" xmlns="">
+              <a14:hiddenEffects xmlns="" xmlns:a14="http://schemas.microsoft.com/office/drawing/2010/main">
                 <a:effectLst>
                   <a:outerShdw dist="35921" dir="2700000" algn="ctr" rotWithShape="0">
                     <a:schemeClr val="bg2"/>
@@ -22199,7 +22348,7 @@
           </a:ln>
           <a:extLst>
             <a:ext uri="{AF507438-7753-43e0-B8FC-AC1667EBCBE1}">
-              <a14:hiddenEffects xmlns:a14="http://schemas.microsoft.com/office/drawing/2010/main" xmlns="">
+              <a14:hiddenEffects xmlns="" xmlns:a14="http://schemas.microsoft.com/office/drawing/2010/main">
                 <a:effectLst>
                   <a:outerShdw dist="35921" dir="2700000" algn="ctr" rotWithShape="0">
                     <a:schemeClr val="bg2"/>
@@ -22228,153 +22377,6 @@
     <p:extLst>
       <p:ext uri="{BB962C8B-B14F-4D97-AF65-F5344CB8AC3E}">
         <p14:creationId xmlns:p14="http://schemas.microsoft.com/office/powerpoint/2010/main" val="663216533"/>
-      </p:ext>
-    </p:extLst>
-  </p:cSld>
-  <p:clrMapOvr>
-    <a:masterClrMapping/>
-  </p:clrMapOvr>
-</p:sld>
-</file>
-
-<file path=ppt/slides/slide8.xml><?xml version="1.0" encoding="utf-8"?>
-<p:sld xmlns:a="http://schemas.openxmlformats.org/drawingml/2006/main" xmlns:r="http://schemas.openxmlformats.org/officeDocument/2006/relationships" xmlns:p="http://schemas.openxmlformats.org/presentationml/2006/main">
-  <p:cSld>
-    <p:spTree>
-      <p:nvGrpSpPr>
-        <p:cNvPr id="1" name=""/>
-        <p:cNvGrpSpPr/>
-        <p:nvPr/>
-      </p:nvGrpSpPr>
-      <p:grpSpPr>
-        <a:xfrm>
-          <a:off x="0" y="0"/>
-          <a:ext cx="0" cy="0"/>
-          <a:chOff x="0" y="0"/>
-          <a:chExt cx="0" cy="0"/>
-        </a:xfrm>
-      </p:grpSpPr>
-      <p:sp>
-        <p:nvSpPr>
-          <p:cNvPr id="9218" name="Rectangle 2"/>
-          <p:cNvSpPr>
-            <a:spLocks noGrp="1" noChangeArrowheads="1"/>
-          </p:cNvSpPr>
-          <p:nvPr>
-            <p:ph type="title"/>
-          </p:nvPr>
-        </p:nvSpPr>
-        <p:spPr>
-          <a:xfrm>
-            <a:off x="522288" y="671513"/>
-            <a:ext cx="9648825" cy="949325"/>
-          </a:xfrm>
-        </p:spPr>
-        <p:txBody>
-          <a:bodyPr wrap="square" anchor="t">
-            <a:normAutofit/>
-          </a:bodyPr>
-          <a:lstStyle/>
-          <a:p>
-            <a:r>
-              <a:rPr lang="de-DE" dirty="0" err="1"/>
-              <a:t>From</a:t>
-            </a:r>
-            <a:r>
-              <a:rPr lang="de-DE" dirty="0"/>
-              <a:t> Birds </a:t>
-            </a:r>
-            <a:r>
-              <a:rPr lang="de-DE" dirty="0" err="1"/>
-              <a:t>to</a:t>
-            </a:r>
-            <a:r>
-              <a:rPr lang="de-DE" dirty="0"/>
-              <a:t> TSP</a:t>
-            </a:r>
-            <a:endParaRPr lang="de-DE" b="0" i="1"/>
-          </a:p>
-        </p:txBody>
-      </p:sp>
-      <p:pic>
-        <p:nvPicPr>
-          <p:cNvPr id="2" name="Picture 1" descr="A diagram of a bird&#10;&#10;Description automatically generated">
-            <a:extLst>
-              <a:ext uri="{FF2B5EF4-FFF2-40B4-BE49-F238E27FC236}">
-                <a16:creationId xmlns:a16="http://schemas.microsoft.com/office/drawing/2014/main" id="{63E67704-36F1-4DF8-D545-6EDF1C4794B7}"/>
-              </a:ext>
-            </a:extLst>
-          </p:cNvPr>
-          <p:cNvPicPr>
-            <a:picLocks noChangeAspect="1"/>
-          </p:cNvPicPr>
-          <p:nvPr/>
-        </p:nvPicPr>
-        <p:blipFill>
-          <a:blip r:embed="rId3"/>
-          <a:stretch>
-            <a:fillRect/>
-          </a:stretch>
-        </p:blipFill>
-        <p:spPr>
-          <a:xfrm>
-            <a:off x="522288" y="2883282"/>
-            <a:ext cx="8424862" cy="3032949"/>
-          </a:xfrm>
-          <a:prstGeom prst="rect">
-            <a:avLst/>
-          </a:prstGeom>
-          <a:noFill/>
-        </p:spPr>
-      </p:pic>
-      <p:sp>
-        <p:nvSpPr>
-          <p:cNvPr id="4" name="Foliennummernplatzhalter 3"/>
-          <p:cNvSpPr>
-            <a:spLocks noGrp="1"/>
-          </p:cNvSpPr>
-          <p:nvPr>
-            <p:ph type="sldNum" sz="quarter" idx="10"/>
-          </p:nvPr>
-        </p:nvSpPr>
-        <p:spPr>
-          <a:xfrm>
-            <a:off x="8947150" y="7165975"/>
-            <a:ext cx="1223963" cy="228600"/>
-          </a:xfrm>
-        </p:spPr>
-        <p:txBody>
-          <a:bodyPr wrap="square" anchor="t">
-            <a:normAutofit/>
-          </a:bodyPr>
-          <a:lstStyle/>
-          <a:p>
-            <a:pPr>
-              <a:spcAft>
-                <a:spcPts val="600"/>
-              </a:spcAft>
-            </a:pPr>
-            <a:r>
-              <a:rPr lang="de-DE"/>
-              <a:t>Seite </a:t>
-            </a:r>
-            <a:fld id="{4CDCE16C-BB8B-41B6-BC70-61DAD202005A}" type="slidenum">
-              <a:rPr lang="de-DE"/>
-              <a:pPr>
-                <a:spcAft>
-                  <a:spcPts val="600"/>
-                </a:spcAft>
-              </a:pPr>
-              <a:t>8</a:t>
-            </a:fld>
-            <a:endParaRPr lang="de-DE"/>
-          </a:p>
-        </p:txBody>
-      </p:sp>
-    </p:spTree>
-    <p:extLst>
-      <p:ext uri="{BB962C8B-B14F-4D97-AF65-F5344CB8AC3E}">
-        <p14:creationId xmlns:p14="http://schemas.microsoft.com/office/powerpoint/2010/main" val="3996605519"/>
       </p:ext>
     </p:extLst>
   </p:cSld>
@@ -22427,7 +22429,7 @@
           </a:ln>
           <a:extLst>
             <a:ext uri="{AF507438-7753-43e0-B8FC-AC1667EBCBE1}">
-              <a14:hiddenEffects xmlns:a14="http://schemas.microsoft.com/office/drawing/2010/main" xmlns="">
+              <a14:hiddenEffects xmlns="" xmlns:a14="http://schemas.microsoft.com/office/drawing/2010/main">
                 <a:effectLst>
                   <a:outerShdw dist="35921" dir="2700000" algn="ctr" rotWithShape="0">
                     <a:schemeClr val="bg2"/>
@@ -22600,7 +22602,7 @@
           </a:ln>
           <a:extLst>
             <a:ext uri="{AF507438-7753-43e0-B8FC-AC1667EBCBE1}">
-              <a14:hiddenEffects xmlns:a14="http://schemas.microsoft.com/office/drawing/2010/main" xmlns="">
+              <a14:hiddenEffects xmlns="" xmlns:a14="http://schemas.microsoft.com/office/drawing/2010/main">
                 <a:effectLst>
                   <a:outerShdw dist="35921" dir="2700000" algn="ctr" rotWithShape="0">
                     <a:schemeClr val="bg2"/>
@@ -22696,7 +22698,7 @@
           <a:effectLst/>
           <a:extLst>
             <a:ext uri="{AF507438-7753-43e0-B8FC-AC1667EBCBE1}">
-              <a14:hiddenEffects xmlns:a14="http://schemas.microsoft.com/office/drawing/2010/main" xmlns="">
+              <a14:hiddenEffects xmlns="" xmlns:a14="http://schemas.microsoft.com/office/drawing/2010/main">
                 <a:effectLst>
                   <a:outerShdw dist="35921" dir="2700000" algn="ctr" rotWithShape="0">
                     <a:schemeClr val="bg2"/>
@@ -22778,7 +22780,7 @@
           <a:effectLst/>
           <a:extLst>
             <a:ext uri="{AF507438-7753-43e0-B8FC-AC1667EBCBE1}">
-              <a14:hiddenEffects xmlns:a14="http://schemas.microsoft.com/office/drawing/2010/main" xmlns="">
+              <a14:hiddenEffects xmlns="" xmlns:a14="http://schemas.microsoft.com/office/drawing/2010/main">
                 <a:effectLst>
                   <a:outerShdw dist="35921" dir="2700000" algn="ctr" rotWithShape="0">
                     <a:schemeClr val="bg2"/>
@@ -22860,7 +22862,7 @@
           <a:effectLst/>
           <a:extLst>
             <a:ext uri="{AF507438-7753-43e0-B8FC-AC1667EBCBE1}">
-              <a14:hiddenEffects xmlns:a14="http://schemas.microsoft.com/office/drawing/2010/main" xmlns="">
+              <a14:hiddenEffects xmlns="" xmlns:a14="http://schemas.microsoft.com/office/drawing/2010/main">
                 <a:effectLst>
                   <a:outerShdw dist="35921" dir="2700000" algn="ctr" rotWithShape="0">
                     <a:schemeClr val="bg2"/>
@@ -22942,7 +22944,7 @@
           <a:effectLst/>
           <a:extLst>
             <a:ext uri="{AF507438-7753-43e0-B8FC-AC1667EBCBE1}">
-              <a14:hiddenEffects xmlns:a14="http://schemas.microsoft.com/office/drawing/2010/main" xmlns="">
+              <a14:hiddenEffects xmlns="" xmlns:a14="http://schemas.microsoft.com/office/drawing/2010/main">
                 <a:effectLst>
                   <a:outerShdw dist="35921" dir="2700000" algn="ctr" rotWithShape="0">
                     <a:schemeClr val="bg2"/>
@@ -23024,7 +23026,7 @@
           <a:effectLst/>
           <a:extLst>
             <a:ext uri="{AF507438-7753-43e0-B8FC-AC1667EBCBE1}">
-              <a14:hiddenEffects xmlns:a14="http://schemas.microsoft.com/office/drawing/2010/main" xmlns="">
+              <a14:hiddenEffects xmlns="" xmlns:a14="http://schemas.microsoft.com/office/drawing/2010/main">
                 <a:effectLst>
                   <a:outerShdw dist="35921" dir="2700000" algn="ctr" rotWithShape="0">
                     <a:schemeClr val="bg2"/>
@@ -23106,7 +23108,7 @@
           <a:effectLst/>
           <a:extLst>
             <a:ext uri="{AF507438-7753-43e0-B8FC-AC1667EBCBE1}">
-              <a14:hiddenEffects xmlns:a14="http://schemas.microsoft.com/office/drawing/2010/main" xmlns="">
+              <a14:hiddenEffects xmlns="" xmlns:a14="http://schemas.microsoft.com/office/drawing/2010/main">
                 <a:effectLst>
                   <a:outerShdw dist="35921" dir="2700000" algn="ctr" rotWithShape="0">
                     <a:schemeClr val="bg2"/>
@@ -23183,7 +23185,7 @@
           </a:ln>
           <a:extLst>
             <a:ext uri="{AF507438-7753-43e0-B8FC-AC1667EBCBE1}">
-              <a14:hiddenEffects xmlns:a14="http://schemas.microsoft.com/office/drawing/2010/main" xmlns="">
+              <a14:hiddenEffects xmlns="" xmlns:a14="http://schemas.microsoft.com/office/drawing/2010/main">
                 <a:effectLst>
                   <a:outerShdw dist="35921" dir="2700000" algn="ctr" rotWithShape="0">
                     <a:schemeClr val="bg2"/>
@@ -23238,7 +23240,7 @@
           </a:ln>
           <a:extLst>
             <a:ext uri="{AF507438-7753-43e0-B8FC-AC1667EBCBE1}">
-              <a14:hiddenEffects xmlns:a14="http://schemas.microsoft.com/office/drawing/2010/main" xmlns="">
+              <a14:hiddenEffects xmlns="" xmlns:a14="http://schemas.microsoft.com/office/drawing/2010/main">
                 <a:effectLst>
                   <a:outerShdw dist="35921" dir="2700000" algn="ctr" rotWithShape="0">
                     <a:schemeClr val="bg2"/>
@@ -23293,7 +23295,7 @@
           </a:ln>
           <a:extLst>
             <a:ext uri="{AF507438-7753-43e0-B8FC-AC1667EBCBE1}">
-              <a14:hiddenEffects xmlns:a14="http://schemas.microsoft.com/office/drawing/2010/main" xmlns="">
+              <a14:hiddenEffects xmlns="" xmlns:a14="http://schemas.microsoft.com/office/drawing/2010/main">
                 <a:effectLst>
                   <a:outerShdw dist="35921" dir="2700000" algn="ctr" rotWithShape="0">
                     <a:schemeClr val="bg2"/>
@@ -23348,7 +23350,7 @@
           </a:ln>
           <a:extLst>
             <a:ext uri="{AF507438-7753-43e0-B8FC-AC1667EBCBE1}">
-              <a14:hiddenEffects xmlns:a14="http://schemas.microsoft.com/office/drawing/2010/main" xmlns="">
+              <a14:hiddenEffects xmlns="" xmlns:a14="http://schemas.microsoft.com/office/drawing/2010/main">
                 <a:effectLst>
                   <a:outerShdw dist="35921" dir="2700000" algn="ctr" rotWithShape="0">
                     <a:schemeClr val="bg2"/>
@@ -23403,7 +23405,7 @@
           </a:ln>
           <a:extLst>
             <a:ext uri="{AF507438-7753-43e0-B8FC-AC1667EBCBE1}">
-              <a14:hiddenEffects xmlns:a14="http://schemas.microsoft.com/office/drawing/2010/main" xmlns="">
+              <a14:hiddenEffects xmlns="" xmlns:a14="http://schemas.microsoft.com/office/drawing/2010/main">
                 <a:effectLst>
                   <a:outerShdw dist="35921" dir="2700000" algn="ctr" rotWithShape="0">
                     <a:schemeClr val="bg2"/>
@@ -23458,7 +23460,7 @@
           </a:ln>
           <a:extLst>
             <a:ext uri="{AF507438-7753-43e0-B8FC-AC1667EBCBE1}">
-              <a14:hiddenEffects xmlns:a14="http://schemas.microsoft.com/office/drawing/2010/main" xmlns="">
+              <a14:hiddenEffects xmlns="" xmlns:a14="http://schemas.microsoft.com/office/drawing/2010/main">
                 <a:effectLst>
                   <a:outerShdw dist="35921" dir="2700000" algn="ctr" rotWithShape="0">
                     <a:schemeClr val="bg2"/>
@@ -23509,7 +23511,7 @@
           </a:ln>
           <a:extLst>
             <a:ext uri="{AF507438-7753-43e0-B8FC-AC1667EBCBE1}">
-              <a14:hiddenEffects xmlns:a14="http://schemas.microsoft.com/office/drawing/2010/main" xmlns="">
+              <a14:hiddenEffects xmlns="" xmlns:a14="http://schemas.microsoft.com/office/drawing/2010/main">
                 <a:effectLst>
                   <a:outerShdw dist="35921" dir="2700000" algn="ctr" rotWithShape="0">
                     <a:schemeClr val="bg2"/>
@@ -23569,7 +23571,7 @@
           <a:effectLst/>
           <a:extLst>
             <a:ext uri="{AF507438-7753-43e0-B8FC-AC1667EBCBE1}">
-              <a14:hiddenEffects xmlns:a14="http://schemas.microsoft.com/office/drawing/2010/main" xmlns="">
+              <a14:hiddenEffects xmlns="" xmlns:a14="http://schemas.microsoft.com/office/drawing/2010/main">
                 <a:effectLst>
                   <a:outerShdw dist="35921" dir="2700000" algn="ctr" rotWithShape="0">
                     <a:schemeClr val="bg2"/>
@@ -23651,7 +23653,7 @@
           <a:effectLst/>
           <a:extLst>
             <a:ext uri="{AF507438-7753-43e0-B8FC-AC1667EBCBE1}">
-              <a14:hiddenEffects xmlns:a14="http://schemas.microsoft.com/office/drawing/2010/main" xmlns="">
+              <a14:hiddenEffects xmlns="" xmlns:a14="http://schemas.microsoft.com/office/drawing/2010/main">
                 <a:effectLst>
                   <a:outerShdw dist="35921" dir="2700000" algn="ctr" rotWithShape="0">
                     <a:schemeClr val="bg2"/>
@@ -23733,7 +23735,7 @@
           <a:effectLst/>
           <a:extLst>
             <a:ext uri="{AF507438-7753-43e0-B8FC-AC1667EBCBE1}">
-              <a14:hiddenEffects xmlns:a14="http://schemas.microsoft.com/office/drawing/2010/main" xmlns="">
+              <a14:hiddenEffects xmlns="" xmlns:a14="http://schemas.microsoft.com/office/drawing/2010/main">
                 <a:effectLst>
                   <a:outerShdw dist="35921" dir="2700000" algn="ctr" rotWithShape="0">
                     <a:schemeClr val="bg2"/>
@@ -23815,7 +23817,7 @@
           <a:effectLst/>
           <a:extLst>
             <a:ext uri="{AF507438-7753-43e0-B8FC-AC1667EBCBE1}">
-              <a14:hiddenEffects xmlns:a14="http://schemas.microsoft.com/office/drawing/2010/main" xmlns="">
+              <a14:hiddenEffects xmlns="" xmlns:a14="http://schemas.microsoft.com/office/drawing/2010/main">
                 <a:effectLst>
                   <a:outerShdw dist="35921" dir="2700000" algn="ctr" rotWithShape="0">
                     <a:schemeClr val="bg2"/>
@@ -23897,7 +23899,7 @@
           <a:effectLst/>
           <a:extLst>
             <a:ext uri="{AF507438-7753-43e0-B8FC-AC1667EBCBE1}">
-              <a14:hiddenEffects xmlns:a14="http://schemas.microsoft.com/office/drawing/2010/main" xmlns="">
+              <a14:hiddenEffects xmlns="" xmlns:a14="http://schemas.microsoft.com/office/drawing/2010/main">
                 <a:effectLst>
                   <a:outerShdw dist="35921" dir="2700000" algn="ctr" rotWithShape="0">
                     <a:schemeClr val="bg2"/>
@@ -23979,7 +23981,7 @@
           <a:effectLst/>
           <a:extLst>
             <a:ext uri="{AF507438-7753-43e0-B8FC-AC1667EBCBE1}">
-              <a14:hiddenEffects xmlns:a14="http://schemas.microsoft.com/office/drawing/2010/main" xmlns="">
+              <a14:hiddenEffects xmlns="" xmlns:a14="http://schemas.microsoft.com/office/drawing/2010/main">
                 <a:effectLst>
                   <a:outerShdw dist="35921" dir="2700000" algn="ctr" rotWithShape="0">
                     <a:schemeClr val="bg2"/>
@@ -24056,7 +24058,7 @@
           </a:ln>
           <a:extLst>
             <a:ext uri="{AF507438-7753-43e0-B8FC-AC1667EBCBE1}">
-              <a14:hiddenEffects xmlns:a14="http://schemas.microsoft.com/office/drawing/2010/main" xmlns="">
+              <a14:hiddenEffects xmlns="" xmlns:a14="http://schemas.microsoft.com/office/drawing/2010/main">
                 <a:effectLst>
                   <a:outerShdw dist="35921" dir="2700000" algn="ctr" rotWithShape="0">
                     <a:schemeClr val="bg2"/>
@@ -24111,7 +24113,7 @@
           </a:ln>
           <a:extLst>
             <a:ext uri="{AF507438-7753-43e0-B8FC-AC1667EBCBE1}">
-              <a14:hiddenEffects xmlns:a14="http://schemas.microsoft.com/office/drawing/2010/main" xmlns="">
+              <a14:hiddenEffects xmlns="" xmlns:a14="http://schemas.microsoft.com/office/drawing/2010/main">
                 <a:effectLst>
                   <a:outerShdw dist="35921" dir="2700000" algn="ctr" rotWithShape="0">
                     <a:schemeClr val="bg2"/>
@@ -24166,7 +24168,7 @@
           </a:ln>
           <a:extLst>
             <a:ext uri="{AF507438-7753-43e0-B8FC-AC1667EBCBE1}">
-              <a14:hiddenEffects xmlns:a14="http://schemas.microsoft.com/office/drawing/2010/main" xmlns="">
+              <a14:hiddenEffects xmlns="" xmlns:a14="http://schemas.microsoft.com/office/drawing/2010/main">
                 <a:effectLst>
                   <a:outerShdw dist="35921" dir="2700000" algn="ctr" rotWithShape="0">
                     <a:schemeClr val="bg2"/>
@@ -24221,7 +24223,7 @@
           </a:ln>
           <a:extLst>
             <a:ext uri="{AF507438-7753-43e0-B8FC-AC1667EBCBE1}">
-              <a14:hiddenEffects xmlns:a14="http://schemas.microsoft.com/office/drawing/2010/main" xmlns="">
+              <a14:hiddenEffects xmlns="" xmlns:a14="http://schemas.microsoft.com/office/drawing/2010/main">
                 <a:effectLst>
                   <a:outerShdw dist="35921" dir="2700000" algn="ctr" rotWithShape="0">
                     <a:schemeClr val="bg2"/>
@@ -24276,7 +24278,7 @@
           </a:ln>
           <a:extLst>
             <a:ext uri="{AF507438-7753-43e0-B8FC-AC1667EBCBE1}">
-              <a14:hiddenEffects xmlns:a14="http://schemas.microsoft.com/office/drawing/2010/main" xmlns="">
+              <a14:hiddenEffects xmlns="" xmlns:a14="http://schemas.microsoft.com/office/drawing/2010/main">
                 <a:effectLst>
                   <a:outerShdw dist="35921" dir="2700000" algn="ctr" rotWithShape="0">
                     <a:schemeClr val="bg2"/>
@@ -24331,7 +24333,7 @@
           </a:ln>
           <a:extLst>
             <a:ext uri="{AF507438-7753-43e0-B8FC-AC1667EBCBE1}">
-              <a14:hiddenEffects xmlns:a14="http://schemas.microsoft.com/office/drawing/2010/main" xmlns="">
+              <a14:hiddenEffects xmlns="" xmlns:a14="http://schemas.microsoft.com/office/drawing/2010/main">
                 <a:effectLst>
                   <a:outerShdw dist="35921" dir="2700000" algn="ctr" rotWithShape="0">
                     <a:schemeClr val="bg2"/>
@@ -24391,7 +24393,7 @@
           <a:effectLst/>
           <a:extLst>
             <a:ext uri="{AF507438-7753-43e0-B8FC-AC1667EBCBE1}">
-              <a14:hiddenEffects xmlns:a14="http://schemas.microsoft.com/office/drawing/2010/main" xmlns="">
+              <a14:hiddenEffects xmlns="" xmlns:a14="http://schemas.microsoft.com/office/drawing/2010/main">
                 <a:effectLst>
                   <a:outerShdw dist="35921" dir="2700000" algn="ctr" rotWithShape="0">
                     <a:schemeClr val="bg2"/>
@@ -24473,7 +24475,7 @@
           <a:effectLst/>
           <a:extLst>
             <a:ext uri="{AF507438-7753-43e0-B8FC-AC1667EBCBE1}">
-              <a14:hiddenEffects xmlns:a14="http://schemas.microsoft.com/office/drawing/2010/main" xmlns="">
+              <a14:hiddenEffects xmlns="" xmlns:a14="http://schemas.microsoft.com/office/drawing/2010/main">
                 <a:effectLst>
                   <a:outerShdw dist="35921" dir="2700000" algn="ctr" rotWithShape="0">
                     <a:schemeClr val="bg2"/>
@@ -24555,7 +24557,7 @@
           <a:effectLst/>
           <a:extLst>
             <a:ext uri="{AF507438-7753-43e0-B8FC-AC1667EBCBE1}">
-              <a14:hiddenEffects xmlns:a14="http://schemas.microsoft.com/office/drawing/2010/main" xmlns="">
+              <a14:hiddenEffects xmlns="" xmlns:a14="http://schemas.microsoft.com/office/drawing/2010/main">
                 <a:effectLst>
                   <a:outerShdw dist="35921" dir="2700000" algn="ctr" rotWithShape="0">
                     <a:schemeClr val="bg2"/>
@@ -24637,7 +24639,7 @@
           <a:effectLst/>
           <a:extLst>
             <a:ext uri="{AF507438-7753-43e0-B8FC-AC1667EBCBE1}">
-              <a14:hiddenEffects xmlns:a14="http://schemas.microsoft.com/office/drawing/2010/main" xmlns="">
+              <a14:hiddenEffects xmlns="" xmlns:a14="http://schemas.microsoft.com/office/drawing/2010/main">
                 <a:effectLst>
                   <a:outerShdw dist="35921" dir="2700000" algn="ctr" rotWithShape="0">
                     <a:schemeClr val="bg2"/>
@@ -24719,7 +24721,7 @@
           <a:effectLst/>
           <a:extLst>
             <a:ext uri="{AF507438-7753-43e0-B8FC-AC1667EBCBE1}">
-              <a14:hiddenEffects xmlns:a14="http://schemas.microsoft.com/office/drawing/2010/main" xmlns="">
+              <a14:hiddenEffects xmlns="" xmlns:a14="http://schemas.microsoft.com/office/drawing/2010/main">
                 <a:effectLst>
                   <a:outerShdw dist="35921" dir="2700000" algn="ctr" rotWithShape="0">
                     <a:schemeClr val="bg2"/>
@@ -24801,7 +24803,7 @@
           <a:effectLst/>
           <a:extLst>
             <a:ext uri="{AF507438-7753-43e0-B8FC-AC1667EBCBE1}">
-              <a14:hiddenEffects xmlns:a14="http://schemas.microsoft.com/office/drawing/2010/main" xmlns="">
+              <a14:hiddenEffects xmlns="" xmlns:a14="http://schemas.microsoft.com/office/drawing/2010/main">
                 <a:effectLst>
                   <a:outerShdw dist="35921" dir="2700000" algn="ctr" rotWithShape="0">
                     <a:schemeClr val="bg2"/>
@@ -24878,7 +24880,7 @@
           </a:ln>
           <a:extLst>
             <a:ext uri="{AF507438-7753-43e0-B8FC-AC1667EBCBE1}">
-              <a14:hiddenEffects xmlns:a14="http://schemas.microsoft.com/office/drawing/2010/main" xmlns="">
+              <a14:hiddenEffects xmlns="" xmlns:a14="http://schemas.microsoft.com/office/drawing/2010/main">
                 <a:effectLst>
                   <a:outerShdw dist="35921" dir="2700000" algn="ctr" rotWithShape="0">
                     <a:schemeClr val="bg2"/>
@@ -24933,7 +24935,7 @@
           </a:ln>
           <a:extLst>
             <a:ext uri="{AF507438-7753-43e0-B8FC-AC1667EBCBE1}">
-              <a14:hiddenEffects xmlns:a14="http://schemas.microsoft.com/office/drawing/2010/main" xmlns="">
+              <a14:hiddenEffects xmlns="" xmlns:a14="http://schemas.microsoft.com/office/drawing/2010/main">
                 <a:effectLst>
                   <a:outerShdw dist="35921" dir="2700000" algn="ctr" rotWithShape="0">
                     <a:schemeClr val="bg2"/>
@@ -24987,7 +24989,7 @@
           </a:ln>
           <a:extLst>
             <a:ext uri="{AF507438-7753-43e0-B8FC-AC1667EBCBE1}">
-              <a14:hiddenEffects xmlns:a14="http://schemas.microsoft.com/office/drawing/2010/main" xmlns="">
+              <a14:hiddenEffects xmlns="" xmlns:a14="http://schemas.microsoft.com/office/drawing/2010/main">
                 <a:effectLst>
                   <a:outerShdw dist="35921" dir="2700000" algn="ctr" rotWithShape="0">
                     <a:schemeClr val="bg2"/>
@@ -25042,7 +25044,7 @@
           </a:ln>
           <a:extLst>
             <a:ext uri="{AF507438-7753-43e0-B8FC-AC1667EBCBE1}">
-              <a14:hiddenEffects xmlns:a14="http://schemas.microsoft.com/office/drawing/2010/main" xmlns="">
+              <a14:hiddenEffects xmlns="" xmlns:a14="http://schemas.microsoft.com/office/drawing/2010/main">
                 <a:effectLst>
                   <a:outerShdw dist="35921" dir="2700000" algn="ctr" rotWithShape="0">
                     <a:schemeClr val="bg2"/>
@@ -25097,7 +25099,7 @@
           </a:ln>
           <a:extLst>
             <a:ext uri="{AF507438-7753-43e0-B8FC-AC1667EBCBE1}">
-              <a14:hiddenEffects xmlns:a14="http://schemas.microsoft.com/office/drawing/2010/main" xmlns="">
+              <a14:hiddenEffects xmlns="" xmlns:a14="http://schemas.microsoft.com/office/drawing/2010/main">
                 <a:effectLst>
                   <a:outerShdw dist="35921" dir="2700000" algn="ctr" rotWithShape="0">
                     <a:schemeClr val="bg2"/>
@@ -25152,7 +25154,7 @@
           </a:ln>
           <a:extLst>
             <a:ext uri="{AF507438-7753-43e0-B8FC-AC1667EBCBE1}">
-              <a14:hiddenEffects xmlns:a14="http://schemas.microsoft.com/office/drawing/2010/main" xmlns="">
+              <a14:hiddenEffects xmlns="" xmlns:a14="http://schemas.microsoft.com/office/drawing/2010/main">
                 <a:effectLst>
                   <a:outerShdw dist="35921" dir="2700000" algn="ctr" rotWithShape="0">
                     <a:schemeClr val="bg2"/>
@@ -25203,7 +25205,7 @@
           </a:ln>
           <a:extLst>
             <a:ext uri="{AF507438-7753-43e0-B8FC-AC1667EBCBE1}">
-              <a14:hiddenEffects xmlns:a14="http://schemas.microsoft.com/office/drawing/2010/main" xmlns="">
+              <a14:hiddenEffects xmlns="" xmlns:a14="http://schemas.microsoft.com/office/drawing/2010/main">
                 <a:effectLst>
                   <a:outerShdw dist="35921" dir="2700000" algn="ctr" rotWithShape="0">
                     <a:schemeClr val="bg2"/>
@@ -25263,7 +25265,7 @@
           <a:effectLst/>
           <a:extLst>
             <a:ext uri="{AF507438-7753-43e0-B8FC-AC1667EBCBE1}">
-              <a14:hiddenEffects xmlns:a14="http://schemas.microsoft.com/office/drawing/2010/main" xmlns="">
+              <a14:hiddenEffects xmlns="" xmlns:a14="http://schemas.microsoft.com/office/drawing/2010/main">
                 <a:effectLst>
                   <a:outerShdw dist="35921" dir="2700000" algn="ctr" rotWithShape="0">
                     <a:schemeClr val="bg2"/>
@@ -25345,7 +25347,7 @@
           <a:effectLst/>
           <a:extLst>
             <a:ext uri="{AF507438-7753-43e0-B8FC-AC1667EBCBE1}">
-              <a14:hiddenEffects xmlns:a14="http://schemas.microsoft.com/office/drawing/2010/main" xmlns="">
+              <a14:hiddenEffects xmlns="" xmlns:a14="http://schemas.microsoft.com/office/drawing/2010/main">
                 <a:effectLst>
                   <a:outerShdw dist="35921" dir="2700000" algn="ctr" rotWithShape="0">
                     <a:schemeClr val="bg2"/>
@@ -25427,7 +25429,7 @@
           <a:effectLst/>
           <a:extLst>
             <a:ext uri="{AF507438-7753-43e0-B8FC-AC1667EBCBE1}">
-              <a14:hiddenEffects xmlns:a14="http://schemas.microsoft.com/office/drawing/2010/main" xmlns="">
+              <a14:hiddenEffects xmlns="" xmlns:a14="http://schemas.microsoft.com/office/drawing/2010/main">
                 <a:effectLst>
                   <a:outerShdw dist="35921" dir="2700000" algn="ctr" rotWithShape="0">
                     <a:schemeClr val="bg2"/>
@@ -25509,7 +25511,7 @@
           <a:effectLst/>
           <a:extLst>
             <a:ext uri="{AF507438-7753-43e0-B8FC-AC1667EBCBE1}">
-              <a14:hiddenEffects xmlns:a14="http://schemas.microsoft.com/office/drawing/2010/main" xmlns="">
+              <a14:hiddenEffects xmlns="" xmlns:a14="http://schemas.microsoft.com/office/drawing/2010/main">
                 <a:effectLst>
                   <a:outerShdw dist="35921" dir="2700000" algn="ctr" rotWithShape="0">
                     <a:schemeClr val="bg2"/>
@@ -25591,7 +25593,7 @@
           <a:effectLst/>
           <a:extLst>
             <a:ext uri="{AF507438-7753-43e0-B8FC-AC1667EBCBE1}">
-              <a14:hiddenEffects xmlns:a14="http://schemas.microsoft.com/office/drawing/2010/main" xmlns="">
+              <a14:hiddenEffects xmlns="" xmlns:a14="http://schemas.microsoft.com/office/drawing/2010/main">
                 <a:effectLst>
                   <a:outerShdw dist="35921" dir="2700000" algn="ctr" rotWithShape="0">
                     <a:schemeClr val="bg2"/>
@@ -25673,7 +25675,7 @@
           <a:effectLst/>
           <a:extLst>
             <a:ext uri="{AF507438-7753-43e0-B8FC-AC1667EBCBE1}">
-              <a14:hiddenEffects xmlns:a14="http://schemas.microsoft.com/office/drawing/2010/main" xmlns="">
+              <a14:hiddenEffects xmlns="" xmlns:a14="http://schemas.microsoft.com/office/drawing/2010/main">
                 <a:effectLst>
                   <a:outerShdw dist="35921" dir="2700000" algn="ctr" rotWithShape="0">
                     <a:schemeClr val="bg2"/>
@@ -25750,7 +25752,7 @@
           </a:ln>
           <a:extLst>
             <a:ext uri="{AF507438-7753-43e0-B8FC-AC1667EBCBE1}">
-              <a14:hiddenEffects xmlns:a14="http://schemas.microsoft.com/office/drawing/2010/main" xmlns="">
+              <a14:hiddenEffects xmlns="" xmlns:a14="http://schemas.microsoft.com/office/drawing/2010/main">
                 <a:effectLst>
                   <a:outerShdw dist="35921" dir="2700000" algn="ctr" rotWithShape="0">
                     <a:schemeClr val="bg2"/>
@@ -25805,7 +25807,7 @@
           </a:ln>
           <a:extLst>
             <a:ext uri="{AF507438-7753-43e0-B8FC-AC1667EBCBE1}">
-              <a14:hiddenEffects xmlns:a14="http://schemas.microsoft.com/office/drawing/2010/main" xmlns="">
+              <a14:hiddenEffects xmlns="" xmlns:a14="http://schemas.microsoft.com/office/drawing/2010/main">
                 <a:effectLst>
                   <a:outerShdw dist="35921" dir="2700000" algn="ctr" rotWithShape="0">
                     <a:schemeClr val="bg2"/>
@@ -25863,7 +25865,7 @@
           </a:ln>
           <a:extLst>
             <a:ext uri="{AF507438-7753-43e0-B8FC-AC1667EBCBE1}">
-              <a14:hiddenEffects xmlns:a14="http://schemas.microsoft.com/office/drawing/2010/main" xmlns="">
+              <a14:hiddenEffects xmlns="" xmlns:a14="http://schemas.microsoft.com/office/drawing/2010/main">
                 <a:effectLst>
                   <a:outerShdw dist="35921" dir="2700000" algn="ctr" rotWithShape="0">
                     <a:schemeClr val="bg2"/>
@@ -25918,7 +25920,7 @@
           </a:ln>
           <a:extLst>
             <a:ext uri="{AF507438-7753-43e0-B8FC-AC1667EBCBE1}">
-              <a14:hiddenEffects xmlns:a14="http://schemas.microsoft.com/office/drawing/2010/main" xmlns="">
+              <a14:hiddenEffects xmlns="" xmlns:a14="http://schemas.microsoft.com/office/drawing/2010/main">
                 <a:effectLst>
                   <a:outerShdw dist="35921" dir="2700000" algn="ctr" rotWithShape="0">
                     <a:schemeClr val="bg2"/>
@@ -25973,7 +25975,7 @@
           </a:ln>
           <a:extLst>
             <a:ext uri="{AF507438-7753-43e0-B8FC-AC1667EBCBE1}">
-              <a14:hiddenEffects xmlns:a14="http://schemas.microsoft.com/office/drawing/2010/main" xmlns="">
+              <a14:hiddenEffects xmlns="" xmlns:a14="http://schemas.microsoft.com/office/drawing/2010/main">
                 <a:effectLst>
                   <a:outerShdw dist="35921" dir="2700000" algn="ctr" rotWithShape="0">
                     <a:schemeClr val="bg2"/>
@@ -26031,7 +26033,7 @@
           </a:ln>
           <a:extLst>
             <a:ext uri="{AF507438-7753-43e0-B8FC-AC1667EBCBE1}">
-              <a14:hiddenEffects xmlns:a14="http://schemas.microsoft.com/office/drawing/2010/main" xmlns="">
+              <a14:hiddenEffects xmlns="" xmlns:a14="http://schemas.microsoft.com/office/drawing/2010/main">
                 <a:effectLst>
                   <a:outerShdw dist="35921" dir="2700000" algn="ctr" rotWithShape="0">
                     <a:schemeClr val="bg2"/>
@@ -26241,14 +26243,14 @@
           <a:effectLst/>
           <a:extLst>
             <a:ext uri="{909E8E84-426E-40dd-AFC4-6F175D3DCCD1}">
-              <a14:hiddenFill xmlns="" xmlns:a14="http://schemas.microsoft.com/office/drawing/2010/main">
+              <a14:hiddenFill xmlns:a14="http://schemas.microsoft.com/office/drawing/2010/main" xmlns="">
                 <a:solidFill>
                   <a:schemeClr val="accent1"/>
                 </a:solidFill>
               </a14:hiddenFill>
             </a:ext>
             <a:ext uri="{91240B29-F687-4f45-9708-019B960494DF}">
-              <a14:hiddenLine xmlns="" xmlns:a14="http://schemas.microsoft.com/office/drawing/2010/main" w="9525">
+              <a14:hiddenLine xmlns:a14="http://schemas.microsoft.com/office/drawing/2010/main" xmlns="" w="9525">
                 <a:solidFill>
                   <a:schemeClr val="tx1"/>
                 </a:solidFill>
@@ -26258,7 +26260,7 @@
               </a14:hiddenLine>
             </a:ext>
             <a:ext uri="{AF507438-7753-43e0-B8FC-AC1667EBCBE1}">
-              <a14:hiddenEffects xmlns="" xmlns:a14="http://schemas.microsoft.com/office/drawing/2010/main">
+              <a14:hiddenEffects xmlns:a14="http://schemas.microsoft.com/office/drawing/2010/main" xmlns="">
                 <a:effectLst>
                   <a:outerShdw dist="35921" dir="2700000" algn="ctr" rotWithShape="0">
                     <a:schemeClr val="bg2"/>
@@ -26738,7 +26740,7 @@
         <a:effectLst/>
         <a:extLst>
           <a:ext uri="{AF507438-7753-43e0-B8FC-AC1667EBCBE1}">
-            <a14:hiddenEffects xmlns="" xmlns:a14="http://schemas.microsoft.com/office/drawing/2010/main">
+            <a14:hiddenEffects xmlns:a14="http://schemas.microsoft.com/office/drawing/2010/main" xmlns="">
               <a:effectLst>
                 <a:outerShdw dist="35921" dir="2700000" algn="ctr" rotWithShape="0">
                   <a:schemeClr val="bg2"/>
@@ -26811,7 +26813,7 @@
         <a:effectLst/>
         <a:extLst>
           <a:ext uri="{AF507438-7753-43e0-B8FC-AC1667EBCBE1}">
-            <a14:hiddenEffects xmlns="" xmlns:a14="http://schemas.microsoft.com/office/drawing/2010/main">
+            <a14:hiddenEffects xmlns:a14="http://schemas.microsoft.com/office/drawing/2010/main" xmlns="">
               <a:effectLst>
                 <a:outerShdw dist="35921" dir="2700000" algn="ctr" rotWithShape="0">
                   <a:schemeClr val="bg2"/>

--- a/doc/algorithm.pptx
+++ b/doc/algorithm.pptx
@@ -275,14 +275,14 @@
           <a:effectLst/>
           <a:extLst>
             <a:ext uri="{909E8E84-426E-40dd-AFC4-6F175D3DCCD1}">
-              <a14:hiddenFill xmlns="" xmlns:a14="http://schemas.microsoft.com/office/drawing/2010/main">
+              <a14:hiddenFill xmlns:a14="http://schemas.microsoft.com/office/drawing/2010/main" xmlns="">
                 <a:solidFill>
                   <a:schemeClr val="accent1"/>
                 </a:solidFill>
               </a14:hiddenFill>
             </a:ext>
             <a:ext uri="{91240B29-F687-4f45-9708-019B960494DF}">
-              <a14:hiddenLine xmlns="" xmlns:a14="http://schemas.microsoft.com/office/drawing/2010/main" w="9525">
+              <a14:hiddenLine xmlns:a14="http://schemas.microsoft.com/office/drawing/2010/main" xmlns="" w="9525">
                 <a:solidFill>
                   <a:schemeClr val="tx1"/>
                 </a:solidFill>
@@ -292,7 +292,7 @@
               </a14:hiddenLine>
             </a:ext>
             <a:ext uri="{AF507438-7753-43e0-B8FC-AC1667EBCBE1}">
-              <a14:hiddenEffects xmlns="" xmlns:a14="http://schemas.microsoft.com/office/drawing/2010/main">
+              <a14:hiddenEffects xmlns:a14="http://schemas.microsoft.com/office/drawing/2010/main" xmlns="">
                 <a:effectLst>
                   <a:outerShdw dist="35921" dir="2700000" algn="ctr" rotWithShape="0">
                     <a:schemeClr val="bg2"/>
@@ -343,14 +343,14 @@
           <a:effectLst/>
           <a:extLst>
             <a:ext uri="{909E8E84-426E-40dd-AFC4-6F175D3DCCD1}">
-              <a14:hiddenFill xmlns="" xmlns:a14="http://schemas.microsoft.com/office/drawing/2010/main">
+              <a14:hiddenFill xmlns:a14="http://schemas.microsoft.com/office/drawing/2010/main" xmlns="">
                 <a:solidFill>
                   <a:schemeClr val="accent1"/>
                 </a:solidFill>
               </a14:hiddenFill>
             </a:ext>
             <a:ext uri="{91240B29-F687-4f45-9708-019B960494DF}">
-              <a14:hiddenLine xmlns="" xmlns:a14="http://schemas.microsoft.com/office/drawing/2010/main" w="9525">
+              <a14:hiddenLine xmlns:a14="http://schemas.microsoft.com/office/drawing/2010/main" xmlns="" w="9525">
                 <a:solidFill>
                   <a:schemeClr val="tx1"/>
                 </a:solidFill>
@@ -360,7 +360,7 @@
               </a14:hiddenLine>
             </a:ext>
             <a:ext uri="{AF507438-7753-43e0-B8FC-AC1667EBCBE1}">
-              <a14:hiddenEffects xmlns="" xmlns:a14="http://schemas.microsoft.com/office/drawing/2010/main">
+              <a14:hiddenEffects xmlns:a14="http://schemas.microsoft.com/office/drawing/2010/main" xmlns="">
                 <a:effectLst>
                   <a:outerShdw dist="35921" dir="2700000" algn="ctr" rotWithShape="0">
                     <a:schemeClr val="bg2"/>
@@ -416,7 +416,7 @@
           <a:effectLst/>
           <a:extLst>
             <a:ext uri="{AF507438-7753-43e0-B8FC-AC1667EBCBE1}">
-              <a14:hiddenEffects xmlns="" xmlns:a14="http://schemas.microsoft.com/office/drawing/2010/main">
+              <a14:hiddenEffects xmlns:a14="http://schemas.microsoft.com/office/drawing/2010/main" xmlns="">
                 <a:effectLst>
                   <a:outerShdw dist="35921" dir="2700000" algn="ctr" rotWithShape="0">
                     <a:srgbClr val="808080"/>
@@ -425,7 +425,7 @@
               </a14:hiddenEffects>
             </a:ext>
             <a:ext uri="{53640926-AAD7-44d8-BBD7-CCE9431645EC}">
-              <a14:shadowObscured xmlns="" xmlns:a14="http://schemas.microsoft.com/office/drawing/2010/main" val="1"/>
+              <a14:shadowObscured xmlns:a14="http://schemas.microsoft.com/office/drawing/2010/main" xmlns="" val="1"/>
             </a:ext>
           </a:extLst>
         </p:spPr>
@@ -455,14 +455,14 @@
           <a:effectLst/>
           <a:extLst>
             <a:ext uri="{909E8E84-426E-40dd-AFC4-6F175D3DCCD1}">
-              <a14:hiddenFill xmlns="" xmlns:a14="http://schemas.microsoft.com/office/drawing/2010/main">
+              <a14:hiddenFill xmlns:a14="http://schemas.microsoft.com/office/drawing/2010/main" xmlns="">
                 <a:solidFill>
                   <a:schemeClr val="accent1"/>
                 </a:solidFill>
               </a14:hiddenFill>
             </a:ext>
             <a:ext uri="{91240B29-F687-4f45-9708-019B960494DF}">
-              <a14:hiddenLine xmlns="" xmlns:a14="http://schemas.microsoft.com/office/drawing/2010/main" w="9525">
+              <a14:hiddenLine xmlns:a14="http://schemas.microsoft.com/office/drawing/2010/main" xmlns="" w="9525">
                 <a:solidFill>
                   <a:schemeClr val="tx1"/>
                 </a:solidFill>
@@ -472,7 +472,7 @@
               </a14:hiddenLine>
             </a:ext>
             <a:ext uri="{AF507438-7753-43e0-B8FC-AC1667EBCBE1}">
-              <a14:hiddenEffects xmlns="" xmlns:a14="http://schemas.microsoft.com/office/drawing/2010/main">
+              <a14:hiddenEffects xmlns:a14="http://schemas.microsoft.com/office/drawing/2010/main" xmlns="">
                 <a:effectLst>
                   <a:outerShdw dist="35921" dir="2700000" algn="ctr" rotWithShape="0">
                     <a:schemeClr val="bg2"/>
@@ -551,14 +551,14 @@
           <a:effectLst/>
           <a:extLst>
             <a:ext uri="{909E8E84-426E-40dd-AFC4-6F175D3DCCD1}">
-              <a14:hiddenFill xmlns="" xmlns:a14="http://schemas.microsoft.com/office/drawing/2010/main">
+              <a14:hiddenFill xmlns:a14="http://schemas.microsoft.com/office/drawing/2010/main" xmlns="">
                 <a:solidFill>
                   <a:schemeClr val="accent1"/>
                 </a:solidFill>
               </a14:hiddenFill>
             </a:ext>
             <a:ext uri="{91240B29-F687-4f45-9708-019B960494DF}">
-              <a14:hiddenLine xmlns="" xmlns:a14="http://schemas.microsoft.com/office/drawing/2010/main" w="9525">
+              <a14:hiddenLine xmlns:a14="http://schemas.microsoft.com/office/drawing/2010/main" xmlns="" w="9525">
                 <a:solidFill>
                   <a:schemeClr val="tx1"/>
                 </a:solidFill>
@@ -568,7 +568,7 @@
               </a14:hiddenLine>
             </a:ext>
             <a:ext uri="{AF507438-7753-43e0-B8FC-AC1667EBCBE1}">
-              <a14:hiddenEffects xmlns="" xmlns:a14="http://schemas.microsoft.com/office/drawing/2010/main">
+              <a14:hiddenEffects xmlns:a14="http://schemas.microsoft.com/office/drawing/2010/main" xmlns="">
                 <a:effectLst>
                   <a:outerShdw dist="35921" dir="2700000" algn="ctr" rotWithShape="0">
                     <a:schemeClr val="bg2"/>
@@ -619,14 +619,14 @@
           <a:effectLst/>
           <a:extLst>
             <a:ext uri="{909E8E84-426E-40dd-AFC4-6F175D3DCCD1}">
-              <a14:hiddenFill xmlns="" xmlns:a14="http://schemas.microsoft.com/office/drawing/2010/main">
+              <a14:hiddenFill xmlns:a14="http://schemas.microsoft.com/office/drawing/2010/main" xmlns="">
                 <a:solidFill>
                   <a:schemeClr val="accent1"/>
                 </a:solidFill>
               </a14:hiddenFill>
             </a:ext>
             <a:ext uri="{91240B29-F687-4f45-9708-019B960494DF}">
-              <a14:hiddenLine xmlns="" xmlns:a14="http://schemas.microsoft.com/office/drawing/2010/main" w="9525">
+              <a14:hiddenLine xmlns:a14="http://schemas.microsoft.com/office/drawing/2010/main" xmlns="" w="9525">
                 <a:solidFill>
                   <a:schemeClr val="tx1"/>
                 </a:solidFill>
@@ -636,7 +636,7 @@
               </a14:hiddenLine>
             </a:ext>
             <a:ext uri="{AF507438-7753-43e0-B8FC-AC1667EBCBE1}">
-              <a14:hiddenEffects xmlns="" xmlns:a14="http://schemas.microsoft.com/office/drawing/2010/main">
+              <a14:hiddenEffects xmlns:a14="http://schemas.microsoft.com/office/drawing/2010/main" xmlns="">
                 <a:effectLst>
                   <a:outerShdw dist="35921" dir="2700000" algn="ctr" rotWithShape="0">
                     <a:schemeClr val="bg2"/>
@@ -3430,14 +3430,14 @@
           <a:effectLst/>
           <a:extLst>
             <a:ext uri="{909E8E84-426E-40dd-AFC4-6F175D3DCCD1}">
-              <a14:hiddenFill xmlns="" xmlns:a14="http://schemas.microsoft.com/office/drawing/2010/main">
+              <a14:hiddenFill xmlns:a14="http://schemas.microsoft.com/office/drawing/2010/main" xmlns="">
                 <a:solidFill>
                   <a:schemeClr val="accent1"/>
                 </a:solidFill>
               </a14:hiddenFill>
             </a:ext>
             <a:ext uri="{91240B29-F687-4f45-9708-019B960494DF}">
-              <a14:hiddenLine xmlns="" xmlns:a14="http://schemas.microsoft.com/office/drawing/2010/main" w="9525">
+              <a14:hiddenLine xmlns:a14="http://schemas.microsoft.com/office/drawing/2010/main" xmlns="" w="9525">
                 <a:solidFill>
                   <a:schemeClr val="tx1"/>
                 </a:solidFill>
@@ -3447,7 +3447,7 @@
               </a14:hiddenLine>
             </a:ext>
             <a:ext uri="{AF507438-7753-43e0-B8FC-AC1667EBCBE1}">
-              <a14:hiddenEffects xmlns="" xmlns:a14="http://schemas.microsoft.com/office/drawing/2010/main">
+              <a14:hiddenEffects xmlns:a14="http://schemas.microsoft.com/office/drawing/2010/main" xmlns="">
                 <a:effectLst>
                   <a:outerShdw dist="35921" dir="2700000" algn="ctr" rotWithShape="0">
                     <a:schemeClr val="bg2"/>
@@ -3498,14 +3498,14 @@
           <a:effectLst/>
           <a:extLst>
             <a:ext uri="{909E8E84-426E-40dd-AFC4-6F175D3DCCD1}">
-              <a14:hiddenFill xmlns="" xmlns:a14="http://schemas.microsoft.com/office/drawing/2010/main">
+              <a14:hiddenFill xmlns:a14="http://schemas.microsoft.com/office/drawing/2010/main" xmlns="">
                 <a:solidFill>
                   <a:schemeClr val="accent1"/>
                 </a:solidFill>
               </a14:hiddenFill>
             </a:ext>
             <a:ext uri="{91240B29-F687-4f45-9708-019B960494DF}">
-              <a14:hiddenLine xmlns="" xmlns:a14="http://schemas.microsoft.com/office/drawing/2010/main" w="9525">
+              <a14:hiddenLine xmlns:a14="http://schemas.microsoft.com/office/drawing/2010/main" xmlns="" w="9525">
                 <a:solidFill>
                   <a:schemeClr val="tx1"/>
                 </a:solidFill>
@@ -3515,7 +3515,7 @@
               </a14:hiddenLine>
             </a:ext>
             <a:ext uri="{AF507438-7753-43e0-B8FC-AC1667EBCBE1}">
-              <a14:hiddenEffects xmlns="" xmlns:a14="http://schemas.microsoft.com/office/drawing/2010/main">
+              <a14:hiddenEffects xmlns:a14="http://schemas.microsoft.com/office/drawing/2010/main" xmlns="">
                 <a:effectLst>
                   <a:outerShdw dist="35921" dir="2700000" algn="ctr" rotWithShape="0">
                     <a:schemeClr val="bg2"/>
@@ -3594,14 +3594,14 @@
           <a:effectLst/>
           <a:extLst>
             <a:ext uri="{909E8E84-426E-40dd-AFC4-6F175D3DCCD1}">
-              <a14:hiddenFill xmlns="" xmlns:a14="http://schemas.microsoft.com/office/drawing/2010/main">
+              <a14:hiddenFill xmlns:a14="http://schemas.microsoft.com/office/drawing/2010/main" xmlns="">
                 <a:solidFill>
                   <a:schemeClr val="accent1"/>
                 </a:solidFill>
               </a14:hiddenFill>
             </a:ext>
             <a:ext uri="{91240B29-F687-4f45-9708-019B960494DF}">
-              <a14:hiddenLine xmlns="" xmlns:a14="http://schemas.microsoft.com/office/drawing/2010/main" w="9525">
+              <a14:hiddenLine xmlns:a14="http://schemas.microsoft.com/office/drawing/2010/main" xmlns="" w="9525">
                 <a:solidFill>
                   <a:schemeClr val="tx1"/>
                 </a:solidFill>
@@ -3611,7 +3611,7 @@
               </a14:hiddenLine>
             </a:ext>
             <a:ext uri="{AF507438-7753-43e0-B8FC-AC1667EBCBE1}">
-              <a14:hiddenEffects xmlns="" xmlns:a14="http://schemas.microsoft.com/office/drawing/2010/main">
+              <a14:hiddenEffects xmlns:a14="http://schemas.microsoft.com/office/drawing/2010/main" xmlns="">
                 <a:effectLst>
                   <a:outerShdw dist="35921" dir="2700000" algn="ctr" rotWithShape="0">
                     <a:schemeClr val="bg2"/>
@@ -3673,14 +3673,14 @@
           <a:effectLst/>
           <a:extLst>
             <a:ext uri="{909E8E84-426E-40dd-AFC4-6F175D3DCCD1}">
-              <a14:hiddenFill xmlns="" xmlns:a14="http://schemas.microsoft.com/office/drawing/2010/main">
+              <a14:hiddenFill xmlns:a14="http://schemas.microsoft.com/office/drawing/2010/main" xmlns="">
                 <a:solidFill>
                   <a:schemeClr val="accent1"/>
                 </a:solidFill>
               </a14:hiddenFill>
             </a:ext>
             <a:ext uri="{91240B29-F687-4f45-9708-019B960494DF}">
-              <a14:hiddenLine xmlns="" xmlns:a14="http://schemas.microsoft.com/office/drawing/2010/main" w="9525" algn="ctr">
+              <a14:hiddenLine xmlns:a14="http://schemas.microsoft.com/office/drawing/2010/main" xmlns="" w="9525" algn="ctr">
                 <a:solidFill>
                   <a:schemeClr val="tx1"/>
                 </a:solidFill>
@@ -3690,7 +3690,7 @@
               </a14:hiddenLine>
             </a:ext>
             <a:ext uri="{AF507438-7753-43e0-B8FC-AC1667EBCBE1}">
-              <a14:hiddenEffects xmlns="" xmlns:a14="http://schemas.microsoft.com/office/drawing/2010/main">
+              <a14:hiddenEffects xmlns:a14="http://schemas.microsoft.com/office/drawing/2010/main" xmlns="">
                 <a:effectLst>
                   <a:outerShdw dist="35921" dir="2700000" algn="ctr" rotWithShape="0">
                     <a:schemeClr val="bg2"/>
@@ -3868,12 +3868,12 @@
           <a:effectLst/>
           <a:extLst>
             <a:ext uri="{909E8E84-426E-40dd-AFC4-6F175D3DCCD1}">
-              <a14:hiddenFill xmlns="" xmlns:a14="http://schemas.microsoft.com/office/drawing/2010/main">
+              <a14:hiddenFill xmlns:a14="http://schemas.microsoft.com/office/drawing/2010/main" xmlns="">
                 <a:noFill/>
               </a14:hiddenFill>
             </a:ext>
             <a:ext uri="{AF507438-7753-43e0-B8FC-AC1667EBCBE1}">
-              <a14:hiddenEffects xmlns="" xmlns:a14="http://schemas.microsoft.com/office/drawing/2010/main">
+              <a14:hiddenEffects xmlns:a14="http://schemas.microsoft.com/office/drawing/2010/main" xmlns="">
                 <a:effectLst>
                   <a:outerShdw dist="35921" dir="2700000" algn="ctr" rotWithShape="0">
                     <a:schemeClr val="bg2"/>
@@ -4433,14 +4433,14 @@
           <a:effectLst/>
           <a:extLst>
             <a:ext uri="{909E8E84-426E-40dd-AFC4-6F175D3DCCD1}">
-              <a14:hiddenFill xmlns="" xmlns:a14="http://schemas.microsoft.com/office/drawing/2010/main">
+              <a14:hiddenFill xmlns:a14="http://schemas.microsoft.com/office/drawing/2010/main" xmlns="">
                 <a:solidFill>
                   <a:schemeClr val="accent1"/>
                 </a:solidFill>
               </a14:hiddenFill>
             </a:ext>
             <a:ext uri="{91240B29-F687-4f45-9708-019B960494DF}">
-              <a14:hiddenLine xmlns="" xmlns:a14="http://schemas.microsoft.com/office/drawing/2010/main" w="9525" algn="ctr">
+              <a14:hiddenLine xmlns:a14="http://schemas.microsoft.com/office/drawing/2010/main" xmlns="" w="9525" algn="ctr">
                 <a:solidFill>
                   <a:schemeClr val="tx1"/>
                 </a:solidFill>
@@ -4450,7 +4450,7 @@
               </a14:hiddenLine>
             </a:ext>
             <a:ext uri="{AF507438-7753-43e0-B8FC-AC1667EBCBE1}">
-              <a14:hiddenEffects xmlns="" xmlns:a14="http://schemas.microsoft.com/office/drawing/2010/main">
+              <a14:hiddenEffects xmlns:a14="http://schemas.microsoft.com/office/drawing/2010/main" xmlns="">
                 <a:effectLst>
                   <a:outerShdw dist="35921" dir="2700000" algn="ctr" rotWithShape="0">
                     <a:schemeClr val="bg2"/>
@@ -5215,8 +5215,8 @@
           </a:p>
         </p:txBody>
       </p:sp>
-      <mc:AlternateContent xmlns:mc="http://schemas.openxmlformats.org/markup-compatibility/2006">
-        <mc:Choice xmlns:a14="http://schemas.microsoft.com/office/drawing/2010/main" Requires="a14">
+      <mc:AlternateContent xmlns:mc="http://schemas.openxmlformats.org/markup-compatibility/2006" xmlns:a14="http://schemas.microsoft.com/office/drawing/2010/main">
+        <mc:Choice Requires="a14">
           <p:sp>
             <p:nvSpPr>
               <p:cNvPr id="9219" name="Rectangle 3"/>
@@ -5327,7 +5327,7 @@
             </p:txBody>
           </p:sp>
         </mc:Choice>
-        <mc:Fallback>
+        <mc:Fallback xmlns="">
           <p:sp>
             <p:nvSpPr>
               <p:cNvPr id="9219" name="Rectangle 3"/>
@@ -5645,7 +5645,7 @@
             </a:ln>
             <a:extLst>
               <a:ext uri="{AF507438-7753-43e0-B8FC-AC1667EBCBE1}">
-                <a14:hiddenEffects xmlns:a14="http://schemas.microsoft.com/office/drawing/2010/main" xmlns="">
+                <a14:hiddenEffects xmlns="" xmlns:a14="http://schemas.microsoft.com/office/drawing/2010/main">
                   <a:effectLst>
                     <a:outerShdw dist="35921" dir="2700000" algn="ctr" rotWithShape="0">
                       <a:schemeClr val="bg2"/>
@@ -5793,7 +5793,7 @@
               </a:ln>
               <a:extLst>
                 <a:ext uri="{AF507438-7753-43e0-B8FC-AC1667EBCBE1}">
-                  <a14:hiddenEffects xmlns:a14="http://schemas.microsoft.com/office/drawing/2010/main" xmlns="">
+                  <a14:hiddenEffects xmlns="" xmlns:a14="http://schemas.microsoft.com/office/drawing/2010/main">
                     <a:effectLst>
                       <a:outerShdw dist="35921" dir="2700000" algn="ctr" rotWithShape="0">
                         <a:schemeClr val="bg2"/>
@@ -5889,7 +5889,7 @@
               <a:effectLst/>
               <a:extLst>
                 <a:ext uri="{AF507438-7753-43e0-B8FC-AC1667EBCBE1}">
-                  <a14:hiddenEffects xmlns="" xmlns:a14="http://schemas.microsoft.com/office/drawing/2010/main">
+                  <a14:hiddenEffects xmlns:a14="http://schemas.microsoft.com/office/drawing/2010/main" xmlns="">
                     <a:effectLst>
                       <a:outerShdw dist="35921" dir="2700000" algn="ctr" rotWithShape="0">
                         <a:schemeClr val="bg2"/>
@@ -6288,7 +6288,7 @@
           <a:effectLst/>
           <a:extLst>
             <a:ext uri="{AF507438-7753-43e0-B8FC-AC1667EBCBE1}">
-              <a14:hiddenEffects xmlns="" xmlns:a14="http://schemas.microsoft.com/office/drawing/2010/main">
+              <a14:hiddenEffects xmlns:a14="http://schemas.microsoft.com/office/drawing/2010/main" xmlns="">
                 <a:effectLst>
                   <a:outerShdw dist="35921" dir="2700000" algn="ctr" rotWithShape="0">
                     <a:schemeClr val="bg2"/>
@@ -6370,7 +6370,7 @@
           <a:effectLst/>
           <a:extLst>
             <a:ext uri="{AF507438-7753-43e0-B8FC-AC1667EBCBE1}">
-              <a14:hiddenEffects xmlns="" xmlns:a14="http://schemas.microsoft.com/office/drawing/2010/main">
+              <a14:hiddenEffects xmlns:a14="http://schemas.microsoft.com/office/drawing/2010/main" xmlns="">
                 <a:effectLst>
                   <a:outerShdw dist="35921" dir="2700000" algn="ctr" rotWithShape="0">
                     <a:schemeClr val="bg2"/>
@@ -6488,7 +6488,7 @@
           <a:effectLst/>
           <a:extLst>
             <a:ext uri="{AF507438-7753-43e0-B8FC-AC1667EBCBE1}">
-              <a14:hiddenEffects xmlns="" xmlns:a14="http://schemas.microsoft.com/office/drawing/2010/main">
+              <a14:hiddenEffects xmlns:a14="http://schemas.microsoft.com/office/drawing/2010/main" xmlns="">
                 <a:effectLst>
                   <a:outerShdw dist="35921" dir="2700000" algn="ctr" rotWithShape="0">
                     <a:schemeClr val="bg2"/>
@@ -6570,7 +6570,7 @@
           <a:effectLst/>
           <a:extLst>
             <a:ext uri="{AF507438-7753-43e0-B8FC-AC1667EBCBE1}">
-              <a14:hiddenEffects xmlns="" xmlns:a14="http://schemas.microsoft.com/office/drawing/2010/main">
+              <a14:hiddenEffects xmlns:a14="http://schemas.microsoft.com/office/drawing/2010/main" xmlns="">
                 <a:effectLst>
                   <a:outerShdw dist="35921" dir="2700000" algn="ctr" rotWithShape="0">
                     <a:schemeClr val="bg2"/>
@@ -6652,7 +6652,7 @@
           <a:effectLst/>
           <a:extLst>
             <a:ext uri="{AF507438-7753-43e0-B8FC-AC1667EBCBE1}">
-              <a14:hiddenEffects xmlns="" xmlns:a14="http://schemas.microsoft.com/office/drawing/2010/main">
+              <a14:hiddenEffects xmlns:a14="http://schemas.microsoft.com/office/drawing/2010/main" xmlns="">
                 <a:effectLst>
                   <a:outerShdw dist="35921" dir="2700000" algn="ctr" rotWithShape="0">
                     <a:schemeClr val="bg2"/>
@@ -6734,7 +6734,7 @@
           <a:effectLst/>
           <a:extLst>
             <a:ext uri="{AF507438-7753-43e0-B8FC-AC1667EBCBE1}">
-              <a14:hiddenEffects xmlns="" xmlns:a14="http://schemas.microsoft.com/office/drawing/2010/main">
+              <a14:hiddenEffects xmlns:a14="http://schemas.microsoft.com/office/drawing/2010/main" xmlns="">
                 <a:effectLst>
                   <a:outerShdw dist="35921" dir="2700000" algn="ctr" rotWithShape="0">
                     <a:schemeClr val="bg2"/>
@@ -6816,7 +6816,7 @@
           <a:effectLst/>
           <a:extLst>
             <a:ext uri="{AF507438-7753-43e0-B8FC-AC1667EBCBE1}">
-              <a14:hiddenEffects xmlns="" xmlns:a14="http://schemas.microsoft.com/office/drawing/2010/main">
+              <a14:hiddenEffects xmlns:a14="http://schemas.microsoft.com/office/drawing/2010/main" xmlns="">
                 <a:effectLst>
                   <a:outerShdw dist="35921" dir="2700000" algn="ctr" rotWithShape="0">
                     <a:schemeClr val="bg2"/>
@@ -6898,7 +6898,7 @@
           <a:effectLst/>
           <a:extLst>
             <a:ext uri="{AF507438-7753-43e0-B8FC-AC1667EBCBE1}">
-              <a14:hiddenEffects xmlns="" xmlns:a14="http://schemas.microsoft.com/office/drawing/2010/main">
+              <a14:hiddenEffects xmlns:a14="http://schemas.microsoft.com/office/drawing/2010/main" xmlns="">
                 <a:effectLst>
                   <a:outerShdw dist="35921" dir="2700000" algn="ctr" rotWithShape="0">
                     <a:schemeClr val="bg2"/>
@@ -6980,7 +6980,7 @@
           <a:effectLst/>
           <a:extLst>
             <a:ext uri="{AF507438-7753-43e0-B8FC-AC1667EBCBE1}">
-              <a14:hiddenEffects xmlns="" xmlns:a14="http://schemas.microsoft.com/office/drawing/2010/main">
+              <a14:hiddenEffects xmlns:a14="http://schemas.microsoft.com/office/drawing/2010/main" xmlns="">
                 <a:effectLst>
                   <a:outerShdw dist="35921" dir="2700000" algn="ctr" rotWithShape="0">
                     <a:schemeClr val="bg2"/>
@@ -7062,7 +7062,7 @@
           <a:effectLst/>
           <a:extLst>
             <a:ext uri="{AF507438-7753-43e0-B8FC-AC1667EBCBE1}">
-              <a14:hiddenEffects xmlns="" xmlns:a14="http://schemas.microsoft.com/office/drawing/2010/main">
+              <a14:hiddenEffects xmlns:a14="http://schemas.microsoft.com/office/drawing/2010/main" xmlns="">
                 <a:effectLst>
                   <a:outerShdw dist="35921" dir="2700000" algn="ctr" rotWithShape="0">
                     <a:schemeClr val="bg2"/>
@@ -7139,7 +7139,7 @@
           </a:ln>
           <a:extLst>
             <a:ext uri="{AF507438-7753-43e0-B8FC-AC1667EBCBE1}">
-              <a14:hiddenEffects xmlns="" xmlns:a14="http://schemas.microsoft.com/office/drawing/2010/main">
+              <a14:hiddenEffects xmlns:a14="http://schemas.microsoft.com/office/drawing/2010/main" xmlns="">
                 <a:effectLst>
                   <a:outerShdw dist="35921" dir="2700000" algn="ctr" rotWithShape="0">
                     <a:schemeClr val="bg2"/>
@@ -7194,7 +7194,7 @@
           </a:ln>
           <a:extLst>
             <a:ext uri="{AF507438-7753-43e0-B8FC-AC1667EBCBE1}">
-              <a14:hiddenEffects xmlns="" xmlns:a14="http://schemas.microsoft.com/office/drawing/2010/main">
+              <a14:hiddenEffects xmlns:a14="http://schemas.microsoft.com/office/drawing/2010/main" xmlns="">
                 <a:effectLst>
                   <a:outerShdw dist="35921" dir="2700000" algn="ctr" rotWithShape="0">
                     <a:schemeClr val="bg2"/>
@@ -7249,7 +7249,7 @@
           </a:ln>
           <a:extLst>
             <a:ext uri="{AF507438-7753-43e0-B8FC-AC1667EBCBE1}">
-              <a14:hiddenEffects xmlns="" xmlns:a14="http://schemas.microsoft.com/office/drawing/2010/main">
+              <a14:hiddenEffects xmlns:a14="http://schemas.microsoft.com/office/drawing/2010/main" xmlns="">
                 <a:effectLst>
                   <a:outerShdw dist="35921" dir="2700000" algn="ctr" rotWithShape="0">
                     <a:schemeClr val="bg2"/>
@@ -7304,7 +7304,7 @@
           </a:ln>
           <a:extLst>
             <a:ext uri="{AF507438-7753-43e0-B8FC-AC1667EBCBE1}">
-              <a14:hiddenEffects xmlns="" xmlns:a14="http://schemas.microsoft.com/office/drawing/2010/main">
+              <a14:hiddenEffects xmlns:a14="http://schemas.microsoft.com/office/drawing/2010/main" xmlns="">
                 <a:effectLst>
                   <a:outerShdw dist="35921" dir="2700000" algn="ctr" rotWithShape="0">
                     <a:schemeClr val="bg2"/>
@@ -7359,7 +7359,7 @@
           </a:ln>
           <a:extLst>
             <a:ext uri="{AF507438-7753-43e0-B8FC-AC1667EBCBE1}">
-              <a14:hiddenEffects xmlns="" xmlns:a14="http://schemas.microsoft.com/office/drawing/2010/main">
+              <a14:hiddenEffects xmlns:a14="http://schemas.microsoft.com/office/drawing/2010/main" xmlns="">
                 <a:effectLst>
                   <a:outerShdw dist="35921" dir="2700000" algn="ctr" rotWithShape="0">
                     <a:schemeClr val="bg2"/>
@@ -7414,7 +7414,7 @@
           </a:ln>
           <a:extLst>
             <a:ext uri="{AF507438-7753-43e0-B8FC-AC1667EBCBE1}">
-              <a14:hiddenEffects xmlns="" xmlns:a14="http://schemas.microsoft.com/office/drawing/2010/main">
+              <a14:hiddenEffects xmlns:a14="http://schemas.microsoft.com/office/drawing/2010/main" xmlns="">
                 <a:effectLst>
                   <a:outerShdw dist="35921" dir="2700000" algn="ctr" rotWithShape="0">
                     <a:schemeClr val="bg2"/>
@@ -7465,7 +7465,7 @@
           </a:ln>
           <a:extLst>
             <a:ext uri="{AF507438-7753-43e0-B8FC-AC1667EBCBE1}">
-              <a14:hiddenEffects xmlns="" xmlns:a14="http://schemas.microsoft.com/office/drawing/2010/main">
+              <a14:hiddenEffects xmlns:a14="http://schemas.microsoft.com/office/drawing/2010/main" xmlns="">
                 <a:effectLst>
                   <a:outerShdw dist="35921" dir="2700000" algn="ctr" rotWithShape="0">
                     <a:schemeClr val="bg2"/>
@@ -7525,7 +7525,7 @@
           <a:effectLst/>
           <a:extLst>
             <a:ext uri="{AF507438-7753-43e0-B8FC-AC1667EBCBE1}">
-              <a14:hiddenEffects xmlns="" xmlns:a14="http://schemas.microsoft.com/office/drawing/2010/main">
+              <a14:hiddenEffects xmlns:a14="http://schemas.microsoft.com/office/drawing/2010/main" xmlns="">
                 <a:effectLst>
                   <a:outerShdw dist="35921" dir="2700000" algn="ctr" rotWithShape="0">
                     <a:schemeClr val="bg2"/>
@@ -7607,7 +7607,7 @@
           <a:effectLst/>
           <a:extLst>
             <a:ext uri="{AF507438-7753-43e0-B8FC-AC1667EBCBE1}">
-              <a14:hiddenEffects xmlns="" xmlns:a14="http://schemas.microsoft.com/office/drawing/2010/main">
+              <a14:hiddenEffects xmlns:a14="http://schemas.microsoft.com/office/drawing/2010/main" xmlns="">
                 <a:effectLst>
                   <a:outerShdw dist="35921" dir="2700000" algn="ctr" rotWithShape="0">
                     <a:schemeClr val="bg2"/>
@@ -7689,7 +7689,7 @@
           <a:effectLst/>
           <a:extLst>
             <a:ext uri="{AF507438-7753-43e0-B8FC-AC1667EBCBE1}">
-              <a14:hiddenEffects xmlns="" xmlns:a14="http://schemas.microsoft.com/office/drawing/2010/main">
+              <a14:hiddenEffects xmlns:a14="http://schemas.microsoft.com/office/drawing/2010/main" xmlns="">
                 <a:effectLst>
                   <a:outerShdw dist="35921" dir="2700000" algn="ctr" rotWithShape="0">
                     <a:schemeClr val="bg2"/>
@@ -7771,7 +7771,7 @@
           <a:effectLst/>
           <a:extLst>
             <a:ext uri="{AF507438-7753-43e0-B8FC-AC1667EBCBE1}">
-              <a14:hiddenEffects xmlns="" xmlns:a14="http://schemas.microsoft.com/office/drawing/2010/main">
+              <a14:hiddenEffects xmlns:a14="http://schemas.microsoft.com/office/drawing/2010/main" xmlns="">
                 <a:effectLst>
                   <a:outerShdw dist="35921" dir="2700000" algn="ctr" rotWithShape="0">
                     <a:schemeClr val="bg2"/>
@@ -7853,7 +7853,7 @@
           <a:effectLst/>
           <a:extLst>
             <a:ext uri="{AF507438-7753-43e0-B8FC-AC1667EBCBE1}">
-              <a14:hiddenEffects xmlns="" xmlns:a14="http://schemas.microsoft.com/office/drawing/2010/main">
+              <a14:hiddenEffects xmlns:a14="http://schemas.microsoft.com/office/drawing/2010/main" xmlns="">
                 <a:effectLst>
                   <a:outerShdw dist="35921" dir="2700000" algn="ctr" rotWithShape="0">
                     <a:schemeClr val="bg2"/>
@@ -7935,7 +7935,7 @@
           <a:effectLst/>
           <a:extLst>
             <a:ext uri="{AF507438-7753-43e0-B8FC-AC1667EBCBE1}">
-              <a14:hiddenEffects xmlns="" xmlns:a14="http://schemas.microsoft.com/office/drawing/2010/main">
+              <a14:hiddenEffects xmlns:a14="http://schemas.microsoft.com/office/drawing/2010/main" xmlns="">
                 <a:effectLst>
                   <a:outerShdw dist="35921" dir="2700000" algn="ctr" rotWithShape="0">
                     <a:schemeClr val="bg2"/>
@@ -8012,7 +8012,7 @@
           </a:ln>
           <a:extLst>
             <a:ext uri="{AF507438-7753-43e0-B8FC-AC1667EBCBE1}">
-              <a14:hiddenEffects xmlns="" xmlns:a14="http://schemas.microsoft.com/office/drawing/2010/main">
+              <a14:hiddenEffects xmlns:a14="http://schemas.microsoft.com/office/drawing/2010/main" xmlns="">
                 <a:effectLst>
                   <a:outerShdw dist="35921" dir="2700000" algn="ctr" rotWithShape="0">
                     <a:schemeClr val="bg2"/>
@@ -8067,7 +8067,7 @@
           </a:ln>
           <a:extLst>
             <a:ext uri="{AF507438-7753-43e0-B8FC-AC1667EBCBE1}">
-              <a14:hiddenEffects xmlns="" xmlns:a14="http://schemas.microsoft.com/office/drawing/2010/main">
+              <a14:hiddenEffects xmlns:a14="http://schemas.microsoft.com/office/drawing/2010/main" xmlns="">
                 <a:effectLst>
                   <a:outerShdw dist="35921" dir="2700000" algn="ctr" rotWithShape="0">
                     <a:schemeClr val="bg2"/>
@@ -8125,7 +8125,7 @@
           </a:ln>
           <a:extLst>
             <a:ext uri="{AF507438-7753-43e0-B8FC-AC1667EBCBE1}">
-              <a14:hiddenEffects xmlns="" xmlns:a14="http://schemas.microsoft.com/office/drawing/2010/main">
+              <a14:hiddenEffects xmlns:a14="http://schemas.microsoft.com/office/drawing/2010/main" xmlns="">
                 <a:effectLst>
                   <a:outerShdw dist="35921" dir="2700000" algn="ctr" rotWithShape="0">
                     <a:schemeClr val="bg2"/>
@@ -8180,7 +8180,7 @@
           </a:ln>
           <a:extLst>
             <a:ext uri="{AF507438-7753-43e0-B8FC-AC1667EBCBE1}">
-              <a14:hiddenEffects xmlns="" xmlns:a14="http://schemas.microsoft.com/office/drawing/2010/main">
+              <a14:hiddenEffects xmlns:a14="http://schemas.microsoft.com/office/drawing/2010/main" xmlns="">
                 <a:effectLst>
                   <a:outerShdw dist="35921" dir="2700000" algn="ctr" rotWithShape="0">
                     <a:schemeClr val="bg2"/>
@@ -8235,7 +8235,7 @@
           </a:ln>
           <a:extLst>
             <a:ext uri="{AF507438-7753-43e0-B8FC-AC1667EBCBE1}">
-              <a14:hiddenEffects xmlns="" xmlns:a14="http://schemas.microsoft.com/office/drawing/2010/main">
+              <a14:hiddenEffects xmlns:a14="http://schemas.microsoft.com/office/drawing/2010/main" xmlns="">
                 <a:effectLst>
                   <a:outerShdw dist="35921" dir="2700000" algn="ctr" rotWithShape="0">
                     <a:schemeClr val="bg2"/>
@@ -8293,7 +8293,7 @@
           </a:ln>
           <a:extLst>
             <a:ext uri="{AF507438-7753-43e0-B8FC-AC1667EBCBE1}">
-              <a14:hiddenEffects xmlns="" xmlns:a14="http://schemas.microsoft.com/office/drawing/2010/main">
+              <a14:hiddenEffects xmlns:a14="http://schemas.microsoft.com/office/drawing/2010/main" xmlns="">
                 <a:effectLst>
                   <a:outerShdw dist="35921" dir="2700000" algn="ctr" rotWithShape="0">
                     <a:schemeClr val="bg2"/>
@@ -8505,7 +8505,7 @@
           <a:effectLst/>
           <a:extLst>
             <a:ext uri="{AF507438-7753-43e0-B8FC-AC1667EBCBE1}">
-              <a14:hiddenEffects xmlns:a14="http://schemas.microsoft.com/office/drawing/2010/main" xmlns="">
+              <a14:hiddenEffects xmlns="" xmlns:a14="http://schemas.microsoft.com/office/drawing/2010/main">
                 <a:effectLst>
                   <a:outerShdw dist="35921" dir="2700000" algn="ctr" rotWithShape="0">
                     <a:schemeClr val="bg2"/>
@@ -8696,14 +8696,14 @@
           <a:effectLst/>
           <a:extLst>
             <a:ext uri="{909E8E84-426E-40dd-AFC4-6F175D3DCCD1}">
-              <a14:hiddenFill xmlns="" xmlns:a14="http://schemas.microsoft.com/office/drawing/2010/main">
+              <a14:hiddenFill xmlns:a14="http://schemas.microsoft.com/office/drawing/2010/main" xmlns="">
                 <a:solidFill>
                   <a:schemeClr val="accent1"/>
                 </a:solidFill>
               </a14:hiddenFill>
             </a:ext>
             <a:ext uri="{91240B29-F687-4f45-9708-019B960494DF}">
-              <a14:hiddenLine xmlns="" xmlns:a14="http://schemas.microsoft.com/office/drawing/2010/main" w="9525">
+              <a14:hiddenLine xmlns:a14="http://schemas.microsoft.com/office/drawing/2010/main" xmlns="" w="9525">
                 <a:solidFill>
                   <a:schemeClr val="tx1"/>
                 </a:solidFill>
@@ -8713,7 +8713,7 @@
               </a14:hiddenLine>
             </a:ext>
             <a:ext uri="{AF507438-7753-43e0-B8FC-AC1667EBCBE1}">
-              <a14:hiddenEffects xmlns="" xmlns:a14="http://schemas.microsoft.com/office/drawing/2010/main">
+              <a14:hiddenEffects xmlns:a14="http://schemas.microsoft.com/office/drawing/2010/main" xmlns="">
                 <a:effectLst>
                   <a:outerShdw dist="35921" dir="2700000" algn="ctr" rotWithShape="0">
                     <a:schemeClr val="bg2"/>
@@ -12545,7 +12545,7 @@
           <a:effectLst/>
           <a:extLst>
             <a:ext uri="{AF507438-7753-43e0-B8FC-AC1667EBCBE1}">
-              <a14:hiddenEffects xmlns:a14="http://schemas.microsoft.com/office/drawing/2010/main" xmlns="">
+              <a14:hiddenEffects xmlns="" xmlns:a14="http://schemas.microsoft.com/office/drawing/2010/main">
                 <a:effectLst>
                   <a:outerShdw dist="35921" dir="2700000" algn="ctr" rotWithShape="0">
                     <a:schemeClr val="bg2"/>
@@ -12627,7 +12627,7 @@
           <a:effectLst/>
           <a:extLst>
             <a:ext uri="{AF507438-7753-43e0-B8FC-AC1667EBCBE1}">
-              <a14:hiddenEffects xmlns:a14="http://schemas.microsoft.com/office/drawing/2010/main" xmlns="">
+              <a14:hiddenEffects xmlns="" xmlns:a14="http://schemas.microsoft.com/office/drawing/2010/main">
                 <a:effectLst>
                   <a:outerShdw dist="35921" dir="2700000" algn="ctr" rotWithShape="0">
                     <a:schemeClr val="bg2"/>
@@ -12709,7 +12709,7 @@
           <a:effectLst/>
           <a:extLst>
             <a:ext uri="{AF507438-7753-43e0-B8FC-AC1667EBCBE1}">
-              <a14:hiddenEffects xmlns:a14="http://schemas.microsoft.com/office/drawing/2010/main" xmlns="">
+              <a14:hiddenEffects xmlns="" xmlns:a14="http://schemas.microsoft.com/office/drawing/2010/main">
                 <a:effectLst>
                   <a:outerShdw dist="35921" dir="2700000" algn="ctr" rotWithShape="0">
                     <a:schemeClr val="bg2"/>
@@ -12791,7 +12791,7 @@
           <a:effectLst/>
           <a:extLst>
             <a:ext uri="{AF507438-7753-43e0-B8FC-AC1667EBCBE1}">
-              <a14:hiddenEffects xmlns:a14="http://schemas.microsoft.com/office/drawing/2010/main" xmlns="">
+              <a14:hiddenEffects xmlns="" xmlns:a14="http://schemas.microsoft.com/office/drawing/2010/main">
                 <a:effectLst>
                   <a:outerShdw dist="35921" dir="2700000" algn="ctr" rotWithShape="0">
                     <a:schemeClr val="bg2"/>
@@ -12873,7 +12873,7 @@
           <a:effectLst/>
           <a:extLst>
             <a:ext uri="{AF507438-7753-43e0-B8FC-AC1667EBCBE1}">
-              <a14:hiddenEffects xmlns:a14="http://schemas.microsoft.com/office/drawing/2010/main" xmlns="">
+              <a14:hiddenEffects xmlns="" xmlns:a14="http://schemas.microsoft.com/office/drawing/2010/main">
                 <a:effectLst>
                   <a:outerShdw dist="35921" dir="2700000" algn="ctr" rotWithShape="0">
                     <a:schemeClr val="bg2"/>
@@ -12955,7 +12955,7 @@
           <a:effectLst/>
           <a:extLst>
             <a:ext uri="{AF507438-7753-43e0-B8FC-AC1667EBCBE1}">
-              <a14:hiddenEffects xmlns:a14="http://schemas.microsoft.com/office/drawing/2010/main" xmlns="">
+              <a14:hiddenEffects xmlns="" xmlns:a14="http://schemas.microsoft.com/office/drawing/2010/main">
                 <a:effectLst>
                   <a:outerShdw dist="35921" dir="2700000" algn="ctr" rotWithShape="0">
                     <a:schemeClr val="bg2"/>
@@ -13032,7 +13032,7 @@
           </a:ln>
           <a:extLst>
             <a:ext uri="{AF507438-7753-43e0-B8FC-AC1667EBCBE1}">
-              <a14:hiddenEffects xmlns:a14="http://schemas.microsoft.com/office/drawing/2010/main" xmlns="">
+              <a14:hiddenEffects xmlns="" xmlns:a14="http://schemas.microsoft.com/office/drawing/2010/main">
                 <a:effectLst>
                   <a:outerShdw dist="35921" dir="2700000" algn="ctr" rotWithShape="0">
                     <a:schemeClr val="bg2"/>
@@ -13087,7 +13087,7 @@
           </a:ln>
           <a:extLst>
             <a:ext uri="{AF507438-7753-43e0-B8FC-AC1667EBCBE1}">
-              <a14:hiddenEffects xmlns:a14="http://schemas.microsoft.com/office/drawing/2010/main" xmlns="">
+              <a14:hiddenEffects xmlns="" xmlns:a14="http://schemas.microsoft.com/office/drawing/2010/main">
                 <a:effectLst>
                   <a:outerShdw dist="35921" dir="2700000" algn="ctr" rotWithShape="0">
                     <a:schemeClr val="bg2"/>
@@ -13142,7 +13142,7 @@
           </a:ln>
           <a:extLst>
             <a:ext uri="{AF507438-7753-43e0-B8FC-AC1667EBCBE1}">
-              <a14:hiddenEffects xmlns:a14="http://schemas.microsoft.com/office/drawing/2010/main" xmlns="">
+              <a14:hiddenEffects xmlns="" xmlns:a14="http://schemas.microsoft.com/office/drawing/2010/main">
                 <a:effectLst>
                   <a:outerShdw dist="35921" dir="2700000" algn="ctr" rotWithShape="0">
                     <a:schemeClr val="bg2"/>
@@ -13197,7 +13197,7 @@
           </a:ln>
           <a:extLst>
             <a:ext uri="{AF507438-7753-43e0-B8FC-AC1667EBCBE1}">
-              <a14:hiddenEffects xmlns:a14="http://schemas.microsoft.com/office/drawing/2010/main" xmlns="">
+              <a14:hiddenEffects xmlns="" xmlns:a14="http://schemas.microsoft.com/office/drawing/2010/main">
                 <a:effectLst>
                   <a:outerShdw dist="35921" dir="2700000" algn="ctr" rotWithShape="0">
                     <a:schemeClr val="bg2"/>
@@ -13252,7 +13252,7 @@
           </a:ln>
           <a:extLst>
             <a:ext uri="{AF507438-7753-43e0-B8FC-AC1667EBCBE1}">
-              <a14:hiddenEffects xmlns:a14="http://schemas.microsoft.com/office/drawing/2010/main" xmlns="">
+              <a14:hiddenEffects xmlns="" xmlns:a14="http://schemas.microsoft.com/office/drawing/2010/main">
                 <a:effectLst>
                   <a:outerShdw dist="35921" dir="2700000" algn="ctr" rotWithShape="0">
                     <a:schemeClr val="bg2"/>
@@ -13307,7 +13307,7 @@
           </a:ln>
           <a:extLst>
             <a:ext uri="{AF507438-7753-43e0-B8FC-AC1667EBCBE1}">
-              <a14:hiddenEffects xmlns:a14="http://schemas.microsoft.com/office/drawing/2010/main" xmlns="">
+              <a14:hiddenEffects xmlns="" xmlns:a14="http://schemas.microsoft.com/office/drawing/2010/main">
                 <a:effectLst>
                   <a:outerShdw dist="35921" dir="2700000" algn="ctr" rotWithShape="0">
                     <a:schemeClr val="bg2"/>
@@ -13367,7 +13367,7 @@
           <a:effectLst/>
           <a:extLst>
             <a:ext uri="{AF507438-7753-43e0-B8FC-AC1667EBCBE1}">
-              <a14:hiddenEffects xmlns:a14="http://schemas.microsoft.com/office/drawing/2010/main" xmlns="">
+              <a14:hiddenEffects xmlns="" xmlns:a14="http://schemas.microsoft.com/office/drawing/2010/main">
                 <a:effectLst>
                   <a:outerShdw dist="35921" dir="2700000" algn="ctr" rotWithShape="0">
                     <a:schemeClr val="bg2"/>
@@ -13449,7 +13449,7 @@
           <a:effectLst/>
           <a:extLst>
             <a:ext uri="{AF507438-7753-43e0-B8FC-AC1667EBCBE1}">
-              <a14:hiddenEffects xmlns:a14="http://schemas.microsoft.com/office/drawing/2010/main" xmlns="">
+              <a14:hiddenEffects xmlns="" xmlns:a14="http://schemas.microsoft.com/office/drawing/2010/main">
                 <a:effectLst>
                   <a:outerShdw dist="35921" dir="2700000" algn="ctr" rotWithShape="0">
                     <a:schemeClr val="bg2"/>
@@ -13531,7 +13531,7 @@
           <a:effectLst/>
           <a:extLst>
             <a:ext uri="{AF507438-7753-43e0-B8FC-AC1667EBCBE1}">
-              <a14:hiddenEffects xmlns:a14="http://schemas.microsoft.com/office/drawing/2010/main" xmlns="">
+              <a14:hiddenEffects xmlns="" xmlns:a14="http://schemas.microsoft.com/office/drawing/2010/main">
                 <a:effectLst>
                   <a:outerShdw dist="35921" dir="2700000" algn="ctr" rotWithShape="0">
                     <a:schemeClr val="bg2"/>
@@ -13613,7 +13613,7 @@
           <a:effectLst/>
           <a:extLst>
             <a:ext uri="{AF507438-7753-43e0-B8FC-AC1667EBCBE1}">
-              <a14:hiddenEffects xmlns:a14="http://schemas.microsoft.com/office/drawing/2010/main" xmlns="">
+              <a14:hiddenEffects xmlns="" xmlns:a14="http://schemas.microsoft.com/office/drawing/2010/main">
                 <a:effectLst>
                   <a:outerShdw dist="35921" dir="2700000" algn="ctr" rotWithShape="0">
                     <a:schemeClr val="bg2"/>
@@ -13695,7 +13695,7 @@
           <a:effectLst/>
           <a:extLst>
             <a:ext uri="{AF507438-7753-43e0-B8FC-AC1667EBCBE1}">
-              <a14:hiddenEffects xmlns:a14="http://schemas.microsoft.com/office/drawing/2010/main" xmlns="">
+              <a14:hiddenEffects xmlns="" xmlns:a14="http://schemas.microsoft.com/office/drawing/2010/main">
                 <a:effectLst>
                   <a:outerShdw dist="35921" dir="2700000" algn="ctr" rotWithShape="0">
                     <a:schemeClr val="bg2"/>
@@ -13777,7 +13777,7 @@
           <a:effectLst/>
           <a:extLst>
             <a:ext uri="{AF507438-7753-43e0-B8FC-AC1667EBCBE1}">
-              <a14:hiddenEffects xmlns:a14="http://schemas.microsoft.com/office/drawing/2010/main" xmlns="">
+              <a14:hiddenEffects xmlns="" xmlns:a14="http://schemas.microsoft.com/office/drawing/2010/main">
                 <a:effectLst>
                   <a:outerShdw dist="35921" dir="2700000" algn="ctr" rotWithShape="0">
                     <a:schemeClr val="bg2"/>
@@ -13854,7 +13854,7 @@
           </a:ln>
           <a:extLst>
             <a:ext uri="{AF507438-7753-43e0-B8FC-AC1667EBCBE1}">
-              <a14:hiddenEffects xmlns:a14="http://schemas.microsoft.com/office/drawing/2010/main" xmlns="">
+              <a14:hiddenEffects xmlns="" xmlns:a14="http://schemas.microsoft.com/office/drawing/2010/main">
                 <a:effectLst>
                   <a:outerShdw dist="35921" dir="2700000" algn="ctr" rotWithShape="0">
                     <a:schemeClr val="bg2"/>
@@ -13909,7 +13909,7 @@
           </a:ln>
           <a:extLst>
             <a:ext uri="{AF507438-7753-43e0-B8FC-AC1667EBCBE1}">
-              <a14:hiddenEffects xmlns:a14="http://schemas.microsoft.com/office/drawing/2010/main" xmlns="">
+              <a14:hiddenEffects xmlns="" xmlns:a14="http://schemas.microsoft.com/office/drawing/2010/main">
                 <a:effectLst>
                   <a:outerShdw dist="35921" dir="2700000" algn="ctr" rotWithShape="0">
                     <a:schemeClr val="bg2"/>
@@ -13964,7 +13964,7 @@
           </a:ln>
           <a:extLst>
             <a:ext uri="{AF507438-7753-43e0-B8FC-AC1667EBCBE1}">
-              <a14:hiddenEffects xmlns:a14="http://schemas.microsoft.com/office/drawing/2010/main" xmlns="">
+              <a14:hiddenEffects xmlns="" xmlns:a14="http://schemas.microsoft.com/office/drawing/2010/main">
                 <a:effectLst>
                   <a:outerShdw dist="35921" dir="2700000" algn="ctr" rotWithShape="0">
                     <a:schemeClr val="bg2"/>
@@ -14019,7 +14019,7 @@
           </a:ln>
           <a:extLst>
             <a:ext uri="{AF507438-7753-43e0-B8FC-AC1667EBCBE1}">
-              <a14:hiddenEffects xmlns:a14="http://schemas.microsoft.com/office/drawing/2010/main" xmlns="">
+              <a14:hiddenEffects xmlns="" xmlns:a14="http://schemas.microsoft.com/office/drawing/2010/main">
                 <a:effectLst>
                   <a:outerShdw dist="35921" dir="2700000" algn="ctr" rotWithShape="0">
                     <a:schemeClr val="bg2"/>
@@ -14074,7 +14074,7 @@
           </a:ln>
           <a:extLst>
             <a:ext uri="{AF507438-7753-43e0-B8FC-AC1667EBCBE1}">
-              <a14:hiddenEffects xmlns:a14="http://schemas.microsoft.com/office/drawing/2010/main" xmlns="">
+              <a14:hiddenEffects xmlns="" xmlns:a14="http://schemas.microsoft.com/office/drawing/2010/main">
                 <a:effectLst>
                   <a:outerShdw dist="35921" dir="2700000" algn="ctr" rotWithShape="0">
                     <a:schemeClr val="bg2"/>
@@ -14129,7 +14129,7 @@
           </a:ln>
           <a:extLst>
             <a:ext uri="{AF507438-7753-43e0-B8FC-AC1667EBCBE1}">
-              <a14:hiddenEffects xmlns:a14="http://schemas.microsoft.com/office/drawing/2010/main" xmlns="">
+              <a14:hiddenEffects xmlns="" xmlns:a14="http://schemas.microsoft.com/office/drawing/2010/main">
                 <a:effectLst>
                   <a:outerShdw dist="35921" dir="2700000" algn="ctr" rotWithShape="0">
                     <a:schemeClr val="bg2"/>
@@ -14189,7 +14189,7 @@
           <a:effectLst/>
           <a:extLst>
             <a:ext uri="{AF507438-7753-43e0-B8FC-AC1667EBCBE1}">
-              <a14:hiddenEffects xmlns:a14="http://schemas.microsoft.com/office/drawing/2010/main" xmlns="">
+              <a14:hiddenEffects xmlns="" xmlns:a14="http://schemas.microsoft.com/office/drawing/2010/main">
                 <a:effectLst>
                   <a:outerShdw dist="35921" dir="2700000" algn="ctr" rotWithShape="0">
                     <a:schemeClr val="bg2"/>
@@ -14271,7 +14271,7 @@
           <a:effectLst/>
           <a:extLst>
             <a:ext uri="{AF507438-7753-43e0-B8FC-AC1667EBCBE1}">
-              <a14:hiddenEffects xmlns:a14="http://schemas.microsoft.com/office/drawing/2010/main" xmlns="">
+              <a14:hiddenEffects xmlns="" xmlns:a14="http://schemas.microsoft.com/office/drawing/2010/main">
                 <a:effectLst>
                   <a:outerShdw dist="35921" dir="2700000" algn="ctr" rotWithShape="0">
                     <a:schemeClr val="bg2"/>
@@ -14353,7 +14353,7 @@
           <a:effectLst/>
           <a:extLst>
             <a:ext uri="{AF507438-7753-43e0-B8FC-AC1667EBCBE1}">
-              <a14:hiddenEffects xmlns:a14="http://schemas.microsoft.com/office/drawing/2010/main" xmlns="">
+              <a14:hiddenEffects xmlns="" xmlns:a14="http://schemas.microsoft.com/office/drawing/2010/main">
                 <a:effectLst>
                   <a:outerShdw dist="35921" dir="2700000" algn="ctr" rotWithShape="0">
                     <a:schemeClr val="bg2"/>
@@ -14435,7 +14435,7 @@
           <a:effectLst/>
           <a:extLst>
             <a:ext uri="{AF507438-7753-43e0-B8FC-AC1667EBCBE1}">
-              <a14:hiddenEffects xmlns:a14="http://schemas.microsoft.com/office/drawing/2010/main" xmlns="">
+              <a14:hiddenEffects xmlns="" xmlns:a14="http://schemas.microsoft.com/office/drawing/2010/main">
                 <a:effectLst>
                   <a:outerShdw dist="35921" dir="2700000" algn="ctr" rotWithShape="0">
                     <a:schemeClr val="bg2"/>
@@ -14517,7 +14517,7 @@
           <a:effectLst/>
           <a:extLst>
             <a:ext uri="{AF507438-7753-43e0-B8FC-AC1667EBCBE1}">
-              <a14:hiddenEffects xmlns:a14="http://schemas.microsoft.com/office/drawing/2010/main" xmlns="">
+              <a14:hiddenEffects xmlns="" xmlns:a14="http://schemas.microsoft.com/office/drawing/2010/main">
                 <a:effectLst>
                   <a:outerShdw dist="35921" dir="2700000" algn="ctr" rotWithShape="0">
                     <a:schemeClr val="bg2"/>
@@ -14599,7 +14599,7 @@
           <a:effectLst/>
           <a:extLst>
             <a:ext uri="{AF507438-7753-43e0-B8FC-AC1667EBCBE1}">
-              <a14:hiddenEffects xmlns:a14="http://schemas.microsoft.com/office/drawing/2010/main" xmlns="">
+              <a14:hiddenEffects xmlns="" xmlns:a14="http://schemas.microsoft.com/office/drawing/2010/main">
                 <a:effectLst>
                   <a:outerShdw dist="35921" dir="2700000" algn="ctr" rotWithShape="0">
                     <a:schemeClr val="bg2"/>
@@ -14676,7 +14676,7 @@
           </a:ln>
           <a:extLst>
             <a:ext uri="{AF507438-7753-43e0-B8FC-AC1667EBCBE1}">
-              <a14:hiddenEffects xmlns:a14="http://schemas.microsoft.com/office/drawing/2010/main" xmlns="">
+              <a14:hiddenEffects xmlns="" xmlns:a14="http://schemas.microsoft.com/office/drawing/2010/main">
                 <a:effectLst>
                   <a:outerShdw dist="35921" dir="2700000" algn="ctr" rotWithShape="0">
                     <a:schemeClr val="bg2"/>
@@ -14731,7 +14731,7 @@
           </a:ln>
           <a:extLst>
             <a:ext uri="{AF507438-7753-43e0-B8FC-AC1667EBCBE1}">
-              <a14:hiddenEffects xmlns:a14="http://schemas.microsoft.com/office/drawing/2010/main" xmlns="">
+              <a14:hiddenEffects xmlns="" xmlns:a14="http://schemas.microsoft.com/office/drawing/2010/main">
                 <a:effectLst>
                   <a:outerShdw dist="35921" dir="2700000" algn="ctr" rotWithShape="0">
                     <a:schemeClr val="bg2"/>
@@ -14786,7 +14786,7 @@
           </a:ln>
           <a:extLst>
             <a:ext uri="{AF507438-7753-43e0-B8FC-AC1667EBCBE1}">
-              <a14:hiddenEffects xmlns:a14="http://schemas.microsoft.com/office/drawing/2010/main" xmlns="">
+              <a14:hiddenEffects xmlns="" xmlns:a14="http://schemas.microsoft.com/office/drawing/2010/main">
                 <a:effectLst>
                   <a:outerShdw dist="35921" dir="2700000" algn="ctr" rotWithShape="0">
                     <a:schemeClr val="bg2"/>
@@ -14841,7 +14841,7 @@
           </a:ln>
           <a:extLst>
             <a:ext uri="{AF507438-7753-43e0-B8FC-AC1667EBCBE1}">
-              <a14:hiddenEffects xmlns:a14="http://schemas.microsoft.com/office/drawing/2010/main" xmlns="">
+              <a14:hiddenEffects xmlns="" xmlns:a14="http://schemas.microsoft.com/office/drawing/2010/main">
                 <a:effectLst>
                   <a:outerShdw dist="35921" dir="2700000" algn="ctr" rotWithShape="0">
                     <a:schemeClr val="bg2"/>
@@ -14896,7 +14896,7 @@
           </a:ln>
           <a:extLst>
             <a:ext uri="{AF507438-7753-43e0-B8FC-AC1667EBCBE1}">
-              <a14:hiddenEffects xmlns:a14="http://schemas.microsoft.com/office/drawing/2010/main" xmlns="">
+              <a14:hiddenEffects xmlns="" xmlns:a14="http://schemas.microsoft.com/office/drawing/2010/main">
                 <a:effectLst>
                   <a:outerShdw dist="35921" dir="2700000" algn="ctr" rotWithShape="0">
                     <a:schemeClr val="bg2"/>
@@ -14951,7 +14951,7 @@
           </a:ln>
           <a:extLst>
             <a:ext uri="{AF507438-7753-43e0-B8FC-AC1667EBCBE1}">
-              <a14:hiddenEffects xmlns:a14="http://schemas.microsoft.com/office/drawing/2010/main" xmlns="">
+              <a14:hiddenEffects xmlns="" xmlns:a14="http://schemas.microsoft.com/office/drawing/2010/main">
                 <a:effectLst>
                   <a:outerShdw dist="35921" dir="2700000" algn="ctr" rotWithShape="0">
                     <a:schemeClr val="bg2"/>
@@ -15011,7 +15011,7 @@
           <a:effectLst/>
           <a:extLst>
             <a:ext uri="{AF507438-7753-43e0-B8FC-AC1667EBCBE1}">
-              <a14:hiddenEffects xmlns:a14="http://schemas.microsoft.com/office/drawing/2010/main" xmlns="">
+              <a14:hiddenEffects xmlns="" xmlns:a14="http://schemas.microsoft.com/office/drawing/2010/main">
                 <a:effectLst>
                   <a:outerShdw dist="35921" dir="2700000" algn="ctr" rotWithShape="0">
                     <a:schemeClr val="bg2"/>
@@ -15093,7 +15093,7 @@
           <a:effectLst/>
           <a:extLst>
             <a:ext uri="{AF507438-7753-43e0-B8FC-AC1667EBCBE1}">
-              <a14:hiddenEffects xmlns:a14="http://schemas.microsoft.com/office/drawing/2010/main" xmlns="">
+              <a14:hiddenEffects xmlns="" xmlns:a14="http://schemas.microsoft.com/office/drawing/2010/main">
                 <a:effectLst>
                   <a:outerShdw dist="35921" dir="2700000" algn="ctr" rotWithShape="0">
                     <a:schemeClr val="bg2"/>
@@ -15175,7 +15175,7 @@
           <a:effectLst/>
           <a:extLst>
             <a:ext uri="{AF507438-7753-43e0-B8FC-AC1667EBCBE1}">
-              <a14:hiddenEffects xmlns:a14="http://schemas.microsoft.com/office/drawing/2010/main" xmlns="">
+              <a14:hiddenEffects xmlns="" xmlns:a14="http://schemas.microsoft.com/office/drawing/2010/main">
                 <a:effectLst>
                   <a:outerShdw dist="35921" dir="2700000" algn="ctr" rotWithShape="0">
                     <a:schemeClr val="bg2"/>
@@ -15257,7 +15257,7 @@
           <a:effectLst/>
           <a:extLst>
             <a:ext uri="{AF507438-7753-43e0-B8FC-AC1667EBCBE1}">
-              <a14:hiddenEffects xmlns:a14="http://schemas.microsoft.com/office/drawing/2010/main" xmlns="">
+              <a14:hiddenEffects xmlns="" xmlns:a14="http://schemas.microsoft.com/office/drawing/2010/main">
                 <a:effectLst>
                   <a:outerShdw dist="35921" dir="2700000" algn="ctr" rotWithShape="0">
                     <a:schemeClr val="bg2"/>
@@ -15339,7 +15339,7 @@
           <a:effectLst/>
           <a:extLst>
             <a:ext uri="{AF507438-7753-43e0-B8FC-AC1667EBCBE1}">
-              <a14:hiddenEffects xmlns:a14="http://schemas.microsoft.com/office/drawing/2010/main" xmlns="">
+              <a14:hiddenEffects xmlns="" xmlns:a14="http://schemas.microsoft.com/office/drawing/2010/main">
                 <a:effectLst>
                   <a:outerShdw dist="35921" dir="2700000" algn="ctr" rotWithShape="0">
                     <a:schemeClr val="bg2"/>
@@ -15421,7 +15421,7 @@
           <a:effectLst/>
           <a:extLst>
             <a:ext uri="{AF507438-7753-43e0-B8FC-AC1667EBCBE1}">
-              <a14:hiddenEffects xmlns:a14="http://schemas.microsoft.com/office/drawing/2010/main" xmlns="">
+              <a14:hiddenEffects xmlns="" xmlns:a14="http://schemas.microsoft.com/office/drawing/2010/main">
                 <a:effectLst>
                   <a:outerShdw dist="35921" dir="2700000" algn="ctr" rotWithShape="0">
                     <a:schemeClr val="bg2"/>
@@ -15498,7 +15498,7 @@
           </a:ln>
           <a:extLst>
             <a:ext uri="{AF507438-7753-43e0-B8FC-AC1667EBCBE1}">
-              <a14:hiddenEffects xmlns:a14="http://schemas.microsoft.com/office/drawing/2010/main" xmlns="">
+              <a14:hiddenEffects xmlns="" xmlns:a14="http://schemas.microsoft.com/office/drawing/2010/main">
                 <a:effectLst>
                   <a:outerShdw dist="35921" dir="2700000" algn="ctr" rotWithShape="0">
                     <a:schemeClr val="bg2"/>
@@ -15553,7 +15553,7 @@
           </a:ln>
           <a:extLst>
             <a:ext uri="{AF507438-7753-43e0-B8FC-AC1667EBCBE1}">
-              <a14:hiddenEffects xmlns:a14="http://schemas.microsoft.com/office/drawing/2010/main" xmlns="">
+              <a14:hiddenEffects xmlns="" xmlns:a14="http://schemas.microsoft.com/office/drawing/2010/main">
                 <a:effectLst>
                   <a:outerShdw dist="35921" dir="2700000" algn="ctr" rotWithShape="0">
                     <a:schemeClr val="bg2"/>
@@ -15608,7 +15608,7 @@
           </a:ln>
           <a:extLst>
             <a:ext uri="{AF507438-7753-43e0-B8FC-AC1667EBCBE1}">
-              <a14:hiddenEffects xmlns:a14="http://schemas.microsoft.com/office/drawing/2010/main" xmlns="">
+              <a14:hiddenEffects xmlns="" xmlns:a14="http://schemas.microsoft.com/office/drawing/2010/main">
                 <a:effectLst>
                   <a:outerShdw dist="35921" dir="2700000" algn="ctr" rotWithShape="0">
                     <a:schemeClr val="bg2"/>
@@ -15663,7 +15663,7 @@
           </a:ln>
           <a:extLst>
             <a:ext uri="{AF507438-7753-43e0-B8FC-AC1667EBCBE1}">
-              <a14:hiddenEffects xmlns:a14="http://schemas.microsoft.com/office/drawing/2010/main" xmlns="">
+              <a14:hiddenEffects xmlns="" xmlns:a14="http://schemas.microsoft.com/office/drawing/2010/main">
                 <a:effectLst>
                   <a:outerShdw dist="35921" dir="2700000" algn="ctr" rotWithShape="0">
                     <a:schemeClr val="bg2"/>
@@ -15718,7 +15718,7 @@
           </a:ln>
           <a:extLst>
             <a:ext uri="{AF507438-7753-43e0-B8FC-AC1667EBCBE1}">
-              <a14:hiddenEffects xmlns:a14="http://schemas.microsoft.com/office/drawing/2010/main" xmlns="">
+              <a14:hiddenEffects xmlns="" xmlns:a14="http://schemas.microsoft.com/office/drawing/2010/main">
                 <a:effectLst>
                   <a:outerShdw dist="35921" dir="2700000" algn="ctr" rotWithShape="0">
                     <a:schemeClr val="bg2"/>
@@ -15773,7 +15773,7 @@
           </a:ln>
           <a:extLst>
             <a:ext uri="{AF507438-7753-43e0-B8FC-AC1667EBCBE1}">
-              <a14:hiddenEffects xmlns:a14="http://schemas.microsoft.com/office/drawing/2010/main" xmlns="">
+              <a14:hiddenEffects xmlns="" xmlns:a14="http://schemas.microsoft.com/office/drawing/2010/main">
                 <a:effectLst>
                   <a:outerShdw dist="35921" dir="2700000" algn="ctr" rotWithShape="0">
                     <a:schemeClr val="bg2"/>
@@ -15828,7 +15828,7 @@
           </a:ln>
           <a:extLst>
             <a:ext uri="{AF507438-7753-43e0-B8FC-AC1667EBCBE1}">
-              <a14:hiddenEffects xmlns:a14="http://schemas.microsoft.com/office/drawing/2010/main" xmlns="">
+              <a14:hiddenEffects xmlns="" xmlns:a14="http://schemas.microsoft.com/office/drawing/2010/main">
                 <a:effectLst>
                   <a:outerShdw dist="35921" dir="2700000" algn="ctr" rotWithShape="0">
                     <a:schemeClr val="bg2"/>
@@ -15883,7 +15883,7 @@
           </a:ln>
           <a:extLst>
             <a:ext uri="{AF507438-7753-43e0-B8FC-AC1667EBCBE1}">
-              <a14:hiddenEffects xmlns:a14="http://schemas.microsoft.com/office/drawing/2010/main" xmlns="">
+              <a14:hiddenEffects xmlns="" xmlns:a14="http://schemas.microsoft.com/office/drawing/2010/main">
                 <a:effectLst>
                   <a:outerShdw dist="35921" dir="2700000" algn="ctr" rotWithShape="0">
                     <a:schemeClr val="bg2"/>
@@ -15938,7 +15938,7 @@
           </a:ln>
           <a:extLst>
             <a:ext uri="{AF507438-7753-43e0-B8FC-AC1667EBCBE1}">
-              <a14:hiddenEffects xmlns:a14="http://schemas.microsoft.com/office/drawing/2010/main" xmlns="">
+              <a14:hiddenEffects xmlns="" xmlns:a14="http://schemas.microsoft.com/office/drawing/2010/main">
                 <a:effectLst>
                   <a:outerShdw dist="35921" dir="2700000" algn="ctr" rotWithShape="0">
                     <a:schemeClr val="bg2"/>
@@ -15993,7 +15993,7 @@
           </a:ln>
           <a:extLst>
             <a:ext uri="{AF507438-7753-43e0-B8FC-AC1667EBCBE1}">
-              <a14:hiddenEffects xmlns:a14="http://schemas.microsoft.com/office/drawing/2010/main" xmlns="">
+              <a14:hiddenEffects xmlns="" xmlns:a14="http://schemas.microsoft.com/office/drawing/2010/main">
                 <a:effectLst>
                   <a:outerShdw dist="35921" dir="2700000" algn="ctr" rotWithShape="0">
                     <a:schemeClr val="bg2"/>
@@ -16048,7 +16048,7 @@
           </a:ln>
           <a:extLst>
             <a:ext uri="{AF507438-7753-43e0-B8FC-AC1667EBCBE1}">
-              <a14:hiddenEffects xmlns:a14="http://schemas.microsoft.com/office/drawing/2010/main" xmlns="">
+              <a14:hiddenEffects xmlns="" xmlns:a14="http://schemas.microsoft.com/office/drawing/2010/main">
                 <a:effectLst>
                   <a:outerShdw dist="35921" dir="2700000" algn="ctr" rotWithShape="0">
                     <a:schemeClr val="bg2"/>
@@ -16103,7 +16103,7 @@
           </a:ln>
           <a:extLst>
             <a:ext uri="{AF507438-7753-43e0-B8FC-AC1667EBCBE1}">
-              <a14:hiddenEffects xmlns:a14="http://schemas.microsoft.com/office/drawing/2010/main" xmlns="">
+              <a14:hiddenEffects xmlns="" xmlns:a14="http://schemas.microsoft.com/office/drawing/2010/main">
                 <a:effectLst>
                   <a:outerShdw dist="35921" dir="2700000" algn="ctr" rotWithShape="0">
                     <a:schemeClr val="bg2"/>
@@ -16192,7 +16192,7 @@
           </a:ln>
           <a:extLst>
             <a:ext uri="{AF507438-7753-43e0-B8FC-AC1667EBCBE1}">
-              <a14:hiddenEffects xmlns:a14="http://schemas.microsoft.com/office/drawing/2010/main" xmlns="">
+              <a14:hiddenEffects xmlns="" xmlns:a14="http://schemas.microsoft.com/office/drawing/2010/main">
                 <a:effectLst>
                   <a:outerShdw dist="35921" dir="2700000" algn="ctr" rotWithShape="0">
                     <a:schemeClr val="bg2"/>
@@ -16317,7 +16317,7 @@
           </a:ln>
           <a:extLst>
             <a:ext uri="{AF507438-7753-43e0-B8FC-AC1667EBCBE1}">
-              <a14:hiddenEffects xmlns:a14="http://schemas.microsoft.com/office/drawing/2010/main" xmlns="">
+              <a14:hiddenEffects xmlns="" xmlns:a14="http://schemas.microsoft.com/office/drawing/2010/main">
                 <a:effectLst>
                   <a:outerShdw dist="35921" dir="2700000" algn="ctr" rotWithShape="0">
                     <a:schemeClr val="bg2"/>
@@ -16442,7 +16442,7 @@
           </a:ln>
           <a:extLst>
             <a:ext uri="{AF507438-7753-43e0-B8FC-AC1667EBCBE1}">
-              <a14:hiddenEffects xmlns:a14="http://schemas.microsoft.com/office/drawing/2010/main" xmlns="">
+              <a14:hiddenEffects xmlns="" xmlns:a14="http://schemas.microsoft.com/office/drawing/2010/main">
                 <a:effectLst>
                   <a:outerShdw dist="35921" dir="2700000" algn="ctr" rotWithShape="0">
                     <a:schemeClr val="bg2"/>
@@ -16531,7 +16531,7 @@
           </a:ln>
           <a:extLst>
             <a:ext uri="{AF507438-7753-43e0-B8FC-AC1667EBCBE1}">
-              <a14:hiddenEffects xmlns:a14="http://schemas.microsoft.com/office/drawing/2010/main" xmlns="">
+              <a14:hiddenEffects xmlns="" xmlns:a14="http://schemas.microsoft.com/office/drawing/2010/main">
                 <a:effectLst>
                   <a:outerShdw dist="35921" dir="2700000" algn="ctr" rotWithShape="0">
                     <a:schemeClr val="bg2"/>
@@ -16584,7 +16584,7 @@
           </a:ln>
           <a:extLst>
             <a:ext uri="{AF507438-7753-43e0-B8FC-AC1667EBCBE1}">
-              <a14:hiddenEffects xmlns:a14="http://schemas.microsoft.com/office/drawing/2010/main" xmlns="">
+              <a14:hiddenEffects xmlns="" xmlns:a14="http://schemas.microsoft.com/office/drawing/2010/main">
                 <a:effectLst>
                   <a:outerShdw dist="35921" dir="2700000" algn="ctr" rotWithShape="0">
                     <a:schemeClr val="bg2"/>
@@ -16637,7 +16637,7 @@
           </a:ln>
           <a:extLst>
             <a:ext uri="{AF507438-7753-43e0-B8FC-AC1667EBCBE1}">
-              <a14:hiddenEffects xmlns:a14="http://schemas.microsoft.com/office/drawing/2010/main" xmlns="">
+              <a14:hiddenEffects xmlns="" xmlns:a14="http://schemas.microsoft.com/office/drawing/2010/main">
                 <a:effectLst>
                   <a:outerShdw dist="35921" dir="2700000" algn="ctr" rotWithShape="0">
                     <a:schemeClr val="bg2"/>
@@ -16688,7 +16688,7 @@
           </a:ln>
           <a:extLst>
             <a:ext uri="{AF507438-7753-43e0-B8FC-AC1667EBCBE1}">
-              <a14:hiddenEffects xmlns:a14="http://schemas.microsoft.com/office/drawing/2010/main" xmlns="">
+              <a14:hiddenEffects xmlns="" xmlns:a14="http://schemas.microsoft.com/office/drawing/2010/main">
                 <a:effectLst>
                   <a:outerShdw dist="35921" dir="2700000" algn="ctr" rotWithShape="0">
                     <a:schemeClr val="bg2"/>
@@ -16739,7 +16739,7 @@
           </a:ln>
           <a:extLst>
             <a:ext uri="{AF507438-7753-43e0-B8FC-AC1667EBCBE1}">
-              <a14:hiddenEffects xmlns:a14="http://schemas.microsoft.com/office/drawing/2010/main" xmlns="">
+              <a14:hiddenEffects xmlns="" xmlns:a14="http://schemas.microsoft.com/office/drawing/2010/main">
                 <a:effectLst>
                   <a:outerShdw dist="35921" dir="2700000" algn="ctr" rotWithShape="0">
                     <a:schemeClr val="bg2"/>
@@ -16820,7 +16820,7 @@
           </a:ln>
           <a:extLst>
             <a:ext uri="{AF507438-7753-43e0-B8FC-AC1667EBCBE1}">
-              <a14:hiddenEffects xmlns:a14="http://schemas.microsoft.com/office/drawing/2010/main" xmlns="">
+              <a14:hiddenEffects xmlns="" xmlns:a14="http://schemas.microsoft.com/office/drawing/2010/main">
                 <a:effectLst>
                   <a:outerShdw dist="35921" dir="2700000" algn="ctr" rotWithShape="0">
                     <a:schemeClr val="bg2"/>
@@ -16993,7 +16993,7 @@
           </a:ln>
           <a:extLst>
             <a:ext uri="{AF507438-7753-43e0-B8FC-AC1667EBCBE1}">
-              <a14:hiddenEffects xmlns:a14="http://schemas.microsoft.com/office/drawing/2010/main" xmlns="">
+              <a14:hiddenEffects xmlns="" xmlns:a14="http://schemas.microsoft.com/office/drawing/2010/main">
                 <a:effectLst>
                   <a:outerShdw dist="35921" dir="2700000" algn="ctr" rotWithShape="0">
                     <a:schemeClr val="bg2"/>
@@ -17089,7 +17089,7 @@
           <a:effectLst/>
           <a:extLst>
             <a:ext uri="{AF507438-7753-43e0-B8FC-AC1667EBCBE1}">
-              <a14:hiddenEffects xmlns:a14="http://schemas.microsoft.com/office/drawing/2010/main" xmlns="">
+              <a14:hiddenEffects xmlns="" xmlns:a14="http://schemas.microsoft.com/office/drawing/2010/main">
                 <a:effectLst>
                   <a:outerShdw dist="35921" dir="2700000" algn="ctr" rotWithShape="0">
                     <a:schemeClr val="bg2"/>
@@ -17171,7 +17171,7 @@
           <a:effectLst/>
           <a:extLst>
             <a:ext uri="{AF507438-7753-43e0-B8FC-AC1667EBCBE1}">
-              <a14:hiddenEffects xmlns:a14="http://schemas.microsoft.com/office/drawing/2010/main" xmlns="">
+              <a14:hiddenEffects xmlns="" xmlns:a14="http://schemas.microsoft.com/office/drawing/2010/main">
                 <a:effectLst>
                   <a:outerShdw dist="35921" dir="2700000" algn="ctr" rotWithShape="0">
                     <a:schemeClr val="bg2"/>
@@ -17253,7 +17253,7 @@
           <a:effectLst/>
           <a:extLst>
             <a:ext uri="{AF507438-7753-43e0-B8FC-AC1667EBCBE1}">
-              <a14:hiddenEffects xmlns:a14="http://schemas.microsoft.com/office/drawing/2010/main" xmlns="">
+              <a14:hiddenEffects xmlns="" xmlns:a14="http://schemas.microsoft.com/office/drawing/2010/main">
                 <a:effectLst>
                   <a:outerShdw dist="35921" dir="2700000" algn="ctr" rotWithShape="0">
                     <a:schemeClr val="bg2"/>
@@ -17335,7 +17335,7 @@
           <a:effectLst/>
           <a:extLst>
             <a:ext uri="{AF507438-7753-43e0-B8FC-AC1667EBCBE1}">
-              <a14:hiddenEffects xmlns:a14="http://schemas.microsoft.com/office/drawing/2010/main" xmlns="">
+              <a14:hiddenEffects xmlns="" xmlns:a14="http://schemas.microsoft.com/office/drawing/2010/main">
                 <a:effectLst>
                   <a:outerShdw dist="35921" dir="2700000" algn="ctr" rotWithShape="0">
                     <a:schemeClr val="bg2"/>
@@ -17417,7 +17417,7 @@
           <a:effectLst/>
           <a:extLst>
             <a:ext uri="{AF507438-7753-43e0-B8FC-AC1667EBCBE1}">
-              <a14:hiddenEffects xmlns:a14="http://schemas.microsoft.com/office/drawing/2010/main" xmlns="">
+              <a14:hiddenEffects xmlns="" xmlns:a14="http://schemas.microsoft.com/office/drawing/2010/main">
                 <a:effectLst>
                   <a:outerShdw dist="35921" dir="2700000" algn="ctr" rotWithShape="0">
                     <a:schemeClr val="bg2"/>
@@ -17499,7 +17499,7 @@
           <a:effectLst/>
           <a:extLst>
             <a:ext uri="{AF507438-7753-43e0-B8FC-AC1667EBCBE1}">
-              <a14:hiddenEffects xmlns:a14="http://schemas.microsoft.com/office/drawing/2010/main" xmlns="">
+              <a14:hiddenEffects xmlns="" xmlns:a14="http://schemas.microsoft.com/office/drawing/2010/main">
                 <a:effectLst>
                   <a:outerShdw dist="35921" dir="2700000" algn="ctr" rotWithShape="0">
                     <a:schemeClr val="bg2"/>
@@ -17576,7 +17576,7 @@
           </a:ln>
           <a:extLst>
             <a:ext uri="{AF507438-7753-43e0-B8FC-AC1667EBCBE1}">
-              <a14:hiddenEffects xmlns:a14="http://schemas.microsoft.com/office/drawing/2010/main" xmlns="">
+              <a14:hiddenEffects xmlns="" xmlns:a14="http://schemas.microsoft.com/office/drawing/2010/main">
                 <a:effectLst>
                   <a:outerShdw dist="35921" dir="2700000" algn="ctr" rotWithShape="0">
                     <a:schemeClr val="bg2"/>
@@ -17631,7 +17631,7 @@
           </a:ln>
           <a:extLst>
             <a:ext uri="{AF507438-7753-43e0-B8FC-AC1667EBCBE1}">
-              <a14:hiddenEffects xmlns:a14="http://schemas.microsoft.com/office/drawing/2010/main" xmlns="">
+              <a14:hiddenEffects xmlns="" xmlns:a14="http://schemas.microsoft.com/office/drawing/2010/main">
                 <a:effectLst>
                   <a:outerShdw dist="35921" dir="2700000" algn="ctr" rotWithShape="0">
                     <a:schemeClr val="bg2"/>
@@ -17686,7 +17686,7 @@
           </a:ln>
           <a:extLst>
             <a:ext uri="{AF507438-7753-43e0-B8FC-AC1667EBCBE1}">
-              <a14:hiddenEffects xmlns:a14="http://schemas.microsoft.com/office/drawing/2010/main" xmlns="">
+              <a14:hiddenEffects xmlns="" xmlns:a14="http://schemas.microsoft.com/office/drawing/2010/main">
                 <a:effectLst>
                   <a:outerShdw dist="35921" dir="2700000" algn="ctr" rotWithShape="0">
                     <a:schemeClr val="bg2"/>
@@ -17741,7 +17741,7 @@
           </a:ln>
           <a:extLst>
             <a:ext uri="{AF507438-7753-43e0-B8FC-AC1667EBCBE1}">
-              <a14:hiddenEffects xmlns:a14="http://schemas.microsoft.com/office/drawing/2010/main" xmlns="">
+              <a14:hiddenEffects xmlns="" xmlns:a14="http://schemas.microsoft.com/office/drawing/2010/main">
                 <a:effectLst>
                   <a:outerShdw dist="35921" dir="2700000" algn="ctr" rotWithShape="0">
                     <a:schemeClr val="bg2"/>
@@ -17796,7 +17796,7 @@
           </a:ln>
           <a:extLst>
             <a:ext uri="{AF507438-7753-43e0-B8FC-AC1667EBCBE1}">
-              <a14:hiddenEffects xmlns:a14="http://schemas.microsoft.com/office/drawing/2010/main" xmlns="">
+              <a14:hiddenEffects xmlns="" xmlns:a14="http://schemas.microsoft.com/office/drawing/2010/main">
                 <a:effectLst>
                   <a:outerShdw dist="35921" dir="2700000" algn="ctr" rotWithShape="0">
                     <a:schemeClr val="bg2"/>
@@ -17851,7 +17851,7 @@
           </a:ln>
           <a:extLst>
             <a:ext uri="{AF507438-7753-43e0-B8FC-AC1667EBCBE1}">
-              <a14:hiddenEffects xmlns:a14="http://schemas.microsoft.com/office/drawing/2010/main" xmlns="">
+              <a14:hiddenEffects xmlns="" xmlns:a14="http://schemas.microsoft.com/office/drawing/2010/main">
                 <a:effectLst>
                   <a:outerShdw dist="35921" dir="2700000" algn="ctr" rotWithShape="0">
                     <a:schemeClr val="bg2"/>
@@ -17902,7 +17902,7 @@
           </a:ln>
           <a:extLst>
             <a:ext uri="{AF507438-7753-43e0-B8FC-AC1667EBCBE1}">
-              <a14:hiddenEffects xmlns:a14="http://schemas.microsoft.com/office/drawing/2010/main" xmlns="">
+              <a14:hiddenEffects xmlns="" xmlns:a14="http://schemas.microsoft.com/office/drawing/2010/main">
                 <a:effectLst>
                   <a:outerShdw dist="35921" dir="2700000" algn="ctr" rotWithShape="0">
                     <a:schemeClr val="bg2"/>
@@ -17962,7 +17962,7 @@
           <a:effectLst/>
           <a:extLst>
             <a:ext uri="{AF507438-7753-43e0-B8FC-AC1667EBCBE1}">
-              <a14:hiddenEffects xmlns:a14="http://schemas.microsoft.com/office/drawing/2010/main" xmlns="">
+              <a14:hiddenEffects xmlns="" xmlns:a14="http://schemas.microsoft.com/office/drawing/2010/main">
                 <a:effectLst>
                   <a:outerShdw dist="35921" dir="2700000" algn="ctr" rotWithShape="0">
                     <a:schemeClr val="bg2"/>
@@ -18044,7 +18044,7 @@
           <a:effectLst/>
           <a:extLst>
             <a:ext uri="{AF507438-7753-43e0-B8FC-AC1667EBCBE1}">
-              <a14:hiddenEffects xmlns:a14="http://schemas.microsoft.com/office/drawing/2010/main" xmlns="">
+              <a14:hiddenEffects xmlns="" xmlns:a14="http://schemas.microsoft.com/office/drawing/2010/main">
                 <a:effectLst>
                   <a:outerShdw dist="35921" dir="2700000" algn="ctr" rotWithShape="0">
                     <a:schemeClr val="bg2"/>
@@ -18126,7 +18126,7 @@
           <a:effectLst/>
           <a:extLst>
             <a:ext uri="{AF507438-7753-43e0-B8FC-AC1667EBCBE1}">
-              <a14:hiddenEffects xmlns:a14="http://schemas.microsoft.com/office/drawing/2010/main" xmlns="">
+              <a14:hiddenEffects xmlns="" xmlns:a14="http://schemas.microsoft.com/office/drawing/2010/main">
                 <a:effectLst>
                   <a:outerShdw dist="35921" dir="2700000" algn="ctr" rotWithShape="0">
                     <a:schemeClr val="bg2"/>
@@ -18208,7 +18208,7 @@
           <a:effectLst/>
           <a:extLst>
             <a:ext uri="{AF507438-7753-43e0-B8FC-AC1667EBCBE1}">
-              <a14:hiddenEffects xmlns:a14="http://schemas.microsoft.com/office/drawing/2010/main" xmlns="">
+              <a14:hiddenEffects xmlns="" xmlns:a14="http://schemas.microsoft.com/office/drawing/2010/main">
                 <a:effectLst>
                   <a:outerShdw dist="35921" dir="2700000" algn="ctr" rotWithShape="0">
                     <a:schemeClr val="bg2"/>
@@ -18290,7 +18290,7 @@
           <a:effectLst/>
           <a:extLst>
             <a:ext uri="{AF507438-7753-43e0-B8FC-AC1667EBCBE1}">
-              <a14:hiddenEffects xmlns:a14="http://schemas.microsoft.com/office/drawing/2010/main" xmlns="">
+              <a14:hiddenEffects xmlns="" xmlns:a14="http://schemas.microsoft.com/office/drawing/2010/main">
                 <a:effectLst>
                   <a:outerShdw dist="35921" dir="2700000" algn="ctr" rotWithShape="0">
                     <a:schemeClr val="bg2"/>
@@ -18372,7 +18372,7 @@
           <a:effectLst/>
           <a:extLst>
             <a:ext uri="{AF507438-7753-43e0-B8FC-AC1667EBCBE1}">
-              <a14:hiddenEffects xmlns:a14="http://schemas.microsoft.com/office/drawing/2010/main" xmlns="">
+              <a14:hiddenEffects xmlns="" xmlns:a14="http://schemas.microsoft.com/office/drawing/2010/main">
                 <a:effectLst>
                   <a:outerShdw dist="35921" dir="2700000" algn="ctr" rotWithShape="0">
                     <a:schemeClr val="bg2"/>
@@ -18449,7 +18449,7 @@
           </a:ln>
           <a:extLst>
             <a:ext uri="{AF507438-7753-43e0-B8FC-AC1667EBCBE1}">
-              <a14:hiddenEffects xmlns:a14="http://schemas.microsoft.com/office/drawing/2010/main" xmlns="">
+              <a14:hiddenEffects xmlns="" xmlns:a14="http://schemas.microsoft.com/office/drawing/2010/main">
                 <a:effectLst>
                   <a:outerShdw dist="35921" dir="2700000" algn="ctr" rotWithShape="0">
                     <a:schemeClr val="bg2"/>
@@ -18504,7 +18504,7 @@
           </a:ln>
           <a:extLst>
             <a:ext uri="{AF507438-7753-43e0-B8FC-AC1667EBCBE1}">
-              <a14:hiddenEffects xmlns:a14="http://schemas.microsoft.com/office/drawing/2010/main" xmlns="">
+              <a14:hiddenEffects xmlns="" xmlns:a14="http://schemas.microsoft.com/office/drawing/2010/main">
                 <a:effectLst>
                   <a:outerShdw dist="35921" dir="2700000" algn="ctr" rotWithShape="0">
                     <a:schemeClr val="bg2"/>
@@ -18559,7 +18559,7 @@
           </a:ln>
           <a:extLst>
             <a:ext uri="{AF507438-7753-43e0-B8FC-AC1667EBCBE1}">
-              <a14:hiddenEffects xmlns:a14="http://schemas.microsoft.com/office/drawing/2010/main" xmlns="">
+              <a14:hiddenEffects xmlns="" xmlns:a14="http://schemas.microsoft.com/office/drawing/2010/main">
                 <a:effectLst>
                   <a:outerShdw dist="35921" dir="2700000" algn="ctr" rotWithShape="0">
                     <a:schemeClr val="bg2"/>
@@ -18614,7 +18614,7 @@
           </a:ln>
           <a:extLst>
             <a:ext uri="{AF507438-7753-43e0-B8FC-AC1667EBCBE1}">
-              <a14:hiddenEffects xmlns:a14="http://schemas.microsoft.com/office/drawing/2010/main" xmlns="">
+              <a14:hiddenEffects xmlns="" xmlns:a14="http://schemas.microsoft.com/office/drawing/2010/main">
                 <a:effectLst>
                   <a:outerShdw dist="35921" dir="2700000" algn="ctr" rotWithShape="0">
                     <a:schemeClr val="bg2"/>
@@ -18669,7 +18669,7 @@
           </a:ln>
           <a:extLst>
             <a:ext uri="{AF507438-7753-43e0-B8FC-AC1667EBCBE1}">
-              <a14:hiddenEffects xmlns:a14="http://schemas.microsoft.com/office/drawing/2010/main" xmlns="">
+              <a14:hiddenEffects xmlns="" xmlns:a14="http://schemas.microsoft.com/office/drawing/2010/main">
                 <a:effectLst>
                   <a:outerShdw dist="35921" dir="2700000" algn="ctr" rotWithShape="0">
                     <a:schemeClr val="bg2"/>
@@ -18724,7 +18724,7 @@
           </a:ln>
           <a:extLst>
             <a:ext uri="{AF507438-7753-43e0-B8FC-AC1667EBCBE1}">
-              <a14:hiddenEffects xmlns:a14="http://schemas.microsoft.com/office/drawing/2010/main" xmlns="">
+              <a14:hiddenEffects xmlns="" xmlns:a14="http://schemas.microsoft.com/office/drawing/2010/main">
                 <a:effectLst>
                   <a:outerShdw dist="35921" dir="2700000" algn="ctr" rotWithShape="0">
                     <a:schemeClr val="bg2"/>
@@ -18784,7 +18784,7 @@
           <a:effectLst/>
           <a:extLst>
             <a:ext uri="{AF507438-7753-43e0-B8FC-AC1667EBCBE1}">
-              <a14:hiddenEffects xmlns:a14="http://schemas.microsoft.com/office/drawing/2010/main" xmlns="">
+              <a14:hiddenEffects xmlns="" xmlns:a14="http://schemas.microsoft.com/office/drawing/2010/main">
                 <a:effectLst>
                   <a:outerShdw dist="35921" dir="2700000" algn="ctr" rotWithShape="0">
                     <a:schemeClr val="bg2"/>
@@ -18866,7 +18866,7 @@
           <a:effectLst/>
           <a:extLst>
             <a:ext uri="{AF507438-7753-43e0-B8FC-AC1667EBCBE1}">
-              <a14:hiddenEffects xmlns:a14="http://schemas.microsoft.com/office/drawing/2010/main" xmlns="">
+              <a14:hiddenEffects xmlns="" xmlns:a14="http://schemas.microsoft.com/office/drawing/2010/main">
                 <a:effectLst>
                   <a:outerShdw dist="35921" dir="2700000" algn="ctr" rotWithShape="0">
                     <a:schemeClr val="bg2"/>
@@ -18948,7 +18948,7 @@
           <a:effectLst/>
           <a:extLst>
             <a:ext uri="{AF507438-7753-43e0-B8FC-AC1667EBCBE1}">
-              <a14:hiddenEffects xmlns:a14="http://schemas.microsoft.com/office/drawing/2010/main" xmlns="">
+              <a14:hiddenEffects xmlns="" xmlns:a14="http://schemas.microsoft.com/office/drawing/2010/main">
                 <a:effectLst>
                   <a:outerShdw dist="35921" dir="2700000" algn="ctr" rotWithShape="0">
                     <a:schemeClr val="bg2"/>
@@ -19030,7 +19030,7 @@
           <a:effectLst/>
           <a:extLst>
             <a:ext uri="{AF507438-7753-43e0-B8FC-AC1667EBCBE1}">
-              <a14:hiddenEffects xmlns:a14="http://schemas.microsoft.com/office/drawing/2010/main" xmlns="">
+              <a14:hiddenEffects xmlns="" xmlns:a14="http://schemas.microsoft.com/office/drawing/2010/main">
                 <a:effectLst>
                   <a:outerShdw dist="35921" dir="2700000" algn="ctr" rotWithShape="0">
                     <a:schemeClr val="bg2"/>
@@ -19112,7 +19112,7 @@
           <a:effectLst/>
           <a:extLst>
             <a:ext uri="{AF507438-7753-43e0-B8FC-AC1667EBCBE1}">
-              <a14:hiddenEffects xmlns:a14="http://schemas.microsoft.com/office/drawing/2010/main" xmlns="">
+              <a14:hiddenEffects xmlns="" xmlns:a14="http://schemas.microsoft.com/office/drawing/2010/main">
                 <a:effectLst>
                   <a:outerShdw dist="35921" dir="2700000" algn="ctr" rotWithShape="0">
                     <a:schemeClr val="bg2"/>
@@ -19194,7 +19194,7 @@
           <a:effectLst/>
           <a:extLst>
             <a:ext uri="{AF507438-7753-43e0-B8FC-AC1667EBCBE1}">
-              <a14:hiddenEffects xmlns:a14="http://schemas.microsoft.com/office/drawing/2010/main" xmlns="">
+              <a14:hiddenEffects xmlns="" xmlns:a14="http://schemas.microsoft.com/office/drawing/2010/main">
                 <a:effectLst>
                   <a:outerShdw dist="35921" dir="2700000" algn="ctr" rotWithShape="0">
                     <a:schemeClr val="bg2"/>
@@ -19271,7 +19271,7 @@
           </a:ln>
           <a:extLst>
             <a:ext uri="{AF507438-7753-43e0-B8FC-AC1667EBCBE1}">
-              <a14:hiddenEffects xmlns:a14="http://schemas.microsoft.com/office/drawing/2010/main" xmlns="">
+              <a14:hiddenEffects xmlns="" xmlns:a14="http://schemas.microsoft.com/office/drawing/2010/main">
                 <a:effectLst>
                   <a:outerShdw dist="35921" dir="2700000" algn="ctr" rotWithShape="0">
                     <a:schemeClr val="bg2"/>
@@ -19326,7 +19326,7 @@
           </a:ln>
           <a:extLst>
             <a:ext uri="{AF507438-7753-43e0-B8FC-AC1667EBCBE1}">
-              <a14:hiddenEffects xmlns:a14="http://schemas.microsoft.com/office/drawing/2010/main" xmlns="">
+              <a14:hiddenEffects xmlns="" xmlns:a14="http://schemas.microsoft.com/office/drawing/2010/main">
                 <a:effectLst>
                   <a:outerShdw dist="35921" dir="2700000" algn="ctr" rotWithShape="0">
                     <a:schemeClr val="bg2"/>
@@ -19380,7 +19380,7 @@
           </a:ln>
           <a:extLst>
             <a:ext uri="{AF507438-7753-43e0-B8FC-AC1667EBCBE1}">
-              <a14:hiddenEffects xmlns:a14="http://schemas.microsoft.com/office/drawing/2010/main" xmlns="">
+              <a14:hiddenEffects xmlns="" xmlns:a14="http://schemas.microsoft.com/office/drawing/2010/main">
                 <a:effectLst>
                   <a:outerShdw dist="35921" dir="2700000" algn="ctr" rotWithShape="0">
                     <a:schemeClr val="bg2"/>
@@ -19435,7 +19435,7 @@
           </a:ln>
           <a:extLst>
             <a:ext uri="{AF507438-7753-43e0-B8FC-AC1667EBCBE1}">
-              <a14:hiddenEffects xmlns:a14="http://schemas.microsoft.com/office/drawing/2010/main" xmlns="">
+              <a14:hiddenEffects xmlns="" xmlns:a14="http://schemas.microsoft.com/office/drawing/2010/main">
                 <a:effectLst>
                   <a:outerShdw dist="35921" dir="2700000" algn="ctr" rotWithShape="0">
                     <a:schemeClr val="bg2"/>
@@ -19490,7 +19490,7 @@
           </a:ln>
           <a:extLst>
             <a:ext uri="{AF507438-7753-43e0-B8FC-AC1667EBCBE1}">
-              <a14:hiddenEffects xmlns:a14="http://schemas.microsoft.com/office/drawing/2010/main" xmlns="">
+              <a14:hiddenEffects xmlns="" xmlns:a14="http://schemas.microsoft.com/office/drawing/2010/main">
                 <a:effectLst>
                   <a:outerShdw dist="35921" dir="2700000" algn="ctr" rotWithShape="0">
                     <a:schemeClr val="bg2"/>
@@ -19545,7 +19545,7 @@
           </a:ln>
           <a:extLst>
             <a:ext uri="{AF507438-7753-43e0-B8FC-AC1667EBCBE1}">
-              <a14:hiddenEffects xmlns:a14="http://schemas.microsoft.com/office/drawing/2010/main" xmlns="">
+              <a14:hiddenEffects xmlns="" xmlns:a14="http://schemas.microsoft.com/office/drawing/2010/main">
                 <a:effectLst>
                   <a:outerShdw dist="35921" dir="2700000" algn="ctr" rotWithShape="0">
                     <a:schemeClr val="bg2"/>
@@ -19596,7 +19596,7 @@
           </a:ln>
           <a:extLst>
             <a:ext uri="{AF507438-7753-43e0-B8FC-AC1667EBCBE1}">
-              <a14:hiddenEffects xmlns:a14="http://schemas.microsoft.com/office/drawing/2010/main" xmlns="">
+              <a14:hiddenEffects xmlns="" xmlns:a14="http://schemas.microsoft.com/office/drawing/2010/main">
                 <a:effectLst>
                   <a:outerShdw dist="35921" dir="2700000" algn="ctr" rotWithShape="0">
                     <a:schemeClr val="bg2"/>
@@ -19656,7 +19656,7 @@
           <a:effectLst/>
           <a:extLst>
             <a:ext uri="{AF507438-7753-43e0-B8FC-AC1667EBCBE1}">
-              <a14:hiddenEffects xmlns:a14="http://schemas.microsoft.com/office/drawing/2010/main" xmlns="">
+              <a14:hiddenEffects xmlns="" xmlns:a14="http://schemas.microsoft.com/office/drawing/2010/main">
                 <a:effectLst>
                   <a:outerShdw dist="35921" dir="2700000" algn="ctr" rotWithShape="0">
                     <a:schemeClr val="bg2"/>
@@ -19738,7 +19738,7 @@
           <a:effectLst/>
           <a:extLst>
             <a:ext uri="{AF507438-7753-43e0-B8FC-AC1667EBCBE1}">
-              <a14:hiddenEffects xmlns:a14="http://schemas.microsoft.com/office/drawing/2010/main" xmlns="">
+              <a14:hiddenEffects xmlns="" xmlns:a14="http://schemas.microsoft.com/office/drawing/2010/main">
                 <a:effectLst>
                   <a:outerShdw dist="35921" dir="2700000" algn="ctr" rotWithShape="0">
                     <a:schemeClr val="bg2"/>
@@ -19820,7 +19820,7 @@
           <a:effectLst/>
           <a:extLst>
             <a:ext uri="{AF507438-7753-43e0-B8FC-AC1667EBCBE1}">
-              <a14:hiddenEffects xmlns:a14="http://schemas.microsoft.com/office/drawing/2010/main" xmlns="">
+              <a14:hiddenEffects xmlns="" xmlns:a14="http://schemas.microsoft.com/office/drawing/2010/main">
                 <a:effectLst>
                   <a:outerShdw dist="35921" dir="2700000" algn="ctr" rotWithShape="0">
                     <a:schemeClr val="bg2"/>
@@ -19902,7 +19902,7 @@
           <a:effectLst/>
           <a:extLst>
             <a:ext uri="{AF507438-7753-43e0-B8FC-AC1667EBCBE1}">
-              <a14:hiddenEffects xmlns:a14="http://schemas.microsoft.com/office/drawing/2010/main" xmlns="">
+              <a14:hiddenEffects xmlns="" xmlns:a14="http://schemas.microsoft.com/office/drawing/2010/main">
                 <a:effectLst>
                   <a:outerShdw dist="35921" dir="2700000" algn="ctr" rotWithShape="0">
                     <a:schemeClr val="bg2"/>
@@ -19984,7 +19984,7 @@
           <a:effectLst/>
           <a:extLst>
             <a:ext uri="{AF507438-7753-43e0-B8FC-AC1667EBCBE1}">
-              <a14:hiddenEffects xmlns:a14="http://schemas.microsoft.com/office/drawing/2010/main" xmlns="">
+              <a14:hiddenEffects xmlns="" xmlns:a14="http://schemas.microsoft.com/office/drawing/2010/main">
                 <a:effectLst>
                   <a:outerShdw dist="35921" dir="2700000" algn="ctr" rotWithShape="0">
                     <a:schemeClr val="bg2"/>
@@ -20066,7 +20066,7 @@
           <a:effectLst/>
           <a:extLst>
             <a:ext uri="{AF507438-7753-43e0-B8FC-AC1667EBCBE1}">
-              <a14:hiddenEffects xmlns:a14="http://schemas.microsoft.com/office/drawing/2010/main" xmlns="">
+              <a14:hiddenEffects xmlns="" xmlns:a14="http://schemas.microsoft.com/office/drawing/2010/main">
                 <a:effectLst>
                   <a:outerShdw dist="35921" dir="2700000" algn="ctr" rotWithShape="0">
                     <a:schemeClr val="bg2"/>
@@ -20143,7 +20143,7 @@
           </a:ln>
           <a:extLst>
             <a:ext uri="{AF507438-7753-43e0-B8FC-AC1667EBCBE1}">
-              <a14:hiddenEffects xmlns:a14="http://schemas.microsoft.com/office/drawing/2010/main" xmlns="">
+              <a14:hiddenEffects xmlns="" xmlns:a14="http://schemas.microsoft.com/office/drawing/2010/main">
                 <a:effectLst>
                   <a:outerShdw dist="35921" dir="2700000" algn="ctr" rotWithShape="0">
                     <a:schemeClr val="bg2"/>
@@ -20198,7 +20198,7 @@
           </a:ln>
           <a:extLst>
             <a:ext uri="{AF507438-7753-43e0-B8FC-AC1667EBCBE1}">
-              <a14:hiddenEffects xmlns:a14="http://schemas.microsoft.com/office/drawing/2010/main" xmlns="">
+              <a14:hiddenEffects xmlns="" xmlns:a14="http://schemas.microsoft.com/office/drawing/2010/main">
                 <a:effectLst>
                   <a:outerShdw dist="35921" dir="2700000" algn="ctr" rotWithShape="0">
                     <a:schemeClr val="bg2"/>
@@ -20256,7 +20256,7 @@
           </a:ln>
           <a:extLst>
             <a:ext uri="{AF507438-7753-43e0-B8FC-AC1667EBCBE1}">
-              <a14:hiddenEffects xmlns:a14="http://schemas.microsoft.com/office/drawing/2010/main" xmlns="">
+              <a14:hiddenEffects xmlns="" xmlns:a14="http://schemas.microsoft.com/office/drawing/2010/main">
                 <a:effectLst>
                   <a:outerShdw dist="35921" dir="2700000" algn="ctr" rotWithShape="0">
                     <a:schemeClr val="bg2"/>
@@ -20311,7 +20311,7 @@
           </a:ln>
           <a:extLst>
             <a:ext uri="{AF507438-7753-43e0-B8FC-AC1667EBCBE1}">
-              <a14:hiddenEffects xmlns:a14="http://schemas.microsoft.com/office/drawing/2010/main" xmlns="">
+              <a14:hiddenEffects xmlns="" xmlns:a14="http://schemas.microsoft.com/office/drawing/2010/main">
                 <a:effectLst>
                   <a:outerShdw dist="35921" dir="2700000" algn="ctr" rotWithShape="0">
                     <a:schemeClr val="bg2"/>
@@ -20366,7 +20366,7 @@
           </a:ln>
           <a:extLst>
             <a:ext uri="{AF507438-7753-43e0-B8FC-AC1667EBCBE1}">
-              <a14:hiddenEffects xmlns:a14="http://schemas.microsoft.com/office/drawing/2010/main" xmlns="">
+              <a14:hiddenEffects xmlns="" xmlns:a14="http://schemas.microsoft.com/office/drawing/2010/main">
                 <a:effectLst>
                   <a:outerShdw dist="35921" dir="2700000" algn="ctr" rotWithShape="0">
                     <a:schemeClr val="bg2"/>
@@ -20424,7 +20424,7 @@
           </a:ln>
           <a:extLst>
             <a:ext uri="{AF507438-7753-43e0-B8FC-AC1667EBCBE1}">
-              <a14:hiddenEffects xmlns:a14="http://schemas.microsoft.com/office/drawing/2010/main" xmlns="">
+              <a14:hiddenEffects xmlns="" xmlns:a14="http://schemas.microsoft.com/office/drawing/2010/main">
                 <a:effectLst>
                   <a:outerShdw dist="35921" dir="2700000" algn="ctr" rotWithShape="0">
                     <a:schemeClr val="bg2"/>
@@ -20634,14 +20634,14 @@
           <a:effectLst/>
           <a:extLst>
             <a:ext uri="{909E8E84-426E-40dd-AFC4-6F175D3DCCD1}">
-              <a14:hiddenFill xmlns="" xmlns:a14="http://schemas.microsoft.com/office/drawing/2010/main">
+              <a14:hiddenFill xmlns:a14="http://schemas.microsoft.com/office/drawing/2010/main" xmlns="">
                 <a:solidFill>
                   <a:schemeClr val="accent1"/>
                 </a:solidFill>
               </a14:hiddenFill>
             </a:ext>
             <a:ext uri="{91240B29-F687-4f45-9708-019B960494DF}">
-              <a14:hiddenLine xmlns="" xmlns:a14="http://schemas.microsoft.com/office/drawing/2010/main" w="9525">
+              <a14:hiddenLine xmlns:a14="http://schemas.microsoft.com/office/drawing/2010/main" xmlns="" w="9525">
                 <a:solidFill>
                   <a:schemeClr val="tx1"/>
                 </a:solidFill>
@@ -20651,7 +20651,7 @@
               </a14:hiddenLine>
             </a:ext>
             <a:ext uri="{AF507438-7753-43e0-B8FC-AC1667EBCBE1}">
-              <a14:hiddenEffects xmlns="" xmlns:a14="http://schemas.microsoft.com/office/drawing/2010/main">
+              <a14:hiddenEffects xmlns:a14="http://schemas.microsoft.com/office/drawing/2010/main" xmlns="">
                 <a:effectLst>
                   <a:outerShdw dist="35921" dir="2700000" algn="ctr" rotWithShape="0">
                     <a:schemeClr val="bg2"/>
@@ -21004,7 +21004,7 @@
           </a:ln>
           <a:extLst>
             <a:ext uri="{AF507438-7753-43e0-B8FC-AC1667EBCBE1}">
-              <a14:hiddenEffects xmlns="" xmlns:a14="http://schemas.microsoft.com/office/drawing/2010/main">
+              <a14:hiddenEffects xmlns:a14="http://schemas.microsoft.com/office/drawing/2010/main" xmlns="">
                 <a:effectLst>
                   <a:outerShdw dist="35921" dir="2700000" algn="ctr" rotWithShape="0">
                     <a:schemeClr val="bg2"/>
@@ -21100,7 +21100,7 @@
           <a:effectLst/>
           <a:extLst>
             <a:ext uri="{AF507438-7753-43e0-B8FC-AC1667EBCBE1}">
-              <a14:hiddenEffects xmlns="" xmlns:a14="http://schemas.microsoft.com/office/drawing/2010/main">
+              <a14:hiddenEffects xmlns:a14="http://schemas.microsoft.com/office/drawing/2010/main" xmlns="">
                 <a:effectLst>
                   <a:outerShdw dist="35921" dir="2700000" algn="ctr" rotWithShape="0">
                     <a:schemeClr val="bg2"/>
@@ -21182,7 +21182,7 @@
           <a:effectLst/>
           <a:extLst>
             <a:ext uri="{AF507438-7753-43e0-B8FC-AC1667EBCBE1}">
-              <a14:hiddenEffects xmlns="" xmlns:a14="http://schemas.microsoft.com/office/drawing/2010/main">
+              <a14:hiddenEffects xmlns:a14="http://schemas.microsoft.com/office/drawing/2010/main" xmlns="">
                 <a:effectLst>
                   <a:outerShdw dist="35921" dir="2700000" algn="ctr" rotWithShape="0">
                     <a:schemeClr val="bg2"/>
@@ -21264,7 +21264,7 @@
           <a:effectLst/>
           <a:extLst>
             <a:ext uri="{AF507438-7753-43e0-B8FC-AC1667EBCBE1}">
-              <a14:hiddenEffects xmlns="" xmlns:a14="http://schemas.microsoft.com/office/drawing/2010/main">
+              <a14:hiddenEffects xmlns:a14="http://schemas.microsoft.com/office/drawing/2010/main" xmlns="">
                 <a:effectLst>
                   <a:outerShdw dist="35921" dir="2700000" algn="ctr" rotWithShape="0">
                     <a:schemeClr val="bg2"/>
@@ -21346,7 +21346,7 @@
           <a:effectLst/>
           <a:extLst>
             <a:ext uri="{AF507438-7753-43e0-B8FC-AC1667EBCBE1}">
-              <a14:hiddenEffects xmlns="" xmlns:a14="http://schemas.microsoft.com/office/drawing/2010/main">
+              <a14:hiddenEffects xmlns:a14="http://schemas.microsoft.com/office/drawing/2010/main" xmlns="">
                 <a:effectLst>
                   <a:outerShdw dist="35921" dir="2700000" algn="ctr" rotWithShape="0">
                     <a:schemeClr val="bg2"/>
@@ -21428,7 +21428,7 @@
           <a:effectLst/>
           <a:extLst>
             <a:ext uri="{AF507438-7753-43e0-B8FC-AC1667EBCBE1}">
-              <a14:hiddenEffects xmlns="" xmlns:a14="http://schemas.microsoft.com/office/drawing/2010/main">
+              <a14:hiddenEffects xmlns:a14="http://schemas.microsoft.com/office/drawing/2010/main" xmlns="">
                 <a:effectLst>
                   <a:outerShdw dist="35921" dir="2700000" algn="ctr" rotWithShape="0">
                     <a:schemeClr val="bg2"/>
@@ -21510,7 +21510,7 @@
           <a:effectLst/>
           <a:extLst>
             <a:ext uri="{AF507438-7753-43e0-B8FC-AC1667EBCBE1}">
-              <a14:hiddenEffects xmlns="" xmlns:a14="http://schemas.microsoft.com/office/drawing/2010/main">
+              <a14:hiddenEffects xmlns:a14="http://schemas.microsoft.com/office/drawing/2010/main" xmlns="">
                 <a:effectLst>
                   <a:outerShdw dist="35921" dir="2700000" algn="ctr" rotWithShape="0">
                     <a:schemeClr val="bg2"/>
@@ -21587,7 +21587,7 @@
           </a:ln>
           <a:extLst>
             <a:ext uri="{AF507438-7753-43e0-B8FC-AC1667EBCBE1}">
-              <a14:hiddenEffects xmlns="" xmlns:a14="http://schemas.microsoft.com/office/drawing/2010/main">
+              <a14:hiddenEffects xmlns:a14="http://schemas.microsoft.com/office/drawing/2010/main" xmlns="">
                 <a:effectLst>
                   <a:outerShdw dist="35921" dir="2700000" algn="ctr" rotWithShape="0">
                     <a:schemeClr val="bg2"/>
@@ -21642,7 +21642,7 @@
           </a:ln>
           <a:extLst>
             <a:ext uri="{AF507438-7753-43e0-B8FC-AC1667EBCBE1}">
-              <a14:hiddenEffects xmlns="" xmlns:a14="http://schemas.microsoft.com/office/drawing/2010/main">
+              <a14:hiddenEffects xmlns:a14="http://schemas.microsoft.com/office/drawing/2010/main" xmlns="">
                 <a:effectLst>
                   <a:outerShdw dist="35921" dir="2700000" algn="ctr" rotWithShape="0">
                     <a:schemeClr val="bg2"/>
@@ -21697,7 +21697,7 @@
           </a:ln>
           <a:extLst>
             <a:ext uri="{AF507438-7753-43e0-B8FC-AC1667EBCBE1}">
-              <a14:hiddenEffects xmlns="" xmlns:a14="http://schemas.microsoft.com/office/drawing/2010/main">
+              <a14:hiddenEffects xmlns:a14="http://schemas.microsoft.com/office/drawing/2010/main" xmlns="">
                 <a:effectLst>
                   <a:outerShdw dist="35921" dir="2700000" algn="ctr" rotWithShape="0">
                     <a:schemeClr val="bg2"/>
@@ -21752,7 +21752,7 @@
           </a:ln>
           <a:extLst>
             <a:ext uri="{AF507438-7753-43e0-B8FC-AC1667EBCBE1}">
-              <a14:hiddenEffects xmlns="" xmlns:a14="http://schemas.microsoft.com/office/drawing/2010/main">
+              <a14:hiddenEffects xmlns:a14="http://schemas.microsoft.com/office/drawing/2010/main" xmlns="">
                 <a:effectLst>
                   <a:outerShdw dist="35921" dir="2700000" algn="ctr" rotWithShape="0">
                     <a:schemeClr val="bg2"/>
@@ -21807,7 +21807,7 @@
           </a:ln>
           <a:extLst>
             <a:ext uri="{AF507438-7753-43e0-B8FC-AC1667EBCBE1}">
-              <a14:hiddenEffects xmlns="" xmlns:a14="http://schemas.microsoft.com/office/drawing/2010/main">
+              <a14:hiddenEffects xmlns:a14="http://schemas.microsoft.com/office/drawing/2010/main" xmlns="">
                 <a:effectLst>
                   <a:outerShdw dist="35921" dir="2700000" algn="ctr" rotWithShape="0">
                     <a:schemeClr val="bg2"/>
@@ -21862,7 +21862,7 @@
           </a:ln>
           <a:extLst>
             <a:ext uri="{AF507438-7753-43e0-B8FC-AC1667EBCBE1}">
-              <a14:hiddenEffects xmlns="" xmlns:a14="http://schemas.microsoft.com/office/drawing/2010/main">
+              <a14:hiddenEffects xmlns:a14="http://schemas.microsoft.com/office/drawing/2010/main" xmlns="">
                 <a:effectLst>
                   <a:outerShdw dist="35921" dir="2700000" algn="ctr" rotWithShape="0">
                     <a:schemeClr val="bg2"/>
@@ -21922,7 +21922,7 @@
           <a:effectLst/>
           <a:extLst>
             <a:ext uri="{AF507438-7753-43e0-B8FC-AC1667EBCBE1}">
-              <a14:hiddenEffects xmlns="" xmlns:a14="http://schemas.microsoft.com/office/drawing/2010/main">
+              <a14:hiddenEffects xmlns:a14="http://schemas.microsoft.com/office/drawing/2010/main" xmlns="">
                 <a:effectLst>
                   <a:outerShdw dist="35921" dir="2700000" algn="ctr" rotWithShape="0">
                     <a:schemeClr val="bg2"/>
@@ -22004,7 +22004,7 @@
           <a:effectLst/>
           <a:extLst>
             <a:ext uri="{AF507438-7753-43e0-B8FC-AC1667EBCBE1}">
-              <a14:hiddenEffects xmlns="" xmlns:a14="http://schemas.microsoft.com/office/drawing/2010/main">
+              <a14:hiddenEffects xmlns:a14="http://schemas.microsoft.com/office/drawing/2010/main" xmlns="">
                 <a:effectLst>
                   <a:outerShdw dist="35921" dir="2700000" algn="ctr" rotWithShape="0">
                     <a:schemeClr val="bg2"/>
@@ -22086,7 +22086,7 @@
           <a:effectLst/>
           <a:extLst>
             <a:ext uri="{AF507438-7753-43e0-B8FC-AC1667EBCBE1}">
-              <a14:hiddenEffects xmlns="" xmlns:a14="http://schemas.microsoft.com/office/drawing/2010/main">
+              <a14:hiddenEffects xmlns:a14="http://schemas.microsoft.com/office/drawing/2010/main" xmlns="">
                 <a:effectLst>
                   <a:outerShdw dist="35921" dir="2700000" algn="ctr" rotWithShape="0">
                     <a:schemeClr val="bg2"/>
@@ -22168,7 +22168,7 @@
           <a:effectLst/>
           <a:extLst>
             <a:ext uri="{AF507438-7753-43e0-B8FC-AC1667EBCBE1}">
-              <a14:hiddenEffects xmlns="" xmlns:a14="http://schemas.microsoft.com/office/drawing/2010/main">
+              <a14:hiddenEffects xmlns:a14="http://schemas.microsoft.com/office/drawing/2010/main" xmlns="">
                 <a:effectLst>
                   <a:outerShdw dist="35921" dir="2700000" algn="ctr" rotWithShape="0">
                     <a:schemeClr val="bg2"/>
@@ -22250,7 +22250,7 @@
           <a:effectLst/>
           <a:extLst>
             <a:ext uri="{AF507438-7753-43e0-B8FC-AC1667EBCBE1}">
-              <a14:hiddenEffects xmlns="" xmlns:a14="http://schemas.microsoft.com/office/drawing/2010/main">
+              <a14:hiddenEffects xmlns:a14="http://schemas.microsoft.com/office/drawing/2010/main" xmlns="">
                 <a:effectLst>
                   <a:outerShdw dist="35921" dir="2700000" algn="ctr" rotWithShape="0">
                     <a:schemeClr val="bg2"/>
@@ -22332,7 +22332,7 @@
           <a:effectLst/>
           <a:extLst>
             <a:ext uri="{AF507438-7753-43e0-B8FC-AC1667EBCBE1}">
-              <a14:hiddenEffects xmlns="" xmlns:a14="http://schemas.microsoft.com/office/drawing/2010/main">
+              <a14:hiddenEffects xmlns:a14="http://schemas.microsoft.com/office/drawing/2010/main" xmlns="">
                 <a:effectLst>
                   <a:outerShdw dist="35921" dir="2700000" algn="ctr" rotWithShape="0">
                     <a:schemeClr val="bg2"/>
@@ -22409,7 +22409,7 @@
           </a:ln>
           <a:extLst>
             <a:ext uri="{AF507438-7753-43e0-B8FC-AC1667EBCBE1}">
-              <a14:hiddenEffects xmlns="" xmlns:a14="http://schemas.microsoft.com/office/drawing/2010/main">
+              <a14:hiddenEffects xmlns:a14="http://schemas.microsoft.com/office/drawing/2010/main" xmlns="">
                 <a:effectLst>
                   <a:outerShdw dist="35921" dir="2700000" algn="ctr" rotWithShape="0">
                     <a:schemeClr val="bg2"/>
@@ -22464,7 +22464,7 @@
           </a:ln>
           <a:extLst>
             <a:ext uri="{AF507438-7753-43e0-B8FC-AC1667EBCBE1}">
-              <a14:hiddenEffects xmlns="" xmlns:a14="http://schemas.microsoft.com/office/drawing/2010/main">
+              <a14:hiddenEffects xmlns:a14="http://schemas.microsoft.com/office/drawing/2010/main" xmlns="">
                 <a:effectLst>
                   <a:outerShdw dist="35921" dir="2700000" algn="ctr" rotWithShape="0">
                     <a:schemeClr val="bg2"/>
@@ -22518,7 +22518,7 @@
           </a:ln>
           <a:extLst>
             <a:ext uri="{AF507438-7753-43e0-B8FC-AC1667EBCBE1}">
-              <a14:hiddenEffects xmlns="" xmlns:a14="http://schemas.microsoft.com/office/drawing/2010/main">
+              <a14:hiddenEffects xmlns:a14="http://schemas.microsoft.com/office/drawing/2010/main" xmlns="">
                 <a:effectLst>
                   <a:outerShdw dist="35921" dir="2700000" algn="ctr" rotWithShape="0">
                     <a:schemeClr val="bg2"/>
@@ -22573,7 +22573,7 @@
           </a:ln>
           <a:extLst>
             <a:ext uri="{AF507438-7753-43e0-B8FC-AC1667EBCBE1}">
-              <a14:hiddenEffects xmlns="" xmlns:a14="http://schemas.microsoft.com/office/drawing/2010/main">
+              <a14:hiddenEffects xmlns:a14="http://schemas.microsoft.com/office/drawing/2010/main" xmlns="">
                 <a:effectLst>
                   <a:outerShdw dist="35921" dir="2700000" algn="ctr" rotWithShape="0">
                     <a:schemeClr val="bg2"/>
@@ -22628,7 +22628,7 @@
           </a:ln>
           <a:extLst>
             <a:ext uri="{AF507438-7753-43e0-B8FC-AC1667EBCBE1}">
-              <a14:hiddenEffects xmlns="" xmlns:a14="http://schemas.microsoft.com/office/drawing/2010/main">
+              <a14:hiddenEffects xmlns:a14="http://schemas.microsoft.com/office/drawing/2010/main" xmlns="">
                 <a:effectLst>
                   <a:outerShdw dist="35921" dir="2700000" algn="ctr" rotWithShape="0">
                     <a:schemeClr val="bg2"/>
@@ -22683,7 +22683,7 @@
           </a:ln>
           <a:extLst>
             <a:ext uri="{AF507438-7753-43e0-B8FC-AC1667EBCBE1}">
-              <a14:hiddenEffects xmlns="" xmlns:a14="http://schemas.microsoft.com/office/drawing/2010/main">
+              <a14:hiddenEffects xmlns:a14="http://schemas.microsoft.com/office/drawing/2010/main" xmlns="">
                 <a:effectLst>
                   <a:outerShdw dist="35921" dir="2700000" algn="ctr" rotWithShape="0">
                     <a:schemeClr val="bg2"/>
@@ -22734,7 +22734,7 @@
           </a:ln>
           <a:extLst>
             <a:ext uri="{AF507438-7753-43e0-B8FC-AC1667EBCBE1}">
-              <a14:hiddenEffects xmlns="" xmlns:a14="http://schemas.microsoft.com/office/drawing/2010/main">
+              <a14:hiddenEffects xmlns:a14="http://schemas.microsoft.com/office/drawing/2010/main" xmlns="">
                 <a:effectLst>
                   <a:outerShdw dist="35921" dir="2700000" algn="ctr" rotWithShape="0">
                     <a:schemeClr val="bg2"/>
@@ -22794,7 +22794,7 @@
           <a:effectLst/>
           <a:extLst>
             <a:ext uri="{AF507438-7753-43e0-B8FC-AC1667EBCBE1}">
-              <a14:hiddenEffects xmlns="" xmlns:a14="http://schemas.microsoft.com/office/drawing/2010/main">
+              <a14:hiddenEffects xmlns:a14="http://schemas.microsoft.com/office/drawing/2010/main" xmlns="">
                 <a:effectLst>
                   <a:outerShdw dist="35921" dir="2700000" algn="ctr" rotWithShape="0">
                     <a:schemeClr val="bg2"/>
@@ -22876,7 +22876,7 @@
           <a:effectLst/>
           <a:extLst>
             <a:ext uri="{AF507438-7753-43e0-B8FC-AC1667EBCBE1}">
-              <a14:hiddenEffects xmlns="" xmlns:a14="http://schemas.microsoft.com/office/drawing/2010/main">
+              <a14:hiddenEffects xmlns:a14="http://schemas.microsoft.com/office/drawing/2010/main" xmlns="">
                 <a:effectLst>
                   <a:outerShdw dist="35921" dir="2700000" algn="ctr" rotWithShape="0">
                     <a:schemeClr val="bg2"/>
@@ -22958,7 +22958,7 @@
           <a:effectLst/>
           <a:extLst>
             <a:ext uri="{AF507438-7753-43e0-B8FC-AC1667EBCBE1}">
-              <a14:hiddenEffects xmlns="" xmlns:a14="http://schemas.microsoft.com/office/drawing/2010/main">
+              <a14:hiddenEffects xmlns:a14="http://schemas.microsoft.com/office/drawing/2010/main" xmlns="">
                 <a:effectLst>
                   <a:outerShdw dist="35921" dir="2700000" algn="ctr" rotWithShape="0">
                     <a:schemeClr val="bg2"/>
@@ -23040,7 +23040,7 @@
           <a:effectLst/>
           <a:extLst>
             <a:ext uri="{AF507438-7753-43e0-B8FC-AC1667EBCBE1}">
-              <a14:hiddenEffects xmlns="" xmlns:a14="http://schemas.microsoft.com/office/drawing/2010/main">
+              <a14:hiddenEffects xmlns:a14="http://schemas.microsoft.com/office/drawing/2010/main" xmlns="">
                 <a:effectLst>
                   <a:outerShdw dist="35921" dir="2700000" algn="ctr" rotWithShape="0">
                     <a:schemeClr val="bg2"/>
@@ -23122,7 +23122,7 @@
           <a:effectLst/>
           <a:extLst>
             <a:ext uri="{AF507438-7753-43e0-B8FC-AC1667EBCBE1}">
-              <a14:hiddenEffects xmlns="" xmlns:a14="http://schemas.microsoft.com/office/drawing/2010/main">
+              <a14:hiddenEffects xmlns:a14="http://schemas.microsoft.com/office/drawing/2010/main" xmlns="">
                 <a:effectLst>
                   <a:outerShdw dist="35921" dir="2700000" algn="ctr" rotWithShape="0">
                     <a:schemeClr val="bg2"/>
@@ -23204,7 +23204,7 @@
           <a:effectLst/>
           <a:extLst>
             <a:ext uri="{AF507438-7753-43e0-B8FC-AC1667EBCBE1}">
-              <a14:hiddenEffects xmlns="" xmlns:a14="http://schemas.microsoft.com/office/drawing/2010/main">
+              <a14:hiddenEffects xmlns:a14="http://schemas.microsoft.com/office/drawing/2010/main" xmlns="">
                 <a:effectLst>
                   <a:outerShdw dist="35921" dir="2700000" algn="ctr" rotWithShape="0">
                     <a:schemeClr val="bg2"/>
@@ -23281,7 +23281,7 @@
           </a:ln>
           <a:extLst>
             <a:ext uri="{AF507438-7753-43e0-B8FC-AC1667EBCBE1}">
-              <a14:hiddenEffects xmlns="" xmlns:a14="http://schemas.microsoft.com/office/drawing/2010/main">
+              <a14:hiddenEffects xmlns:a14="http://schemas.microsoft.com/office/drawing/2010/main" xmlns="">
                 <a:effectLst>
                   <a:outerShdw dist="35921" dir="2700000" algn="ctr" rotWithShape="0">
                     <a:schemeClr val="bg2"/>
@@ -23336,7 +23336,7 @@
           </a:ln>
           <a:extLst>
             <a:ext uri="{AF507438-7753-43e0-B8FC-AC1667EBCBE1}">
-              <a14:hiddenEffects xmlns="" xmlns:a14="http://schemas.microsoft.com/office/drawing/2010/main">
+              <a14:hiddenEffects xmlns:a14="http://schemas.microsoft.com/office/drawing/2010/main" xmlns="">
                 <a:effectLst>
                   <a:outerShdw dist="35921" dir="2700000" algn="ctr" rotWithShape="0">
                     <a:schemeClr val="bg2"/>
@@ -23391,7 +23391,7 @@
           </a:ln>
           <a:extLst>
             <a:ext uri="{AF507438-7753-43e0-B8FC-AC1667EBCBE1}">
-              <a14:hiddenEffects xmlns="" xmlns:a14="http://schemas.microsoft.com/office/drawing/2010/main">
+              <a14:hiddenEffects xmlns:a14="http://schemas.microsoft.com/office/drawing/2010/main" xmlns="">
                 <a:effectLst>
                   <a:outerShdw dist="35921" dir="2700000" algn="ctr" rotWithShape="0">
                     <a:schemeClr val="bg2"/>
@@ -23446,7 +23446,7 @@
           </a:ln>
           <a:extLst>
             <a:ext uri="{AF507438-7753-43e0-B8FC-AC1667EBCBE1}">
-              <a14:hiddenEffects xmlns="" xmlns:a14="http://schemas.microsoft.com/office/drawing/2010/main">
+              <a14:hiddenEffects xmlns:a14="http://schemas.microsoft.com/office/drawing/2010/main" xmlns="">
                 <a:effectLst>
                   <a:outerShdw dist="35921" dir="2700000" algn="ctr" rotWithShape="0">
                     <a:schemeClr val="bg2"/>
@@ -23501,7 +23501,7 @@
           </a:ln>
           <a:extLst>
             <a:ext uri="{AF507438-7753-43e0-B8FC-AC1667EBCBE1}">
-              <a14:hiddenEffects xmlns="" xmlns:a14="http://schemas.microsoft.com/office/drawing/2010/main">
+              <a14:hiddenEffects xmlns:a14="http://schemas.microsoft.com/office/drawing/2010/main" xmlns="">
                 <a:effectLst>
                   <a:outerShdw dist="35921" dir="2700000" algn="ctr" rotWithShape="0">
                     <a:schemeClr val="bg2"/>
@@ -23556,7 +23556,7 @@
           </a:ln>
           <a:extLst>
             <a:ext uri="{AF507438-7753-43e0-B8FC-AC1667EBCBE1}">
-              <a14:hiddenEffects xmlns="" xmlns:a14="http://schemas.microsoft.com/office/drawing/2010/main">
+              <a14:hiddenEffects xmlns:a14="http://schemas.microsoft.com/office/drawing/2010/main" xmlns="">
                 <a:effectLst>
                   <a:outerShdw dist="35921" dir="2700000" algn="ctr" rotWithShape="0">
                     <a:schemeClr val="bg2"/>
@@ -23607,7 +23607,7 @@
           </a:ln>
           <a:extLst>
             <a:ext uri="{AF507438-7753-43e0-B8FC-AC1667EBCBE1}">
-              <a14:hiddenEffects xmlns="" xmlns:a14="http://schemas.microsoft.com/office/drawing/2010/main">
+              <a14:hiddenEffects xmlns:a14="http://schemas.microsoft.com/office/drawing/2010/main" xmlns="">
                 <a:effectLst>
                   <a:outerShdw dist="35921" dir="2700000" algn="ctr" rotWithShape="0">
                     <a:schemeClr val="bg2"/>
@@ -23658,7 +23658,7 @@
           </a:ln>
           <a:extLst>
             <a:ext uri="{AF507438-7753-43e0-B8FC-AC1667EBCBE1}">
-              <a14:hiddenEffects xmlns="" xmlns:a14="http://schemas.microsoft.com/office/drawing/2010/main">
+              <a14:hiddenEffects xmlns:a14="http://schemas.microsoft.com/office/drawing/2010/main" xmlns="">
                 <a:effectLst>
                   <a:outerShdw dist="35921" dir="2700000" algn="ctr" rotWithShape="0">
                     <a:schemeClr val="bg2"/>
@@ -23754,7 +23754,7 @@
           <a:effectLst/>
           <a:extLst>
             <a:ext uri="{AF507438-7753-43e0-B8FC-AC1667EBCBE1}">
-              <a14:hiddenEffects xmlns="" xmlns:a14="http://schemas.microsoft.com/office/drawing/2010/main">
+              <a14:hiddenEffects xmlns:a14="http://schemas.microsoft.com/office/drawing/2010/main" xmlns="">
                 <a:effectLst>
                   <a:outerShdw dist="35921" dir="2700000" algn="ctr" rotWithShape="0">
                     <a:schemeClr val="bg2"/>
@@ -23836,7 +23836,7 @@
           <a:effectLst/>
           <a:extLst>
             <a:ext uri="{AF507438-7753-43e0-B8FC-AC1667EBCBE1}">
-              <a14:hiddenEffects xmlns="" xmlns:a14="http://schemas.microsoft.com/office/drawing/2010/main">
+              <a14:hiddenEffects xmlns:a14="http://schemas.microsoft.com/office/drawing/2010/main" xmlns="">
                 <a:effectLst>
                   <a:outerShdw dist="35921" dir="2700000" algn="ctr" rotWithShape="0">
                     <a:schemeClr val="bg2"/>
@@ -23918,7 +23918,7 @@
           <a:effectLst/>
           <a:extLst>
             <a:ext uri="{AF507438-7753-43e0-B8FC-AC1667EBCBE1}">
-              <a14:hiddenEffects xmlns="" xmlns:a14="http://schemas.microsoft.com/office/drawing/2010/main">
+              <a14:hiddenEffects xmlns:a14="http://schemas.microsoft.com/office/drawing/2010/main" xmlns="">
                 <a:effectLst>
                   <a:outerShdw dist="35921" dir="2700000" algn="ctr" rotWithShape="0">
                     <a:schemeClr val="bg2"/>
@@ -24000,7 +24000,7 @@
           <a:effectLst/>
           <a:extLst>
             <a:ext uri="{AF507438-7753-43e0-B8FC-AC1667EBCBE1}">
-              <a14:hiddenEffects xmlns="" xmlns:a14="http://schemas.microsoft.com/office/drawing/2010/main">
+              <a14:hiddenEffects xmlns:a14="http://schemas.microsoft.com/office/drawing/2010/main" xmlns="">
                 <a:effectLst>
                   <a:outerShdw dist="35921" dir="2700000" algn="ctr" rotWithShape="0">
                     <a:schemeClr val="bg2"/>
@@ -24082,7 +24082,7 @@
           <a:effectLst/>
           <a:extLst>
             <a:ext uri="{AF507438-7753-43e0-B8FC-AC1667EBCBE1}">
-              <a14:hiddenEffects xmlns="" xmlns:a14="http://schemas.microsoft.com/office/drawing/2010/main">
+              <a14:hiddenEffects xmlns:a14="http://schemas.microsoft.com/office/drawing/2010/main" xmlns="">
                 <a:effectLst>
                   <a:outerShdw dist="35921" dir="2700000" algn="ctr" rotWithShape="0">
                     <a:schemeClr val="bg2"/>
@@ -24164,7 +24164,7 @@
           <a:effectLst/>
           <a:extLst>
             <a:ext uri="{AF507438-7753-43e0-B8FC-AC1667EBCBE1}">
-              <a14:hiddenEffects xmlns="" xmlns:a14="http://schemas.microsoft.com/office/drawing/2010/main">
+              <a14:hiddenEffects xmlns:a14="http://schemas.microsoft.com/office/drawing/2010/main" xmlns="">
                 <a:effectLst>
                   <a:outerShdw dist="35921" dir="2700000" algn="ctr" rotWithShape="0">
                     <a:schemeClr val="bg2"/>
@@ -24241,7 +24241,7 @@
           </a:ln>
           <a:extLst>
             <a:ext uri="{AF507438-7753-43e0-B8FC-AC1667EBCBE1}">
-              <a14:hiddenEffects xmlns="" xmlns:a14="http://schemas.microsoft.com/office/drawing/2010/main">
+              <a14:hiddenEffects xmlns:a14="http://schemas.microsoft.com/office/drawing/2010/main" xmlns="">
                 <a:effectLst>
                   <a:outerShdw dist="35921" dir="2700000" algn="ctr" rotWithShape="0">
                     <a:schemeClr val="bg2"/>
@@ -24296,7 +24296,7 @@
           </a:ln>
           <a:extLst>
             <a:ext uri="{AF507438-7753-43e0-B8FC-AC1667EBCBE1}">
-              <a14:hiddenEffects xmlns="" xmlns:a14="http://schemas.microsoft.com/office/drawing/2010/main">
+              <a14:hiddenEffects xmlns:a14="http://schemas.microsoft.com/office/drawing/2010/main" xmlns="">
                 <a:effectLst>
                   <a:outerShdw dist="35921" dir="2700000" algn="ctr" rotWithShape="0">
                     <a:schemeClr val="bg2"/>
@@ -24351,7 +24351,7 @@
           </a:ln>
           <a:extLst>
             <a:ext uri="{AF507438-7753-43e0-B8FC-AC1667EBCBE1}">
-              <a14:hiddenEffects xmlns="" xmlns:a14="http://schemas.microsoft.com/office/drawing/2010/main">
+              <a14:hiddenEffects xmlns:a14="http://schemas.microsoft.com/office/drawing/2010/main" xmlns="">
                 <a:effectLst>
                   <a:outerShdw dist="35921" dir="2700000" algn="ctr" rotWithShape="0">
                     <a:schemeClr val="bg2"/>
@@ -24406,7 +24406,7 @@
           </a:ln>
           <a:extLst>
             <a:ext uri="{AF507438-7753-43e0-B8FC-AC1667EBCBE1}">
-              <a14:hiddenEffects xmlns="" xmlns:a14="http://schemas.microsoft.com/office/drawing/2010/main">
+              <a14:hiddenEffects xmlns:a14="http://schemas.microsoft.com/office/drawing/2010/main" xmlns="">
                 <a:effectLst>
                   <a:outerShdw dist="35921" dir="2700000" algn="ctr" rotWithShape="0">
                     <a:schemeClr val="bg2"/>
@@ -24461,7 +24461,7 @@
           </a:ln>
           <a:extLst>
             <a:ext uri="{AF507438-7753-43e0-B8FC-AC1667EBCBE1}">
-              <a14:hiddenEffects xmlns="" xmlns:a14="http://schemas.microsoft.com/office/drawing/2010/main">
+              <a14:hiddenEffects xmlns:a14="http://schemas.microsoft.com/office/drawing/2010/main" xmlns="">
                 <a:effectLst>
                   <a:outerShdw dist="35921" dir="2700000" algn="ctr" rotWithShape="0">
                     <a:schemeClr val="bg2"/>
@@ -24516,7 +24516,7 @@
           </a:ln>
           <a:extLst>
             <a:ext uri="{AF507438-7753-43e0-B8FC-AC1667EBCBE1}">
-              <a14:hiddenEffects xmlns="" xmlns:a14="http://schemas.microsoft.com/office/drawing/2010/main">
+              <a14:hiddenEffects xmlns:a14="http://schemas.microsoft.com/office/drawing/2010/main" xmlns="">
                 <a:effectLst>
                   <a:outerShdw dist="35921" dir="2700000" algn="ctr" rotWithShape="0">
                     <a:schemeClr val="bg2"/>
@@ -24569,7 +24569,7 @@
           </a:ln>
           <a:extLst>
             <a:ext uri="{AF507438-7753-43e0-B8FC-AC1667EBCBE1}">
-              <a14:hiddenEffects xmlns="" xmlns:a14="http://schemas.microsoft.com/office/drawing/2010/main">
+              <a14:hiddenEffects xmlns:a14="http://schemas.microsoft.com/office/drawing/2010/main" xmlns="">
                 <a:effectLst>
                   <a:outerShdw dist="35921" dir="2700000" algn="ctr" rotWithShape="0">
                     <a:schemeClr val="bg2"/>
@@ -24746,7 +24746,7 @@
           <a:effectLst/>
           <a:extLst>
             <a:ext uri="{AF507438-7753-43e0-B8FC-AC1667EBCBE1}">
-              <a14:hiddenEffects xmlns="" xmlns:a14="http://schemas.microsoft.com/office/drawing/2010/main">
+              <a14:hiddenEffects xmlns:a14="http://schemas.microsoft.com/office/drawing/2010/main" xmlns="">
                 <a:effectLst>
                   <a:outerShdw dist="35921" dir="2700000" algn="ctr" rotWithShape="0">
                     <a:schemeClr val="bg2"/>
@@ -24828,7 +24828,7 @@
           <a:effectLst/>
           <a:extLst>
             <a:ext uri="{AF507438-7753-43e0-B8FC-AC1667EBCBE1}">
-              <a14:hiddenEffects xmlns="" xmlns:a14="http://schemas.microsoft.com/office/drawing/2010/main">
+              <a14:hiddenEffects xmlns:a14="http://schemas.microsoft.com/office/drawing/2010/main" xmlns="">
                 <a:effectLst>
                   <a:outerShdw dist="35921" dir="2700000" algn="ctr" rotWithShape="0">
                     <a:schemeClr val="bg2"/>
@@ -24910,7 +24910,7 @@
           <a:effectLst/>
           <a:extLst>
             <a:ext uri="{AF507438-7753-43e0-B8FC-AC1667EBCBE1}">
-              <a14:hiddenEffects xmlns="" xmlns:a14="http://schemas.microsoft.com/office/drawing/2010/main">
+              <a14:hiddenEffects xmlns:a14="http://schemas.microsoft.com/office/drawing/2010/main" xmlns="">
                 <a:effectLst>
                   <a:outerShdw dist="35921" dir="2700000" algn="ctr" rotWithShape="0">
                     <a:schemeClr val="bg2"/>
@@ -24992,7 +24992,7 @@
           <a:effectLst/>
           <a:extLst>
             <a:ext uri="{AF507438-7753-43e0-B8FC-AC1667EBCBE1}">
-              <a14:hiddenEffects xmlns="" xmlns:a14="http://schemas.microsoft.com/office/drawing/2010/main">
+              <a14:hiddenEffects xmlns:a14="http://schemas.microsoft.com/office/drawing/2010/main" xmlns="">
                 <a:effectLst>
                   <a:outerShdw dist="35921" dir="2700000" algn="ctr" rotWithShape="0">
                     <a:schemeClr val="bg2"/>
@@ -25074,7 +25074,7 @@
           <a:effectLst/>
           <a:extLst>
             <a:ext uri="{AF507438-7753-43e0-B8FC-AC1667EBCBE1}">
-              <a14:hiddenEffects xmlns="" xmlns:a14="http://schemas.microsoft.com/office/drawing/2010/main">
+              <a14:hiddenEffects xmlns:a14="http://schemas.microsoft.com/office/drawing/2010/main" xmlns="">
                 <a:effectLst>
                   <a:outerShdw dist="35921" dir="2700000" algn="ctr" rotWithShape="0">
                     <a:schemeClr val="bg2"/>
@@ -25156,7 +25156,7 @@
           <a:effectLst/>
           <a:extLst>
             <a:ext uri="{AF507438-7753-43e0-B8FC-AC1667EBCBE1}">
-              <a14:hiddenEffects xmlns="" xmlns:a14="http://schemas.microsoft.com/office/drawing/2010/main">
+              <a14:hiddenEffects xmlns:a14="http://schemas.microsoft.com/office/drawing/2010/main" xmlns="">
                 <a:effectLst>
                   <a:outerShdw dist="35921" dir="2700000" algn="ctr" rotWithShape="0">
                     <a:schemeClr val="bg2"/>
@@ -25233,7 +25233,7 @@
           </a:ln>
           <a:extLst>
             <a:ext uri="{AF507438-7753-43e0-B8FC-AC1667EBCBE1}">
-              <a14:hiddenEffects xmlns="" xmlns:a14="http://schemas.microsoft.com/office/drawing/2010/main">
+              <a14:hiddenEffects xmlns:a14="http://schemas.microsoft.com/office/drawing/2010/main" xmlns="">
                 <a:effectLst>
                   <a:outerShdw dist="35921" dir="2700000" algn="ctr" rotWithShape="0">
                     <a:schemeClr val="bg2"/>
@@ -25288,7 +25288,7 @@
           </a:ln>
           <a:extLst>
             <a:ext uri="{AF507438-7753-43e0-B8FC-AC1667EBCBE1}">
-              <a14:hiddenEffects xmlns="" xmlns:a14="http://schemas.microsoft.com/office/drawing/2010/main">
+              <a14:hiddenEffects xmlns:a14="http://schemas.microsoft.com/office/drawing/2010/main" xmlns="">
                 <a:effectLst>
                   <a:outerShdw dist="35921" dir="2700000" algn="ctr" rotWithShape="0">
                     <a:schemeClr val="bg2"/>
@@ -25342,7 +25342,7 @@
           </a:ln>
           <a:extLst>
             <a:ext uri="{AF507438-7753-43e0-B8FC-AC1667EBCBE1}">
-              <a14:hiddenEffects xmlns="" xmlns:a14="http://schemas.microsoft.com/office/drawing/2010/main">
+              <a14:hiddenEffects xmlns:a14="http://schemas.microsoft.com/office/drawing/2010/main" xmlns="">
                 <a:effectLst>
                   <a:outerShdw dist="35921" dir="2700000" algn="ctr" rotWithShape="0">
                     <a:schemeClr val="bg2"/>
@@ -25397,7 +25397,7 @@
           </a:ln>
           <a:extLst>
             <a:ext uri="{AF507438-7753-43e0-B8FC-AC1667EBCBE1}">
-              <a14:hiddenEffects xmlns="" xmlns:a14="http://schemas.microsoft.com/office/drawing/2010/main">
+              <a14:hiddenEffects xmlns:a14="http://schemas.microsoft.com/office/drawing/2010/main" xmlns="">
                 <a:effectLst>
                   <a:outerShdw dist="35921" dir="2700000" algn="ctr" rotWithShape="0">
                     <a:schemeClr val="bg2"/>
@@ -25452,7 +25452,7 @@
           </a:ln>
           <a:extLst>
             <a:ext uri="{AF507438-7753-43e0-B8FC-AC1667EBCBE1}">
-              <a14:hiddenEffects xmlns="" xmlns:a14="http://schemas.microsoft.com/office/drawing/2010/main">
+              <a14:hiddenEffects xmlns:a14="http://schemas.microsoft.com/office/drawing/2010/main" xmlns="">
                 <a:effectLst>
                   <a:outerShdw dist="35921" dir="2700000" algn="ctr" rotWithShape="0">
                     <a:schemeClr val="bg2"/>
@@ -25507,7 +25507,7 @@
           </a:ln>
           <a:extLst>
             <a:ext uri="{AF507438-7753-43e0-B8FC-AC1667EBCBE1}">
-              <a14:hiddenEffects xmlns="" xmlns:a14="http://schemas.microsoft.com/office/drawing/2010/main">
+              <a14:hiddenEffects xmlns:a14="http://schemas.microsoft.com/office/drawing/2010/main" xmlns="">
                 <a:effectLst>
                   <a:outerShdw dist="35921" dir="2700000" algn="ctr" rotWithShape="0">
                     <a:schemeClr val="bg2"/>
@@ -25567,7 +25567,7 @@
           <a:effectLst/>
           <a:extLst>
             <a:ext uri="{AF507438-7753-43e0-B8FC-AC1667EBCBE1}">
-              <a14:hiddenEffects xmlns="" xmlns:a14="http://schemas.microsoft.com/office/drawing/2010/main">
+              <a14:hiddenEffects xmlns:a14="http://schemas.microsoft.com/office/drawing/2010/main" xmlns="">
                 <a:effectLst>
                   <a:outerShdw dist="35921" dir="2700000" algn="ctr" rotWithShape="0">
                     <a:schemeClr val="bg2"/>
@@ -25649,7 +25649,7 @@
           <a:effectLst/>
           <a:extLst>
             <a:ext uri="{AF507438-7753-43e0-B8FC-AC1667EBCBE1}">
-              <a14:hiddenEffects xmlns="" xmlns:a14="http://schemas.microsoft.com/office/drawing/2010/main">
+              <a14:hiddenEffects xmlns:a14="http://schemas.microsoft.com/office/drawing/2010/main" xmlns="">
                 <a:effectLst>
                   <a:outerShdw dist="35921" dir="2700000" algn="ctr" rotWithShape="0">
                     <a:schemeClr val="bg2"/>
@@ -25731,7 +25731,7 @@
           <a:effectLst/>
           <a:extLst>
             <a:ext uri="{AF507438-7753-43e0-B8FC-AC1667EBCBE1}">
-              <a14:hiddenEffects xmlns="" xmlns:a14="http://schemas.microsoft.com/office/drawing/2010/main">
+              <a14:hiddenEffects xmlns:a14="http://schemas.microsoft.com/office/drawing/2010/main" xmlns="">
                 <a:effectLst>
                   <a:outerShdw dist="35921" dir="2700000" algn="ctr" rotWithShape="0">
                     <a:schemeClr val="bg2"/>
@@ -25813,7 +25813,7 @@
           <a:effectLst/>
           <a:extLst>
             <a:ext uri="{AF507438-7753-43e0-B8FC-AC1667EBCBE1}">
-              <a14:hiddenEffects xmlns="" xmlns:a14="http://schemas.microsoft.com/office/drawing/2010/main">
+              <a14:hiddenEffects xmlns:a14="http://schemas.microsoft.com/office/drawing/2010/main" xmlns="">
                 <a:effectLst>
                   <a:outerShdw dist="35921" dir="2700000" algn="ctr" rotWithShape="0">
                     <a:schemeClr val="bg2"/>
@@ -25895,7 +25895,7 @@
           <a:effectLst/>
           <a:extLst>
             <a:ext uri="{AF507438-7753-43e0-B8FC-AC1667EBCBE1}">
-              <a14:hiddenEffects xmlns="" xmlns:a14="http://schemas.microsoft.com/office/drawing/2010/main">
+              <a14:hiddenEffects xmlns:a14="http://schemas.microsoft.com/office/drawing/2010/main" xmlns="">
                 <a:effectLst>
                   <a:outerShdw dist="35921" dir="2700000" algn="ctr" rotWithShape="0">
                     <a:schemeClr val="bg2"/>
@@ -25977,7 +25977,7 @@
           <a:effectLst/>
           <a:extLst>
             <a:ext uri="{AF507438-7753-43e0-B8FC-AC1667EBCBE1}">
-              <a14:hiddenEffects xmlns="" xmlns:a14="http://schemas.microsoft.com/office/drawing/2010/main">
+              <a14:hiddenEffects xmlns:a14="http://schemas.microsoft.com/office/drawing/2010/main" xmlns="">
                 <a:effectLst>
                   <a:outerShdw dist="35921" dir="2700000" algn="ctr" rotWithShape="0">
                     <a:schemeClr val="bg2"/>
@@ -26054,7 +26054,7 @@
           </a:ln>
           <a:extLst>
             <a:ext uri="{AF507438-7753-43e0-B8FC-AC1667EBCBE1}">
-              <a14:hiddenEffects xmlns="" xmlns:a14="http://schemas.microsoft.com/office/drawing/2010/main">
+              <a14:hiddenEffects xmlns:a14="http://schemas.microsoft.com/office/drawing/2010/main" xmlns="">
                 <a:effectLst>
                   <a:outerShdw dist="35921" dir="2700000" algn="ctr" rotWithShape="0">
                     <a:schemeClr val="bg2"/>
@@ -26109,7 +26109,7 @@
           </a:ln>
           <a:extLst>
             <a:ext uri="{AF507438-7753-43e0-B8FC-AC1667EBCBE1}">
-              <a14:hiddenEffects xmlns="" xmlns:a14="http://schemas.microsoft.com/office/drawing/2010/main">
+              <a14:hiddenEffects xmlns:a14="http://schemas.microsoft.com/office/drawing/2010/main" xmlns="">
                 <a:effectLst>
                   <a:outerShdw dist="35921" dir="2700000" algn="ctr" rotWithShape="0">
                     <a:schemeClr val="bg2"/>
@@ -26163,7 +26163,7 @@
           </a:ln>
           <a:extLst>
             <a:ext uri="{AF507438-7753-43e0-B8FC-AC1667EBCBE1}">
-              <a14:hiddenEffects xmlns="" xmlns:a14="http://schemas.microsoft.com/office/drawing/2010/main">
+              <a14:hiddenEffects xmlns:a14="http://schemas.microsoft.com/office/drawing/2010/main" xmlns="">
                 <a:effectLst>
                   <a:outerShdw dist="35921" dir="2700000" algn="ctr" rotWithShape="0">
                     <a:schemeClr val="bg2"/>
@@ -26218,7 +26218,7 @@
           </a:ln>
           <a:extLst>
             <a:ext uri="{AF507438-7753-43e0-B8FC-AC1667EBCBE1}">
-              <a14:hiddenEffects xmlns="" xmlns:a14="http://schemas.microsoft.com/office/drawing/2010/main">
+              <a14:hiddenEffects xmlns:a14="http://schemas.microsoft.com/office/drawing/2010/main" xmlns="">
                 <a:effectLst>
                   <a:outerShdw dist="35921" dir="2700000" algn="ctr" rotWithShape="0">
                     <a:schemeClr val="bg2"/>
@@ -26273,7 +26273,7 @@
           </a:ln>
           <a:extLst>
             <a:ext uri="{AF507438-7753-43e0-B8FC-AC1667EBCBE1}">
-              <a14:hiddenEffects xmlns="" xmlns:a14="http://schemas.microsoft.com/office/drawing/2010/main">
+              <a14:hiddenEffects xmlns:a14="http://schemas.microsoft.com/office/drawing/2010/main" xmlns="">
                 <a:effectLst>
                   <a:outerShdw dist="35921" dir="2700000" algn="ctr" rotWithShape="0">
                     <a:schemeClr val="bg2"/>
@@ -26328,7 +26328,7 @@
           </a:ln>
           <a:extLst>
             <a:ext uri="{AF507438-7753-43e0-B8FC-AC1667EBCBE1}">
-              <a14:hiddenEffects xmlns="" xmlns:a14="http://schemas.microsoft.com/office/drawing/2010/main">
+              <a14:hiddenEffects xmlns:a14="http://schemas.microsoft.com/office/drawing/2010/main" xmlns="">
                 <a:effectLst>
                   <a:outerShdw dist="35921" dir="2700000" algn="ctr" rotWithShape="0">
                     <a:schemeClr val="bg2"/>
@@ -26384,7 +26384,7 @@
           </a:ln>
           <a:extLst>
             <a:ext uri="{AF507438-7753-43e0-B8FC-AC1667EBCBE1}">
-              <a14:hiddenEffects xmlns:a14="http://schemas.microsoft.com/office/drawing/2010/main" xmlns="">
+              <a14:hiddenEffects xmlns="" xmlns:a14="http://schemas.microsoft.com/office/drawing/2010/main">
                 <a:effectLst>
                   <a:outerShdw dist="35921" dir="2700000" algn="ctr" rotWithShape="0">
                     <a:schemeClr val="bg2"/>
@@ -26437,7 +26437,7 @@
           </a:ln>
           <a:extLst>
             <a:ext uri="{AF507438-7753-43e0-B8FC-AC1667EBCBE1}">
-              <a14:hiddenEffects xmlns="" xmlns:a14="http://schemas.microsoft.com/office/drawing/2010/main">
+              <a14:hiddenEffects xmlns:a14="http://schemas.microsoft.com/office/drawing/2010/main" xmlns="">
                 <a:effectLst>
                   <a:outerShdw dist="35921" dir="2700000" algn="ctr" rotWithShape="0">
                     <a:schemeClr val="bg2"/>
@@ -26809,7 +26809,7 @@
         <a:effectLst/>
         <a:extLst>
           <a:ext uri="{AF507438-7753-43e0-B8FC-AC1667EBCBE1}">
-            <a14:hiddenEffects xmlns="" xmlns:a14="http://schemas.microsoft.com/office/drawing/2010/main">
+            <a14:hiddenEffects xmlns:a14="http://schemas.microsoft.com/office/drawing/2010/main" xmlns="">
               <a:effectLst>
                 <a:outerShdw dist="35921" dir="2700000" algn="ctr" rotWithShape="0">
                   <a:schemeClr val="bg2"/>
@@ -26882,7 +26882,7 @@
         <a:effectLst/>
         <a:extLst>
           <a:ext uri="{AF507438-7753-43e0-B8FC-AC1667EBCBE1}">
-            <a14:hiddenEffects xmlns="" xmlns:a14="http://schemas.microsoft.com/office/drawing/2010/main">
+            <a14:hiddenEffects xmlns:a14="http://schemas.microsoft.com/office/drawing/2010/main" xmlns="">
               <a:effectLst>
                 <a:outerShdw dist="35921" dir="2700000" algn="ctr" rotWithShape="0">
                   <a:schemeClr val="bg2"/>

--- a/doc/algorithm.pptx
+++ b/doc/algorithm.pptx
@@ -5,7 +5,7 @@
     <p:sldMasterId id="2147483648" r:id="rId1"/>
   </p:sldMasterIdLst>
   <p:notesMasterIdLst>
-    <p:notesMasterId r:id="rId19"/>
+    <p:notesMasterId r:id="rId17"/>
   </p:notesMasterIdLst>
   <p:sldIdLst>
     <p:sldId id="257" r:id="rId2"/>
@@ -23,13 +23,11 @@
     <p:sldId id="292" r:id="rId14"/>
     <p:sldId id="275" r:id="rId15"/>
     <p:sldId id="291" r:id="rId16"/>
-    <p:sldId id="281" r:id="rId17"/>
-    <p:sldId id="282" r:id="rId18"/>
   </p:sldIdLst>
   <p:sldSz cx="10693400" cy="7562850"/>
   <p:notesSz cx="6858000" cy="9144000"/>
   <p:custDataLst>
-    <p:tags r:id="rId20"/>
+    <p:tags r:id="rId18"/>
   </p:custDataLst>
   <p:defaultTextStyle>
     <a:defPPr>
@@ -876,176 +874,6 @@
     <p:extLst>
       <p:ext uri="{BB962C8B-B14F-4D97-AF65-F5344CB8AC3E}">
         <p14:creationId xmlns:p14="http://schemas.microsoft.com/office/powerpoint/2010/main" val="3276393397"/>
-      </p:ext>
-    </p:extLst>
-  </p:cSld>
-  <p:clrMapOvr>
-    <a:masterClrMapping/>
-  </p:clrMapOvr>
-</p:notes>
-</file>
-
-<file path=ppt/notesSlides/notesSlide10.xml><?xml version="1.0" encoding="utf-8"?>
-<p:notes xmlns:a="http://schemas.openxmlformats.org/drawingml/2006/main" xmlns:r="http://schemas.openxmlformats.org/officeDocument/2006/relationships" xmlns:p="http://schemas.openxmlformats.org/presentationml/2006/main">
-  <p:cSld>
-    <p:spTree>
-      <p:nvGrpSpPr>
-        <p:cNvPr id="1" name=""/>
-        <p:cNvGrpSpPr/>
-        <p:nvPr/>
-      </p:nvGrpSpPr>
-      <p:grpSpPr>
-        <a:xfrm>
-          <a:off x="0" y="0"/>
-          <a:ext cx="0" cy="0"/>
-          <a:chOff x="0" y="0"/>
-          <a:chExt cx="0" cy="0"/>
-        </a:xfrm>
-      </p:grpSpPr>
-      <p:sp>
-        <p:nvSpPr>
-          <p:cNvPr id="2" name="Slide Image Placeholder 1"/>
-          <p:cNvSpPr>
-            <a:spLocks noGrp="1" noRot="1" noChangeAspect="1"/>
-          </p:cNvSpPr>
-          <p:nvPr>
-            <p:ph type="sldImg"/>
-          </p:nvPr>
-        </p:nvSpPr>
-        <p:spPr/>
-      </p:sp>
-      <p:sp>
-        <p:nvSpPr>
-          <p:cNvPr id="3" name="Notes Placeholder 2"/>
-          <p:cNvSpPr>
-            <a:spLocks noGrp="1"/>
-          </p:cNvSpPr>
-          <p:nvPr>
-            <p:ph type="body" idx="1"/>
-          </p:nvPr>
-        </p:nvSpPr>
-        <p:spPr/>
-        <p:txBody>
-          <a:bodyPr/>
-          <a:lstStyle/>
-          <a:p>
-            <a:endParaRPr lang="en-US" dirty="0"/>
-          </a:p>
-        </p:txBody>
-      </p:sp>
-      <p:sp>
-        <p:nvSpPr>
-          <p:cNvPr id="4" name="Slide Number Placeholder 3"/>
-          <p:cNvSpPr>
-            <a:spLocks noGrp="1"/>
-          </p:cNvSpPr>
-          <p:nvPr>
-            <p:ph type="sldNum" sz="quarter" idx="5"/>
-          </p:nvPr>
-        </p:nvSpPr>
-        <p:spPr/>
-        <p:txBody>
-          <a:bodyPr/>
-          <a:lstStyle/>
-          <a:p>
-            <a:fld id="{932B0C62-07EA-4146-9798-A0A17F7FEF9F}" type="slidenum">
-              <a:rPr lang="de-DE" smtClean="0"/>
-              <a:pPr/>
-              <a:t>16</a:t>
-            </a:fld>
-            <a:endParaRPr lang="de-DE"/>
-          </a:p>
-        </p:txBody>
-      </p:sp>
-    </p:spTree>
-    <p:extLst>
-      <p:ext uri="{BB962C8B-B14F-4D97-AF65-F5344CB8AC3E}">
-        <p14:creationId xmlns:p14="http://schemas.microsoft.com/office/powerpoint/2010/main" val="1060192949"/>
-      </p:ext>
-    </p:extLst>
-  </p:cSld>
-  <p:clrMapOvr>
-    <a:masterClrMapping/>
-  </p:clrMapOvr>
-</p:notes>
-</file>
-
-<file path=ppt/notesSlides/notesSlide11.xml><?xml version="1.0" encoding="utf-8"?>
-<p:notes xmlns:a="http://schemas.openxmlformats.org/drawingml/2006/main" xmlns:r="http://schemas.openxmlformats.org/officeDocument/2006/relationships" xmlns:p="http://schemas.openxmlformats.org/presentationml/2006/main">
-  <p:cSld>
-    <p:spTree>
-      <p:nvGrpSpPr>
-        <p:cNvPr id="1" name=""/>
-        <p:cNvGrpSpPr/>
-        <p:nvPr/>
-      </p:nvGrpSpPr>
-      <p:grpSpPr>
-        <a:xfrm>
-          <a:off x="0" y="0"/>
-          <a:ext cx="0" cy="0"/>
-          <a:chOff x="0" y="0"/>
-          <a:chExt cx="0" cy="0"/>
-        </a:xfrm>
-      </p:grpSpPr>
-      <p:sp>
-        <p:nvSpPr>
-          <p:cNvPr id="2" name="Slide Image Placeholder 1"/>
-          <p:cNvSpPr>
-            <a:spLocks noGrp="1" noRot="1" noChangeAspect="1"/>
-          </p:cNvSpPr>
-          <p:nvPr>
-            <p:ph type="sldImg"/>
-          </p:nvPr>
-        </p:nvSpPr>
-        <p:spPr/>
-      </p:sp>
-      <p:sp>
-        <p:nvSpPr>
-          <p:cNvPr id="3" name="Notes Placeholder 2"/>
-          <p:cNvSpPr>
-            <a:spLocks noGrp="1"/>
-          </p:cNvSpPr>
-          <p:nvPr>
-            <p:ph type="body" idx="1"/>
-          </p:nvPr>
-        </p:nvSpPr>
-        <p:spPr/>
-        <p:txBody>
-          <a:bodyPr/>
-          <a:lstStyle/>
-          <a:p>
-            <a:endParaRPr lang="en-US" dirty="0"/>
-          </a:p>
-        </p:txBody>
-      </p:sp>
-      <p:sp>
-        <p:nvSpPr>
-          <p:cNvPr id="4" name="Slide Number Placeholder 3"/>
-          <p:cNvSpPr>
-            <a:spLocks noGrp="1"/>
-          </p:cNvSpPr>
-          <p:nvPr>
-            <p:ph type="sldNum" sz="quarter" idx="5"/>
-          </p:nvPr>
-        </p:nvSpPr>
-        <p:spPr/>
-        <p:txBody>
-          <a:bodyPr/>
-          <a:lstStyle/>
-          <a:p>
-            <a:fld id="{932B0C62-07EA-4146-9798-A0A17F7FEF9F}" type="slidenum">
-              <a:rPr lang="de-DE" smtClean="0"/>
-              <a:pPr/>
-              <a:t>17</a:t>
-            </a:fld>
-            <a:endParaRPr lang="de-DE"/>
-          </a:p>
-        </p:txBody>
-      </p:sp>
-    </p:spTree>
-    <p:extLst>
-      <p:ext uri="{BB962C8B-B14F-4D97-AF65-F5344CB8AC3E}">
-        <p14:creationId xmlns:p14="http://schemas.microsoft.com/office/powerpoint/2010/main" val="2109492732"/>
       </p:ext>
     </p:extLst>
   </p:cSld>
@@ -4405,7 +4233,7 @@
             </a:r>
             <a:r>
               <a:rPr lang="de-DE" dirty="0"/>
-              <a:t> TSP and SOP</a:t>
+              <a:t> TSP</a:t>
             </a:r>
           </a:p>
         </p:txBody>
@@ -4700,7 +4528,7 @@
             <p:ph type="tbl" idx="1"/>
             <p:extLst>
               <p:ext uri="{D42A27DB-BD31-4B8C-83A1-F6EECF244321}">
-                <p14:modId xmlns:p14="http://schemas.microsoft.com/office/powerpoint/2010/main" val="3583050668"/>
+                <p14:modId xmlns:p14="http://schemas.microsoft.com/office/powerpoint/2010/main" val="4041183970"/>
               </p:ext>
             </p:extLst>
           </p:nvPr>
@@ -4979,6 +4807,7 @@
                         <a:buFontTx/>
                         <a:buNone/>
                         <a:tabLst/>
+                        <a:defRPr/>
                       </a:pPr>
                       <a:r>
                         <a:rPr kumimoji="0" lang="de-DE" sz="1700" b="0" i="0" u="none" strike="noStrike" cap="none" normalizeH="0" baseline="0" dirty="0" err="1">
@@ -4993,6 +4822,37 @@
                         </a:rPr>
                         <a:t>Algorithm</a:t>
                       </a:r>
+                      <a:r>
+                        <a:rPr kumimoji="0" lang="de-DE" sz="1700" b="0" i="0" u="none" strike="noStrike" cap="none" normalizeH="0" baseline="0" dirty="0">
+                          <a:ln>
+                            <a:noFill/>
+                          </a:ln>
+                          <a:solidFill>
+                            <a:schemeClr val="tx1"/>
+                          </a:solidFill>
+                          <a:effectLst/>
+                          <a:latin typeface="Arial" charset="0"/>
+                        </a:rPr>
+                        <a:t> Details</a:t>
+                      </a:r>
+                    </a:p>
+                    <a:p>
+                      <a:pPr marL="0" marR="0" lvl="0" indent="0" algn="l" defTabSz="1054100" rtl="0" eaLnBrk="1" fontAlgn="base" latinLnBrk="0" hangingPunct="1">
+                        <a:lnSpc>
+                          <a:spcPct val="110000"/>
+                        </a:lnSpc>
+                        <a:spcBef>
+                          <a:spcPct val="0"/>
+                        </a:spcBef>
+                        <a:spcAft>
+                          <a:spcPct val="40000"/>
+                        </a:spcAft>
+                        <a:buClrTx/>
+                        <a:buSzTx/>
+                        <a:buFontTx/>
+                        <a:buNone/>
+                        <a:tabLst/>
+                      </a:pPr>
                       <a:endParaRPr kumimoji="0" lang="de-DE" sz="1700" b="0" i="0" u="none" strike="noStrike" cap="none" normalizeH="0" baseline="0" dirty="0">
                         <a:ln>
                           <a:noFill/>
@@ -5121,7 +4981,7 @@
                           <a:effectLst/>
                           <a:latin typeface="Arial" charset="0"/>
                         </a:rPr>
-                        <a:t>Page 12</a:t>
+                        <a:t>Page 11</a:t>
                       </a:r>
                     </a:p>
                   </a:txBody>
@@ -5250,13 +5110,6 @@
               <a:p>
                 <a:pPr lvl="1"/>
                 <a:endParaRPr lang="en-US" dirty="0"/>
-              </a:p>
-              <a:p>
-                <a:pPr lvl="1"/>
-                <a:r>
-                  <a:rPr lang="en-US" dirty="0"/>
-                  <a:t>In each iteration all birds perform one of the 4 moves</a:t>
-                </a:r>
               </a:p>
               <a:p>
                 <a:pPr lvl="1"/>
@@ -5390,6 +5243,10 @@
             <a:r>
               <a:rPr lang="de-DE" dirty="0" err="1"/>
               <a:t>Algorithm</a:t>
+            </a:r>
+            <a:r>
+              <a:rPr lang="de-DE" dirty="0"/>
+              <a:t> Details</a:t>
             </a:r>
             <a:br>
               <a:rPr lang="de-DE" dirty="0"/>
@@ -6128,6 +5985,10 @@
               <a:rPr lang="de-DE" dirty="0" err="1"/>
               <a:t>Algorithm</a:t>
             </a:r>
+            <a:r>
+              <a:rPr lang="de-DE" dirty="0"/>
+              <a:t> Details</a:t>
+            </a:r>
             <a:br>
               <a:rPr lang="de-DE" dirty="0"/>
             </a:br>
@@ -8379,6 +8240,10 @@
             <a:r>
               <a:rPr lang="de-DE" dirty="0" err="1"/>
               <a:t>Algorithm</a:t>
+            </a:r>
+            <a:r>
+              <a:rPr lang="de-DE" dirty="0"/>
+              <a:t> Details</a:t>
             </a:r>
             <a:br>
               <a:rPr lang="de-DE" dirty="0"/>
@@ -9072,868 +8937,6 @@
 </p:sld>
 </file>
 
-<file path=ppt/slides/slide16.xml><?xml version="1.0" encoding="utf-8"?>
-<p:sld xmlns:a="http://schemas.openxmlformats.org/drawingml/2006/main" xmlns:r="http://schemas.openxmlformats.org/officeDocument/2006/relationships" xmlns:p="http://schemas.openxmlformats.org/presentationml/2006/main">
-  <p:cSld>
-    <p:spTree>
-      <p:nvGrpSpPr>
-        <p:cNvPr id="1" name=""/>
-        <p:cNvGrpSpPr/>
-        <p:nvPr/>
-      </p:nvGrpSpPr>
-      <p:grpSpPr>
-        <a:xfrm>
-          <a:off x="0" y="0"/>
-          <a:ext cx="0" cy="0"/>
-          <a:chOff x="0" y="0"/>
-          <a:chExt cx="0" cy="0"/>
-        </a:xfrm>
-      </p:grpSpPr>
-      <p:sp>
-        <p:nvSpPr>
-          <p:cNvPr id="9218" name="Rectangle 2"/>
-          <p:cNvSpPr>
-            <a:spLocks noGrp="1" noChangeArrowheads="1"/>
-          </p:cNvSpPr>
-          <p:nvPr>
-            <p:ph type="title"/>
-          </p:nvPr>
-        </p:nvSpPr>
-        <p:spPr>
-          <a:xfrm>
-            <a:off x="522288" y="671513"/>
-            <a:ext cx="9648825" cy="949325"/>
-          </a:xfrm>
-        </p:spPr>
-        <p:txBody>
-          <a:bodyPr wrap="square" anchor="t">
-            <a:normAutofit/>
-          </a:bodyPr>
-          <a:lstStyle/>
-          <a:p>
-            <a:r>
-              <a:rPr lang="de-DE" dirty="0" err="1"/>
-              <a:t>Algorithm</a:t>
-            </a:r>
-            <a:endParaRPr lang="de-DE" b="0" i="1" dirty="0"/>
-          </a:p>
-        </p:txBody>
-      </p:sp>
-      <p:graphicFrame>
-        <p:nvGraphicFramePr>
-          <p:cNvPr id="45" name="Content Placeholder 44">
-            <a:extLst>
-              <a:ext uri="{FF2B5EF4-FFF2-40B4-BE49-F238E27FC236}">
-                <a16:creationId xmlns:a16="http://schemas.microsoft.com/office/drawing/2014/main" id="{8754024F-ADC0-88F6-962F-6998F6D75DF9}"/>
-              </a:ext>
-            </a:extLst>
-          </p:cNvPr>
-          <p:cNvGraphicFramePr>
-            <a:graphicFrameLocks noGrp="1"/>
-          </p:cNvGraphicFramePr>
-          <p:nvPr>
-            <p:ph sz="half" idx="1"/>
-            <p:extLst>
-              <p:ext uri="{D42A27DB-BD31-4B8C-83A1-F6EECF244321}">
-                <p14:modId xmlns:p14="http://schemas.microsoft.com/office/powerpoint/2010/main" val="2922143847"/>
-              </p:ext>
-            </p:extLst>
-          </p:nvPr>
-        </p:nvGraphicFramePr>
-        <p:xfrm>
-          <a:off x="522288" y="2138362"/>
-          <a:ext cx="4135436" cy="4321722"/>
-        </p:xfrm>
-        <a:graphic>
-          <a:graphicData uri="http://schemas.openxmlformats.org/drawingml/2006/table">
-            <a:tbl>
-              <a:tblPr firstRow="1" bandRow="1">
-                <a:tableStyleId>{BC89EF96-8CEA-46FF-86C4-4CE0E7609802}</a:tableStyleId>
-              </a:tblPr>
-              <a:tblGrid>
-                <a:gridCol w="2067718">
-                  <a:extLst>
-                    <a:ext uri="{9D8B030D-6E8A-4147-A177-3AD203B41FA5}">
-                      <a16:colId xmlns:a16="http://schemas.microsoft.com/office/drawing/2014/main" val="3773407808"/>
-                    </a:ext>
-                  </a:extLst>
-                </a:gridCol>
-                <a:gridCol w="2067718">
-                  <a:extLst>
-                    <a:ext uri="{9D8B030D-6E8A-4147-A177-3AD203B41FA5}">
-                      <a16:colId xmlns:a16="http://schemas.microsoft.com/office/drawing/2014/main" val="1453383120"/>
-                    </a:ext>
-                  </a:extLst>
-                </a:gridCol>
-              </a:tblGrid>
-              <a:tr h="613607">
-                <a:tc>
-                  <a:txBody>
-                    <a:bodyPr/>
-                    <a:lstStyle/>
-                    <a:p>
-                      <a:pPr algn="ctr"/>
-                      <a:r>
-                        <a:rPr lang="en-US" dirty="0"/>
-                        <a:t>Variable</a:t>
-                      </a:r>
-                    </a:p>
-                  </a:txBody>
-                  <a:tcPr/>
-                </a:tc>
-                <a:tc>
-                  <a:txBody>
-                    <a:bodyPr/>
-                    <a:lstStyle/>
-                    <a:p>
-                      <a:pPr algn="ctr"/>
-                      <a:r>
-                        <a:rPr lang="en-US" dirty="0"/>
-                        <a:t>Meaning</a:t>
-                      </a:r>
-                    </a:p>
-                  </a:txBody>
-                  <a:tcPr/>
-                </a:tc>
-                <a:extLst>
-                  <a:ext uri="{0D108BD9-81ED-4DB2-BD59-A6C34878D82A}">
-                    <a16:rowId xmlns:a16="http://schemas.microsoft.com/office/drawing/2014/main" val="550314595"/>
-                  </a:ext>
-                </a:extLst>
-              </a:tr>
-              <a:tr h="613607">
-                <a:tc>
-                  <a:txBody>
-                    <a:bodyPr/>
-                    <a:lstStyle/>
-                    <a:p>
-                      <a:pPr algn="ctr"/>
-                      <a:r>
-                        <a:rPr lang="en-US" sz="1800" dirty="0"/>
-                        <a:t>x</a:t>
-                      </a:r>
-                    </a:p>
-                  </a:txBody>
-                  <a:tcPr/>
-                </a:tc>
-                <a:tc>
-                  <a:txBody>
-                    <a:bodyPr/>
-                    <a:lstStyle/>
-                    <a:p>
-                      <a:pPr algn="ctr"/>
-                      <a:r>
-                        <a:rPr lang="en-US" dirty="0"/>
-                        <a:t>Current tour</a:t>
-                      </a:r>
-                    </a:p>
-                  </a:txBody>
-                  <a:tcPr/>
-                </a:tc>
-                <a:extLst>
-                  <a:ext uri="{0D108BD9-81ED-4DB2-BD59-A6C34878D82A}">
-                    <a16:rowId xmlns:a16="http://schemas.microsoft.com/office/drawing/2014/main" val="3595300234"/>
-                  </a:ext>
-                </a:extLst>
-              </a:tr>
-              <a:tr h="613607">
-                <a:tc>
-                  <a:txBody>
-                    <a:bodyPr/>
-                    <a:lstStyle/>
-                    <a:p>
-                      <a:pPr algn="ctr"/>
-                      <a:r>
-                        <a:rPr lang="en-US" baseline="0" dirty="0"/>
-                        <a:t>f</a:t>
-                      </a:r>
-                      <a:endParaRPr lang="en-US" dirty="0"/>
-                    </a:p>
-                  </a:txBody>
-                  <a:tcPr/>
-                </a:tc>
-                <a:tc>
-                  <a:txBody>
-                    <a:bodyPr/>
-                    <a:lstStyle/>
-                    <a:p>
-                      <a:pPr algn="ctr"/>
-                      <a:r>
-                        <a:rPr lang="en-US" dirty="0"/>
-                        <a:t>Cost of current tour</a:t>
-                      </a:r>
-                    </a:p>
-                  </a:txBody>
-                  <a:tcPr/>
-                </a:tc>
-                <a:extLst>
-                  <a:ext uri="{0D108BD9-81ED-4DB2-BD59-A6C34878D82A}">
-                    <a16:rowId xmlns:a16="http://schemas.microsoft.com/office/drawing/2014/main" val="2578559714"/>
-                  </a:ext>
-                </a:extLst>
-              </a:tr>
-              <a:tr h="613607">
-                <a:tc>
-                  <a:txBody>
-                    <a:bodyPr/>
-                    <a:lstStyle/>
-                    <a:p>
-                      <a:pPr algn="ctr"/>
-                      <a:r>
-                        <a:rPr lang="en-US" dirty="0"/>
-                        <a:t>X</a:t>
-                      </a:r>
-                    </a:p>
-                  </a:txBody>
-                  <a:tcPr/>
-                </a:tc>
-                <a:tc>
-                  <a:txBody>
-                    <a:bodyPr/>
-                    <a:lstStyle/>
-                    <a:p>
-                      <a:pPr algn="ctr"/>
-                      <a:r>
-                        <a:rPr lang="en-US" dirty="0"/>
-                        <a:t>Best tour</a:t>
-                      </a:r>
-                    </a:p>
-                  </a:txBody>
-                  <a:tcPr/>
-                </a:tc>
-                <a:extLst>
-                  <a:ext uri="{0D108BD9-81ED-4DB2-BD59-A6C34878D82A}">
-                    <a16:rowId xmlns:a16="http://schemas.microsoft.com/office/drawing/2014/main" val="1611592332"/>
-                  </a:ext>
-                </a:extLst>
-              </a:tr>
-              <a:tr h="613607">
-                <a:tc>
-                  <a:txBody>
-                    <a:bodyPr/>
-                    <a:lstStyle/>
-                    <a:p>
-                      <a:pPr algn="ctr"/>
-                      <a:r>
-                        <a:rPr lang="en-US" dirty="0"/>
-                        <a:t>F</a:t>
-                      </a:r>
-                    </a:p>
-                  </a:txBody>
-                  <a:tcPr/>
-                </a:tc>
-                <a:tc>
-                  <a:txBody>
-                    <a:bodyPr/>
-                    <a:lstStyle/>
-                    <a:p>
-                      <a:pPr algn="ctr"/>
-                      <a:r>
-                        <a:rPr lang="en-US" dirty="0"/>
-                        <a:t>Cost of best tour</a:t>
-                      </a:r>
-                    </a:p>
-                  </a:txBody>
-                  <a:tcPr/>
-                </a:tc>
-                <a:extLst>
-                  <a:ext uri="{0D108BD9-81ED-4DB2-BD59-A6C34878D82A}">
-                    <a16:rowId xmlns:a16="http://schemas.microsoft.com/office/drawing/2014/main" val="933955793"/>
-                  </a:ext>
-                </a:extLst>
-              </a:tr>
-              <a:tr h="613607">
-                <a:tc>
-                  <a:txBody>
-                    <a:bodyPr/>
-                    <a:lstStyle/>
-                    <a:p>
-                      <a:pPr algn="ctr"/>
-                      <a:r>
-                        <a:rPr lang="en-US" dirty="0"/>
-                        <a:t>s</a:t>
-                      </a:r>
-                    </a:p>
-                  </a:txBody>
-                  <a:tcPr/>
-                </a:tc>
-                <a:tc>
-                  <a:txBody>
-                    <a:bodyPr/>
-                    <a:lstStyle/>
-                    <a:p>
-                      <a:pPr algn="ctr"/>
-                      <a:r>
-                        <a:rPr lang="en-US" dirty="0"/>
-                        <a:t>Big bird?</a:t>
-                      </a:r>
-                    </a:p>
-                  </a:txBody>
-                  <a:tcPr/>
-                </a:tc>
-                <a:extLst>
-                  <a:ext uri="{0D108BD9-81ED-4DB2-BD59-A6C34878D82A}">
-                    <a16:rowId xmlns:a16="http://schemas.microsoft.com/office/drawing/2014/main" val="3479878462"/>
-                  </a:ext>
-                </a:extLst>
-              </a:tr>
-              <a:tr h="613607">
-                <a:tc>
-                  <a:txBody>
-                    <a:bodyPr/>
-                    <a:lstStyle/>
-                    <a:p>
-                      <a:pPr algn="ctr"/>
-                      <a:r>
-                        <a:rPr lang="en-US" dirty="0"/>
-                        <a:t>m</a:t>
-                      </a:r>
-                    </a:p>
-                  </a:txBody>
-                  <a:tcPr/>
-                </a:tc>
-                <a:tc>
-                  <a:txBody>
-                    <a:bodyPr/>
-                    <a:lstStyle/>
-                    <a:p>
-                      <a:pPr algn="ctr"/>
-                      <a:r>
-                        <a:rPr lang="en-US" dirty="0"/>
-                        <a:t>Previous move</a:t>
-                      </a:r>
-                    </a:p>
-                  </a:txBody>
-                  <a:tcPr/>
-                </a:tc>
-                <a:extLst>
-                  <a:ext uri="{0D108BD9-81ED-4DB2-BD59-A6C34878D82A}">
-                    <a16:rowId xmlns:a16="http://schemas.microsoft.com/office/drawing/2014/main" val="508722659"/>
-                  </a:ext>
-                </a:extLst>
-              </a:tr>
-            </a:tbl>
-          </a:graphicData>
-        </a:graphic>
-      </p:graphicFrame>
-      <p:pic>
-        <p:nvPicPr>
-          <p:cNvPr id="44" name="Picture 43">
-            <a:extLst>
-              <a:ext uri="{FF2B5EF4-FFF2-40B4-BE49-F238E27FC236}">
-                <a16:creationId xmlns:a16="http://schemas.microsoft.com/office/drawing/2014/main" id="{9C566CDC-1CA8-1F5B-8CCD-5E5B3DF5838A}"/>
-              </a:ext>
-            </a:extLst>
-          </p:cNvPr>
-          <p:cNvPicPr>
-            <a:picLocks noChangeAspect="1"/>
-          </p:cNvPicPr>
-          <p:nvPr/>
-        </p:nvPicPr>
-        <p:blipFill rotWithShape="1">
-          <a:blip r:embed="rId3"/>
-          <a:srcRect b="63095"/>
-          <a:stretch/>
-        </p:blipFill>
-        <p:spPr>
-          <a:xfrm>
-            <a:off x="4810125" y="2979506"/>
-            <a:ext cx="4137025" cy="2840500"/>
-          </a:xfrm>
-          <a:prstGeom prst="rect">
-            <a:avLst/>
-          </a:prstGeom>
-          <a:noFill/>
-        </p:spPr>
-      </p:pic>
-      <p:sp>
-        <p:nvSpPr>
-          <p:cNvPr id="4" name="Foliennummernplatzhalter 3"/>
-          <p:cNvSpPr>
-            <a:spLocks noGrp="1"/>
-          </p:cNvSpPr>
-          <p:nvPr>
-            <p:ph type="sldNum" sz="quarter" idx="10"/>
-          </p:nvPr>
-        </p:nvSpPr>
-        <p:spPr>
-          <a:xfrm>
-            <a:off x="8947150" y="7165975"/>
-            <a:ext cx="1223963" cy="228600"/>
-          </a:xfrm>
-        </p:spPr>
-        <p:txBody>
-          <a:bodyPr wrap="square" anchor="t">
-            <a:normAutofit/>
-          </a:bodyPr>
-          <a:lstStyle/>
-          <a:p>
-            <a:pPr>
-              <a:spcAft>
-                <a:spcPts val="600"/>
-              </a:spcAft>
-            </a:pPr>
-            <a:r>
-              <a:rPr lang="de-DE"/>
-              <a:t>Seite </a:t>
-            </a:r>
-            <a:fld id="{4CDCE16C-BB8B-41B6-BC70-61DAD202005A}" type="slidenum">
-              <a:rPr lang="de-DE"/>
-              <a:pPr>
-                <a:spcAft>
-                  <a:spcPts val="600"/>
-                </a:spcAft>
-              </a:pPr>
-              <a:t>16</a:t>
-            </a:fld>
-            <a:endParaRPr lang="de-DE"/>
-          </a:p>
-        </p:txBody>
-      </p:sp>
-    </p:spTree>
-    <p:extLst>
-      <p:ext uri="{BB962C8B-B14F-4D97-AF65-F5344CB8AC3E}">
-        <p14:creationId xmlns:p14="http://schemas.microsoft.com/office/powerpoint/2010/main" val="1177545213"/>
-      </p:ext>
-    </p:extLst>
-  </p:cSld>
-  <p:clrMapOvr>
-    <a:masterClrMapping/>
-  </p:clrMapOvr>
-</p:sld>
-</file>
-
-<file path=ppt/slides/slide17.xml><?xml version="1.0" encoding="utf-8"?>
-<p:sld xmlns:a="http://schemas.openxmlformats.org/drawingml/2006/main" xmlns:r="http://schemas.openxmlformats.org/officeDocument/2006/relationships" xmlns:p="http://schemas.openxmlformats.org/presentationml/2006/main">
-  <p:cSld>
-    <p:spTree>
-      <p:nvGrpSpPr>
-        <p:cNvPr id="1" name=""/>
-        <p:cNvGrpSpPr/>
-        <p:nvPr/>
-      </p:nvGrpSpPr>
-      <p:grpSpPr>
-        <a:xfrm>
-          <a:off x="0" y="0"/>
-          <a:ext cx="0" cy="0"/>
-          <a:chOff x="0" y="0"/>
-          <a:chExt cx="0" cy="0"/>
-        </a:xfrm>
-      </p:grpSpPr>
-      <p:sp>
-        <p:nvSpPr>
-          <p:cNvPr id="9218" name="Rectangle 2"/>
-          <p:cNvSpPr>
-            <a:spLocks noGrp="1" noChangeArrowheads="1"/>
-          </p:cNvSpPr>
-          <p:nvPr>
-            <p:ph type="title"/>
-          </p:nvPr>
-        </p:nvSpPr>
-        <p:spPr>
-          <a:xfrm>
-            <a:off x="522288" y="671513"/>
-            <a:ext cx="9648825" cy="949325"/>
-          </a:xfrm>
-        </p:spPr>
-        <p:txBody>
-          <a:bodyPr wrap="square" anchor="t">
-            <a:normAutofit/>
-          </a:bodyPr>
-          <a:lstStyle/>
-          <a:p>
-            <a:r>
-              <a:rPr lang="de-DE" dirty="0" err="1"/>
-              <a:t>Algorithm</a:t>
-            </a:r>
-            <a:endParaRPr lang="de-DE" b="0" i="1" dirty="0"/>
-          </a:p>
-        </p:txBody>
-      </p:sp>
-      <p:pic>
-        <p:nvPicPr>
-          <p:cNvPr id="2" name="Picture 1" descr="A math problem with black text&#10;&#10;Description automatically generated with medium confidence">
-            <a:extLst>
-              <a:ext uri="{FF2B5EF4-FFF2-40B4-BE49-F238E27FC236}">
-                <a16:creationId xmlns:a16="http://schemas.microsoft.com/office/drawing/2014/main" id="{3139A6DD-9347-1AB9-3AE7-A15B7558A10D}"/>
-              </a:ext>
-            </a:extLst>
-          </p:cNvPr>
-          <p:cNvPicPr>
-            <a:picLocks noChangeAspect="1"/>
-          </p:cNvPicPr>
-          <p:nvPr/>
-        </p:nvPicPr>
-        <p:blipFill rotWithShape="1">
-          <a:blip r:embed="rId3"/>
-          <a:srcRect t="36507"/>
-          <a:stretch/>
-        </p:blipFill>
-        <p:spPr>
-          <a:xfrm>
-            <a:off x="5058660" y="1957230"/>
-            <a:ext cx="4132515" cy="4881600"/>
-          </a:xfrm>
-          <a:prstGeom prst="rect">
-            <a:avLst/>
-          </a:prstGeom>
-          <a:noFill/>
-        </p:spPr>
-      </p:pic>
-      <p:sp>
-        <p:nvSpPr>
-          <p:cNvPr id="4" name="Foliennummernplatzhalter 3"/>
-          <p:cNvSpPr>
-            <a:spLocks noGrp="1"/>
-          </p:cNvSpPr>
-          <p:nvPr>
-            <p:ph type="sldNum" sz="quarter" idx="10"/>
-          </p:nvPr>
-        </p:nvSpPr>
-        <p:spPr>
-          <a:xfrm>
-            <a:off x="8947150" y="7165975"/>
-            <a:ext cx="1223963" cy="228600"/>
-          </a:xfrm>
-        </p:spPr>
-        <p:txBody>
-          <a:bodyPr wrap="square" anchor="t">
-            <a:normAutofit/>
-          </a:bodyPr>
-          <a:lstStyle/>
-          <a:p>
-            <a:pPr>
-              <a:spcAft>
-                <a:spcPts val="600"/>
-              </a:spcAft>
-            </a:pPr>
-            <a:r>
-              <a:rPr lang="de-DE"/>
-              <a:t>Seite </a:t>
-            </a:r>
-            <a:fld id="{4CDCE16C-BB8B-41B6-BC70-61DAD202005A}" type="slidenum">
-              <a:rPr lang="de-DE"/>
-              <a:pPr>
-                <a:spcAft>
-                  <a:spcPts val="600"/>
-                </a:spcAft>
-              </a:pPr>
-              <a:t>17</a:t>
-            </a:fld>
-            <a:endParaRPr lang="de-DE"/>
-          </a:p>
-        </p:txBody>
-      </p:sp>
-      <p:graphicFrame>
-        <p:nvGraphicFramePr>
-          <p:cNvPr id="3" name="Content Placeholder 44">
-            <a:extLst>
-              <a:ext uri="{FF2B5EF4-FFF2-40B4-BE49-F238E27FC236}">
-                <a16:creationId xmlns:a16="http://schemas.microsoft.com/office/drawing/2014/main" id="{460DEBB6-A840-60C6-70A5-81E31DB0B2A0}"/>
-              </a:ext>
-            </a:extLst>
-          </p:cNvPr>
-          <p:cNvGraphicFramePr>
-            <a:graphicFrameLocks noGrp="1"/>
-          </p:cNvGraphicFramePr>
-          <p:nvPr>
-            <p:ph sz="half" idx="1"/>
-            <p:extLst>
-              <p:ext uri="{D42A27DB-BD31-4B8C-83A1-F6EECF244321}">
-                <p14:modId xmlns:p14="http://schemas.microsoft.com/office/powerpoint/2010/main" val="3516882257"/>
-              </p:ext>
-            </p:extLst>
-          </p:nvPr>
-        </p:nvGraphicFramePr>
-        <p:xfrm>
-          <a:off x="522288" y="2138362"/>
-          <a:ext cx="4135436" cy="4321722"/>
-        </p:xfrm>
-        <a:graphic>
-          <a:graphicData uri="http://schemas.openxmlformats.org/drawingml/2006/table">
-            <a:tbl>
-              <a:tblPr firstRow="1" bandRow="1">
-                <a:tableStyleId>{BC89EF96-8CEA-46FF-86C4-4CE0E7609802}</a:tableStyleId>
-              </a:tblPr>
-              <a:tblGrid>
-                <a:gridCol w="2067718">
-                  <a:extLst>
-                    <a:ext uri="{9D8B030D-6E8A-4147-A177-3AD203B41FA5}">
-                      <a16:colId xmlns:a16="http://schemas.microsoft.com/office/drawing/2014/main" val="3773407808"/>
-                    </a:ext>
-                  </a:extLst>
-                </a:gridCol>
-                <a:gridCol w="2067718">
-                  <a:extLst>
-                    <a:ext uri="{9D8B030D-6E8A-4147-A177-3AD203B41FA5}">
-                      <a16:colId xmlns:a16="http://schemas.microsoft.com/office/drawing/2014/main" val="1453383120"/>
-                    </a:ext>
-                  </a:extLst>
-                </a:gridCol>
-              </a:tblGrid>
-              <a:tr h="613607">
-                <a:tc>
-                  <a:txBody>
-                    <a:bodyPr/>
-                    <a:lstStyle/>
-                    <a:p>
-                      <a:pPr algn="ctr"/>
-                      <a:r>
-                        <a:rPr lang="en-US" dirty="0"/>
-                        <a:t>Variable</a:t>
-                      </a:r>
-                    </a:p>
-                  </a:txBody>
-                  <a:tcPr/>
-                </a:tc>
-                <a:tc>
-                  <a:txBody>
-                    <a:bodyPr/>
-                    <a:lstStyle/>
-                    <a:p>
-                      <a:pPr algn="ctr"/>
-                      <a:r>
-                        <a:rPr lang="en-US" dirty="0"/>
-                        <a:t>Meaning</a:t>
-                      </a:r>
-                    </a:p>
-                  </a:txBody>
-                  <a:tcPr/>
-                </a:tc>
-                <a:extLst>
-                  <a:ext uri="{0D108BD9-81ED-4DB2-BD59-A6C34878D82A}">
-                    <a16:rowId xmlns:a16="http://schemas.microsoft.com/office/drawing/2014/main" val="550314595"/>
-                  </a:ext>
-                </a:extLst>
-              </a:tr>
-              <a:tr h="613607">
-                <a:tc>
-                  <a:txBody>
-                    <a:bodyPr/>
-                    <a:lstStyle/>
-                    <a:p>
-                      <a:pPr algn="ctr"/>
-                      <a:r>
-                        <a:rPr lang="en-US" sz="1800" dirty="0"/>
-                        <a:t>x</a:t>
-                      </a:r>
-                    </a:p>
-                  </a:txBody>
-                  <a:tcPr/>
-                </a:tc>
-                <a:tc>
-                  <a:txBody>
-                    <a:bodyPr/>
-                    <a:lstStyle/>
-                    <a:p>
-                      <a:pPr algn="ctr"/>
-                      <a:r>
-                        <a:rPr lang="en-US" dirty="0"/>
-                        <a:t>Current tour</a:t>
-                      </a:r>
-                    </a:p>
-                  </a:txBody>
-                  <a:tcPr/>
-                </a:tc>
-                <a:extLst>
-                  <a:ext uri="{0D108BD9-81ED-4DB2-BD59-A6C34878D82A}">
-                    <a16:rowId xmlns:a16="http://schemas.microsoft.com/office/drawing/2014/main" val="3595300234"/>
-                  </a:ext>
-                </a:extLst>
-              </a:tr>
-              <a:tr h="613607">
-                <a:tc>
-                  <a:txBody>
-                    <a:bodyPr/>
-                    <a:lstStyle/>
-                    <a:p>
-                      <a:pPr algn="ctr"/>
-                      <a:r>
-                        <a:rPr lang="en-US" baseline="0" dirty="0"/>
-                        <a:t>f</a:t>
-                      </a:r>
-                      <a:endParaRPr lang="en-US" dirty="0"/>
-                    </a:p>
-                  </a:txBody>
-                  <a:tcPr/>
-                </a:tc>
-                <a:tc>
-                  <a:txBody>
-                    <a:bodyPr/>
-                    <a:lstStyle/>
-                    <a:p>
-                      <a:pPr algn="ctr"/>
-                      <a:r>
-                        <a:rPr lang="en-US" dirty="0"/>
-                        <a:t>Cost of current tour</a:t>
-                      </a:r>
-                    </a:p>
-                  </a:txBody>
-                  <a:tcPr/>
-                </a:tc>
-                <a:extLst>
-                  <a:ext uri="{0D108BD9-81ED-4DB2-BD59-A6C34878D82A}">
-                    <a16:rowId xmlns:a16="http://schemas.microsoft.com/office/drawing/2014/main" val="2578559714"/>
-                  </a:ext>
-                </a:extLst>
-              </a:tr>
-              <a:tr h="613607">
-                <a:tc>
-                  <a:txBody>
-                    <a:bodyPr/>
-                    <a:lstStyle/>
-                    <a:p>
-                      <a:pPr algn="ctr"/>
-                      <a:r>
-                        <a:rPr lang="en-US" dirty="0"/>
-                        <a:t>X</a:t>
-                      </a:r>
-                    </a:p>
-                  </a:txBody>
-                  <a:tcPr/>
-                </a:tc>
-                <a:tc>
-                  <a:txBody>
-                    <a:bodyPr/>
-                    <a:lstStyle/>
-                    <a:p>
-                      <a:pPr algn="ctr"/>
-                      <a:r>
-                        <a:rPr lang="en-US" dirty="0"/>
-                        <a:t>Best tour</a:t>
-                      </a:r>
-                    </a:p>
-                  </a:txBody>
-                  <a:tcPr/>
-                </a:tc>
-                <a:extLst>
-                  <a:ext uri="{0D108BD9-81ED-4DB2-BD59-A6C34878D82A}">
-                    <a16:rowId xmlns:a16="http://schemas.microsoft.com/office/drawing/2014/main" val="1611592332"/>
-                  </a:ext>
-                </a:extLst>
-              </a:tr>
-              <a:tr h="613607">
-                <a:tc>
-                  <a:txBody>
-                    <a:bodyPr/>
-                    <a:lstStyle/>
-                    <a:p>
-                      <a:pPr algn="ctr"/>
-                      <a:r>
-                        <a:rPr lang="en-US" dirty="0"/>
-                        <a:t>F</a:t>
-                      </a:r>
-                    </a:p>
-                  </a:txBody>
-                  <a:tcPr/>
-                </a:tc>
-                <a:tc>
-                  <a:txBody>
-                    <a:bodyPr/>
-                    <a:lstStyle/>
-                    <a:p>
-                      <a:pPr algn="ctr"/>
-                      <a:r>
-                        <a:rPr lang="en-US" dirty="0"/>
-                        <a:t>Cost of best tour</a:t>
-                      </a:r>
-                    </a:p>
-                  </a:txBody>
-                  <a:tcPr/>
-                </a:tc>
-                <a:extLst>
-                  <a:ext uri="{0D108BD9-81ED-4DB2-BD59-A6C34878D82A}">
-                    <a16:rowId xmlns:a16="http://schemas.microsoft.com/office/drawing/2014/main" val="933955793"/>
-                  </a:ext>
-                </a:extLst>
-              </a:tr>
-              <a:tr h="613607">
-                <a:tc>
-                  <a:txBody>
-                    <a:bodyPr/>
-                    <a:lstStyle/>
-                    <a:p>
-                      <a:pPr algn="ctr"/>
-                      <a:r>
-                        <a:rPr lang="en-US" dirty="0"/>
-                        <a:t>s</a:t>
-                      </a:r>
-                    </a:p>
-                  </a:txBody>
-                  <a:tcPr/>
-                </a:tc>
-                <a:tc>
-                  <a:txBody>
-                    <a:bodyPr/>
-                    <a:lstStyle/>
-                    <a:p>
-                      <a:pPr algn="ctr"/>
-                      <a:r>
-                        <a:rPr lang="en-US" dirty="0"/>
-                        <a:t>Big bird?</a:t>
-                      </a:r>
-                    </a:p>
-                  </a:txBody>
-                  <a:tcPr/>
-                </a:tc>
-                <a:extLst>
-                  <a:ext uri="{0D108BD9-81ED-4DB2-BD59-A6C34878D82A}">
-                    <a16:rowId xmlns:a16="http://schemas.microsoft.com/office/drawing/2014/main" val="3479878462"/>
-                  </a:ext>
-                </a:extLst>
-              </a:tr>
-              <a:tr h="613607">
-                <a:tc>
-                  <a:txBody>
-                    <a:bodyPr/>
-                    <a:lstStyle/>
-                    <a:p>
-                      <a:pPr algn="ctr"/>
-                      <a:r>
-                        <a:rPr lang="en-US" dirty="0"/>
-                        <a:t>m</a:t>
-                      </a:r>
-                    </a:p>
-                  </a:txBody>
-                  <a:tcPr/>
-                </a:tc>
-                <a:tc>
-                  <a:txBody>
-                    <a:bodyPr/>
-                    <a:lstStyle/>
-                    <a:p>
-                      <a:pPr algn="ctr"/>
-                      <a:r>
-                        <a:rPr lang="en-US" dirty="0"/>
-                        <a:t>Previous move</a:t>
-                      </a:r>
-                    </a:p>
-                  </a:txBody>
-                  <a:tcPr/>
-                </a:tc>
-                <a:extLst>
-                  <a:ext uri="{0D108BD9-81ED-4DB2-BD59-A6C34878D82A}">
-                    <a16:rowId xmlns:a16="http://schemas.microsoft.com/office/drawing/2014/main" val="508722659"/>
-                  </a:ext>
-                </a:extLst>
-              </a:tr>
-            </a:tbl>
-          </a:graphicData>
-        </a:graphic>
-      </p:graphicFrame>
-    </p:spTree>
-    <p:extLst>
-      <p:ext uri="{BB962C8B-B14F-4D97-AF65-F5344CB8AC3E}">
-        <p14:creationId xmlns:p14="http://schemas.microsoft.com/office/powerpoint/2010/main" val="1594055422"/>
-      </p:ext>
-    </p:extLst>
-  </p:cSld>
-  <p:clrMapOvr>
-    <a:masterClrMapping/>
-  </p:clrMapOvr>
-</p:sld>
-</file>
-
 <file path=ppt/slides/slide2.xml><?xml version="1.0" encoding="utf-8"?>
 <p:sld xmlns:a="http://schemas.openxmlformats.org/drawingml/2006/main" xmlns:r="http://schemas.openxmlformats.org/officeDocument/2006/relationships" xmlns:p="http://schemas.openxmlformats.org/presentationml/2006/main">
   <p:cSld>
@@ -10012,7 +9015,7 @@
             <p:ph type="tbl" idx="1"/>
             <p:extLst>
               <p:ext uri="{D42A27DB-BD31-4B8C-83A1-F6EECF244321}">
-                <p14:modId xmlns:p14="http://schemas.microsoft.com/office/powerpoint/2010/main" val="4100684309"/>
+                <p14:modId xmlns:p14="http://schemas.microsoft.com/office/powerpoint/2010/main" val="612201179"/>
               </p:ext>
             </p:extLst>
           </p:nvPr>
@@ -10305,16 +9308,19 @@
                         </a:rPr>
                         <a:t>Algorithm</a:t>
                       </a:r>
-                      <a:endParaRPr kumimoji="0" lang="de-DE" sz="1700" b="0" i="0" u="none" strike="noStrike" cap="none" normalizeH="0" baseline="0" dirty="0">
-                        <a:ln>
-                          <a:noFill/>
-                        </a:ln>
-                        <a:solidFill>
-                          <a:schemeClr val="tx1"/>
-                        </a:solidFill>
-                        <a:effectLst/>
-                        <a:latin typeface="Arial" charset="0"/>
-                      </a:endParaRPr>
+                      <a:r>
+                        <a:rPr kumimoji="0" lang="de-DE" sz="1700" b="0" i="0" u="none" strike="noStrike" cap="none" normalizeH="0" baseline="0" dirty="0">
+                          <a:ln>
+                            <a:noFill/>
+                          </a:ln>
+                          <a:solidFill>
+                            <a:schemeClr val="tx1"/>
+                          </a:solidFill>
+                          <a:effectLst/>
+                          <a:latin typeface="Arial" charset="0"/>
+                        </a:rPr>
+                        <a:t> Details</a:t>
+                      </a:r>
                     </a:p>
                   </a:txBody>
                   <a:tcPr marL="0" marR="0" marT="0" marB="0" horzOverflow="overflow">
@@ -10433,7 +9439,7 @@
                           <a:effectLst/>
                           <a:latin typeface="Arial" charset="0"/>
                         </a:rPr>
-                        <a:t>Page 12</a:t>
+                        <a:t>Page 11</a:t>
                       </a:r>
                     </a:p>
                   </a:txBody>
@@ -10593,7 +9599,7 @@
             <p:ph type="tbl" idx="1"/>
             <p:extLst>
               <p:ext uri="{D42A27DB-BD31-4B8C-83A1-F6EECF244321}">
-                <p14:modId xmlns:p14="http://schemas.microsoft.com/office/powerpoint/2010/main" val="3764264989"/>
+                <p14:modId xmlns:p14="http://schemas.microsoft.com/office/powerpoint/2010/main" val="2891553104"/>
               </p:ext>
             </p:extLst>
           </p:nvPr>
@@ -10872,6 +9878,7 @@
                         <a:buFontTx/>
                         <a:buNone/>
                         <a:tabLst/>
+                        <a:defRPr/>
                       </a:pPr>
                       <a:r>
                         <a:rPr kumimoji="0" lang="de-DE" sz="1700" b="0" i="0" u="none" strike="noStrike" cap="none" normalizeH="0" baseline="0" dirty="0" err="1">
@@ -10886,16 +9893,19 @@
                         </a:rPr>
                         <a:t>Algorithm</a:t>
                       </a:r>
-                      <a:endParaRPr kumimoji="0" lang="de-DE" sz="1700" b="0" i="0" u="none" strike="noStrike" cap="none" normalizeH="0" baseline="0" dirty="0">
-                        <a:ln>
-                          <a:noFill/>
-                        </a:ln>
-                        <a:solidFill>
-                          <a:schemeClr val="tx1"/>
-                        </a:solidFill>
-                        <a:effectLst/>
-                        <a:latin typeface="Arial" charset="0"/>
-                      </a:endParaRPr>
+                      <a:r>
+                        <a:rPr kumimoji="0" lang="de-DE" sz="1700" b="0" i="0" u="none" strike="noStrike" cap="none" normalizeH="0" baseline="0" dirty="0">
+                          <a:ln>
+                            <a:noFill/>
+                          </a:ln>
+                          <a:solidFill>
+                            <a:schemeClr val="tx1"/>
+                          </a:solidFill>
+                          <a:effectLst/>
+                          <a:latin typeface="Arial" charset="0"/>
+                        </a:rPr>
+                        <a:t> Details</a:t>
+                      </a:r>
                     </a:p>
                   </a:txBody>
                   <a:tcPr marL="0" marR="0" marT="0" marB="0" horzOverflow="overflow">
@@ -11014,7 +10024,7 @@
                           <a:effectLst/>
                           <a:latin typeface="Arial" charset="0"/>
                         </a:rPr>
-                        <a:t>Page 12</a:t>
+                        <a:t>Page 11</a:t>
                       </a:r>
                     </a:p>
                   </a:txBody>
@@ -11811,7 +10821,7 @@
             <p:ph type="tbl" idx="1"/>
             <p:extLst>
               <p:ext uri="{D42A27DB-BD31-4B8C-83A1-F6EECF244321}">
-                <p14:modId xmlns:p14="http://schemas.microsoft.com/office/powerpoint/2010/main" val="2056665127"/>
+                <p14:modId xmlns:p14="http://schemas.microsoft.com/office/powerpoint/2010/main" val="1268231668"/>
               </p:ext>
             </p:extLst>
           </p:nvPr>
@@ -12090,6 +11100,7 @@
                         <a:buFontTx/>
                         <a:buNone/>
                         <a:tabLst/>
+                        <a:defRPr/>
                       </a:pPr>
                       <a:r>
                         <a:rPr kumimoji="0" lang="de-DE" sz="1700" b="0" i="0" u="none" strike="noStrike" cap="none" normalizeH="0" baseline="0" dirty="0" err="1">
@@ -12104,6 +11115,37 @@
                         </a:rPr>
                         <a:t>Algorithm</a:t>
                       </a:r>
+                      <a:r>
+                        <a:rPr kumimoji="0" lang="de-DE" sz="1700" b="0" i="0" u="none" strike="noStrike" cap="none" normalizeH="0" baseline="0" dirty="0">
+                          <a:ln>
+                            <a:noFill/>
+                          </a:ln>
+                          <a:solidFill>
+                            <a:schemeClr val="tx1"/>
+                          </a:solidFill>
+                          <a:effectLst/>
+                          <a:latin typeface="Arial" charset="0"/>
+                        </a:rPr>
+                        <a:t> Details</a:t>
+                      </a:r>
+                    </a:p>
+                    <a:p>
+                      <a:pPr marL="0" marR="0" lvl="0" indent="0" algn="l" defTabSz="1054100" rtl="0" eaLnBrk="1" fontAlgn="base" latinLnBrk="0" hangingPunct="1">
+                        <a:lnSpc>
+                          <a:spcPct val="110000"/>
+                        </a:lnSpc>
+                        <a:spcBef>
+                          <a:spcPct val="0"/>
+                        </a:spcBef>
+                        <a:spcAft>
+                          <a:spcPct val="40000"/>
+                        </a:spcAft>
+                        <a:buClrTx/>
+                        <a:buSzTx/>
+                        <a:buFontTx/>
+                        <a:buNone/>
+                        <a:tabLst/>
+                      </a:pPr>
                       <a:endParaRPr kumimoji="0" lang="de-DE" sz="1700" b="0" i="0" u="none" strike="noStrike" cap="none" normalizeH="0" baseline="0" dirty="0">
                         <a:ln>
                           <a:noFill/>
@@ -12232,7 +11274,7 @@
                           <a:effectLst/>
                           <a:latin typeface="Arial" charset="0"/>
                         </a:rPr>
-                        <a:t>Page 12</a:t>
+                        <a:t>Page 11</a:t>
                       </a:r>
                     </a:p>
                   </a:txBody>
